--- a/Final presentation 3.pptx
+++ b/Final presentation 3.pptx
@@ -1622,7 +1622,7 @@
       </p:grpSpPr>
       <p:sp>
         <p:nvSpPr>
-          <p:cNvPr id="2" name="Slide Image Placeholder 1"/>
+          <p:cNvPr id="2" name="מציין מיקום של תמונת שקופית 1"/>
           <p:cNvSpPr>
             <a:spLocks noGrp="1" noRot="1" noChangeAspect="1"/>
           </p:cNvSpPr>
@@ -1634,7 +1634,7 @@
       </p:sp>
       <p:sp>
         <p:nvSpPr>
-          <p:cNvPr id="3" name="Notes Placeholder 2"/>
+          <p:cNvPr id="3" name="מציין מיקום של הערות 2"/>
           <p:cNvSpPr>
             <a:spLocks noGrp="1"/>
           </p:cNvSpPr>
@@ -1647,7 +1647,79 @@
           <a:bodyPr/>
           <a:lstStyle/>
           <a:p>
-            <a:pPr>
+            <a:pPr marL="342900" marR="0" lvl="0" indent="-342900">
+              <a:lnSpc>
+                <a:spcPct val="107000"/>
+              </a:lnSpc>
+              <a:spcBef>
+                <a:spcPts val="0"/>
+              </a:spcBef>
+              <a:spcAft>
+                <a:spcPts val="0"/>
+              </a:spcAft>
+              <a:buFont typeface="Symbol" panose="05050102010706020507" pitchFamily="18" charset="2"/>
+              <a:buChar char=""/>
+            </a:pPr>
+            <a:r>
+              <a:rPr lang="en-US" sz="1200" dirty="0">
+                <a:effectLst/>
+                <a:latin typeface="Calibri" panose="020F0502020204030204" pitchFamily="34" charset="0"/>
+                <a:ea typeface="Calibri" panose="020F0502020204030204" pitchFamily="34" charset="0"/>
+                <a:cs typeface="Arial" panose="020B0604020202020204" pitchFamily="34" charset="0"/>
+              </a:rPr>
+              <a:t>Code Coverage (which lines of code are executed)</a:t>
+            </a:r>
+          </a:p>
+          <a:p>
+            <a:pPr marL="342900" marR="0" lvl="0" indent="-342900">
+              <a:lnSpc>
+                <a:spcPct val="107000"/>
+              </a:lnSpc>
+              <a:spcBef>
+                <a:spcPts val="0"/>
+              </a:spcBef>
+              <a:spcAft>
+                <a:spcPts val="0"/>
+              </a:spcAft>
+              <a:buFont typeface="Symbol" panose="05050102010706020507" pitchFamily="18" charset="2"/>
+              <a:buChar char=""/>
+            </a:pPr>
+            <a:r>
+              <a:rPr lang="en-US" sz="1200" dirty="0">
+                <a:effectLst/>
+                <a:latin typeface="Calibri" panose="020F0502020204030204" pitchFamily="34" charset="0"/>
+                <a:ea typeface="Calibri" panose="020F0502020204030204" pitchFamily="34" charset="0"/>
+                <a:cs typeface="Arial" panose="020B0604020202020204" pitchFamily="34" charset="0"/>
+              </a:rPr>
+              <a:t>Condition Coverage (whether all branches of conditions have been exercised.)</a:t>
+            </a:r>
+          </a:p>
+          <a:p>
+            <a:pPr marL="342900" marR="0" lvl="0" indent="-342900">
+              <a:lnSpc>
+                <a:spcPct val="107000"/>
+              </a:lnSpc>
+              <a:spcBef>
+                <a:spcPts val="0"/>
+              </a:spcBef>
+              <a:spcAft>
+                <a:spcPts val="0"/>
+              </a:spcAft>
+              <a:buFont typeface="Symbol" panose="05050102010706020507" pitchFamily="18" charset="2"/>
+              <a:buChar char=""/>
+            </a:pPr>
+            <a:r>
+              <a:rPr lang="en-US" sz="1200" dirty="0">
+                <a:effectLst/>
+                <a:latin typeface="Calibri" panose="020F0502020204030204" pitchFamily="34" charset="0"/>
+                <a:ea typeface="Calibri" panose="020F0502020204030204" pitchFamily="34" charset="0"/>
+                <a:cs typeface="Arial" panose="020B0604020202020204" pitchFamily="34" charset="0"/>
+              </a:rPr>
+              <a:t>Functional coverage (how much design functionality has been exercised/covered by the testbench or verification environment)</a:t>
+            </a:r>
+          </a:p>
+          <a:p>
+            <a:pPr marL="342900" marR="0" lvl="0" indent="-342900">
               <a:lnSpc>
                 <a:spcPct val="107000"/>
               </a:lnSpc>
@@ -1657,85 +1729,27 @@
               <a:spcAft>
                 <a:spcPts val="800"/>
               </a:spcAft>
+              <a:buFont typeface="Symbol" panose="05050102010706020507" pitchFamily="18" charset="2"/>
+              <a:buChar char=""/>
             </a:pPr>
             <a:r>
-              <a:rPr lang="en-US" dirty="0">
-                <a:effectLst/>
-                <a:latin typeface="Calibri" panose="020F0502020204030204" pitchFamily="34" charset="0"/>
-                <a:ea typeface="Calibri" panose="020F0502020204030204" pitchFamily="34" charset="0"/>
-                <a:cs typeface="Arial" panose="020B0604020202020204" pitchFamily="34" charset="0"/>
-              </a:rPr>
-              <a:t>In order to check the functional coverage of the test line, the following cover groups were defined:</a:t>
-            </a:r>
-          </a:p>
-          <a:p>
-            <a:pPr lvl="1">
-              <a:lnSpc>
-                <a:spcPct val="107000"/>
-              </a:lnSpc>
-              <a:spcBef>
-                <a:spcPts val="0"/>
-              </a:spcBef>
-            </a:pPr>
-            <a:r>
-              <a:rPr lang="en-US" sz="2000" dirty="0">
-                <a:effectLst/>
-                <a:latin typeface="Calibri" panose="020F0502020204030204" pitchFamily="34" charset="0"/>
-                <a:ea typeface="Calibri" panose="020F0502020204030204" pitchFamily="34" charset="0"/>
-                <a:cs typeface="Arial" panose="020B0604020202020204" pitchFamily="34" charset="0"/>
-              </a:rPr>
-              <a:t>NUM_POINTS - This cover group samples the number of data points randomly generated for each test, to verify that all values  of this variable are uniformly distributed between 8 and 512.</a:t>
-            </a:r>
-          </a:p>
-          <a:p>
-            <a:pPr lvl="1">
-              <a:lnSpc>
-                <a:spcPct val="107000"/>
-              </a:lnSpc>
-              <a:spcBef>
-                <a:spcPts val="0"/>
-              </a:spcBef>
-            </a:pPr>
-            <a:r>
-              <a:rPr lang="en-US" sz="2000" dirty="0">
-                <a:effectLst/>
-                <a:latin typeface="Calibri" panose="020F0502020204030204" pitchFamily="34" charset="0"/>
-                <a:ea typeface="Calibri" panose="020F0502020204030204" pitchFamily="34" charset="0"/>
-                <a:cs typeface="Arial" panose="020B0604020202020204" pitchFamily="34" charset="0"/>
-              </a:rPr>
-              <a:t>DATA_VALUE - This cover group samples the values of each one of the seven coordinates of all data points randomly generated for each test, to verify that all values  of this variable are uniformly distributed between all the possible values.</a:t>
-            </a:r>
-          </a:p>
-          <a:p>
-            <a:pPr lvl="1">
-              <a:lnSpc>
-                <a:spcPct val="107000"/>
-              </a:lnSpc>
-              <a:spcBef>
-                <a:spcPts val="0"/>
-              </a:spcBef>
-              <a:spcAft>
-                <a:spcPts val="800"/>
-              </a:spcAft>
-            </a:pPr>
-            <a:r>
-              <a:rPr lang="en-US" sz="2000" dirty="0">
-                <a:effectLst/>
-                <a:latin typeface="Calibri" panose="020F0502020204030204" pitchFamily="34" charset="0"/>
-                <a:ea typeface="Calibri" panose="020F0502020204030204" pitchFamily="34" charset="0"/>
-                <a:cs typeface="Arial" panose="020B0604020202020204" pitchFamily="34" charset="0"/>
-              </a:rPr>
-              <a:t>CENTX_VALUE - This cover group samples the value of each one of the seven coordinates of centroid X, randomly generated at each test, to verify that all values of this variable are uniformly distributed between all the possible values.</a:t>
-            </a:r>
-          </a:p>
-          <a:p>
-            <a:endParaRPr lang="en-US" dirty="0"/>
+              <a:rPr lang="en-US" sz="1200" dirty="0">
+                <a:effectLst/>
+                <a:latin typeface="Calibri" panose="020F0502020204030204" pitchFamily="34" charset="0"/>
+                <a:ea typeface="Calibri" panose="020F0502020204030204" pitchFamily="34" charset="0"/>
+                <a:cs typeface="Arial" panose="020B0604020202020204" pitchFamily="34" charset="0"/>
+              </a:rPr>
+              <a:t>FSM Coverage (which states and possible state transitions are exercised)</a:t>
+            </a:r>
+          </a:p>
+          <a:p>
+            <a:endParaRPr lang="he-IL" dirty="0"/>
           </a:p>
         </p:txBody>
       </p:sp>
       <p:sp>
         <p:nvSpPr>
-          <p:cNvPr id="4" name="Slide Number Placeholder 3"/>
+          <p:cNvPr id="4" name="מציין מיקום של מספר שקופית 3"/>
           <p:cNvSpPr>
             <a:spLocks noGrp="1"/>
           </p:cNvSpPr>
@@ -1750,7 +1764,7 @@
           <a:p>
             <a:fld id="{509FA207-E8FD-4363-95A6-907EB6A63BD8}" type="slidenum">
               <a:rPr lang="en-US" smtClean="0"/>
-              <a:t>38</a:t>
+              <a:t>34</a:t>
             </a:fld>
             <a:endParaRPr lang="en-US"/>
           </a:p>
@@ -1759,7 +1773,7 @@
     </p:spTree>
     <p:extLst>
       <p:ext uri="{BB962C8B-B14F-4D97-AF65-F5344CB8AC3E}">
-        <p14:creationId xmlns:p14="http://schemas.microsoft.com/office/powerpoint/2010/main" val="2917502182"/>
+        <p14:creationId xmlns:p14="http://schemas.microsoft.com/office/powerpoint/2010/main" val="425144926"/>
       </p:ext>
     </p:extLst>
   </p:cSld>
@@ -1770,6 +1784,197 @@
 </file>
 
 <file path=ppt/notesSlides/notesSlide16.xml><?xml version="1.0" encoding="utf-8"?>
+<p:notes xmlns:a="http://schemas.openxmlformats.org/drawingml/2006/main" xmlns:r="http://schemas.openxmlformats.org/officeDocument/2006/relationships" xmlns:p="http://schemas.openxmlformats.org/presentationml/2006/main">
+  <p:cSld>
+    <p:spTree>
+      <p:nvGrpSpPr>
+        <p:cNvPr id="1" name=""/>
+        <p:cNvGrpSpPr/>
+        <p:nvPr/>
+      </p:nvGrpSpPr>
+      <p:grpSpPr>
+        <a:xfrm>
+          <a:off x="0" y="0"/>
+          <a:ext cx="0" cy="0"/>
+          <a:chOff x="0" y="0"/>
+          <a:chExt cx="0" cy="0"/>
+        </a:xfrm>
+      </p:grpSpPr>
+      <p:sp>
+        <p:nvSpPr>
+          <p:cNvPr id="2" name="מציין מיקום של תמונת שקופית 1"/>
+          <p:cNvSpPr>
+            <a:spLocks noGrp="1" noRot="1" noChangeAspect="1"/>
+          </p:cNvSpPr>
+          <p:nvPr>
+            <p:ph type="sldImg"/>
+          </p:nvPr>
+        </p:nvSpPr>
+        <p:spPr/>
+      </p:sp>
+      <p:sp>
+        <p:nvSpPr>
+          <p:cNvPr id="3" name="מציין מיקום של הערות 2"/>
+          <p:cNvSpPr>
+            <a:spLocks noGrp="1"/>
+          </p:cNvSpPr>
+          <p:nvPr>
+            <p:ph type="body" idx="1"/>
+          </p:nvPr>
+        </p:nvSpPr>
+        <p:spPr/>
+        <p:txBody>
+          <a:bodyPr/>
+          <a:lstStyle/>
+          <a:p>
+            <a:pPr marL="0" marR="0" lvl="0" indent="0" algn="l" defTabSz="914400" rtl="0" eaLnBrk="1" fontAlgn="auto" latinLnBrk="0" hangingPunct="1">
+              <a:lnSpc>
+                <a:spcPct val="100000"/>
+              </a:lnSpc>
+              <a:spcBef>
+                <a:spcPts val="0"/>
+              </a:spcBef>
+              <a:spcAft>
+                <a:spcPts val="0"/>
+              </a:spcAft>
+              <a:buClrTx/>
+              <a:buSzTx/>
+              <a:buFontTx/>
+              <a:buNone/>
+              <a:tabLst/>
+              <a:defRPr/>
+            </a:pPr>
+            <a:r>
+              <a:rPr lang="en-US" sz="1200" dirty="0"/>
+              <a:t>It is the most “random” test line(every input for the DUT is randomly generated) and it has the biggest number of tests.</a:t>
+            </a:r>
+          </a:p>
+          <a:p>
+            <a:endParaRPr lang="he-IL" dirty="0"/>
+          </a:p>
+        </p:txBody>
+      </p:sp>
+      <p:sp>
+        <p:nvSpPr>
+          <p:cNvPr id="4" name="מציין מיקום של מספר שקופית 3"/>
+          <p:cNvSpPr>
+            <a:spLocks noGrp="1"/>
+          </p:cNvSpPr>
+          <p:nvPr>
+            <p:ph type="sldNum" sz="quarter" idx="5"/>
+          </p:nvPr>
+        </p:nvSpPr>
+        <p:spPr/>
+        <p:txBody>
+          <a:bodyPr/>
+          <a:lstStyle/>
+          <a:p>
+            <a:fld id="{509FA207-E8FD-4363-95A6-907EB6A63BD8}" type="slidenum">
+              <a:rPr lang="en-US" smtClean="0"/>
+              <a:t>35</a:t>
+            </a:fld>
+            <a:endParaRPr lang="en-US"/>
+          </a:p>
+        </p:txBody>
+      </p:sp>
+    </p:spTree>
+    <p:extLst>
+      <p:ext uri="{BB962C8B-B14F-4D97-AF65-F5344CB8AC3E}">
+        <p14:creationId xmlns:p14="http://schemas.microsoft.com/office/powerpoint/2010/main" val="3655229497"/>
+      </p:ext>
+    </p:extLst>
+  </p:cSld>
+  <p:clrMapOvr>
+    <a:masterClrMapping/>
+  </p:clrMapOvr>
+</p:notes>
+</file>
+
+<file path=ppt/notesSlides/notesSlide17.xml><?xml version="1.0" encoding="utf-8"?>
+<p:notes xmlns:a="http://schemas.openxmlformats.org/drawingml/2006/main" xmlns:r="http://schemas.openxmlformats.org/officeDocument/2006/relationships" xmlns:p="http://schemas.openxmlformats.org/presentationml/2006/main">
+  <p:cSld>
+    <p:spTree>
+      <p:nvGrpSpPr>
+        <p:cNvPr id="1" name=""/>
+        <p:cNvGrpSpPr/>
+        <p:nvPr/>
+      </p:nvGrpSpPr>
+      <p:grpSpPr>
+        <a:xfrm>
+          <a:off x="0" y="0"/>
+          <a:ext cx="0" cy="0"/>
+          <a:chOff x="0" y="0"/>
+          <a:chExt cx="0" cy="0"/>
+        </a:xfrm>
+      </p:grpSpPr>
+      <p:sp>
+        <p:nvSpPr>
+          <p:cNvPr id="2" name="מציין מיקום של תמונת שקופית 1"/>
+          <p:cNvSpPr>
+            <a:spLocks noGrp="1" noRot="1" noChangeAspect="1"/>
+          </p:cNvSpPr>
+          <p:nvPr>
+            <p:ph type="sldImg"/>
+          </p:nvPr>
+        </p:nvSpPr>
+        <p:spPr/>
+      </p:sp>
+      <p:sp>
+        <p:nvSpPr>
+          <p:cNvPr id="3" name="מציין מיקום של הערות 2"/>
+          <p:cNvSpPr>
+            <a:spLocks noGrp="1"/>
+          </p:cNvSpPr>
+          <p:nvPr>
+            <p:ph type="body" idx="1"/>
+          </p:nvPr>
+        </p:nvSpPr>
+        <p:spPr/>
+        <p:txBody>
+          <a:bodyPr/>
+          <a:lstStyle/>
+          <a:p>
+            <a:endParaRPr lang="he-IL" dirty="0"/>
+          </a:p>
+        </p:txBody>
+      </p:sp>
+      <p:sp>
+        <p:nvSpPr>
+          <p:cNvPr id="4" name="מציין מיקום של מספר שקופית 3"/>
+          <p:cNvSpPr>
+            <a:spLocks noGrp="1"/>
+          </p:cNvSpPr>
+          <p:nvPr>
+            <p:ph type="sldNum" sz="quarter" idx="5"/>
+          </p:nvPr>
+        </p:nvSpPr>
+        <p:spPr/>
+        <p:txBody>
+          <a:bodyPr/>
+          <a:lstStyle/>
+          <a:p>
+            <a:fld id="{509FA207-E8FD-4363-95A6-907EB6A63BD8}" type="slidenum">
+              <a:rPr lang="en-US" smtClean="0"/>
+              <a:t>37</a:t>
+            </a:fld>
+            <a:endParaRPr lang="en-US"/>
+          </a:p>
+        </p:txBody>
+      </p:sp>
+    </p:spTree>
+    <p:extLst>
+      <p:ext uri="{BB962C8B-B14F-4D97-AF65-F5344CB8AC3E}">
+        <p14:creationId xmlns:p14="http://schemas.microsoft.com/office/powerpoint/2010/main" val="2503242467"/>
+      </p:ext>
+    </p:extLst>
+  </p:cSld>
+  <p:clrMapOvr>
+    <a:masterClrMapping/>
+  </p:clrMapOvr>
+</p:notes>
+</file>
+
+<file path=ppt/notesSlides/notesSlide18.xml><?xml version="1.0" encoding="utf-8"?>
 <p:notes xmlns:a="http://schemas.openxmlformats.org/drawingml/2006/main" xmlns:r="http://schemas.openxmlformats.org/officeDocument/2006/relationships" xmlns:p="http://schemas.openxmlformats.org/presentationml/2006/main">
   <p:cSld>
     <p:spTree>
@@ -1813,103 +2018,7 @@
           <a:bodyPr/>
           <a:lstStyle/>
           <a:p>
-            <a:pPr marL="342900" marR="0" lvl="0" indent="-342900" rtl="0">
-              <a:lnSpc>
-                <a:spcPct val="107000"/>
-              </a:lnSpc>
-              <a:spcBef>
-                <a:spcPts val="0"/>
-              </a:spcBef>
-              <a:spcAft>
-                <a:spcPts val="0"/>
-              </a:spcAft>
-              <a:buFont typeface="Symbol" panose="05050102010706020507" pitchFamily="18" charset="2"/>
-              <a:buChar char=""/>
-            </a:pPr>
-            <a:r>
-              <a:rPr lang="en-US" sz="1200" dirty="0">
-                <a:effectLst/>
-                <a:latin typeface="Calibri" panose="020F0502020204030204" pitchFamily="34" charset="0"/>
-                <a:ea typeface="Calibri" panose="020F0502020204030204" pitchFamily="34" charset="0"/>
-                <a:cs typeface="Arial" panose="020B0604020202020204" pitchFamily="34" charset="0"/>
-              </a:rPr>
-              <a:t>The tests results indicate that are still bugs in the DUT, which we were not able to find and fix. If the DUT was a commercial IP, we would advise the company to do a thorough debugging process.</a:t>
-            </a:r>
-          </a:p>
-          <a:p>
-            <a:pPr marL="342900" marR="0" lvl="0" indent="-342900">
-              <a:lnSpc>
-                <a:spcPct val="107000"/>
-              </a:lnSpc>
-              <a:spcBef>
-                <a:spcPts val="0"/>
-              </a:spcBef>
-              <a:spcAft>
-                <a:spcPts val="0"/>
-              </a:spcAft>
-              <a:buFont typeface="Symbol" panose="05050102010706020507" pitchFamily="18" charset="2"/>
-              <a:buChar char=""/>
-            </a:pPr>
-            <a:r>
-              <a:rPr lang="en-US" sz="1200" dirty="0">
-                <a:effectLst/>
-                <a:latin typeface="Calibri" panose="020F0502020204030204" pitchFamily="34" charset="0"/>
-                <a:ea typeface="Calibri" panose="020F0502020204030204" pitchFamily="34" charset="0"/>
-                <a:cs typeface="Arial" panose="020B0604020202020204" pitchFamily="34" charset="0"/>
-              </a:rPr>
-              <a:t>The high fail rate in test line 8 indicates that there is an overflow bug when trying to fill the RAMs.</a:t>
-            </a:r>
-          </a:p>
-          <a:p>
-            <a:pPr marL="342900" marR="0" lvl="0" indent="-342900">
-              <a:lnSpc>
-                <a:spcPct val="107000"/>
-              </a:lnSpc>
-              <a:spcBef>
-                <a:spcPts val="0"/>
-              </a:spcBef>
-              <a:spcAft>
-                <a:spcPts val="0"/>
-              </a:spcAft>
-              <a:buFont typeface="Symbol" panose="05050102010706020507" pitchFamily="18" charset="2"/>
-              <a:buChar char=""/>
-            </a:pPr>
-            <a:r>
-              <a:rPr lang="en-US" sz="1200" dirty="0">
-                <a:effectLst/>
-                <a:latin typeface="Calibri" panose="020F0502020204030204" pitchFamily="34" charset="0"/>
-                <a:ea typeface="Calibri" panose="020F0502020204030204" pitchFamily="34" charset="0"/>
-                <a:cs typeface="Arial" panose="020B0604020202020204" pitchFamily="34" charset="0"/>
-              </a:rPr>
-              <a:t>Test line 3 and 4 indicate that as the number of data points increases so does the number of fails.  This could be related to bugs such as overflow, wrong classification of close points, and/or wrong calculations.</a:t>
-            </a:r>
-          </a:p>
-          <a:p>
-            <a:pPr marL="342900" marR="0" lvl="0" indent="-342900">
-              <a:lnSpc>
-                <a:spcPct val="107000"/>
-              </a:lnSpc>
-              <a:spcBef>
-                <a:spcPts val="0"/>
-              </a:spcBef>
-              <a:spcAft>
-                <a:spcPts val="0"/>
-              </a:spcAft>
-              <a:buFont typeface="Symbol" panose="05050102010706020507" pitchFamily="18" charset="2"/>
-              <a:buChar char=""/>
-            </a:pPr>
-            <a:r>
-              <a:rPr lang="en-US" sz="1200" dirty="0">
-                <a:effectLst/>
-                <a:latin typeface="Calibri" panose="020F0502020204030204" pitchFamily="34" charset="0"/>
-                <a:ea typeface="Calibri" panose="020F0502020204030204" pitchFamily="34" charset="0"/>
-                <a:cs typeface="Arial" panose="020B0604020202020204" pitchFamily="34" charset="0"/>
-              </a:rPr>
-              <a:t>Even though many test benches were run on the DUT in its design phase, many tests have failed. This emphasizes the need for an efficient verification environment, as UVM, parallel to the design process.</a:t>
-            </a:r>
-          </a:p>
-          <a:p>
-            <a:pPr marL="342900" marR="0" lvl="0" indent="-342900">
+            <a:pPr>
               <a:lnSpc>
                 <a:spcPct val="107000"/>
               </a:lnSpc>
@@ -1919,38 +2028,75 @@
               <a:spcAft>
                 <a:spcPts val="800"/>
               </a:spcAft>
-              <a:buFont typeface="Symbol" panose="05050102010706020507" pitchFamily="18" charset="2"/>
-              <a:buChar char=""/>
             </a:pPr>
             <a:r>
-              <a:rPr lang="en-US" sz="1200" dirty="0">
-                <a:effectLst/>
-                <a:latin typeface="Calibri" panose="020F0502020204030204" pitchFamily="34" charset="0"/>
-                <a:ea typeface="Calibri" panose="020F0502020204030204" pitchFamily="34" charset="0"/>
-                <a:cs typeface="Arial" panose="020B0604020202020204" pitchFamily="34" charset="0"/>
-              </a:rPr>
-              <a:t>UVM is</a:t>
-            </a:r>
-            <a:r>
-              <a:rPr lang="en-US" sz="1200" dirty="0">
-                <a:solidFill>
-                  <a:srgbClr val="FF0000"/>
-                </a:solidFill>
-                <a:effectLst/>
-                <a:latin typeface="Calibri" panose="020F0502020204030204" pitchFamily="34" charset="0"/>
-                <a:ea typeface="Calibri" panose="020F0502020204030204" pitchFamily="34" charset="0"/>
-                <a:cs typeface="Arial" panose="020B0604020202020204" pitchFamily="34" charset="0"/>
-              </a:rPr>
-              <a:t> </a:t>
-            </a:r>
-            <a:r>
-              <a:rPr lang="en-US" sz="1200" dirty="0">
-                <a:effectLst/>
-                <a:latin typeface="Calibri" panose="020F0502020204030204" pitchFamily="34" charset="0"/>
-                <a:ea typeface="Calibri" panose="020F0502020204030204" pitchFamily="34" charset="0"/>
-                <a:cs typeface="Arial" panose="020B0604020202020204" pitchFamily="34" charset="0"/>
-              </a:rPr>
-              <a:t>an effective tool. It is intuitive, with high level coding and easy to reuse, making the verification process simpler and faster.</a:t>
+              <a:rPr lang="en-US" dirty="0">
+                <a:effectLst/>
+                <a:latin typeface="Calibri" panose="020F0502020204030204" pitchFamily="34" charset="0"/>
+                <a:ea typeface="Calibri" panose="020F0502020204030204" pitchFamily="34" charset="0"/>
+                <a:cs typeface="Arial" panose="020B0604020202020204" pitchFamily="34" charset="0"/>
+              </a:rPr>
+              <a:t>In order to check the functional coverage of the test line, the following cover groups were defined:</a:t>
+            </a:r>
+          </a:p>
+          <a:p>
+            <a:pPr lvl="1">
+              <a:lnSpc>
+                <a:spcPct val="107000"/>
+              </a:lnSpc>
+              <a:spcBef>
+                <a:spcPts val="0"/>
+              </a:spcBef>
+            </a:pPr>
+            <a:r>
+              <a:rPr lang="en-US" sz="2000" dirty="0">
+                <a:effectLst/>
+                <a:latin typeface="Calibri" panose="020F0502020204030204" pitchFamily="34" charset="0"/>
+                <a:ea typeface="Calibri" panose="020F0502020204030204" pitchFamily="34" charset="0"/>
+                <a:cs typeface="Arial" panose="020B0604020202020204" pitchFamily="34" charset="0"/>
+              </a:rPr>
+              <a:t>NUM_POINTS - This cover group samples the number of data points randomly generated for each test, to verify that all values  of this variable are uniformly distributed between 8 and 512.</a:t>
+            </a:r>
+          </a:p>
+          <a:p>
+            <a:pPr lvl="1">
+              <a:lnSpc>
+                <a:spcPct val="107000"/>
+              </a:lnSpc>
+              <a:spcBef>
+                <a:spcPts val="0"/>
+              </a:spcBef>
+            </a:pPr>
+            <a:r>
+              <a:rPr lang="en-US" sz="2000" dirty="0">
+                <a:effectLst/>
+                <a:latin typeface="Calibri" panose="020F0502020204030204" pitchFamily="34" charset="0"/>
+                <a:ea typeface="Calibri" panose="020F0502020204030204" pitchFamily="34" charset="0"/>
+                <a:cs typeface="Arial" panose="020B0604020202020204" pitchFamily="34" charset="0"/>
+              </a:rPr>
+              <a:t>DATA_VALUE - This cover group samples the values of each one of the seven coordinates of all data points randomly generated for each test, to verify that all values  of this variable are uniformly distributed between all the possible values.</a:t>
+            </a:r>
+          </a:p>
+          <a:p>
+            <a:pPr lvl="1">
+              <a:lnSpc>
+                <a:spcPct val="107000"/>
+              </a:lnSpc>
+              <a:spcBef>
+                <a:spcPts val="0"/>
+              </a:spcBef>
+              <a:spcAft>
+                <a:spcPts val="800"/>
+              </a:spcAft>
+            </a:pPr>
+            <a:r>
+              <a:rPr lang="en-US" sz="2000" dirty="0">
+                <a:effectLst/>
+                <a:latin typeface="Calibri" panose="020F0502020204030204" pitchFamily="34" charset="0"/>
+                <a:ea typeface="Calibri" panose="020F0502020204030204" pitchFamily="34" charset="0"/>
+                <a:cs typeface="Arial" panose="020B0604020202020204" pitchFamily="34" charset="0"/>
+              </a:rPr>
+              <a:t>CENTX_VALUE - This cover group samples the value of each one of the seven coordinates of centroid X, randomly generated at each test, to verify that all values of this variable are uniformly distributed between all the possible values.</a:t>
             </a:r>
           </a:p>
           <a:p>
@@ -1975,7 +2121,7 @@
           <a:p>
             <a:fld id="{509FA207-E8FD-4363-95A6-907EB6A63BD8}" type="slidenum">
               <a:rPr lang="en-US" smtClean="0"/>
-              <a:t>45</a:t>
+              <a:t>38</a:t>
             </a:fld>
             <a:endParaRPr lang="en-US"/>
           </a:p>
@@ -1984,7 +2130,91 @@
     </p:spTree>
     <p:extLst>
       <p:ext uri="{BB962C8B-B14F-4D97-AF65-F5344CB8AC3E}">
-        <p14:creationId xmlns:p14="http://schemas.microsoft.com/office/powerpoint/2010/main" val="1839181625"/>
+        <p14:creationId xmlns:p14="http://schemas.microsoft.com/office/powerpoint/2010/main" val="2917502182"/>
+      </p:ext>
+    </p:extLst>
+  </p:cSld>
+  <p:clrMapOvr>
+    <a:masterClrMapping/>
+  </p:clrMapOvr>
+</p:notes>
+</file>
+
+<file path=ppt/notesSlides/notesSlide19.xml><?xml version="1.0" encoding="utf-8"?>
+<p:notes xmlns:a="http://schemas.openxmlformats.org/drawingml/2006/main" xmlns:r="http://schemas.openxmlformats.org/officeDocument/2006/relationships" xmlns:p="http://schemas.openxmlformats.org/presentationml/2006/main">
+  <p:cSld>
+    <p:spTree>
+      <p:nvGrpSpPr>
+        <p:cNvPr id="1" name=""/>
+        <p:cNvGrpSpPr/>
+        <p:nvPr/>
+      </p:nvGrpSpPr>
+      <p:grpSpPr>
+        <a:xfrm>
+          <a:off x="0" y="0"/>
+          <a:ext cx="0" cy="0"/>
+          <a:chOff x="0" y="0"/>
+          <a:chExt cx="0" cy="0"/>
+        </a:xfrm>
+      </p:grpSpPr>
+      <p:sp>
+        <p:nvSpPr>
+          <p:cNvPr id="2" name="מציין מיקום של תמונת שקופית 1"/>
+          <p:cNvSpPr>
+            <a:spLocks noGrp="1" noRot="1" noChangeAspect="1"/>
+          </p:cNvSpPr>
+          <p:nvPr>
+            <p:ph type="sldImg"/>
+          </p:nvPr>
+        </p:nvSpPr>
+        <p:spPr/>
+      </p:sp>
+      <p:sp>
+        <p:nvSpPr>
+          <p:cNvPr id="3" name="מציין מיקום של הערות 2"/>
+          <p:cNvSpPr>
+            <a:spLocks noGrp="1"/>
+          </p:cNvSpPr>
+          <p:nvPr>
+            <p:ph type="body" idx="1"/>
+          </p:nvPr>
+        </p:nvSpPr>
+        <p:spPr/>
+        <p:txBody>
+          <a:bodyPr/>
+          <a:lstStyle/>
+          <a:p>
+            <a:endParaRPr lang="he-IL" dirty="0"/>
+          </a:p>
+        </p:txBody>
+      </p:sp>
+      <p:sp>
+        <p:nvSpPr>
+          <p:cNvPr id="4" name="מציין מיקום של מספר שקופית 3"/>
+          <p:cNvSpPr>
+            <a:spLocks noGrp="1"/>
+          </p:cNvSpPr>
+          <p:nvPr>
+            <p:ph type="sldNum" sz="quarter" idx="5"/>
+          </p:nvPr>
+        </p:nvSpPr>
+        <p:spPr/>
+        <p:txBody>
+          <a:bodyPr/>
+          <a:lstStyle/>
+          <a:p>
+            <a:fld id="{509FA207-E8FD-4363-95A6-907EB6A63BD8}" type="slidenum">
+              <a:rPr lang="en-US" smtClean="0"/>
+              <a:t>44</a:t>
+            </a:fld>
+            <a:endParaRPr lang="en-US"/>
+          </a:p>
+        </p:txBody>
+      </p:sp>
+    </p:spTree>
+    <p:extLst>
+      <p:ext uri="{BB962C8B-B14F-4D97-AF65-F5344CB8AC3E}">
+        <p14:creationId xmlns:p14="http://schemas.microsoft.com/office/powerpoint/2010/main" val="3170983272"/>
       </p:ext>
     </p:extLst>
   </p:cSld>
@@ -2306,6 +2536,231 @@
     <p:extLst>
       <p:ext uri="{BB962C8B-B14F-4D97-AF65-F5344CB8AC3E}">
         <p14:creationId xmlns:p14="http://schemas.microsoft.com/office/powerpoint/2010/main" val="2098685868"/>
+      </p:ext>
+    </p:extLst>
+  </p:cSld>
+  <p:clrMapOvr>
+    <a:masterClrMapping/>
+  </p:clrMapOvr>
+</p:notes>
+</file>
+
+<file path=ppt/notesSlides/notesSlide20.xml><?xml version="1.0" encoding="utf-8"?>
+<p:notes xmlns:a="http://schemas.openxmlformats.org/drawingml/2006/main" xmlns:r="http://schemas.openxmlformats.org/officeDocument/2006/relationships" xmlns:p="http://schemas.openxmlformats.org/presentationml/2006/main">
+  <p:cSld>
+    <p:spTree>
+      <p:nvGrpSpPr>
+        <p:cNvPr id="1" name=""/>
+        <p:cNvGrpSpPr/>
+        <p:nvPr/>
+      </p:nvGrpSpPr>
+      <p:grpSpPr>
+        <a:xfrm>
+          <a:off x="0" y="0"/>
+          <a:ext cx="0" cy="0"/>
+          <a:chOff x="0" y="0"/>
+          <a:chExt cx="0" cy="0"/>
+        </a:xfrm>
+      </p:grpSpPr>
+      <p:sp>
+        <p:nvSpPr>
+          <p:cNvPr id="2" name="Slide Image Placeholder 1"/>
+          <p:cNvSpPr>
+            <a:spLocks noGrp="1" noRot="1" noChangeAspect="1"/>
+          </p:cNvSpPr>
+          <p:nvPr>
+            <p:ph type="sldImg"/>
+          </p:nvPr>
+        </p:nvSpPr>
+        <p:spPr/>
+      </p:sp>
+      <p:sp>
+        <p:nvSpPr>
+          <p:cNvPr id="3" name="Notes Placeholder 2"/>
+          <p:cNvSpPr>
+            <a:spLocks noGrp="1"/>
+          </p:cNvSpPr>
+          <p:nvPr>
+            <p:ph type="body" idx="1"/>
+          </p:nvPr>
+        </p:nvSpPr>
+        <p:spPr/>
+        <p:txBody>
+          <a:bodyPr/>
+          <a:lstStyle/>
+          <a:p>
+            <a:pPr marL="342900" marR="0" lvl="0" indent="-342900" rtl="0">
+              <a:lnSpc>
+                <a:spcPct val="107000"/>
+              </a:lnSpc>
+              <a:spcBef>
+                <a:spcPts val="0"/>
+              </a:spcBef>
+              <a:spcAft>
+                <a:spcPts val="0"/>
+              </a:spcAft>
+              <a:buFont typeface="Symbol" panose="05050102010706020507" pitchFamily="18" charset="2"/>
+              <a:buChar char=""/>
+            </a:pPr>
+            <a:r>
+              <a:rPr lang="en-US" sz="1200" dirty="0">
+                <a:effectLst/>
+                <a:latin typeface="Calibri" panose="020F0502020204030204" pitchFamily="34" charset="0"/>
+                <a:ea typeface="Calibri" panose="020F0502020204030204" pitchFamily="34" charset="0"/>
+                <a:cs typeface="Arial" panose="020B0604020202020204" pitchFamily="34" charset="0"/>
+              </a:rPr>
+              <a:t>The tests results indicate that are still bugs in the DUT, which we were not able to find and fix. If the DUT was a commercial IP, we would advise the company to do a thorough debugging process.</a:t>
+            </a:r>
+          </a:p>
+          <a:p>
+            <a:pPr marL="342900" marR="0" lvl="0" indent="-342900">
+              <a:lnSpc>
+                <a:spcPct val="107000"/>
+              </a:lnSpc>
+              <a:spcBef>
+                <a:spcPts val="0"/>
+              </a:spcBef>
+              <a:spcAft>
+                <a:spcPts val="0"/>
+              </a:spcAft>
+              <a:buFont typeface="Symbol" panose="05050102010706020507" pitchFamily="18" charset="2"/>
+              <a:buChar char=""/>
+            </a:pPr>
+            <a:r>
+              <a:rPr lang="en-US" sz="1200" dirty="0">
+                <a:effectLst/>
+                <a:latin typeface="Calibri" panose="020F0502020204030204" pitchFamily="34" charset="0"/>
+                <a:ea typeface="Calibri" panose="020F0502020204030204" pitchFamily="34" charset="0"/>
+                <a:cs typeface="Arial" panose="020B0604020202020204" pitchFamily="34" charset="0"/>
+              </a:rPr>
+              <a:t>The high fail rate in test line 8 indicates that there is an overflow bug when trying to fill the RAMs.</a:t>
+            </a:r>
+          </a:p>
+          <a:p>
+            <a:pPr marL="342900" marR="0" lvl="0" indent="-342900">
+              <a:lnSpc>
+                <a:spcPct val="107000"/>
+              </a:lnSpc>
+              <a:spcBef>
+                <a:spcPts val="0"/>
+              </a:spcBef>
+              <a:spcAft>
+                <a:spcPts val="0"/>
+              </a:spcAft>
+              <a:buFont typeface="Symbol" panose="05050102010706020507" pitchFamily="18" charset="2"/>
+              <a:buChar char=""/>
+            </a:pPr>
+            <a:r>
+              <a:rPr lang="en-US" sz="1200" dirty="0">
+                <a:effectLst/>
+                <a:latin typeface="Calibri" panose="020F0502020204030204" pitchFamily="34" charset="0"/>
+                <a:ea typeface="Calibri" panose="020F0502020204030204" pitchFamily="34" charset="0"/>
+                <a:cs typeface="Arial" panose="020B0604020202020204" pitchFamily="34" charset="0"/>
+              </a:rPr>
+              <a:t>Test line 3 and 4 indicate that as the number of data points increases so does the number of fails.  This could be related to bugs such as overflow, wrong classification of close points, and/or wrong calculations.</a:t>
+            </a:r>
+          </a:p>
+          <a:p>
+            <a:pPr marL="342900" marR="0" lvl="0" indent="-342900">
+              <a:lnSpc>
+                <a:spcPct val="107000"/>
+              </a:lnSpc>
+              <a:spcBef>
+                <a:spcPts val="0"/>
+              </a:spcBef>
+              <a:spcAft>
+                <a:spcPts val="0"/>
+              </a:spcAft>
+              <a:buFont typeface="Symbol" panose="05050102010706020507" pitchFamily="18" charset="2"/>
+              <a:buChar char=""/>
+            </a:pPr>
+            <a:r>
+              <a:rPr lang="en-US" sz="1200" dirty="0">
+                <a:effectLst/>
+                <a:latin typeface="Calibri" panose="020F0502020204030204" pitchFamily="34" charset="0"/>
+                <a:ea typeface="Calibri" panose="020F0502020204030204" pitchFamily="34" charset="0"/>
+                <a:cs typeface="Arial" panose="020B0604020202020204" pitchFamily="34" charset="0"/>
+              </a:rPr>
+              <a:t>Even though many test benches were run on the DUT in its design phase, many tests have failed. This emphasizes the need for an efficient verification environment, as UVM, parallel to the design process.</a:t>
+            </a:r>
+          </a:p>
+          <a:p>
+            <a:pPr marL="342900" marR="0" lvl="0" indent="-342900">
+              <a:lnSpc>
+                <a:spcPct val="107000"/>
+              </a:lnSpc>
+              <a:spcBef>
+                <a:spcPts val="0"/>
+              </a:spcBef>
+              <a:spcAft>
+                <a:spcPts val="800"/>
+              </a:spcAft>
+              <a:buFont typeface="Symbol" panose="05050102010706020507" pitchFamily="18" charset="2"/>
+              <a:buChar char=""/>
+            </a:pPr>
+            <a:r>
+              <a:rPr lang="en-US" sz="1200" dirty="0">
+                <a:effectLst/>
+                <a:latin typeface="Calibri" panose="020F0502020204030204" pitchFamily="34" charset="0"/>
+                <a:ea typeface="Calibri" panose="020F0502020204030204" pitchFamily="34" charset="0"/>
+                <a:cs typeface="Arial" panose="020B0604020202020204" pitchFamily="34" charset="0"/>
+              </a:rPr>
+              <a:t>UVM is</a:t>
+            </a:r>
+            <a:r>
+              <a:rPr lang="en-US" sz="1200" dirty="0">
+                <a:solidFill>
+                  <a:srgbClr val="FF0000"/>
+                </a:solidFill>
+                <a:effectLst/>
+                <a:latin typeface="Calibri" panose="020F0502020204030204" pitchFamily="34" charset="0"/>
+                <a:ea typeface="Calibri" panose="020F0502020204030204" pitchFamily="34" charset="0"/>
+                <a:cs typeface="Arial" panose="020B0604020202020204" pitchFamily="34" charset="0"/>
+              </a:rPr>
+              <a:t> </a:t>
+            </a:r>
+            <a:r>
+              <a:rPr lang="en-US" sz="1200" dirty="0">
+                <a:effectLst/>
+                <a:latin typeface="Calibri" panose="020F0502020204030204" pitchFamily="34" charset="0"/>
+                <a:ea typeface="Calibri" panose="020F0502020204030204" pitchFamily="34" charset="0"/>
+                <a:cs typeface="Arial" panose="020B0604020202020204" pitchFamily="34" charset="0"/>
+              </a:rPr>
+              <a:t>an effective tool. It is intuitive, with high level coding and easy to reuse, making the verification process simpler and faster.</a:t>
+            </a:r>
+          </a:p>
+          <a:p>
+            <a:endParaRPr lang="en-US" dirty="0"/>
+          </a:p>
+        </p:txBody>
+      </p:sp>
+      <p:sp>
+        <p:nvSpPr>
+          <p:cNvPr id="4" name="Slide Number Placeholder 3"/>
+          <p:cNvSpPr>
+            <a:spLocks noGrp="1"/>
+          </p:cNvSpPr>
+          <p:nvPr>
+            <p:ph type="sldNum" sz="quarter" idx="5"/>
+          </p:nvPr>
+        </p:nvSpPr>
+        <p:spPr/>
+        <p:txBody>
+          <a:bodyPr/>
+          <a:lstStyle/>
+          <a:p>
+            <a:fld id="{509FA207-E8FD-4363-95A6-907EB6A63BD8}" type="slidenum">
+              <a:rPr lang="en-US" smtClean="0"/>
+              <a:t>45</a:t>
+            </a:fld>
+            <a:endParaRPr lang="en-US"/>
+          </a:p>
+        </p:txBody>
+      </p:sp>
+    </p:spTree>
+    <p:extLst>
+      <p:ext uri="{BB962C8B-B14F-4D97-AF65-F5344CB8AC3E}">
+        <p14:creationId xmlns:p14="http://schemas.microsoft.com/office/powerpoint/2010/main" val="1839181625"/>
       </p:ext>
     </p:extLst>
   </p:cSld>
@@ -9003,8 +9458,8 @@
           </a:p>
         </p:txBody>
       </p:sp>
-      <mc:AlternateContent xmlns:mc="http://schemas.openxmlformats.org/markup-compatibility/2006">
-        <mc:Choice xmlns:a14="http://schemas.microsoft.com/office/drawing/2010/main" Requires="a14">
+      <mc:AlternateContent xmlns:mc="http://schemas.openxmlformats.org/markup-compatibility/2006" xmlns:a14="http://schemas.microsoft.com/office/drawing/2010/main">
+        <mc:Choice Requires="a14">
           <p:sp>
             <p:nvSpPr>
               <p:cNvPr id="3" name="Content Placeholder 2">
@@ -9625,7 +10080,7 @@
             </p:txBody>
           </p:sp>
         </mc:Choice>
-        <mc:Fallback>
+        <mc:Fallback xmlns="">
           <p:sp>
             <p:nvSpPr>
               <p:cNvPr id="3" name="Content Placeholder 2">
@@ -12248,7 +12703,7 @@
           <a:p>
             <a:r>
               <a:rPr lang="en-US" dirty="0"/>
-              <a:t>Implemented Environment – Reference Model</a:t>
+              <a:t>Reference Model (1/2)</a:t>
             </a:r>
           </a:p>
         </p:txBody>
@@ -12269,16 +12724,21 @@
             <p:ph idx="1"/>
           </p:nvPr>
         </p:nvSpPr>
-        <p:spPr/>
+        <p:spPr>
+          <a:xfrm>
+            <a:off x="838200" y="2027756"/>
+            <a:ext cx="10515600" cy="4351338"/>
+          </a:xfrm>
+        </p:spPr>
         <p:txBody>
           <a:bodyPr>
-            <a:normAutofit/>
+            <a:normAutofit fontScale="92500" lnSpcReduction="20000"/>
           </a:bodyPr>
           <a:lstStyle/>
           <a:p>
             <a:r>
               <a:rPr lang="en-US" sz="2200" dirty="0"/>
-              <a:t>The Reference Model used to check the DUT results was written using </a:t>
+              <a:t>The Reference Model was written using </a:t>
             </a:r>
             <a:r>
               <a:rPr lang="en-US" sz="2200" dirty="0" err="1"/>
@@ -12286,7 +12746,16 @@
             </a:r>
             <a:r>
               <a:rPr lang="en-US" sz="2200" dirty="0"/>
-              <a:t>. It is </a:t>
+              <a:t>.</a:t>
+            </a:r>
+          </a:p>
+          <a:p>
+            <a:endParaRPr lang="en-US" sz="2200" dirty="0"/>
+          </a:p>
+          <a:p>
+            <a:r>
+              <a:rPr lang="en-US" sz="2200" dirty="0"/>
+              <a:t>A </a:t>
             </a:r>
             <a:r>
               <a:rPr lang="en-US" sz="2200" dirty="0" err="1"/>
@@ -12302,33 +12771,23 @@
             </a:r>
             <a:r>
               <a:rPr lang="en-US" sz="2200" dirty="0"/>
-              <a:t>. This functions implements the K Means algorithm in software. </a:t>
-            </a:r>
-          </a:p>
-          <a:p>
-            <a:pPr>
-              <a:lnSpc>
-                <a:spcPct val="107000"/>
-              </a:lnSpc>
-              <a:spcBef>
-                <a:spcPts val="0"/>
-              </a:spcBef>
-              <a:spcAft>
-                <a:spcPts val="800"/>
-              </a:spcAft>
+              <a:t>, performs the K Means algorithm.</a:t>
+            </a:r>
+          </a:p>
+          <a:p>
+            <a:pPr marL="457200" lvl="1" indent="0">
+              <a:buNone/>
             </a:pPr>
             <a:r>
-              <a:rPr lang="en-US" sz="2200" dirty="0"/>
-              <a:t>The </a:t>
-            </a:r>
-            <a:r>
-              <a:rPr lang="en-US" sz="2200" dirty="0" err="1"/>
-              <a:t>RefModel.m</a:t>
-            </a:r>
-            <a:r>
-              <a:rPr lang="en-US" sz="2200" dirty="0"/>
-              <a:t> function receives five input parameters:</a:t>
-            </a:r>
+              <a:rPr lang="en-US" sz="1800" dirty="0"/>
+              <a:t>The function receives five input parameters, all received with corresponding of DUT numeric representation model:</a:t>
+            </a:r>
+          </a:p>
+          <a:p>
+            <a:pPr marL="457200" lvl="1" indent="0">
+              <a:buNone/>
+            </a:pPr>
+            <a:endParaRPr lang="en-US" sz="1800" dirty="0"/>
           </a:p>
           <a:p>
             <a:pPr lvl="1">
@@ -12340,9 +12799,38 @@
               </a:spcBef>
             </a:pPr>
             <a:r>
-              <a:rPr lang="en-US" sz="2200" dirty="0"/>
-              <a:t>Point input matrix with 512 rows and 7 columns, where each row represent a point in the DUT numeric representation model</a:t>
-            </a:r>
+              <a:rPr lang="en-US" sz="1800" b="1" dirty="0"/>
+              <a:t>Data Points </a:t>
+            </a:r>
+            <a:r>
+              <a:rPr lang="en-US" sz="1800" dirty="0"/>
+              <a:t>matrix with 512 rows and 7 columns.</a:t>
+            </a:r>
+          </a:p>
+          <a:p>
+            <a:pPr lvl="2">
+              <a:lnSpc>
+                <a:spcPct val="107000"/>
+              </a:lnSpc>
+              <a:spcBef>
+                <a:spcPts val="0"/>
+              </a:spcBef>
+            </a:pPr>
+            <a:r>
+              <a:rPr lang="en-US" sz="1400" dirty="0"/>
+              <a:t>Each row represent a point in the data set.</a:t>
+            </a:r>
+          </a:p>
+          <a:p>
+            <a:pPr lvl="2">
+              <a:lnSpc>
+                <a:spcPct val="107000"/>
+              </a:lnSpc>
+              <a:spcBef>
+                <a:spcPts val="0"/>
+              </a:spcBef>
+            </a:pPr>
+            <a:endParaRPr lang="en-US" sz="1400" dirty="0"/>
           </a:p>
           <a:p>
             <a:pPr lvl="1">
@@ -12354,9 +12842,38 @@
               </a:spcBef>
             </a:pPr>
             <a:r>
-              <a:rPr lang="en-US" sz="2200" dirty="0"/>
-              <a:t>Initial centroid matrix with 8 rows and 7 columns, where each row represents an initial centroid value in the DUT numeric representation model.</a:t>
-            </a:r>
+              <a:rPr lang="en-US" sz="1800" b="1" dirty="0"/>
+              <a:t>Initial centroids </a:t>
+            </a:r>
+            <a:r>
+              <a:rPr lang="en-US" sz="1800" dirty="0"/>
+              <a:t>matrix with 8 rows and 7 columns.</a:t>
+            </a:r>
+          </a:p>
+          <a:p>
+            <a:pPr lvl="2">
+              <a:lnSpc>
+                <a:spcPct val="107000"/>
+              </a:lnSpc>
+              <a:spcBef>
+                <a:spcPts val="0"/>
+              </a:spcBef>
+            </a:pPr>
+            <a:r>
+              <a:rPr lang="en-US" sz="1400" dirty="0"/>
+              <a:t>Each row represents an initial centroid value.</a:t>
+            </a:r>
+          </a:p>
+          <a:p>
+            <a:pPr lvl="2">
+              <a:lnSpc>
+                <a:spcPct val="107000"/>
+              </a:lnSpc>
+              <a:spcBef>
+                <a:spcPts val="0"/>
+              </a:spcBef>
+            </a:pPr>
+            <a:endParaRPr lang="en-US" sz="1400" dirty="0"/>
           </a:p>
           <a:p>
             <a:pPr lvl="1">
@@ -12368,8 +12885,12 @@
               </a:spcBef>
             </a:pPr>
             <a:r>
-              <a:rPr lang="en-US" sz="2200" dirty="0"/>
-              <a:t>Input threshold value in the DUT numeric representation model</a:t>
+              <a:rPr lang="en-US" sz="1800" b="1" dirty="0"/>
+              <a:t>Threshold</a:t>
+            </a:r>
+            <a:r>
+              <a:rPr lang="en-US" sz="1800" dirty="0"/>
+              <a:t> value.</a:t>
             </a:r>
           </a:p>
           <a:p>
@@ -12381,10 +12902,32 @@
                 <a:spcPts val="0"/>
               </a:spcBef>
             </a:pPr>
-            <a:r>
-              <a:rPr lang="en-US" sz="2200" dirty="0"/>
-              <a:t>First point index</a:t>
-            </a:r>
+            <a:endParaRPr lang="en-US" sz="1800" dirty="0"/>
+          </a:p>
+          <a:p>
+            <a:pPr lvl="1">
+              <a:lnSpc>
+                <a:spcPct val="107000"/>
+              </a:lnSpc>
+              <a:spcBef>
+                <a:spcPts val="0"/>
+              </a:spcBef>
+            </a:pPr>
+            <a:r>
+              <a:rPr lang="en-US" sz="1800" dirty="0"/>
+              <a:t>First point index of RAM.</a:t>
+            </a:r>
+          </a:p>
+          <a:p>
+            <a:pPr lvl="1">
+              <a:lnSpc>
+                <a:spcPct val="107000"/>
+              </a:lnSpc>
+              <a:spcBef>
+                <a:spcPts val="0"/>
+              </a:spcBef>
+            </a:pPr>
+            <a:endParaRPr lang="en-US" sz="1800" dirty="0"/>
           </a:p>
           <a:p>
             <a:pPr lvl="1">
@@ -12399,8 +12942,8 @@
               </a:spcAft>
             </a:pPr>
             <a:r>
-              <a:rPr lang="en-US" sz="2200" dirty="0"/>
-              <a:t>Last point index</a:t>
+              <a:rPr lang="en-US" sz="1800" dirty="0"/>
+              <a:t>Last point index of RAM.</a:t>
             </a:r>
           </a:p>
           <a:p>
@@ -12466,7 +13009,7 @@
           <a:p>
             <a:r>
               <a:rPr lang="en-US" dirty="0"/>
-              <a:t>Implemented Environment – Reference Model</a:t>
+              <a:t>Reference Model (2/2)</a:t>
             </a:r>
           </a:p>
         </p:txBody>
@@ -12495,11 +13038,11 @@
         </p:spPr>
         <p:txBody>
           <a:bodyPr>
-            <a:normAutofit fontScale="92500"/>
+            <a:normAutofit fontScale="85000" lnSpcReduction="10000"/>
           </a:bodyPr>
           <a:lstStyle/>
           <a:p>
-            <a:pPr marL="0" marR="0">
+            <a:pPr>
               <a:lnSpc>
                 <a:spcPct val="107000"/>
               </a:lnSpc>
@@ -12517,11 +13060,11 @@
                 <a:ea typeface="Calibri" panose="020F0502020204030204" pitchFamily="34" charset="0"/>
                 <a:cs typeface="Arial" panose="020B0604020202020204" pitchFamily="34" charset="0"/>
               </a:rPr>
-              <a:t>These parameters are used in the following way: the Reference model function reads the points values from the “First point index” till the “Last point index” into another matrix, named point matrix , which will be used to run the algorithm. </a:t>
-            </a:r>
-          </a:p>
-          <a:p>
-            <a:pPr marL="0" marR="0">
+              <a:t>The parameters are used in the following way: </a:t>
+            </a:r>
+          </a:p>
+          <a:p>
+            <a:pPr lvl="1">
               <a:lnSpc>
                 <a:spcPct val="107000"/>
               </a:lnSpc>
@@ -12533,38 +13076,69 @@
               </a:spcAft>
             </a:pPr>
             <a:r>
-              <a:rPr lang="en-US" sz="2400" dirty="0">
-                <a:effectLst/>
-                <a:latin typeface="Calibri" panose="020F0502020204030204" pitchFamily="34" charset="0"/>
-                <a:ea typeface="Calibri" panose="020F0502020204030204" pitchFamily="34" charset="0"/>
-                <a:cs typeface="Arial" panose="020B0604020202020204" pitchFamily="34" charset="0"/>
-              </a:rPr>
-              <a:t>Then the function interactively executes the algorithm</a:t>
-            </a:r>
-            <a:r>
-              <a:rPr lang="en-US" sz="2400" dirty="0">
-                <a:solidFill>
-                  <a:srgbClr val="FF0000"/>
-                </a:solidFill>
-                <a:effectLst/>
-                <a:latin typeface="Calibri" panose="020F0502020204030204" pitchFamily="34" charset="0"/>
-                <a:ea typeface="Calibri" panose="020F0502020204030204" pitchFamily="34" charset="0"/>
-                <a:cs typeface="Arial" panose="020B0604020202020204" pitchFamily="34" charset="0"/>
-              </a:rPr>
-              <a:t> </a:t>
-            </a:r>
-            <a:r>
-              <a:rPr lang="en-US" sz="2400" dirty="0">
-                <a:effectLst/>
-                <a:latin typeface="Calibri" panose="020F0502020204030204" pitchFamily="34" charset="0"/>
-                <a:ea typeface="Calibri" panose="020F0502020204030204" pitchFamily="34" charset="0"/>
-                <a:cs typeface="Arial" panose="020B0604020202020204" pitchFamily="34" charset="0"/>
-              </a:rPr>
-              <a:t>using the point matrix, the “input centroid matrix” and the “input threshold”. </a:t>
-            </a:r>
-          </a:p>
-          <a:p>
-            <a:pPr marL="0">
+              <a:rPr lang="en-US" sz="2000" dirty="0">
+                <a:effectLst/>
+                <a:latin typeface="Calibri" panose="020F0502020204030204" pitchFamily="34" charset="0"/>
+                <a:ea typeface="Calibri" panose="020F0502020204030204" pitchFamily="34" charset="0"/>
+                <a:cs typeface="Arial" panose="020B0604020202020204" pitchFamily="34" charset="0"/>
+              </a:rPr>
+              <a:t>The function </a:t>
+            </a:r>
+            <a:r>
+              <a:rPr lang="en-US" sz="2000" b="1" dirty="0">
+                <a:effectLst/>
+                <a:latin typeface="Calibri" panose="020F0502020204030204" pitchFamily="34" charset="0"/>
+                <a:ea typeface="Calibri" panose="020F0502020204030204" pitchFamily="34" charset="0"/>
+                <a:cs typeface="Arial" panose="020B0604020202020204" pitchFamily="34" charset="0"/>
+              </a:rPr>
+              <a:t>reads</a:t>
+            </a:r>
+            <a:r>
+              <a:rPr lang="en-US" sz="2000" dirty="0">
+                <a:effectLst/>
+                <a:latin typeface="Calibri" panose="020F0502020204030204" pitchFamily="34" charset="0"/>
+                <a:ea typeface="Calibri" panose="020F0502020204030204" pitchFamily="34" charset="0"/>
+                <a:cs typeface="Arial" panose="020B0604020202020204" pitchFamily="34" charset="0"/>
+              </a:rPr>
+              <a:t> the points values from the “First point index” till the “Last point index” </a:t>
+            </a:r>
+            <a:r>
+              <a:rPr lang="en-US" sz="2000" dirty="0">
+                <a:latin typeface="Calibri" panose="020F0502020204030204" pitchFamily="34" charset="0"/>
+                <a:ea typeface="Calibri" panose="020F0502020204030204" pitchFamily="34" charset="0"/>
+                <a:cs typeface="Arial" panose="020B0604020202020204" pitchFamily="34" charset="0"/>
+              </a:rPr>
+              <a:t>into</a:t>
+            </a:r>
+            <a:r>
+              <a:rPr lang="en-US" sz="2000" dirty="0">
+                <a:effectLst/>
+                <a:latin typeface="Calibri" panose="020F0502020204030204" pitchFamily="34" charset="0"/>
+                <a:ea typeface="Calibri" panose="020F0502020204030204" pitchFamily="34" charset="0"/>
+                <a:cs typeface="Arial" panose="020B0604020202020204" pitchFamily="34" charset="0"/>
+              </a:rPr>
+              <a:t> another matrix, named </a:t>
+            </a:r>
+            <a:r>
+              <a:rPr lang="en-US" sz="2000" b="1" dirty="0">
+                <a:effectLst/>
+                <a:latin typeface="Calibri" panose="020F0502020204030204" pitchFamily="34" charset="0"/>
+                <a:ea typeface="Calibri" panose="020F0502020204030204" pitchFamily="34" charset="0"/>
+                <a:cs typeface="Arial" panose="020B0604020202020204" pitchFamily="34" charset="0"/>
+              </a:rPr>
+              <a:t>point matrix</a:t>
+            </a:r>
+            <a:r>
+              <a:rPr lang="en-US" sz="2000" b="1" dirty="0">
+                <a:latin typeface="Calibri" panose="020F0502020204030204" pitchFamily="34" charset="0"/>
+                <a:ea typeface="Calibri" panose="020F0502020204030204" pitchFamily="34" charset="0"/>
+                <a:cs typeface="Arial" panose="020B0604020202020204" pitchFamily="34" charset="0"/>
+              </a:rPr>
+              <a:t>.</a:t>
+            </a:r>
+          </a:p>
+          <a:p>
+            <a:pPr lvl="1">
               <a:lnSpc>
                 <a:spcPct val="107000"/>
               </a:lnSpc>
@@ -12577,6 +13151,179 @@
             </a:pPr>
             <a:r>
               <a:rPr lang="en-US" sz="2400" dirty="0">
+                <a:effectLst/>
+                <a:latin typeface="Calibri" panose="020F0502020204030204" pitchFamily="34" charset="0"/>
+                <a:ea typeface="Calibri" panose="020F0502020204030204" pitchFamily="34" charset="0"/>
+                <a:cs typeface="Arial" panose="020B0604020202020204" pitchFamily="34" charset="0"/>
+              </a:rPr>
+              <a:t>Then, the function </a:t>
+            </a:r>
+            <a:r>
+              <a:rPr lang="en-US" sz="2400" b="1" dirty="0">
+                <a:effectLst/>
+                <a:latin typeface="Calibri" panose="020F0502020204030204" pitchFamily="34" charset="0"/>
+                <a:ea typeface="Calibri" panose="020F0502020204030204" pitchFamily="34" charset="0"/>
+                <a:cs typeface="Arial" panose="020B0604020202020204" pitchFamily="34" charset="0"/>
+              </a:rPr>
+              <a:t>interactively</a:t>
+            </a:r>
+            <a:r>
+              <a:rPr lang="en-US" sz="2400" dirty="0">
+                <a:effectLst/>
+                <a:latin typeface="Calibri" panose="020F0502020204030204" pitchFamily="34" charset="0"/>
+                <a:ea typeface="Calibri" panose="020F0502020204030204" pitchFamily="34" charset="0"/>
+                <a:cs typeface="Arial" panose="020B0604020202020204" pitchFamily="34" charset="0"/>
+              </a:rPr>
+              <a:t> </a:t>
+            </a:r>
+            <a:r>
+              <a:rPr lang="en-US" sz="2400" b="1" dirty="0">
+                <a:effectLst/>
+                <a:latin typeface="Calibri" panose="020F0502020204030204" pitchFamily="34" charset="0"/>
+                <a:ea typeface="Calibri" panose="020F0502020204030204" pitchFamily="34" charset="0"/>
+                <a:cs typeface="Arial" panose="020B0604020202020204" pitchFamily="34" charset="0"/>
+              </a:rPr>
+              <a:t>executes</a:t>
+            </a:r>
+            <a:r>
+              <a:rPr lang="en-US" sz="2400" dirty="0">
+                <a:effectLst/>
+                <a:latin typeface="Calibri" panose="020F0502020204030204" pitchFamily="34" charset="0"/>
+                <a:ea typeface="Calibri" panose="020F0502020204030204" pitchFamily="34" charset="0"/>
+                <a:cs typeface="Arial" panose="020B0604020202020204" pitchFamily="34" charset="0"/>
+              </a:rPr>
+              <a:t> the algorithm</a:t>
+            </a:r>
+            <a:r>
+              <a:rPr lang="en-US" sz="2400" dirty="0">
+                <a:solidFill>
+                  <a:srgbClr val="FF0000"/>
+                </a:solidFill>
+                <a:effectLst/>
+                <a:latin typeface="Calibri" panose="020F0502020204030204" pitchFamily="34" charset="0"/>
+                <a:ea typeface="Calibri" panose="020F0502020204030204" pitchFamily="34" charset="0"/>
+                <a:cs typeface="Arial" panose="020B0604020202020204" pitchFamily="34" charset="0"/>
+              </a:rPr>
+              <a:t> </a:t>
+            </a:r>
+            <a:r>
+              <a:rPr lang="en-US" sz="2400" b="1" dirty="0">
+                <a:effectLst/>
+                <a:latin typeface="Calibri" panose="020F0502020204030204" pitchFamily="34" charset="0"/>
+                <a:ea typeface="Calibri" panose="020F0502020204030204" pitchFamily="34" charset="0"/>
+                <a:cs typeface="Arial" panose="020B0604020202020204" pitchFamily="34" charset="0"/>
+              </a:rPr>
+              <a:t>using</a:t>
+            </a:r>
+            <a:r>
+              <a:rPr lang="en-US" sz="2400" dirty="0">
+                <a:effectLst/>
+                <a:latin typeface="Calibri" panose="020F0502020204030204" pitchFamily="34" charset="0"/>
+                <a:ea typeface="Calibri" panose="020F0502020204030204" pitchFamily="34" charset="0"/>
+                <a:cs typeface="Arial" panose="020B0604020202020204" pitchFamily="34" charset="0"/>
+              </a:rPr>
+              <a:t> the following parameters:</a:t>
+            </a:r>
+          </a:p>
+          <a:p>
+            <a:pPr lvl="2">
+              <a:lnSpc>
+                <a:spcPct val="107000"/>
+              </a:lnSpc>
+              <a:spcBef>
+                <a:spcPts val="0"/>
+              </a:spcBef>
+              <a:spcAft>
+                <a:spcPts val="800"/>
+              </a:spcAft>
+            </a:pPr>
+            <a:r>
+              <a:rPr lang="en-US" dirty="0">
+                <a:effectLst/>
+                <a:latin typeface="Calibri" panose="020F0502020204030204" pitchFamily="34" charset="0"/>
+                <a:ea typeface="Calibri" panose="020F0502020204030204" pitchFamily="34" charset="0"/>
+                <a:cs typeface="Arial" panose="020B0604020202020204" pitchFamily="34" charset="0"/>
+              </a:rPr>
+              <a:t>point matrix.</a:t>
+            </a:r>
+          </a:p>
+          <a:p>
+            <a:pPr lvl="2">
+              <a:lnSpc>
+                <a:spcPct val="107000"/>
+              </a:lnSpc>
+              <a:spcBef>
+                <a:spcPts val="0"/>
+              </a:spcBef>
+              <a:spcAft>
+                <a:spcPts val="800"/>
+              </a:spcAft>
+            </a:pPr>
+            <a:r>
+              <a:rPr lang="en-US" dirty="0">
+                <a:effectLst/>
+                <a:latin typeface="Calibri" panose="020F0502020204030204" pitchFamily="34" charset="0"/>
+                <a:ea typeface="Calibri" panose="020F0502020204030204" pitchFamily="34" charset="0"/>
+                <a:cs typeface="Arial" panose="020B0604020202020204" pitchFamily="34" charset="0"/>
+              </a:rPr>
+              <a:t>“initial centroid matrix”</a:t>
+            </a:r>
+          </a:p>
+          <a:p>
+            <a:pPr lvl="2">
+              <a:lnSpc>
+                <a:spcPct val="107000"/>
+              </a:lnSpc>
+              <a:spcBef>
+                <a:spcPts val="0"/>
+              </a:spcBef>
+              <a:spcAft>
+                <a:spcPts val="800"/>
+              </a:spcAft>
+            </a:pPr>
+            <a:r>
+              <a:rPr lang="en-US" dirty="0">
+                <a:effectLst/>
+                <a:latin typeface="Calibri" panose="020F0502020204030204" pitchFamily="34" charset="0"/>
+                <a:ea typeface="Calibri" panose="020F0502020204030204" pitchFamily="34" charset="0"/>
+                <a:cs typeface="Arial" panose="020B0604020202020204" pitchFamily="34" charset="0"/>
+              </a:rPr>
+              <a:t>“Threshold”.</a:t>
+            </a:r>
+          </a:p>
+          <a:p>
+            <a:pPr lvl="2">
+              <a:lnSpc>
+                <a:spcPct val="107000"/>
+              </a:lnSpc>
+              <a:spcBef>
+                <a:spcPts val="0"/>
+              </a:spcBef>
+              <a:spcAft>
+                <a:spcPts val="800"/>
+              </a:spcAft>
+            </a:pPr>
+            <a:endParaRPr lang="en-US" dirty="0">
+              <a:effectLst/>
+              <a:latin typeface="Calibri" panose="020F0502020204030204" pitchFamily="34" charset="0"/>
+              <a:ea typeface="Calibri" panose="020F0502020204030204" pitchFamily="34" charset="0"/>
+              <a:cs typeface="Arial" panose="020B0604020202020204" pitchFamily="34" charset="0"/>
+            </a:endParaRPr>
+          </a:p>
+          <a:p>
+            <a:pPr>
+              <a:lnSpc>
+                <a:spcPct val="107000"/>
+              </a:lnSpc>
+              <a:spcBef>
+                <a:spcPts val="0"/>
+              </a:spcBef>
+              <a:spcAft>
+                <a:spcPts val="800"/>
+              </a:spcAft>
+            </a:pPr>
+            <a:r>
+              <a:rPr lang="en-US" sz="2200" dirty="0">
                 <a:effectLst/>
                 <a:latin typeface="Calibri" panose="020F0502020204030204" pitchFamily="34" charset="0"/>
                 <a:ea typeface="Calibri" panose="020F0502020204030204" pitchFamily="34" charset="0"/>
@@ -12715,14 +13462,66 @@
             <p:ph idx="1"/>
           </p:nvPr>
         </p:nvSpPr>
-        <p:spPr/>
+        <p:spPr>
+          <a:xfrm>
+            <a:off x="838200" y="2141537"/>
+            <a:ext cx="10515600" cy="4351338"/>
+          </a:xfrm>
+        </p:spPr>
         <p:txBody>
-          <a:bodyPr/>
+          <a:bodyPr>
+            <a:normAutofit/>
+          </a:bodyPr>
           <a:lstStyle/>
           <a:p>
-            <a:r>
-              <a:rPr lang="en-US" dirty="0"/>
-              <a:t>In order to verify the functionality of the communication with the DUT, an early test was done in which all registers of the DUT Reg File were written to and read from. This test was successful, leading to the conclusion that the communication protocol with the DUT works correctly. </a:t>
+            <a:pPr marL="0" indent="0">
+              <a:buNone/>
+            </a:pPr>
+            <a:r>
+              <a:rPr lang="en-US" sz="2000" u="sng" dirty="0"/>
+              <a:t>Purpose: </a:t>
+            </a:r>
+            <a:r>
+              <a:rPr lang="en-US" sz="2000" dirty="0"/>
+              <a:t>Verify the functionality of the communication with the DUT.</a:t>
+            </a:r>
+          </a:p>
+          <a:p>
+            <a:pPr marL="0" indent="0">
+              <a:buNone/>
+            </a:pPr>
+            <a:endParaRPr lang="en-US" sz="2000" dirty="0"/>
+          </a:p>
+          <a:p>
+            <a:r>
+              <a:rPr lang="en-US" sz="2000" dirty="0"/>
+              <a:t>an early test was done, </a:t>
+            </a:r>
+            <a:r>
+              <a:rPr lang="en-US" sz="2000" b="1" dirty="0"/>
+              <a:t>separately</a:t>
+            </a:r>
+            <a:r>
+              <a:rPr lang="en-US" sz="2000" dirty="0"/>
+              <a:t> from the following test plan.</a:t>
+            </a:r>
+          </a:p>
+          <a:p>
+            <a:endParaRPr lang="en-US" sz="2000" dirty="0"/>
+          </a:p>
+          <a:p>
+            <a:r>
+              <a:rPr lang="en-US" sz="2000" dirty="0"/>
+              <a:t>All registers of the DUT Reg File were written to and read from.</a:t>
+            </a:r>
+          </a:p>
+          <a:p>
+            <a:endParaRPr lang="en-US" sz="2000" dirty="0"/>
+          </a:p>
+          <a:p>
+            <a:r>
+              <a:rPr lang="en-US" sz="2000" dirty="0"/>
+              <a:t>This test was successful, leading to the conclusion that the communication protocol with the DUT works correctly.</a:t>
             </a:r>
           </a:p>
         </p:txBody>
@@ -12801,30 +13600,106 @@
             <p:ph idx="1"/>
           </p:nvPr>
         </p:nvSpPr>
-        <p:spPr/>
+        <p:spPr>
+          <a:xfrm>
+            <a:off x="838200" y="1690688"/>
+            <a:ext cx="10515600" cy="4620012"/>
+          </a:xfrm>
+        </p:spPr>
         <p:txBody>
-          <a:bodyPr/>
+          <a:bodyPr>
+            <a:normAutofit lnSpcReduction="10000"/>
+          </a:bodyPr>
           <a:lstStyle/>
           <a:p>
             <a:r>
-              <a:rPr lang="en-US" dirty="0"/>
-              <a:t>Each Test Scenario detail here was built and run. The purpose of these test lines is to test the main functionality of the DUT and not the communications protocol.</a:t>
-            </a:r>
-          </a:p>
-          <a:p>
-            <a:r>
-              <a:rPr lang="en-US" dirty="0"/>
-              <a:t>For each test, the pass/fail criteria is as described in the Scoreboard class.</a:t>
-            </a:r>
-          </a:p>
-          <a:p>
-            <a:r>
-              <a:rPr lang="en-US" dirty="0"/>
-              <a:t>In each test scenario, different parameters are set .These parameters are sent to the DUT and the REF Model. The outputs given by the DUT and the REF Model for the mentioned input are compared. They are considered equivalent if every output centroid presented by the DUT is also presented by the REF Model.</a:t>
-            </a:r>
-          </a:p>
-          <a:p>
-            <a:endParaRPr lang="en-US" dirty="0"/>
+              <a:rPr lang="en-US" sz="2000" dirty="0"/>
+              <a:t>In the following slides there would be a numerical order of different test scenarios.</a:t>
+            </a:r>
+          </a:p>
+          <a:p>
+            <a:endParaRPr lang="en-US" sz="2000" dirty="0"/>
+          </a:p>
+          <a:p>
+            <a:r>
+              <a:rPr lang="en-US" sz="2000" dirty="0"/>
+              <a:t>Each Test Scenario detail here was built and run.</a:t>
+            </a:r>
+          </a:p>
+          <a:p>
+            <a:endParaRPr lang="en-US" sz="2000" dirty="0"/>
+          </a:p>
+          <a:p>
+            <a:r>
+              <a:rPr lang="en-US" sz="2000" dirty="0"/>
+              <a:t>The </a:t>
+            </a:r>
+            <a:r>
+              <a:rPr lang="en-US" sz="2000" b="1" dirty="0"/>
+              <a:t>purpose</a:t>
+            </a:r>
+            <a:r>
+              <a:rPr lang="en-US" sz="2000" dirty="0"/>
+              <a:t> of these test lines is to test the </a:t>
+            </a:r>
+            <a:r>
+              <a:rPr lang="en-US" sz="2000" b="1" dirty="0"/>
+              <a:t>main functionality </a:t>
+            </a:r>
+            <a:r>
+              <a:rPr lang="en-US" sz="2000" dirty="0"/>
+              <a:t>of the DUT.</a:t>
+            </a:r>
+          </a:p>
+          <a:p>
+            <a:endParaRPr lang="en-US" sz="2000" dirty="0"/>
+          </a:p>
+          <a:p>
+            <a:r>
+              <a:rPr lang="en-US" sz="2000" dirty="0"/>
+              <a:t>The </a:t>
+            </a:r>
+            <a:r>
+              <a:rPr lang="en-US" sz="2000" dirty="0" err="1"/>
+              <a:t>criterias</a:t>
+            </a:r>
+            <a:r>
+              <a:rPr lang="en-US" sz="2000" dirty="0"/>
+              <a:t> of pass/fail criteria are handled by the scoreboard.</a:t>
+            </a:r>
+          </a:p>
+          <a:p>
+            <a:endParaRPr lang="en-US" sz="2000" dirty="0"/>
+          </a:p>
+          <a:p>
+            <a:r>
+              <a:rPr lang="en-US" sz="2000" dirty="0"/>
+              <a:t>In each test scenario, different parameters are set</a:t>
+            </a:r>
+          </a:p>
+          <a:p>
+            <a:pPr lvl="1"/>
+            <a:r>
+              <a:rPr lang="en-US" sz="1800" dirty="0"/>
+              <a:t>These parameters are sent to the DUT and the REF Model.</a:t>
+            </a:r>
+          </a:p>
+          <a:p>
+            <a:pPr lvl="1"/>
+            <a:r>
+              <a:rPr lang="en-US" sz="1800" dirty="0"/>
+              <a:t>The outputs from both are compared.</a:t>
+            </a:r>
+          </a:p>
+          <a:p>
+            <a:pPr lvl="1"/>
+            <a:r>
+              <a:rPr lang="en-US" sz="1800" dirty="0"/>
+              <a:t>They are considered equivalent if every output centroid from each set has a corresponding “close” centroid in the other set (up to threshold value).</a:t>
+            </a:r>
+          </a:p>
+          <a:p>
+            <a:endParaRPr lang="en-US" sz="2000" dirty="0"/>
           </a:p>
         </p:txBody>
       </p:sp>
@@ -15509,7 +16384,7 @@
           <a:p>
             <a:r>
               <a:rPr lang="en-US" dirty="0"/>
-              <a:t>Hardware Verification – Why?</a:t>
+              <a:t>Hardware Verification – Motivation</a:t>
             </a:r>
           </a:p>
         </p:txBody>
@@ -16702,7 +17577,7 @@
           <a:lstStyle/>
           <a:p>
             <a:r>
-              <a:rPr lang="en-US" dirty="0">
+              <a:rPr lang="en-US" sz="2400" dirty="0">
                 <a:effectLst/>
                 <a:latin typeface="Calibri" panose="020F0502020204030204" pitchFamily="34" charset="0"/>
                 <a:ea typeface="Calibri" panose="020F0502020204030204" pitchFamily="34" charset="0"/>
@@ -16717,7 +17592,7 @@
               <a:buAutoNum type="arabicPeriod"/>
             </a:pPr>
             <a:r>
-              <a:rPr lang="en-US" sz="2800" dirty="0">
+              <a:rPr lang="en-US" dirty="0">
                 <a:latin typeface="Calibri" panose="020F0502020204030204" pitchFamily="34" charset="0"/>
                 <a:cs typeface="Arial" panose="020B0604020202020204" pitchFamily="34" charset="0"/>
               </a:rPr>
@@ -16730,14 +17605,14 @@
               <a:buAutoNum type="arabicPeriod"/>
             </a:pPr>
             <a:r>
-              <a:rPr lang="en-US" sz="2800" dirty="0">
+              <a:rPr lang="en-US" dirty="0">
                 <a:latin typeface="Calibri" panose="020F0502020204030204" pitchFamily="34" charset="0"/>
                 <a:cs typeface="Arial" panose="020B0604020202020204" pitchFamily="34" charset="0"/>
               </a:rPr>
               <a:t>Fix 2's complement representation </a:t>
             </a:r>
             <a:r>
-              <a:rPr lang="en-US" sz="2800" dirty="0">
+              <a:rPr lang="en-US" dirty="0">
                 <a:effectLst/>
                 <a:latin typeface="Calibri" panose="020F0502020204030204" pitchFamily="34" charset="0"/>
                 <a:ea typeface="Calibri" panose="020F0502020204030204" pitchFamily="34" charset="0"/>
@@ -16745,7 +17620,7 @@
               </a:rPr>
               <a:t>of numbers</a:t>
             </a:r>
-            <a:endParaRPr lang="en-US" sz="3600" dirty="0"/>
+            <a:endParaRPr lang="en-US" sz="3200" dirty="0"/>
           </a:p>
         </p:txBody>
       </p:sp>
@@ -17233,10 +18108,227 @@
             <p:ph idx="1"/>
           </p:nvPr>
         </p:nvSpPr>
-        <p:spPr/>
+        <p:spPr>
+          <a:xfrm>
+            <a:off x="838200" y="1690688"/>
+            <a:ext cx="10515600" cy="4351338"/>
+          </a:xfrm>
+        </p:spPr>
         <p:txBody>
-          <a:bodyPr/>
+          <a:bodyPr>
+            <a:normAutofit/>
+          </a:bodyPr>
           <a:lstStyle/>
+          <a:p>
+            <a:pPr marL="0" indent="0">
+              <a:lnSpc>
+                <a:spcPct val="107000"/>
+              </a:lnSpc>
+              <a:spcBef>
+                <a:spcPts val="0"/>
+              </a:spcBef>
+              <a:spcAft>
+                <a:spcPts val="800"/>
+              </a:spcAft>
+              <a:buNone/>
+            </a:pPr>
+            <a:r>
+              <a:rPr lang="en-US" sz="1800" u="sng" dirty="0">
+                <a:effectLst/>
+                <a:latin typeface="Calibri" panose="020F0502020204030204" pitchFamily="34" charset="0"/>
+                <a:ea typeface="Calibri" panose="020F0502020204030204" pitchFamily="34" charset="0"/>
+                <a:cs typeface="Arial" panose="020B0604020202020204" pitchFamily="34" charset="0"/>
+              </a:rPr>
+              <a:t>Motivation:</a:t>
+            </a:r>
+          </a:p>
+          <a:p>
+            <a:pPr>
+              <a:lnSpc>
+                <a:spcPct val="107000"/>
+              </a:lnSpc>
+              <a:spcBef>
+                <a:spcPts val="0"/>
+              </a:spcBef>
+              <a:spcAft>
+                <a:spcPts val="800"/>
+              </a:spcAft>
+            </a:pPr>
+            <a:r>
+              <a:rPr lang="en-US" sz="1800" dirty="0">
+                <a:effectLst/>
+                <a:latin typeface="Calibri" panose="020F0502020204030204" pitchFamily="34" charset="0"/>
+                <a:ea typeface="Calibri" panose="020F0502020204030204" pitchFamily="34" charset="0"/>
+                <a:cs typeface="Arial" panose="020B0604020202020204" pitchFamily="34" charset="0"/>
+              </a:rPr>
+              <a:t>The testcase pass/fail results are used to </a:t>
+            </a:r>
+            <a:r>
+              <a:rPr lang="en-US" sz="1800" b="1" dirty="0">
+                <a:effectLst/>
+                <a:latin typeface="Calibri" panose="020F0502020204030204" pitchFamily="34" charset="0"/>
+                <a:ea typeface="Calibri" panose="020F0502020204030204" pitchFamily="34" charset="0"/>
+                <a:cs typeface="Arial" panose="020B0604020202020204" pitchFamily="34" charset="0"/>
+              </a:rPr>
+              <a:t>measure</a:t>
+            </a:r>
+            <a:r>
+              <a:rPr lang="en-US" sz="1800" dirty="0">
+                <a:effectLst/>
+                <a:latin typeface="Calibri" panose="020F0502020204030204" pitchFamily="34" charset="0"/>
+                <a:ea typeface="Calibri" panose="020F0502020204030204" pitchFamily="34" charset="0"/>
+                <a:cs typeface="Arial" panose="020B0604020202020204" pitchFamily="34" charset="0"/>
+              </a:rPr>
+              <a:t> the verification status.</a:t>
+            </a:r>
+          </a:p>
+          <a:p>
+            <a:pPr>
+              <a:lnSpc>
+                <a:spcPct val="107000"/>
+              </a:lnSpc>
+              <a:spcBef>
+                <a:spcPts val="0"/>
+              </a:spcBef>
+              <a:spcAft>
+                <a:spcPts val="800"/>
+              </a:spcAft>
+            </a:pPr>
+            <a:r>
+              <a:rPr lang="en-US" sz="1800" dirty="0">
+                <a:latin typeface="Calibri" panose="020F0502020204030204" pitchFamily="34" charset="0"/>
+                <a:ea typeface="Calibri" panose="020F0502020204030204" pitchFamily="34" charset="0"/>
+                <a:cs typeface="Arial" panose="020B0604020202020204" pitchFamily="34" charset="0"/>
+              </a:rPr>
+              <a:t>T</a:t>
+            </a:r>
+            <a:r>
+              <a:rPr lang="en-US" sz="1800" dirty="0">
+                <a:effectLst/>
+                <a:latin typeface="Calibri" panose="020F0502020204030204" pitchFamily="34" charset="0"/>
+                <a:ea typeface="Calibri" panose="020F0502020204030204" pitchFamily="34" charset="0"/>
+                <a:cs typeface="Arial" panose="020B0604020202020204" pitchFamily="34" charset="0"/>
+              </a:rPr>
+              <a:t>hey are </a:t>
+            </a:r>
+            <a:r>
+              <a:rPr lang="en-US" sz="1800" b="1" dirty="0">
+                <a:effectLst/>
+                <a:latin typeface="Calibri" panose="020F0502020204030204" pitchFamily="34" charset="0"/>
+                <a:ea typeface="Calibri" panose="020F0502020204030204" pitchFamily="34" charset="0"/>
+                <a:cs typeface="Arial" panose="020B0604020202020204" pitchFamily="34" charset="0"/>
+              </a:rPr>
+              <a:t>limited</a:t>
+            </a:r>
+            <a:r>
+              <a:rPr lang="en-US" sz="1800" dirty="0">
+                <a:effectLst/>
+                <a:latin typeface="Calibri" panose="020F0502020204030204" pitchFamily="34" charset="0"/>
+                <a:ea typeface="Calibri" panose="020F0502020204030204" pitchFamily="34" charset="0"/>
+                <a:cs typeface="Arial" panose="020B0604020202020204" pitchFamily="34" charset="0"/>
+              </a:rPr>
+              <a:t> in terms of randomness.</a:t>
+            </a:r>
+          </a:p>
+          <a:p>
+            <a:pPr>
+              <a:lnSpc>
+                <a:spcPct val="107000"/>
+              </a:lnSpc>
+              <a:spcBef>
+                <a:spcPts val="0"/>
+              </a:spcBef>
+              <a:spcAft>
+                <a:spcPts val="800"/>
+              </a:spcAft>
+            </a:pPr>
+            <a:r>
+              <a:rPr lang="en-US" sz="1800" dirty="0">
+                <a:latin typeface="Calibri" panose="020F0502020204030204" pitchFamily="34" charset="0"/>
+                <a:ea typeface="Calibri" panose="020F0502020204030204" pitchFamily="34" charset="0"/>
+                <a:cs typeface="Arial" panose="020B0604020202020204" pitchFamily="34" charset="0"/>
+              </a:rPr>
+              <a:t>The engineer should verify that the test </a:t>
+            </a:r>
+            <a:r>
+              <a:rPr lang="en-US" sz="1800" b="1" dirty="0">
+                <a:latin typeface="Calibri" panose="020F0502020204030204" pitchFamily="34" charset="0"/>
+                <a:ea typeface="Calibri" panose="020F0502020204030204" pitchFamily="34" charset="0"/>
+                <a:cs typeface="Arial" panose="020B0604020202020204" pitchFamily="34" charset="0"/>
+              </a:rPr>
+              <a:t>fully cover </a:t>
+            </a:r>
+            <a:r>
+              <a:rPr lang="en-US" sz="1800" dirty="0">
+                <a:latin typeface="Calibri" panose="020F0502020204030204" pitchFamily="34" charset="0"/>
+                <a:ea typeface="Calibri" panose="020F0502020204030204" pitchFamily="34" charset="0"/>
+                <a:cs typeface="Arial" panose="020B0604020202020204" pitchFamily="34" charset="0"/>
+              </a:rPr>
+              <a:t>the defined constrains.</a:t>
+            </a:r>
+            <a:endParaRPr lang="en-US" sz="1800" dirty="0">
+              <a:effectLst/>
+              <a:latin typeface="Calibri" panose="020F0502020204030204" pitchFamily="34" charset="0"/>
+              <a:ea typeface="Calibri" panose="020F0502020204030204" pitchFamily="34" charset="0"/>
+              <a:cs typeface="Arial" panose="020B0604020202020204" pitchFamily="34" charset="0"/>
+            </a:endParaRPr>
+          </a:p>
+          <a:p>
+            <a:pPr>
+              <a:lnSpc>
+                <a:spcPct val="107000"/>
+              </a:lnSpc>
+              <a:spcBef>
+                <a:spcPts val="0"/>
+              </a:spcBef>
+              <a:spcAft>
+                <a:spcPts val="800"/>
+              </a:spcAft>
+            </a:pPr>
+            <a:r>
+              <a:rPr lang="en-US" sz="1800" dirty="0">
+                <a:latin typeface="Calibri" panose="020F0502020204030204" pitchFamily="34" charset="0"/>
+                <a:ea typeface="Calibri" panose="020F0502020204030204" pitchFamily="34" charset="0"/>
+                <a:cs typeface="Arial" panose="020B0604020202020204" pitchFamily="34" charset="0"/>
+              </a:rPr>
+              <a:t>Therefore, test coverages are </a:t>
+            </a:r>
+            <a:r>
+              <a:rPr lang="en-US" sz="1800" b="1" dirty="0">
+                <a:latin typeface="Calibri" panose="020F0502020204030204" pitchFamily="34" charset="0"/>
+                <a:ea typeface="Calibri" panose="020F0502020204030204" pitchFamily="34" charset="0"/>
+                <a:cs typeface="Arial" panose="020B0604020202020204" pitchFamily="34" charset="0"/>
+              </a:rPr>
+              <a:t>defined</a:t>
+            </a:r>
+            <a:r>
+              <a:rPr lang="en-US" sz="1800" dirty="0">
+                <a:latin typeface="Calibri" panose="020F0502020204030204" pitchFamily="34" charset="0"/>
+                <a:ea typeface="Calibri" panose="020F0502020204030204" pitchFamily="34" charset="0"/>
+                <a:cs typeface="Arial" panose="020B0604020202020204" pitchFamily="34" charset="0"/>
+              </a:rPr>
+              <a:t>.</a:t>
+            </a:r>
+          </a:p>
+          <a:p>
+            <a:pPr>
+              <a:lnSpc>
+                <a:spcPct val="107000"/>
+              </a:lnSpc>
+              <a:spcBef>
+                <a:spcPts val="0"/>
+              </a:spcBef>
+              <a:spcAft>
+                <a:spcPts val="800"/>
+              </a:spcAft>
+            </a:pPr>
+            <a:endParaRPr lang="en-US" sz="1800" dirty="0">
+              <a:effectLst/>
+              <a:latin typeface="Calibri" panose="020F0502020204030204" pitchFamily="34" charset="0"/>
+              <a:ea typeface="Calibri" panose="020F0502020204030204" pitchFamily="34" charset="0"/>
+              <a:cs typeface="Arial" panose="020B0604020202020204" pitchFamily="34" charset="0"/>
+            </a:endParaRPr>
+          </a:p>
           <a:p>
             <a:pPr marL="0" marR="0" indent="0">
               <a:lnSpc>
@@ -17251,58 +18343,7 @@
               <a:buNone/>
             </a:pPr>
             <a:r>
-              <a:rPr lang="en-US" sz="1800" dirty="0">
-                <a:effectLst/>
-                <a:latin typeface="Calibri" panose="020F0502020204030204" pitchFamily="34" charset="0"/>
-                <a:ea typeface="Calibri" panose="020F0502020204030204" pitchFamily="34" charset="0"/>
-                <a:cs typeface="Arial" panose="020B0604020202020204" pitchFamily="34" charset="0"/>
-              </a:rPr>
-              <a:t>In traditional directed verification methodology, the testcase pass/fail results are used to measure the verification status (functional correctness) &amp;, but the test are limited in terms of randomness.</a:t>
-            </a:r>
-          </a:p>
-          <a:p>
-            <a:pPr marL="0" marR="0" indent="0">
-              <a:lnSpc>
-                <a:spcPct val="107000"/>
-              </a:lnSpc>
-              <a:spcBef>
-                <a:spcPts val="0"/>
-              </a:spcBef>
-              <a:spcAft>
-                <a:spcPts val="800"/>
-              </a:spcAft>
-              <a:buNone/>
-            </a:pPr>
-            <a:r>
-              <a:rPr lang="en-US" sz="1800" dirty="0">
-                <a:latin typeface="Calibri" panose="020F0502020204030204" pitchFamily="34" charset="0"/>
-                <a:ea typeface="Calibri" panose="020F0502020204030204" pitchFamily="34" charset="0"/>
-                <a:cs typeface="Arial" panose="020B0604020202020204" pitchFamily="34" charset="0"/>
-              </a:rPr>
-              <a:t>In the constrain random verification method, the engineer should verify that the test fully cover the defined constrains, therefore test coverages are defined.</a:t>
-            </a:r>
-            <a:endParaRPr lang="en-US" sz="1800" dirty="0">
-              <a:effectLst/>
-              <a:latin typeface="Calibri" panose="020F0502020204030204" pitchFamily="34" charset="0"/>
-              <a:ea typeface="Calibri" panose="020F0502020204030204" pitchFamily="34" charset="0"/>
-              <a:cs typeface="Arial" panose="020B0604020202020204" pitchFamily="34" charset="0"/>
-            </a:endParaRPr>
-          </a:p>
-          <a:p>
-            <a:pPr marL="0" marR="0" indent="0">
-              <a:lnSpc>
-                <a:spcPct val="107000"/>
-              </a:lnSpc>
-              <a:spcBef>
-                <a:spcPts val="0"/>
-              </a:spcBef>
-              <a:spcAft>
-                <a:spcPts val="800"/>
-              </a:spcAft>
-              <a:buNone/>
-            </a:pPr>
-            <a:r>
-              <a:rPr lang="en-US" sz="1800" dirty="0">
+              <a:rPr lang="en-US" sz="1800" u="sng" dirty="0">
                 <a:effectLst/>
                 <a:latin typeface="Calibri" panose="020F0502020204030204" pitchFamily="34" charset="0"/>
                 <a:ea typeface="Calibri" panose="020F0502020204030204" pitchFamily="34" charset="0"/>
@@ -17332,7 +18373,7 @@
                 <a:ea typeface="Calibri" panose="020F0502020204030204" pitchFamily="34" charset="0"/>
                 <a:cs typeface="Arial" panose="020B0604020202020204" pitchFamily="34" charset="0"/>
               </a:rPr>
-              <a:t>Code Coverage (which lines of code are executed)</a:t>
+              <a:t>Code Coverage.</a:t>
             </a:r>
           </a:p>
           <a:p>
@@ -17356,7 +18397,7 @@
                 <a:ea typeface="Calibri" panose="020F0502020204030204" pitchFamily="34" charset="0"/>
                 <a:cs typeface="Arial" panose="020B0604020202020204" pitchFamily="34" charset="0"/>
               </a:rPr>
-              <a:t>Condition Coverage (whether all branches of conditions have been exercised.)</a:t>
+              <a:t>Condition Coverage.</a:t>
             </a:r>
           </a:p>
           <a:p>
@@ -17380,7 +18421,7 @@
                 <a:ea typeface="Calibri" panose="020F0502020204030204" pitchFamily="34" charset="0"/>
                 <a:cs typeface="Arial" panose="020B0604020202020204" pitchFamily="34" charset="0"/>
               </a:rPr>
-              <a:t>Functional coverage (how much design functionality has been exercised/covered by the testbench or verification environment)</a:t>
+              <a:t>Functional Coverage. </a:t>
             </a:r>
           </a:p>
           <a:p>
@@ -17392,7 +18433,7 @@
                 <a:spcPts val="0"/>
               </a:spcBef>
               <a:spcAft>
-                <a:spcPts val="800"/>
+                <a:spcPts val="0"/>
               </a:spcAft>
               <a:buFont typeface="Symbol" panose="05050102010706020507" pitchFamily="18" charset="2"/>
               <a:buChar char=""/>
@@ -17404,10 +18445,8 @@
                 <a:ea typeface="Calibri" panose="020F0502020204030204" pitchFamily="34" charset="0"/>
                 <a:cs typeface="Arial" panose="020B0604020202020204" pitchFamily="34" charset="0"/>
               </a:rPr>
-              <a:t>FSM Coverage (which states and possible state transitions are exercised)</a:t>
-            </a:r>
-          </a:p>
-          <a:p>
+              <a:t>FSM Coverage.</a:t>
+            </a:r>
             <a:endParaRPr lang="en-US" dirty="0"/>
           </a:p>
         </p:txBody>
@@ -17488,8 +18527,8 @@
         </p:nvSpPr>
         <p:spPr>
           <a:xfrm>
-            <a:off x="838200" y="1825625"/>
-            <a:ext cx="5257800" cy="4351338"/>
+            <a:off x="838200" y="2278180"/>
+            <a:ext cx="5257800" cy="2967756"/>
           </a:xfrm>
         </p:spPr>
         <p:txBody>
@@ -17499,30 +18538,36 @@
           <a:lstStyle/>
           <a:p>
             <a:r>
-              <a:rPr lang="en-US" dirty="0"/>
-              <a:t>Coverage was performed for the test line called Robustness</a:t>
-            </a:r>
-            <a:r>
-              <a:rPr lang="he-IL"/>
-              <a:t> </a:t>
-            </a:r>
-            <a:r>
-              <a:rPr lang="en-US"/>
-              <a:t>because </a:t>
-            </a:r>
-            <a:r>
-              <a:rPr lang="en-US" dirty="0"/>
-              <a:t>it is the most “random” test line(every input for the DUT is randomly generated) and it has the biggest number of tests.</a:t>
-            </a:r>
-          </a:p>
-          <a:p>
-            <a:r>
-              <a:rPr lang="en-US" dirty="0"/>
+              <a:rPr lang="en-US" sz="2000" dirty="0"/>
+              <a:t>Coverage was performed to the test line called Robustness.</a:t>
+            </a:r>
+          </a:p>
+          <a:p>
+            <a:pPr lvl="1"/>
+            <a:r>
+              <a:rPr lang="en-US" sz="1600" dirty="0"/>
+              <a:t>It is the most “random” test line.</a:t>
+            </a:r>
+          </a:p>
+          <a:p>
+            <a:pPr lvl="1"/>
+            <a:r>
+              <a:rPr lang="en-US" sz="1600" dirty="0"/>
+              <a:t>It has the biggest number of tests.</a:t>
+            </a:r>
+          </a:p>
+          <a:p>
+            <a:pPr lvl="1"/>
+            <a:endParaRPr lang="en-US" sz="1600" dirty="0"/>
+          </a:p>
+          <a:p>
+            <a:r>
+              <a:rPr lang="en-US" sz="2000" dirty="0"/>
               <a:t> The total coverage results can be seen in the following figure:</a:t>
             </a:r>
           </a:p>
           <a:p>
-            <a:endParaRPr lang="en-US" dirty="0"/>
+            <a:endParaRPr lang="en-US" sz="2000" dirty="0"/>
           </a:p>
         </p:txBody>
       </p:sp>
@@ -17539,7 +18584,7 @@
           <p:nvPr/>
         </p:nvPicPr>
         <p:blipFill>
-          <a:blip r:embed="rId2"/>
+          <a:blip r:embed="rId3"/>
           <a:stretch>
             <a:fillRect/>
           </a:stretch>
@@ -17607,7 +18652,7 @@
           <a:p>
             <a:r>
               <a:rPr lang="en-US" dirty="0"/>
-              <a:t>Coverage results – Code Coverage</a:t>
+              <a:t>Code Coverage</a:t>
             </a:r>
           </a:p>
         </p:txBody>
@@ -17630,25 +18675,28 @@
         </p:nvSpPr>
         <p:spPr>
           <a:xfrm>
-            <a:off x="838200" y="1825625"/>
+            <a:off x="838200" y="2141537"/>
             <a:ext cx="3719732" cy="4351338"/>
           </a:xfrm>
         </p:spPr>
         <p:txBody>
-          <a:bodyPr/>
+          <a:bodyPr>
+            <a:normAutofit/>
+          </a:bodyPr>
           <a:lstStyle/>
           <a:p>
             <a:r>
-              <a:rPr lang="en-US" dirty="0"/>
-              <a:t>As can be seen from the attached </a:t>
-            </a:r>
-            <a:r>
-              <a:rPr lang="en-US" dirty="0" err="1"/>
-              <a:t>figure,the</a:t>
-            </a:r>
-            <a:r>
-              <a:rPr lang="en-US" dirty="0"/>
-              <a:t> total code coverage was 91.43%.The following figure details the code coverage from the DUT modules:</a:t>
+              <a:rPr lang="en-US" sz="2000" dirty="0"/>
+              <a:t>Total code coverage was 91.43%.</a:t>
+            </a:r>
+          </a:p>
+          <a:p>
+            <a:endParaRPr lang="en-US" sz="2000" dirty="0"/>
+          </a:p>
+          <a:p>
+            <a:r>
+              <a:rPr lang="en-US" sz="2000" dirty="0"/>
+              <a:t>The following figure details the code coverage from the DUT modules:</a:t>
             </a:r>
           </a:p>
         </p:txBody>
@@ -17734,7 +18782,7 @@
           <a:p>
             <a:r>
               <a:rPr lang="en-US" dirty="0"/>
-              <a:t>Coverage results – Conditional Coverage</a:t>
+              <a:t>Conditional Coverage</a:t>
             </a:r>
           </a:p>
         </p:txBody>
@@ -17752,14 +18800,14 @@
           <p:nvPr/>
         </p:nvPicPr>
         <p:blipFill>
-          <a:blip r:embed="rId2"/>
+          <a:blip r:embed="rId3"/>
           <a:stretch>
             <a:fillRect/>
           </a:stretch>
         </p:blipFill>
         <p:spPr>
           <a:xfrm>
-            <a:off x="7353300" y="1586389"/>
+            <a:off x="7531100" y="1493256"/>
             <a:ext cx="4000500" cy="4829810"/>
           </a:xfrm>
           <a:prstGeom prst="rect">
@@ -17785,8 +18833,8 @@
         </p:nvSpPr>
         <p:spPr bwMode="auto">
           <a:xfrm>
-            <a:off x="838200" y="2293135"/>
-            <a:ext cx="5085522" cy="3416320"/>
+            <a:off x="838200" y="2507920"/>
+            <a:ext cx="6587156" cy="2557623"/>
           </a:xfrm>
           <a:prstGeom prst="rect">
             <a:avLst/>
@@ -17961,6 +19009,50 @@
             </a:lvl9pPr>
           </a:lstStyle>
           <a:p>
+            <a:r>
+              <a:rPr lang="en-US" sz="1800" dirty="0"/>
+              <a:t>Total code coverage was 98.26%.</a:t>
+            </a:r>
+          </a:p>
+          <a:p>
+            <a:pPr>
+              <a:lnSpc>
+                <a:spcPct val="100000"/>
+              </a:lnSpc>
+            </a:pPr>
+            <a:endParaRPr kumimoji="0" lang="en-US" altLang="en-US" sz="1800" b="0" i="0" u="none" strike="noStrike" cap="none" normalizeH="0" baseline="0" dirty="0">
+              <a:ln>
+                <a:noFill/>
+              </a:ln>
+              <a:solidFill>
+                <a:schemeClr val="tx1"/>
+              </a:solidFill>
+              <a:effectLst/>
+              <a:latin typeface="+mn-lt"/>
+              <a:ea typeface="Calibri" panose="020F0502020204030204" pitchFamily="34" charset="0"/>
+              <a:cs typeface="Arial" panose="020B0604020202020204" pitchFamily="34" charset="0"/>
+            </a:endParaRPr>
+          </a:p>
+          <a:p>
+            <a:pPr>
+              <a:lnSpc>
+                <a:spcPct val="100000"/>
+              </a:lnSpc>
+            </a:pPr>
+            <a:endParaRPr kumimoji="0" lang="en-US" altLang="en-US" sz="1800" b="0" i="0" u="none" strike="noStrike" cap="none" normalizeH="0" baseline="0" dirty="0">
+              <a:ln>
+                <a:noFill/>
+              </a:ln>
+              <a:solidFill>
+                <a:schemeClr val="tx1"/>
+              </a:solidFill>
+              <a:effectLst/>
+              <a:latin typeface="+mn-lt"/>
+              <a:ea typeface="Calibri" panose="020F0502020204030204" pitchFamily="34" charset="0"/>
+              <a:cs typeface="Arial" panose="020B0604020202020204" pitchFamily="34" charset="0"/>
+            </a:endParaRPr>
+          </a:p>
+          <a:p>
             <a:pPr marL="0" marR="0" lvl="0" indent="0" algn="l" defTabSz="914400" rtl="0" eaLnBrk="0" fontAlgn="base" latinLnBrk="0" hangingPunct="0">
               <a:lnSpc>
                 <a:spcPct val="100000"/>
@@ -17978,7 +19070,15 @@
               <a:tabLst/>
             </a:pPr>
             <a:r>
-              <a:rPr kumimoji="0" lang="en-US" altLang="en-US" sz="2400" b="0" i="0" u="none" strike="noStrike" cap="none" normalizeH="0" baseline="0" dirty="0">
+              <a:rPr lang="en-US" altLang="en-US" sz="1800" dirty="0">
+                <a:latin typeface="+mn-lt"/>
+                <a:ea typeface="Calibri" panose="020F0502020204030204" pitchFamily="34" charset="0"/>
+                <a:cs typeface="Arial" panose="020B0604020202020204" pitchFamily="34" charset="0"/>
+              </a:rPr>
+              <a:t>U</a:t>
+            </a:r>
+            <a:r>
+              <a:rPr kumimoji="0" lang="en-US" altLang="en-US" sz="1800" b="0" i="0" u="none" strike="noStrike" cap="none" normalizeH="0" baseline="0" dirty="0">
                 <a:ln>
                   <a:noFill/>
                 </a:ln>
@@ -17990,110 +19090,9 @@
                 <a:ea typeface="Calibri" panose="020F0502020204030204" pitchFamily="34" charset="0"/>
                 <a:cs typeface="Arial" panose="020B0604020202020204" pitchFamily="34" charset="0"/>
               </a:rPr>
-              <a:t>The total conditional coverage was </a:t>
-            </a:r>
-            <a:r>
-              <a:rPr kumimoji="0" lang="he-IL" altLang="en-US" sz="2400" b="0" i="0" u="none" strike="noStrike" cap="none" normalizeH="0" baseline="0" dirty="0">
-                <a:ln>
-                  <a:noFill/>
-                </a:ln>
-                <a:solidFill>
-                  <a:schemeClr val="tx1"/>
-                </a:solidFill>
-                <a:effectLst/>
-                <a:latin typeface="+mn-lt"/>
-                <a:ea typeface="Calibri" panose="020F0502020204030204" pitchFamily="34" charset="0"/>
-                <a:cs typeface="Arial" panose="020B0604020202020204" pitchFamily="34" charset="0"/>
-              </a:rPr>
-              <a:t>98</a:t>
-            </a:r>
-            <a:r>
-              <a:rPr kumimoji="0" lang="en-US" altLang="en-US" sz="2400" b="0" i="0" u="none" strike="noStrike" cap="none" normalizeH="0" baseline="0" dirty="0">
-                <a:ln>
-                  <a:noFill/>
-                </a:ln>
-                <a:solidFill>
-                  <a:schemeClr val="tx1"/>
-                </a:solidFill>
-                <a:effectLst/>
-                <a:latin typeface="+mn-lt"/>
-                <a:ea typeface="Calibri" panose="020F0502020204030204" pitchFamily="34" charset="0"/>
-                <a:cs typeface="Arial" panose="020B0604020202020204" pitchFamily="34" charset="0"/>
-              </a:rPr>
-              <a:t>.</a:t>
-            </a:r>
-            <a:r>
-              <a:rPr kumimoji="0" lang="he-IL" altLang="en-US" sz="2400" b="0" i="0" u="none" strike="noStrike" cap="none" normalizeH="0" baseline="0" dirty="0">
-                <a:ln>
-                  <a:noFill/>
-                </a:ln>
-                <a:solidFill>
-                  <a:schemeClr val="tx1"/>
-                </a:solidFill>
-                <a:effectLst/>
-                <a:latin typeface="+mn-lt"/>
-                <a:ea typeface="Calibri" panose="020F0502020204030204" pitchFamily="34" charset="0"/>
-                <a:cs typeface="Arial" panose="020B0604020202020204" pitchFamily="34" charset="0"/>
-              </a:rPr>
-              <a:t>26</a:t>
-            </a:r>
-            <a:r>
-              <a:rPr kumimoji="0" lang="en-US" altLang="en-US" sz="2400" b="0" i="0" u="none" strike="noStrike" cap="none" normalizeH="0" baseline="0" dirty="0">
-                <a:ln>
-                  <a:noFill/>
-                </a:ln>
-                <a:solidFill>
-                  <a:schemeClr val="tx1"/>
-                </a:solidFill>
-                <a:effectLst/>
-                <a:latin typeface="+mn-lt"/>
-                <a:ea typeface="Calibri" panose="020F0502020204030204" pitchFamily="34" charset="0"/>
-                <a:cs typeface="Arial" panose="020B0604020202020204" pitchFamily="34" charset="0"/>
-              </a:rPr>
-              <a:t>%. </a:t>
-            </a:r>
-          </a:p>
-          <a:p>
-            <a:pPr marL="0" marR="0" lvl="0" indent="0" algn="l" defTabSz="914400" rtl="0" eaLnBrk="0" fontAlgn="base" latinLnBrk="0" hangingPunct="0">
-              <a:lnSpc>
-                <a:spcPct val="100000"/>
-              </a:lnSpc>
-              <a:spcBef>
-                <a:spcPct val="0"/>
-              </a:spcBef>
-              <a:spcAft>
-                <a:spcPct val="0"/>
-              </a:spcAft>
-              <a:buClrTx/>
-              <a:buSzTx/>
-              <a:buFontTx/>
-              <a:buNone/>
-              <a:tabLst/>
-            </a:pPr>
-            <a:r>
-              <a:rPr lang="en-US" altLang="en-US" sz="2400" dirty="0">
-                <a:latin typeface="+mn-lt"/>
-                <a:ea typeface="Calibri" panose="020F0502020204030204" pitchFamily="34" charset="0"/>
-                <a:cs typeface="Arial" panose="020B0604020202020204" pitchFamily="34" charset="0"/>
-              </a:rPr>
-              <a:t>U</a:t>
-            </a:r>
-            <a:r>
-              <a:rPr kumimoji="0" lang="en-US" altLang="en-US" sz="2400" b="0" i="0" u="none" strike="noStrike" cap="none" normalizeH="0" baseline="0" dirty="0">
-                <a:ln>
-                  <a:noFill/>
-                </a:ln>
-                <a:solidFill>
-                  <a:schemeClr val="tx1"/>
-                </a:solidFill>
-                <a:effectLst/>
-                <a:latin typeface="+mn-lt"/>
-                <a:ea typeface="Calibri" panose="020F0502020204030204" pitchFamily="34" charset="0"/>
-                <a:cs typeface="Arial" panose="020B0604020202020204" pitchFamily="34" charset="0"/>
-              </a:rPr>
               <a:t>ncovered conditionals come from the following modules:</a:t>
             </a:r>
-            <a:endParaRPr kumimoji="0" lang="en-US" altLang="en-US" sz="2400" b="0" i="0" u="none" strike="noStrike" cap="none" normalizeH="0" baseline="0" dirty="0">
+            <a:endParaRPr kumimoji="0" lang="en-US" altLang="en-US" sz="1800" b="0" i="0" u="none" strike="noStrike" cap="none" normalizeH="0" baseline="0" dirty="0">
               <a:ln>
                 <a:noFill/>
               </a:ln>
@@ -18105,24 +19104,13 @@
             </a:endParaRPr>
           </a:p>
           <a:p>
-            <a:pPr marL="0" marR="0" lvl="0" indent="0" algn="l" defTabSz="914400" rtl="0" eaLnBrk="0" fontAlgn="base" latinLnBrk="0" hangingPunct="0">
+            <a:pPr>
               <a:lnSpc>
                 <a:spcPct val="100000"/>
               </a:lnSpc>
-              <a:spcBef>
-                <a:spcPct val="0"/>
-              </a:spcBef>
-              <a:spcAft>
-                <a:spcPct val="0"/>
-              </a:spcAft>
-              <a:buClrTx/>
-              <a:buSzTx/>
-              <a:buFontTx/>
-              <a:buChar char="•"/>
-              <a:tabLst/>
             </a:pPr>
             <a:r>
-              <a:rPr kumimoji="0" lang="en-US" altLang="en-US" sz="2400" b="0" i="0" u="none" strike="noStrike" cap="none" normalizeH="0" baseline="0" dirty="0">
+              <a:rPr kumimoji="0" lang="en-US" altLang="en-US" sz="1800" b="0" i="0" u="none" strike="noStrike" cap="none" normalizeH="0" baseline="0" dirty="0">
                 <a:ln>
                   <a:noFill/>
                 </a:ln>
@@ -18136,7 +19124,7 @@
               </a:rPr>
               <a:t>Reg File</a:t>
             </a:r>
-            <a:endParaRPr kumimoji="0" lang="en-US" altLang="en-US" sz="2400" b="0" i="0" u="none" strike="noStrike" cap="none" normalizeH="0" baseline="0" dirty="0">
+            <a:endParaRPr kumimoji="0" lang="en-US" altLang="en-US" sz="1800" b="0" i="0" u="none" strike="noStrike" cap="none" normalizeH="0" baseline="0" dirty="0">
               <a:ln>
                 <a:noFill/>
               </a:ln>
@@ -18148,24 +19136,13 @@
             </a:endParaRPr>
           </a:p>
           <a:p>
-            <a:pPr marL="0" marR="0" lvl="0" indent="0" algn="l" defTabSz="914400" rtl="0" eaLnBrk="0" fontAlgn="base" latinLnBrk="0" hangingPunct="0">
+            <a:pPr>
               <a:lnSpc>
                 <a:spcPct val="100000"/>
               </a:lnSpc>
-              <a:spcBef>
-                <a:spcPct val="0"/>
-              </a:spcBef>
-              <a:spcAft>
-                <a:spcPct val="0"/>
-              </a:spcAft>
-              <a:buClrTx/>
-              <a:buSzTx/>
-              <a:buFontTx/>
-              <a:buChar char="•"/>
-              <a:tabLst/>
             </a:pPr>
             <a:r>
-              <a:rPr kumimoji="0" lang="en-US" altLang="en-US" sz="2400" b="0" i="0" u="none" strike="noStrike" cap="none" normalizeH="0" baseline="0" dirty="0">
+              <a:rPr kumimoji="0" lang="en-US" altLang="en-US" sz="1800" b="0" i="0" u="none" strike="noStrike" cap="none" normalizeH="0" baseline="0" dirty="0">
                 <a:ln>
                   <a:noFill/>
                 </a:ln>
@@ -18179,7 +19156,7 @@
               </a:rPr>
               <a:t>RAM</a:t>
             </a:r>
-            <a:endParaRPr kumimoji="0" lang="en-US" altLang="en-US" sz="2400" b="0" i="0" u="none" strike="noStrike" cap="none" normalizeH="0" baseline="0" dirty="0">
+            <a:endParaRPr kumimoji="0" lang="en-US" altLang="en-US" sz="1800" b="0" i="0" u="none" strike="noStrike" cap="none" normalizeH="0" baseline="0" dirty="0">
               <a:ln>
                 <a:noFill/>
               </a:ln>
@@ -18191,24 +19168,13 @@
             </a:endParaRPr>
           </a:p>
           <a:p>
-            <a:pPr marL="0" marR="0" lvl="0" indent="0" algn="l" defTabSz="914400" rtl="0" eaLnBrk="0" fontAlgn="base" latinLnBrk="0" hangingPunct="0">
+            <a:pPr>
               <a:lnSpc>
                 <a:spcPct val="100000"/>
               </a:lnSpc>
-              <a:spcBef>
-                <a:spcPct val="0"/>
-              </a:spcBef>
-              <a:spcAft>
-                <a:spcPct val="0"/>
-              </a:spcAft>
-              <a:buClrTx/>
-              <a:buSzTx/>
-              <a:buFontTx/>
-              <a:buChar char="•"/>
-              <a:tabLst/>
             </a:pPr>
             <a:r>
-              <a:rPr kumimoji="0" lang="en-US" altLang="en-US" sz="2400" b="0" i="0" u="none" strike="noStrike" cap="none" normalizeH="0" baseline="0" dirty="0">
+              <a:rPr kumimoji="0" lang="en-US" altLang="en-US" sz="1800" b="0" i="0" u="none" strike="noStrike" cap="none" normalizeH="0" baseline="0" dirty="0">
                 <a:ln>
                   <a:noFill/>
                 </a:ln>
@@ -18222,7 +19188,7 @@
               </a:rPr>
               <a:t>Classification block</a:t>
             </a:r>
-            <a:endParaRPr kumimoji="0" lang="en-US" altLang="en-US" sz="2400" b="0" i="0" u="none" strike="noStrike" cap="none" normalizeH="0" baseline="0" dirty="0">
+            <a:endParaRPr kumimoji="0" lang="en-US" altLang="en-US" sz="1800" b="0" i="0" u="none" strike="noStrike" cap="none" normalizeH="0" baseline="0" dirty="0">
               <a:ln>
                 <a:noFill/>
               </a:ln>
@@ -18234,24 +19200,13 @@
             </a:endParaRPr>
           </a:p>
           <a:p>
-            <a:pPr marL="0" marR="0" lvl="0" indent="0" algn="l" defTabSz="914400" rtl="0" eaLnBrk="0" fontAlgn="base" latinLnBrk="0" hangingPunct="0">
+            <a:pPr>
               <a:lnSpc>
                 <a:spcPct val="100000"/>
               </a:lnSpc>
-              <a:spcBef>
-                <a:spcPct val="0"/>
-              </a:spcBef>
-              <a:spcAft>
-                <a:spcPct val="0"/>
-              </a:spcAft>
-              <a:buClrTx/>
-              <a:buSzTx/>
-              <a:buFontTx/>
-              <a:buChar char="•"/>
-              <a:tabLst/>
             </a:pPr>
             <a:r>
-              <a:rPr kumimoji="0" lang="en-US" altLang="en-US" sz="2400" b="0" i="0" u="none" strike="noStrike" cap="none" normalizeH="0" baseline="0" dirty="0">
+              <a:rPr kumimoji="0" lang="en-US" altLang="en-US" sz="1800" b="0" i="0" u="none" strike="noStrike" cap="none" normalizeH="0" baseline="0" dirty="0">
                 <a:ln>
                   <a:noFill/>
                 </a:ln>
@@ -18265,7 +19220,7 @@
               </a:rPr>
               <a:t>Convergence check block</a:t>
             </a:r>
-            <a:endParaRPr kumimoji="0" lang="en-US" altLang="en-US" sz="2400" b="0" i="0" u="none" strike="noStrike" cap="none" normalizeH="0" baseline="0" dirty="0">
+            <a:endParaRPr kumimoji="0" lang="en-US" altLang="en-US" sz="1800" b="0" i="0" u="none" strike="noStrike" cap="none" normalizeH="0" baseline="0" dirty="0">
               <a:ln>
                 <a:noFill/>
               </a:ln>
@@ -18277,24 +19232,13 @@
             </a:endParaRPr>
           </a:p>
           <a:p>
-            <a:pPr marL="0" marR="0" lvl="0" indent="0" algn="l" defTabSz="914400" rtl="0" eaLnBrk="0" fontAlgn="base" latinLnBrk="0" hangingPunct="0">
+            <a:pPr>
               <a:lnSpc>
                 <a:spcPct val="100000"/>
               </a:lnSpc>
-              <a:spcBef>
-                <a:spcPct val="0"/>
-              </a:spcBef>
-              <a:spcAft>
-                <a:spcPct val="0"/>
-              </a:spcAft>
-              <a:buClrTx/>
-              <a:buSzTx/>
-              <a:buFontTx/>
-              <a:buChar char="•"/>
-              <a:tabLst/>
             </a:pPr>
             <a:r>
-              <a:rPr kumimoji="0" lang="en-US" altLang="en-US" sz="2400" b="0" i="0" u="none" strike="noStrike" cap="none" normalizeH="0" baseline="0" dirty="0">
+              <a:rPr kumimoji="0" lang="en-US" altLang="en-US" sz="1800" b="0" i="0" u="none" strike="noStrike" cap="none" normalizeH="0" baseline="0" dirty="0">
                 <a:ln>
                   <a:noFill/>
                 </a:ln>
@@ -18309,7 +19253,7 @@
               <a:t>New means calculation </a:t>
             </a:r>
             <a:r>
-              <a:rPr kumimoji="0" lang="en-US" altLang="en-US" sz="2400" b="0" i="0" u="none" strike="noStrike" cap="none" normalizeH="0" baseline="0" dirty="0" err="1">
+              <a:rPr kumimoji="0" lang="en-US" altLang="en-US" sz="1800" b="0" i="0" u="none" strike="noStrike" cap="none" normalizeH="0" baseline="0" dirty="0" err="1">
                 <a:ln>
                   <a:noFill/>
                 </a:ln>
@@ -18323,7 +19267,7 @@
               </a:rPr>
               <a:t>blockt</a:t>
             </a:r>
-            <a:endParaRPr kumimoji="0" lang="en-US" altLang="en-US" sz="4000" b="0" i="0" u="none" strike="noStrike" cap="none" normalizeH="0" baseline="0" dirty="0">
+            <a:endParaRPr kumimoji="0" lang="en-US" altLang="en-US" sz="3200" b="0" i="0" u="none" strike="noStrike" cap="none" normalizeH="0" baseline="0" dirty="0">
               <a:ln>
                 <a:noFill/>
               </a:ln>
@@ -18389,7 +19333,7 @@
           <a:p>
             <a:r>
               <a:rPr lang="en-US" dirty="0"/>
-              <a:t>Coverage results – Functional Coverage</a:t>
+              <a:t>Functional Coverage</a:t>
             </a:r>
           </a:p>
         </p:txBody>
@@ -18591,7 +19535,14 @@
           <a:p>
             <a:r>
               <a:rPr lang="en-US" dirty="0"/>
-              <a:t>Coverage results – Functional Coverage NUM_POINST</a:t>
+              <a:t>Functional Coverage</a:t>
+            </a:r>
+            <a:br>
+              <a:rPr lang="en-US" dirty="0"/>
+            </a:br>
+            <a:r>
+              <a:rPr lang="en-US" dirty="0"/>
+              <a:t>number of points</a:t>
             </a:r>
           </a:p>
         </p:txBody>
@@ -18614,8 +19565,8 @@
         </p:nvSpPr>
         <p:spPr>
           <a:xfrm>
-            <a:off x="838200" y="1825625"/>
-            <a:ext cx="2566182" cy="4351338"/>
+            <a:off x="838200" y="2294340"/>
+            <a:ext cx="2654300" cy="3495675"/>
           </a:xfrm>
         </p:spPr>
         <p:txBody>
@@ -18624,20 +19575,37 @@
           </a:bodyPr>
           <a:lstStyle/>
           <a:p>
-            <a:r>
-              <a:rPr lang="en-US" sz="2400" dirty="0">
-                <a:effectLst/>
-                <a:latin typeface="Calibri" panose="020F0502020204030204" pitchFamily="34" charset="0"/>
-                <a:ea typeface="Calibri" panose="020F0502020204030204" pitchFamily="34" charset="0"/>
-                <a:cs typeface="Arial" panose="020B0604020202020204" pitchFamily="34" charset="0"/>
-              </a:rPr>
-              <a:t>As</a:t>
-            </a:r>
-            <a:r>
-              <a:rPr lang="en-US" sz="2400" dirty="0">
-                <a:solidFill>
-                  <a:srgbClr val="FF0000"/>
-                </a:solidFill>
+            <a:pPr marL="0" indent="0">
+              <a:buNone/>
+            </a:pPr>
+            <a:r>
+              <a:rPr lang="en-US" sz="2000" dirty="0">
+                <a:latin typeface="Calibri" panose="020F0502020204030204" pitchFamily="34" charset="0"/>
+                <a:ea typeface="Calibri" panose="020F0502020204030204" pitchFamily="34" charset="0"/>
+                <a:cs typeface="Arial" panose="020B0604020202020204" pitchFamily="34" charset="0"/>
+              </a:rPr>
+              <a:t>T</a:t>
+            </a:r>
+            <a:r>
+              <a:rPr lang="en-US" sz="2000" dirty="0">
+                <a:effectLst/>
+                <a:latin typeface="Calibri" panose="020F0502020204030204" pitchFamily="34" charset="0"/>
+                <a:ea typeface="Calibri" panose="020F0502020204030204" pitchFamily="34" charset="0"/>
+                <a:cs typeface="Arial" panose="020B0604020202020204" pitchFamily="34" charset="0"/>
+              </a:rPr>
+              <a:t>he number of points in all the tests was approximately </a:t>
+            </a:r>
+            <a:r>
+              <a:rPr lang="en-US" sz="2000" b="1" dirty="0">
+                <a:effectLst/>
+                <a:latin typeface="Calibri" panose="020F0502020204030204" pitchFamily="34" charset="0"/>
+                <a:ea typeface="Calibri" panose="020F0502020204030204" pitchFamily="34" charset="0"/>
+                <a:cs typeface="Arial" panose="020B0604020202020204" pitchFamily="34" charset="0"/>
+              </a:rPr>
+              <a:t>uniformly</a:t>
+            </a:r>
+            <a:r>
+              <a:rPr lang="en-US" sz="2000" dirty="0">
                 <a:effectLst/>
                 <a:latin typeface="Calibri" panose="020F0502020204030204" pitchFamily="34" charset="0"/>
                 <a:ea typeface="Calibri" panose="020F0502020204030204" pitchFamily="34" charset="0"/>
@@ -18646,17 +19614,26 @@
               <a:t> </a:t>
             </a:r>
             <a:r>
-              <a:rPr lang="en-US" sz="2400" dirty="0">
-                <a:effectLst/>
-                <a:latin typeface="Calibri" panose="020F0502020204030204" pitchFamily="34" charset="0"/>
-                <a:ea typeface="Calibri" panose="020F0502020204030204" pitchFamily="34" charset="0"/>
-                <a:cs typeface="Arial" panose="020B0604020202020204" pitchFamily="34" charset="0"/>
-              </a:rPr>
-              <a:t>can be seen form the figures attached, the number of points in all the tests was uniformly distributed between 8 and 512.</a:t>
-            </a:r>
-          </a:p>
-          <a:p>
-            <a:endParaRPr lang="en-US" sz="3600" dirty="0"/>
+              <a:rPr lang="en-US" sz="2000" b="1" dirty="0">
+                <a:effectLst/>
+                <a:latin typeface="Calibri" panose="020F0502020204030204" pitchFamily="34" charset="0"/>
+                <a:ea typeface="Calibri" panose="020F0502020204030204" pitchFamily="34" charset="0"/>
+                <a:cs typeface="Arial" panose="020B0604020202020204" pitchFamily="34" charset="0"/>
+              </a:rPr>
+              <a:t>distributed</a:t>
+            </a:r>
+            <a:r>
+              <a:rPr lang="en-US" sz="2000" dirty="0">
+                <a:effectLst/>
+                <a:latin typeface="Calibri" panose="020F0502020204030204" pitchFamily="34" charset="0"/>
+                <a:ea typeface="Calibri" panose="020F0502020204030204" pitchFamily="34" charset="0"/>
+                <a:cs typeface="Arial" panose="020B0604020202020204" pitchFamily="34" charset="0"/>
+              </a:rPr>
+              <a:t> between 8 and 512.</a:t>
+            </a:r>
+          </a:p>
+          <a:p>
+            <a:endParaRPr lang="en-US" sz="3200" dirty="0"/>
           </a:p>
         </p:txBody>
       </p:sp>
@@ -18680,7 +19657,7 @@
         </p:blipFill>
         <p:spPr>
           <a:xfrm>
-            <a:off x="3896751" y="2073934"/>
+            <a:off x="4723228" y="1972334"/>
             <a:ext cx="6630572" cy="3707888"/>
           </a:xfrm>
           <a:prstGeom prst="rect">
@@ -18765,7 +19742,7 @@
         <p:spPr/>
         <p:txBody>
           <a:bodyPr>
-            <a:normAutofit fontScale="92500" lnSpcReduction="20000"/>
+            <a:normAutofit fontScale="77500" lnSpcReduction="20000"/>
           </a:bodyPr>
           <a:lstStyle/>
           <a:p>
@@ -19033,6 +20010,27 @@
                 <a:cs typeface="Arial" panose="020B0604020202020204" pitchFamily="34" charset="0"/>
               </a:rPr>
               <a:t> to instantiate, connect and build the test bench environment.</a:t>
+            </a:r>
+          </a:p>
+          <a:p>
+            <a:endParaRPr lang="en-US" sz="2400" dirty="0">
+              <a:latin typeface="Calibri" panose="020F0502020204030204" pitchFamily="34" charset="0"/>
+              <a:ea typeface="Calibri" panose="020F0502020204030204" pitchFamily="34" charset="0"/>
+              <a:cs typeface="Arial" panose="020B0604020202020204" pitchFamily="34" charset="0"/>
+            </a:endParaRPr>
+          </a:p>
+          <a:p>
+            <a:r>
+              <a:rPr lang="en-US" sz="2400" dirty="0">
+                <a:solidFill>
+                  <a:srgbClr val="FF0000"/>
+                </a:solidFill>
+                <a:effectLst/>
+                <a:latin typeface="Calibri" panose="020F0502020204030204" pitchFamily="34" charset="0"/>
+                <a:ea typeface="Calibri" panose="020F0502020204030204" pitchFamily="34" charset="0"/>
+                <a:cs typeface="Arial" panose="020B0604020202020204" pitchFamily="34" charset="0"/>
+              </a:rPr>
+              <a:t>TODO – ADD A WORD ON FACTORY, AND SAY SOMETHING AS WELL.</a:t>
             </a:r>
           </a:p>
           <a:p>
@@ -19107,7 +20105,14 @@
           <a:p>
             <a:r>
               <a:rPr lang="en-US" dirty="0"/>
-              <a:t>Coverage results – Functional Coverage DATA_VALUE</a:t>
+              <a:t>Functional Coverage</a:t>
+            </a:r>
+            <a:br>
+              <a:rPr lang="en-US" dirty="0"/>
+            </a:br>
+            <a:r>
+              <a:rPr lang="en-US" dirty="0"/>
+              <a:t>data points</a:t>
             </a:r>
           </a:p>
         </p:txBody>
@@ -19130,19 +20135,27 @@
         </p:nvSpPr>
         <p:spPr>
           <a:xfrm>
-            <a:off x="838200" y="1825625"/>
-            <a:ext cx="2566182" cy="4351338"/>
+            <a:off x="608397" y="2506662"/>
+            <a:ext cx="3437238" cy="4351338"/>
           </a:xfrm>
         </p:spPr>
         <p:txBody>
           <a:bodyPr>
-            <a:normAutofit fontScale="77500" lnSpcReduction="20000"/>
+            <a:normAutofit/>
           </a:bodyPr>
           <a:lstStyle/>
           <a:p>
             <a:r>
-              <a:rPr lang="en-US" sz="3600" dirty="0"/>
-              <a:t>As can be seen form the figures attached, for all data points, the values of their coordinates were normally distributed between all the possible values in all the tests.</a:t>
+              <a:rPr lang="en-US" sz="2000" dirty="0"/>
+              <a:t>For all data points, the values of their coordinates were </a:t>
+            </a:r>
+            <a:r>
+              <a:rPr lang="en-US" sz="2000" b="1" dirty="0"/>
+              <a:t>normally distributed </a:t>
+            </a:r>
+            <a:r>
+              <a:rPr lang="en-US" sz="2000" dirty="0"/>
+              <a:t>between all the possible values in all the tests.</a:t>
             </a:r>
           </a:p>
         </p:txBody>
@@ -19167,7 +20180,7 @@
         </p:blipFill>
         <p:spPr>
           <a:xfrm>
-            <a:off x="4149969" y="2044700"/>
+            <a:off x="4765431" y="1931988"/>
             <a:ext cx="6588369" cy="4351338"/>
           </a:xfrm>
           <a:prstGeom prst="rect">
@@ -19228,7 +20241,14 @@
           <a:p>
             <a:r>
               <a:rPr lang="en-US" dirty="0"/>
-              <a:t>Coverage results – Functional Coverage CENT_VALUE</a:t>
+              <a:t>Functional Coverage</a:t>
+            </a:r>
+            <a:br>
+              <a:rPr lang="en-US" dirty="0"/>
+            </a:br>
+            <a:r>
+              <a:rPr lang="en-US" dirty="0"/>
+              <a:t>centroids value</a:t>
             </a:r>
           </a:p>
         </p:txBody>
@@ -19251,19 +20271,40 @@
         </p:nvSpPr>
         <p:spPr>
           <a:xfrm>
-            <a:off x="838200" y="1825625"/>
+            <a:off x="838200" y="2141537"/>
             <a:ext cx="2566182" cy="4351338"/>
           </a:xfrm>
         </p:spPr>
         <p:txBody>
           <a:bodyPr>
-            <a:normAutofit fontScale="70000" lnSpcReduction="20000"/>
+            <a:normAutofit/>
           </a:bodyPr>
           <a:lstStyle/>
           <a:p>
             <a:r>
-              <a:rPr lang="en-US" sz="3600" dirty="0"/>
-              <a:t>As can be seen form the figure attached, for centroid 1 the values of its coordinates were normally distributed between all the possible values in all the tests. This also is correct for the other 7 centroids.</a:t>
+              <a:rPr lang="en-US" sz="2000" dirty="0"/>
+              <a:t>For centroid 1:</a:t>
+            </a:r>
+          </a:p>
+          <a:p>
+            <a:pPr marL="457200" lvl="1" indent="0">
+              <a:buNone/>
+            </a:pPr>
+            <a:r>
+              <a:rPr lang="en-US" sz="1600" dirty="0"/>
+              <a:t>The values of its coordinates were normally distributed between all the possible values in all the tests.</a:t>
+            </a:r>
+          </a:p>
+          <a:p>
+            <a:pPr marL="457200" lvl="1" indent="0">
+              <a:buNone/>
+            </a:pPr>
+            <a:endParaRPr lang="en-US" sz="1600" dirty="0"/>
+          </a:p>
+          <a:p>
+            <a:r>
+              <a:rPr lang="en-US" sz="2000" dirty="0"/>
+              <a:t>That is also correct for the other 7 centroids.</a:t>
             </a:r>
           </a:p>
         </p:txBody>
@@ -19288,7 +20329,7 @@
         </p:blipFill>
         <p:spPr>
           <a:xfrm>
-            <a:off x="4164037" y="1690687"/>
+            <a:off x="4312318" y="1690688"/>
             <a:ext cx="7189763" cy="4802187"/>
           </a:xfrm>
           <a:prstGeom prst="rect">
@@ -19372,18 +20413,18 @@
         </p:nvSpPr>
         <p:spPr>
           <a:xfrm>
-            <a:off x="838200" y="1825625"/>
+            <a:off x="838200" y="2141537"/>
             <a:ext cx="5070231" cy="4351338"/>
           </a:xfrm>
         </p:spPr>
         <p:txBody>
           <a:bodyPr>
-            <a:normAutofit lnSpcReduction="10000"/>
+            <a:normAutofit/>
           </a:bodyPr>
           <a:lstStyle/>
           <a:p>
             <a:r>
-              <a:rPr lang="en-US" sz="2400" dirty="0">
+              <a:rPr lang="en-US" sz="1800" dirty="0">
                 <a:latin typeface="Calibri" panose="020F0502020204030204" pitchFamily="34" charset="0"/>
                 <a:ea typeface="Calibri" panose="020F0502020204030204" pitchFamily="34" charset="0"/>
                 <a:cs typeface="Arial" panose="020B0604020202020204" pitchFamily="34" charset="0"/>
@@ -19391,7 +20432,7 @@
               <a:t>T</a:t>
             </a:r>
             <a:r>
-              <a:rPr lang="en-US" sz="2400" dirty="0">
+              <a:rPr lang="en-US" sz="1800" dirty="0">
                 <a:effectLst/>
                 <a:latin typeface="Calibri" panose="020F0502020204030204" pitchFamily="34" charset="0"/>
                 <a:ea typeface="Calibri" panose="020F0502020204030204" pitchFamily="34" charset="0"/>
@@ -19400,7 +20441,7 @@
               <a:t>he </a:t>
             </a:r>
             <a:r>
-              <a:rPr lang="en-US" sz="2400" dirty="0">
+              <a:rPr lang="en-US" sz="1800" dirty="0">
                 <a:latin typeface="Calibri" panose="020F0502020204030204" pitchFamily="34" charset="0"/>
                 <a:ea typeface="Calibri" panose="020F0502020204030204" pitchFamily="34" charset="0"/>
                 <a:cs typeface="Arial" panose="020B0604020202020204" pitchFamily="34" charset="0"/>
@@ -19408,67 +20449,185 @@
               <a:t>default</a:t>
             </a:r>
             <a:r>
-              <a:rPr lang="en-US" sz="2400" dirty="0">
-                <a:effectLst/>
-                <a:latin typeface="Calibri" panose="020F0502020204030204" pitchFamily="34" charset="0"/>
-                <a:ea typeface="Calibri" panose="020F0502020204030204" pitchFamily="34" charset="0"/>
-                <a:cs typeface="Arial" panose="020B0604020202020204" pitchFamily="34" charset="0"/>
-              </a:rPr>
-              <a:t> FSM coverage has a low result </a:t>
-            </a:r>
-            <a:r>
-              <a:rPr lang="en-US" sz="2400" dirty="0">
-                <a:latin typeface="Calibri" panose="020F0502020204030204" pitchFamily="34" charset="0"/>
-                <a:ea typeface="Calibri" panose="020F0502020204030204" pitchFamily="34" charset="0"/>
-                <a:cs typeface="Arial" panose="020B0604020202020204" pitchFamily="34" charset="0"/>
-              </a:rPr>
-              <a:t>because </a:t>
-            </a:r>
-            <a:r>
-              <a:rPr lang="en-US" sz="2400" dirty="0">
-                <a:effectLst/>
-                <a:latin typeface="Calibri" panose="020F0502020204030204" pitchFamily="34" charset="0"/>
-                <a:ea typeface="Calibri" panose="020F0502020204030204" pitchFamily="34" charset="0"/>
-                <a:cs typeface="Arial" panose="020B0604020202020204" pitchFamily="34" charset="0"/>
-              </a:rPr>
-              <a:t>it checks all transitions for the FSM, even the ones which are not legal. </a:t>
-            </a:r>
-          </a:p>
-          <a:p>
-            <a:r>
-              <a:rPr lang="en-US" sz="2400" dirty="0">
-                <a:effectLst/>
-                <a:latin typeface="Calibri" panose="020F0502020204030204" pitchFamily="34" charset="0"/>
-                <a:ea typeface="Calibri" panose="020F0502020204030204" pitchFamily="34" charset="0"/>
-                <a:cs typeface="Arial" panose="020B0604020202020204" pitchFamily="34" charset="0"/>
-              </a:rPr>
-              <a:t>Therefore, a cover group for the legal transitions was built. </a:t>
-            </a:r>
-          </a:p>
-          <a:p>
-            <a:r>
-              <a:rPr lang="en-US" sz="2400" dirty="0">
-                <a:effectLst/>
-                <a:latin typeface="Calibri" panose="020F0502020204030204" pitchFamily="34" charset="0"/>
-                <a:ea typeface="Calibri" panose="020F0502020204030204" pitchFamily="34" charset="0"/>
-                <a:cs typeface="Arial" panose="020B0604020202020204" pitchFamily="34" charset="0"/>
-              </a:rPr>
-              <a:t>The FSM present in the DUT is the one inside the controller module. </a:t>
-            </a:r>
-          </a:p>
-          <a:p>
-            <a:r>
-              <a:rPr lang="en-US" sz="2400" dirty="0">
-                <a:effectLst/>
-                <a:latin typeface="Calibri" panose="020F0502020204030204" pitchFamily="34" charset="0"/>
-                <a:ea typeface="Calibri" panose="020F0502020204030204" pitchFamily="34" charset="0"/>
-                <a:cs typeface="Arial" panose="020B0604020202020204" pitchFamily="34" charset="0"/>
-              </a:rPr>
-              <a:t>The cover group for the valid transitions was written according to the transitions and control signals in the following figure, which describes the K means controller FSM: </a:t>
-            </a:r>
-          </a:p>
-          <a:p>
-            <a:endParaRPr lang="en-US" dirty="0"/>
+              <a:rPr lang="en-US" sz="1800" dirty="0">
+                <a:effectLst/>
+                <a:latin typeface="Calibri" panose="020F0502020204030204" pitchFamily="34" charset="0"/>
+                <a:ea typeface="Calibri" panose="020F0502020204030204" pitchFamily="34" charset="0"/>
+                <a:cs typeface="Arial" panose="020B0604020202020204" pitchFamily="34" charset="0"/>
+              </a:rPr>
+              <a:t> FSM coverage has a low </a:t>
+            </a:r>
+            <a:r>
+              <a:rPr lang="en-US" sz="1800" dirty="0" err="1">
+                <a:effectLst/>
+                <a:latin typeface="Calibri" panose="020F0502020204030204" pitchFamily="34" charset="0"/>
+                <a:ea typeface="Calibri" panose="020F0502020204030204" pitchFamily="34" charset="0"/>
+                <a:cs typeface="Arial" panose="020B0604020202020204" pitchFamily="34" charset="0"/>
+              </a:rPr>
+              <a:t>resul</a:t>
+            </a:r>
+            <a:r>
+              <a:rPr lang="en-US" sz="1800" dirty="0">
+                <a:effectLst/>
+                <a:latin typeface="Calibri" panose="020F0502020204030204" pitchFamily="34" charset="0"/>
+                <a:ea typeface="Calibri" panose="020F0502020204030204" pitchFamily="34" charset="0"/>
+                <a:cs typeface="Arial" panose="020B0604020202020204" pitchFamily="34" charset="0"/>
+              </a:rPr>
+              <a:t>.</a:t>
+            </a:r>
+          </a:p>
+          <a:p>
+            <a:pPr marL="457200" lvl="1" indent="0">
+              <a:buNone/>
+            </a:pPr>
+            <a:r>
+              <a:rPr lang="en-US" sz="1400" dirty="0">
+                <a:effectLst/>
+                <a:latin typeface="Calibri" panose="020F0502020204030204" pitchFamily="34" charset="0"/>
+                <a:ea typeface="Calibri" panose="020F0502020204030204" pitchFamily="34" charset="0"/>
+                <a:cs typeface="Arial" panose="020B0604020202020204" pitchFamily="34" charset="0"/>
+              </a:rPr>
+              <a:t>It checks all transitions for the FSM, </a:t>
+            </a:r>
+            <a:r>
+              <a:rPr lang="en-US" sz="1400" b="1" dirty="0">
+                <a:effectLst/>
+                <a:latin typeface="Calibri" panose="020F0502020204030204" pitchFamily="34" charset="0"/>
+                <a:ea typeface="Calibri" panose="020F0502020204030204" pitchFamily="34" charset="0"/>
+                <a:cs typeface="Arial" panose="020B0604020202020204" pitchFamily="34" charset="0"/>
+              </a:rPr>
+              <a:t>illegal</a:t>
+            </a:r>
+            <a:r>
+              <a:rPr lang="en-US" sz="1400" b="1" dirty="0">
+                <a:latin typeface="Calibri" panose="020F0502020204030204" pitchFamily="34" charset="0"/>
+                <a:ea typeface="Calibri" panose="020F0502020204030204" pitchFamily="34" charset="0"/>
+                <a:cs typeface="Arial" panose="020B0604020202020204" pitchFamily="34" charset="0"/>
+              </a:rPr>
+              <a:t> </a:t>
+            </a:r>
+            <a:r>
+              <a:rPr lang="en-US" sz="1400" dirty="0">
+                <a:latin typeface="Calibri" panose="020F0502020204030204" pitchFamily="34" charset="0"/>
+                <a:ea typeface="Calibri" panose="020F0502020204030204" pitchFamily="34" charset="0"/>
+                <a:cs typeface="Arial" panose="020B0604020202020204" pitchFamily="34" charset="0"/>
+              </a:rPr>
+              <a:t>ones in particular.</a:t>
+            </a:r>
+            <a:endParaRPr lang="en-US" sz="1800" dirty="0">
+              <a:effectLst/>
+              <a:latin typeface="Calibri" panose="020F0502020204030204" pitchFamily="34" charset="0"/>
+              <a:ea typeface="Calibri" panose="020F0502020204030204" pitchFamily="34" charset="0"/>
+              <a:cs typeface="Arial" panose="020B0604020202020204" pitchFamily="34" charset="0"/>
+            </a:endParaRPr>
+          </a:p>
+          <a:p>
+            <a:r>
+              <a:rPr lang="en-US" sz="1800" dirty="0">
+                <a:effectLst/>
+                <a:latin typeface="Calibri" panose="020F0502020204030204" pitchFamily="34" charset="0"/>
+                <a:ea typeface="Calibri" panose="020F0502020204030204" pitchFamily="34" charset="0"/>
+                <a:cs typeface="Arial" panose="020B0604020202020204" pitchFamily="34" charset="0"/>
+              </a:rPr>
+              <a:t>Therefore, a </a:t>
+            </a:r>
+            <a:r>
+              <a:rPr lang="en-US" sz="1800" b="1" dirty="0">
+                <a:effectLst/>
+                <a:latin typeface="Calibri" panose="020F0502020204030204" pitchFamily="34" charset="0"/>
+                <a:ea typeface="Calibri" panose="020F0502020204030204" pitchFamily="34" charset="0"/>
+                <a:cs typeface="Arial" panose="020B0604020202020204" pitchFamily="34" charset="0"/>
+              </a:rPr>
+              <a:t>cover group </a:t>
+            </a:r>
+            <a:r>
+              <a:rPr lang="en-US" sz="1800" dirty="0">
+                <a:effectLst/>
+                <a:latin typeface="Calibri" panose="020F0502020204030204" pitchFamily="34" charset="0"/>
+                <a:ea typeface="Calibri" panose="020F0502020204030204" pitchFamily="34" charset="0"/>
+                <a:cs typeface="Arial" panose="020B0604020202020204" pitchFamily="34" charset="0"/>
+              </a:rPr>
+              <a:t>for the legal transitions was built. </a:t>
+            </a:r>
+          </a:p>
+          <a:p>
+            <a:r>
+              <a:rPr lang="en-US" sz="1800" dirty="0">
+                <a:effectLst/>
+                <a:latin typeface="Calibri" panose="020F0502020204030204" pitchFamily="34" charset="0"/>
+                <a:ea typeface="Calibri" panose="020F0502020204030204" pitchFamily="34" charset="0"/>
+                <a:cs typeface="Arial" panose="020B0604020202020204" pitchFamily="34" charset="0"/>
+              </a:rPr>
+              <a:t>The FSM presented in the DUT is the one inside the </a:t>
+            </a:r>
+            <a:r>
+              <a:rPr lang="en-US" sz="1800" b="1" dirty="0">
+                <a:effectLst/>
+                <a:latin typeface="Calibri" panose="020F0502020204030204" pitchFamily="34" charset="0"/>
+                <a:ea typeface="Calibri" panose="020F0502020204030204" pitchFamily="34" charset="0"/>
+                <a:cs typeface="Arial" panose="020B0604020202020204" pitchFamily="34" charset="0"/>
+              </a:rPr>
+              <a:t>controller</a:t>
+            </a:r>
+            <a:r>
+              <a:rPr lang="en-US" sz="1800" dirty="0">
+                <a:effectLst/>
+                <a:latin typeface="Calibri" panose="020F0502020204030204" pitchFamily="34" charset="0"/>
+                <a:ea typeface="Calibri" panose="020F0502020204030204" pitchFamily="34" charset="0"/>
+                <a:cs typeface="Arial" panose="020B0604020202020204" pitchFamily="34" charset="0"/>
+              </a:rPr>
+              <a:t> module. </a:t>
+            </a:r>
+          </a:p>
+          <a:p>
+            <a:r>
+              <a:rPr lang="en-US" sz="1800" dirty="0">
+                <a:effectLst/>
+                <a:latin typeface="Calibri" panose="020F0502020204030204" pitchFamily="34" charset="0"/>
+                <a:ea typeface="Calibri" panose="020F0502020204030204" pitchFamily="34" charset="0"/>
+                <a:cs typeface="Arial" panose="020B0604020202020204" pitchFamily="34" charset="0"/>
+              </a:rPr>
+              <a:t>The cover group for the valid transitions </a:t>
+            </a:r>
+            <a:r>
+              <a:rPr lang="en-US" sz="1800" b="1" dirty="0">
+                <a:effectLst/>
+                <a:latin typeface="Calibri" panose="020F0502020204030204" pitchFamily="34" charset="0"/>
+                <a:ea typeface="Calibri" panose="020F0502020204030204" pitchFamily="34" charset="0"/>
+                <a:cs typeface="Arial" panose="020B0604020202020204" pitchFamily="34" charset="0"/>
+              </a:rPr>
+              <a:t>was written</a:t>
+            </a:r>
+            <a:r>
+              <a:rPr lang="en-US" sz="1800" dirty="0">
+                <a:effectLst/>
+                <a:latin typeface="Calibri" panose="020F0502020204030204" pitchFamily="34" charset="0"/>
+                <a:ea typeface="Calibri" panose="020F0502020204030204" pitchFamily="34" charset="0"/>
+                <a:cs typeface="Arial" panose="020B0604020202020204" pitchFamily="34" charset="0"/>
+              </a:rPr>
+              <a:t> according to the transitions and control signals in the following </a:t>
+            </a:r>
+            <a:r>
+              <a:rPr lang="en-US" sz="1800" b="1" dirty="0">
+                <a:effectLst/>
+                <a:latin typeface="Calibri" panose="020F0502020204030204" pitchFamily="34" charset="0"/>
+                <a:ea typeface="Calibri" panose="020F0502020204030204" pitchFamily="34" charset="0"/>
+                <a:cs typeface="Arial" panose="020B0604020202020204" pitchFamily="34" charset="0"/>
+              </a:rPr>
+              <a:t>figure</a:t>
+            </a:r>
+            <a:r>
+              <a:rPr lang="en-US" sz="1800" dirty="0">
+                <a:effectLst/>
+                <a:latin typeface="Calibri" panose="020F0502020204030204" pitchFamily="34" charset="0"/>
+                <a:ea typeface="Calibri" panose="020F0502020204030204" pitchFamily="34" charset="0"/>
+                <a:cs typeface="Arial" panose="020B0604020202020204" pitchFamily="34" charset="0"/>
+              </a:rPr>
+              <a:t>, which describes the K means controller FSM: </a:t>
+            </a:r>
+          </a:p>
+          <a:p>
+            <a:endParaRPr lang="en-US" sz="2000" dirty="0"/>
           </a:p>
         </p:txBody>
       </p:sp>
@@ -19587,7 +20746,7 @@
         </p:nvSpPr>
         <p:spPr>
           <a:xfrm>
-            <a:off x="838200" y="1825625"/>
+            <a:off x="838200" y="1690688"/>
             <a:ext cx="9853246" cy="467409"/>
           </a:xfrm>
         </p:spPr>
@@ -19636,13 +20795,13 @@
           <p:nvPr>
             <p:extLst>
               <p:ext uri="{D42A27DB-BD31-4B8C-83A1-F6EECF244321}">
-                <p14:modId xmlns:p14="http://schemas.microsoft.com/office/powerpoint/2010/main" val="3327690795"/>
+                <p14:modId xmlns:p14="http://schemas.microsoft.com/office/powerpoint/2010/main" val="4193648913"/>
               </p:ext>
             </p:extLst>
           </p:nvPr>
         </p:nvGraphicFramePr>
         <p:xfrm>
-          <a:off x="1083214" y="2293034"/>
+          <a:off x="1273714" y="2293034"/>
           <a:ext cx="8187396" cy="4332454"/>
         </p:xfrm>
         <a:graphic>
@@ -20671,7 +21830,7 @@
         </p:nvSpPr>
         <p:spPr>
           <a:xfrm>
-            <a:off x="838200" y="1825625"/>
+            <a:off x="838200" y="1751880"/>
             <a:ext cx="10515600" cy="636221"/>
           </a:xfrm>
         </p:spPr>
@@ -20731,7 +21890,7 @@
           <p:nvPr/>
         </p:nvPicPr>
         <p:blipFill>
-          <a:blip r:embed="rId2"/>
+          <a:blip r:embed="rId3"/>
           <a:stretch>
             <a:fillRect/>
           </a:stretch>
@@ -20759,14 +21918,14 @@
           <p:nvPr/>
         </p:nvPicPr>
         <p:blipFill>
-          <a:blip r:embed="rId3"/>
+          <a:blip r:embed="rId4"/>
           <a:stretch>
             <a:fillRect/>
           </a:stretch>
         </p:blipFill>
         <p:spPr>
           <a:xfrm>
-            <a:off x="6250745" y="3085515"/>
+            <a:off x="6209112" y="3085515"/>
             <a:ext cx="5486400" cy="3173095"/>
           </a:xfrm>
           <a:prstGeom prst="rect">
@@ -20856,7 +22015,7 @@
         </p:spPr>
         <p:txBody>
           <a:bodyPr>
-            <a:normAutofit lnSpcReduction="10000"/>
+            <a:normAutofit/>
           </a:bodyPr>
           <a:lstStyle/>
           <a:p>
@@ -20874,17 +22033,223 @@
               <a:buChar char=""/>
             </a:pPr>
             <a:r>
-              <a:rPr lang="en-US" sz="2400" dirty="0">
-                <a:effectLst/>
-                <a:latin typeface="Calibri" panose="020F0502020204030204" pitchFamily="34" charset="0"/>
-                <a:ea typeface="Calibri" panose="020F0502020204030204" pitchFamily="34" charset="0"/>
-                <a:cs typeface="Arial" panose="020B0604020202020204" pitchFamily="34" charset="0"/>
-              </a:rPr>
-              <a:t>The tests results indicate that are still bugs in the DUT, which we were not able to find and fix. </a:t>
-            </a:r>
-          </a:p>
-          <a:p>
-            <a:pPr marL="342900" marR="0" lvl="0" indent="-342900" rtl="0">
+              <a:rPr lang="en-US" sz="2000" dirty="0">
+                <a:effectLst/>
+                <a:latin typeface="Calibri" panose="020F0502020204030204" pitchFamily="34" charset="0"/>
+                <a:ea typeface="Calibri" panose="020F0502020204030204" pitchFamily="34" charset="0"/>
+                <a:cs typeface="Arial" panose="020B0604020202020204" pitchFamily="34" charset="0"/>
+              </a:rPr>
+              <a:t>The tests results indicate that are </a:t>
+            </a:r>
+            <a:r>
+              <a:rPr lang="en-US" sz="2000" b="1" dirty="0">
+                <a:effectLst/>
+                <a:latin typeface="Calibri" panose="020F0502020204030204" pitchFamily="34" charset="0"/>
+                <a:ea typeface="Calibri" panose="020F0502020204030204" pitchFamily="34" charset="0"/>
+                <a:cs typeface="Arial" panose="020B0604020202020204" pitchFamily="34" charset="0"/>
+              </a:rPr>
+              <a:t>bugs</a:t>
+            </a:r>
+            <a:r>
+              <a:rPr lang="en-US" sz="2000" dirty="0">
+                <a:effectLst/>
+                <a:latin typeface="Calibri" panose="020F0502020204030204" pitchFamily="34" charset="0"/>
+                <a:ea typeface="Calibri" panose="020F0502020204030204" pitchFamily="34" charset="0"/>
+                <a:cs typeface="Arial" panose="020B0604020202020204" pitchFamily="34" charset="0"/>
+              </a:rPr>
+              <a:t> in the DUT</a:t>
+            </a:r>
+            <a:r>
+              <a:rPr lang="en-US" sz="2000" dirty="0">
+                <a:latin typeface="Calibri" panose="020F0502020204030204" pitchFamily="34" charset="0"/>
+                <a:ea typeface="Calibri" panose="020F0502020204030204" pitchFamily="34" charset="0"/>
+                <a:cs typeface="Arial" panose="020B0604020202020204" pitchFamily="34" charset="0"/>
+              </a:rPr>
+              <a:t>:</a:t>
+            </a:r>
+            <a:endParaRPr lang="en-US" sz="1600" dirty="0">
+              <a:latin typeface="Calibri" panose="020F0502020204030204" pitchFamily="34" charset="0"/>
+              <a:ea typeface="Calibri" panose="020F0502020204030204" pitchFamily="34" charset="0"/>
+              <a:cs typeface="Arial" panose="020B0604020202020204" pitchFamily="34" charset="0"/>
+            </a:endParaRPr>
+          </a:p>
+          <a:p>
+            <a:pPr lvl="1">
+              <a:lnSpc>
+                <a:spcPct val="107000"/>
+              </a:lnSpc>
+              <a:spcBef>
+                <a:spcPts val="0"/>
+              </a:spcBef>
+            </a:pPr>
+            <a:r>
+              <a:rPr lang="en-US" sz="1600" dirty="0">
+                <a:effectLst/>
+                <a:latin typeface="Calibri" panose="020F0502020204030204" pitchFamily="34" charset="0"/>
+                <a:ea typeface="Calibri" panose="020F0502020204030204" pitchFamily="34" charset="0"/>
+                <a:cs typeface="Arial" panose="020B0604020202020204" pitchFamily="34" charset="0"/>
+              </a:rPr>
+              <a:t>The high fail rate in test line 8 indicates that there is an </a:t>
+            </a:r>
+            <a:r>
+              <a:rPr lang="en-US" sz="1600" b="1" dirty="0">
+                <a:effectLst/>
+                <a:latin typeface="Calibri" panose="020F0502020204030204" pitchFamily="34" charset="0"/>
+                <a:ea typeface="Calibri" panose="020F0502020204030204" pitchFamily="34" charset="0"/>
+                <a:cs typeface="Arial" panose="020B0604020202020204" pitchFamily="34" charset="0"/>
+              </a:rPr>
+              <a:t>overflow bug </a:t>
+            </a:r>
+            <a:r>
+              <a:rPr lang="en-US" sz="1600" dirty="0">
+                <a:effectLst/>
+                <a:latin typeface="Calibri" panose="020F0502020204030204" pitchFamily="34" charset="0"/>
+                <a:ea typeface="Calibri" panose="020F0502020204030204" pitchFamily="34" charset="0"/>
+                <a:cs typeface="Arial" panose="020B0604020202020204" pitchFamily="34" charset="0"/>
+              </a:rPr>
+              <a:t>when trying to fill the RAMs.</a:t>
+            </a:r>
+          </a:p>
+          <a:p>
+            <a:pPr lvl="1">
+              <a:lnSpc>
+                <a:spcPct val="107000"/>
+              </a:lnSpc>
+              <a:spcBef>
+                <a:spcPts val="0"/>
+              </a:spcBef>
+            </a:pPr>
+            <a:r>
+              <a:rPr lang="en-US" sz="1600" dirty="0">
+                <a:effectLst/>
+                <a:latin typeface="Calibri" panose="020F0502020204030204" pitchFamily="34" charset="0"/>
+                <a:ea typeface="Calibri" panose="020F0502020204030204" pitchFamily="34" charset="0"/>
+                <a:cs typeface="Arial" panose="020B0604020202020204" pitchFamily="34" charset="0"/>
+              </a:rPr>
+              <a:t>Test line 3 and 4 indicate that as the number of data points increases so does the number of fails.</a:t>
+            </a:r>
+          </a:p>
+          <a:p>
+            <a:pPr marL="914400" lvl="2" indent="0">
+              <a:lnSpc>
+                <a:spcPct val="107000"/>
+              </a:lnSpc>
+              <a:spcBef>
+                <a:spcPts val="0"/>
+              </a:spcBef>
+              <a:buNone/>
+            </a:pPr>
+            <a:r>
+              <a:rPr lang="en-US" sz="1400" dirty="0">
+                <a:effectLst/>
+                <a:latin typeface="Calibri" panose="020F0502020204030204" pitchFamily="34" charset="0"/>
+                <a:ea typeface="Calibri" panose="020F0502020204030204" pitchFamily="34" charset="0"/>
+                <a:cs typeface="Arial" panose="020B0604020202020204" pitchFamily="34" charset="0"/>
+              </a:rPr>
+              <a:t>This could be </a:t>
+            </a:r>
+            <a:r>
+              <a:rPr lang="en-US" sz="1400" b="1" dirty="0">
+                <a:effectLst/>
+                <a:latin typeface="Calibri" panose="020F0502020204030204" pitchFamily="34" charset="0"/>
+                <a:ea typeface="Calibri" panose="020F0502020204030204" pitchFamily="34" charset="0"/>
+                <a:cs typeface="Arial" panose="020B0604020202020204" pitchFamily="34" charset="0"/>
+              </a:rPr>
+              <a:t>related to </a:t>
+            </a:r>
+            <a:r>
+              <a:rPr lang="en-US" sz="1400" dirty="0">
+                <a:effectLst/>
+                <a:latin typeface="Calibri" panose="020F0502020204030204" pitchFamily="34" charset="0"/>
+                <a:ea typeface="Calibri" panose="020F0502020204030204" pitchFamily="34" charset="0"/>
+                <a:cs typeface="Arial" panose="020B0604020202020204" pitchFamily="34" charset="0"/>
+              </a:rPr>
+              <a:t>bugs such as:</a:t>
+            </a:r>
+          </a:p>
+          <a:p>
+            <a:pPr lvl="2">
+              <a:lnSpc>
+                <a:spcPct val="107000"/>
+              </a:lnSpc>
+              <a:spcBef>
+                <a:spcPts val="0"/>
+              </a:spcBef>
+            </a:pPr>
+            <a:r>
+              <a:rPr lang="en-US" sz="1400" dirty="0">
+                <a:latin typeface="Calibri" panose="020F0502020204030204" pitchFamily="34" charset="0"/>
+                <a:ea typeface="Calibri" panose="020F0502020204030204" pitchFamily="34" charset="0"/>
+                <a:cs typeface="Arial" panose="020B0604020202020204" pitchFamily="34" charset="0"/>
+              </a:rPr>
+              <a:t>O</a:t>
+            </a:r>
+            <a:r>
+              <a:rPr lang="en-US" sz="1400" dirty="0">
+                <a:effectLst/>
+                <a:latin typeface="Calibri" panose="020F0502020204030204" pitchFamily="34" charset="0"/>
+                <a:ea typeface="Calibri" panose="020F0502020204030204" pitchFamily="34" charset="0"/>
+                <a:cs typeface="Arial" panose="020B0604020202020204" pitchFamily="34" charset="0"/>
+              </a:rPr>
+              <a:t>verflow</a:t>
+            </a:r>
+            <a:r>
+              <a:rPr lang="en-US" sz="1400" dirty="0">
+                <a:latin typeface="Calibri" panose="020F0502020204030204" pitchFamily="34" charset="0"/>
+                <a:ea typeface="Calibri" panose="020F0502020204030204" pitchFamily="34" charset="0"/>
+                <a:cs typeface="Arial" panose="020B0604020202020204" pitchFamily="34" charset="0"/>
+              </a:rPr>
+              <a:t>.</a:t>
+            </a:r>
+          </a:p>
+          <a:p>
+            <a:pPr lvl="2">
+              <a:lnSpc>
+                <a:spcPct val="107000"/>
+              </a:lnSpc>
+              <a:spcBef>
+                <a:spcPts val="0"/>
+              </a:spcBef>
+            </a:pPr>
+            <a:r>
+              <a:rPr lang="en-US" sz="1400" dirty="0">
+                <a:effectLst/>
+                <a:latin typeface="Calibri" panose="020F0502020204030204" pitchFamily="34" charset="0"/>
+                <a:ea typeface="Calibri" panose="020F0502020204030204" pitchFamily="34" charset="0"/>
+                <a:cs typeface="Arial" panose="020B0604020202020204" pitchFamily="34" charset="0"/>
+              </a:rPr>
+              <a:t>Wrong classification of close points.</a:t>
+            </a:r>
+          </a:p>
+          <a:p>
+            <a:pPr lvl="2">
+              <a:lnSpc>
+                <a:spcPct val="107000"/>
+              </a:lnSpc>
+              <a:spcBef>
+                <a:spcPts val="0"/>
+              </a:spcBef>
+            </a:pPr>
+            <a:r>
+              <a:rPr lang="en-US" sz="1400" dirty="0">
+                <a:latin typeface="Calibri" panose="020F0502020204030204" pitchFamily="34" charset="0"/>
+                <a:ea typeface="Calibri" panose="020F0502020204030204" pitchFamily="34" charset="0"/>
+                <a:cs typeface="Arial" panose="020B0604020202020204" pitchFamily="34" charset="0"/>
+              </a:rPr>
+              <a:t>W</a:t>
+            </a:r>
+            <a:r>
+              <a:rPr lang="en-US" sz="1400" dirty="0">
+                <a:effectLst/>
+                <a:latin typeface="Calibri" panose="020F0502020204030204" pitchFamily="34" charset="0"/>
+                <a:ea typeface="Calibri" panose="020F0502020204030204" pitchFamily="34" charset="0"/>
+                <a:cs typeface="Arial" panose="020B0604020202020204" pitchFamily="34" charset="0"/>
+              </a:rPr>
+              <a:t>rong calculations.</a:t>
+            </a:r>
+          </a:p>
+          <a:p>
+            <a:pPr marL="0" marR="0" lvl="0" indent="0">
               <a:lnSpc>
                 <a:spcPct val="107000"/>
               </a:lnSpc>
@@ -20894,18 +22259,14 @@
               <a:spcAft>
                 <a:spcPts val="0"/>
               </a:spcAft>
-              <a:buFont typeface="Symbol" panose="05050102010706020507" pitchFamily="18" charset="2"/>
-              <a:buChar char=""/>
+              <a:buNone/>
             </a:pPr>
-            <a:r>
-              <a:rPr lang="en-US" sz="2400" dirty="0">
-                <a:effectLst/>
-                <a:latin typeface="Calibri" panose="020F0502020204030204" pitchFamily="34" charset="0"/>
-                <a:ea typeface="Calibri" panose="020F0502020204030204" pitchFamily="34" charset="0"/>
-                <a:cs typeface="Arial" panose="020B0604020202020204" pitchFamily="34" charset="0"/>
-              </a:rPr>
-              <a:t>The high fail rate in test line 8 indicates that there is an overflow bug when trying to fill the RAMs.</a:t>
-            </a:r>
+            <a:endParaRPr lang="en-US" sz="2000" dirty="0">
+              <a:effectLst/>
+              <a:latin typeface="Calibri" panose="020F0502020204030204" pitchFamily="34" charset="0"/>
+              <a:ea typeface="Calibri" panose="020F0502020204030204" pitchFamily="34" charset="0"/>
+              <a:cs typeface="Arial" panose="020B0604020202020204" pitchFamily="34" charset="0"/>
+            </a:endParaRPr>
           </a:p>
           <a:p>
             <a:pPr marL="342900" marR="0" lvl="0" indent="-342900">
@@ -20922,17 +22283,91 @@
               <a:buChar char=""/>
             </a:pPr>
             <a:r>
-              <a:rPr lang="en-US" sz="2400" dirty="0">
-                <a:effectLst/>
-                <a:latin typeface="Calibri" panose="020F0502020204030204" pitchFamily="34" charset="0"/>
-                <a:ea typeface="Calibri" panose="020F0502020204030204" pitchFamily="34" charset="0"/>
-                <a:cs typeface="Arial" panose="020B0604020202020204" pitchFamily="34" charset="0"/>
-              </a:rPr>
-              <a:t>Test line 3 and 4 indicate that as the number of data points increases so does the number of fails.  This could be related to bugs such as overflow, wrong classification of close points, and/or wrong calculations.</a:t>
-            </a:r>
-          </a:p>
-          <a:p>
-            <a:pPr marL="342900" marR="0" lvl="0" indent="-342900">
+              <a:rPr lang="en-US" sz="2000" dirty="0">
+                <a:effectLst/>
+                <a:latin typeface="Calibri" panose="020F0502020204030204" pitchFamily="34" charset="0"/>
+                <a:ea typeface="Calibri" panose="020F0502020204030204" pitchFamily="34" charset="0"/>
+                <a:cs typeface="Arial" panose="020B0604020202020204" pitchFamily="34" charset="0"/>
+              </a:rPr>
+              <a:t>Even though many test benches </a:t>
+            </a:r>
+            <a:r>
+              <a:rPr lang="en-US" sz="2000" b="1" dirty="0">
+                <a:effectLst/>
+                <a:latin typeface="Calibri" panose="020F0502020204030204" pitchFamily="34" charset="0"/>
+                <a:ea typeface="Calibri" panose="020F0502020204030204" pitchFamily="34" charset="0"/>
+                <a:cs typeface="Arial" panose="020B0604020202020204" pitchFamily="34" charset="0"/>
+              </a:rPr>
+              <a:t>were run</a:t>
+            </a:r>
+            <a:r>
+              <a:rPr lang="en-US" sz="2000" dirty="0">
+                <a:effectLst/>
+                <a:latin typeface="Calibri" panose="020F0502020204030204" pitchFamily="34" charset="0"/>
+                <a:ea typeface="Calibri" panose="020F0502020204030204" pitchFamily="34" charset="0"/>
+                <a:cs typeface="Arial" panose="020B0604020202020204" pitchFamily="34" charset="0"/>
+              </a:rPr>
+              <a:t> on the DUT in its design phase, many tests have </a:t>
+            </a:r>
+            <a:r>
+              <a:rPr lang="en-US" sz="2000" b="1" dirty="0">
+                <a:effectLst/>
+                <a:latin typeface="Calibri" panose="020F0502020204030204" pitchFamily="34" charset="0"/>
+                <a:ea typeface="Calibri" panose="020F0502020204030204" pitchFamily="34" charset="0"/>
+                <a:cs typeface="Arial" panose="020B0604020202020204" pitchFamily="34" charset="0"/>
+              </a:rPr>
+              <a:t>failed</a:t>
+            </a:r>
+            <a:r>
+              <a:rPr lang="en-US" sz="2000" dirty="0">
+                <a:effectLst/>
+                <a:latin typeface="Calibri" panose="020F0502020204030204" pitchFamily="34" charset="0"/>
+                <a:ea typeface="Calibri" panose="020F0502020204030204" pitchFamily="34" charset="0"/>
+                <a:cs typeface="Arial" panose="020B0604020202020204" pitchFamily="34" charset="0"/>
+              </a:rPr>
+              <a:t>.</a:t>
+            </a:r>
+          </a:p>
+          <a:p>
+            <a:pPr marL="457200" lvl="1" indent="0">
+              <a:lnSpc>
+                <a:spcPct val="107000"/>
+              </a:lnSpc>
+              <a:spcBef>
+                <a:spcPts val="0"/>
+              </a:spcBef>
+              <a:buNone/>
+            </a:pPr>
+            <a:r>
+              <a:rPr lang="en-US" sz="1600" dirty="0">
+                <a:effectLst/>
+                <a:latin typeface="Calibri" panose="020F0502020204030204" pitchFamily="34" charset="0"/>
+                <a:ea typeface="Calibri" panose="020F0502020204030204" pitchFamily="34" charset="0"/>
+                <a:cs typeface="Arial" panose="020B0604020202020204" pitchFamily="34" charset="0"/>
+              </a:rPr>
+              <a:t>This emphasizes the need for an </a:t>
+            </a:r>
+            <a:r>
+              <a:rPr lang="en-US" sz="1600" b="1" dirty="0">
+                <a:effectLst/>
+                <a:latin typeface="Calibri" panose="020F0502020204030204" pitchFamily="34" charset="0"/>
+                <a:ea typeface="Calibri" panose="020F0502020204030204" pitchFamily="34" charset="0"/>
+                <a:cs typeface="Arial" panose="020B0604020202020204" pitchFamily="34" charset="0"/>
+              </a:rPr>
+              <a:t>efficient</a:t>
+            </a:r>
+            <a:r>
+              <a:rPr lang="en-US" sz="1600" dirty="0">
+                <a:effectLst/>
+                <a:latin typeface="Calibri" panose="020F0502020204030204" pitchFamily="34" charset="0"/>
+                <a:ea typeface="Calibri" panose="020F0502020204030204" pitchFamily="34" charset="0"/>
+                <a:cs typeface="Arial" panose="020B0604020202020204" pitchFamily="34" charset="0"/>
+              </a:rPr>
+              <a:t> verification environment, as UVM, parallel to the design process.</a:t>
+            </a:r>
+          </a:p>
+          <a:p>
+            <a:pPr marL="0" marR="0" lvl="0" indent="0">
               <a:lnSpc>
                 <a:spcPct val="107000"/>
               </a:lnSpc>
@@ -20942,18 +22377,14 @@
               <a:spcAft>
                 <a:spcPts val="0"/>
               </a:spcAft>
-              <a:buFont typeface="Symbol" panose="05050102010706020507" pitchFamily="18" charset="2"/>
-              <a:buChar char=""/>
+              <a:buNone/>
             </a:pPr>
-            <a:r>
-              <a:rPr lang="en-US" sz="2400" dirty="0">
-                <a:effectLst/>
-                <a:latin typeface="Calibri" panose="020F0502020204030204" pitchFamily="34" charset="0"/>
-                <a:ea typeface="Calibri" panose="020F0502020204030204" pitchFamily="34" charset="0"/>
-                <a:cs typeface="Arial" panose="020B0604020202020204" pitchFamily="34" charset="0"/>
-              </a:rPr>
-              <a:t>Even though many test benches were run on the DUT in its design phase, many tests have failed. This emphasizes the need for an efficient verification environment, as UVM, parallel to the design process.</a:t>
-            </a:r>
+            <a:endParaRPr lang="en-US" sz="2000" dirty="0">
+              <a:effectLst/>
+              <a:latin typeface="Calibri" panose="020F0502020204030204" pitchFamily="34" charset="0"/>
+              <a:ea typeface="Calibri" panose="020F0502020204030204" pitchFamily="34" charset="0"/>
+              <a:cs typeface="Arial" panose="020B0604020202020204" pitchFamily="34" charset="0"/>
+            </a:endParaRPr>
           </a:p>
           <a:p>
             <a:pPr marL="342900" marR="0" lvl="0" indent="-342900">
@@ -20970,7 +22401,7 @@
               <a:buChar char=""/>
             </a:pPr>
             <a:r>
-              <a:rPr lang="en-US" sz="2400" dirty="0">
+              <a:rPr lang="en-US" sz="2000" dirty="0">
                 <a:effectLst/>
                 <a:latin typeface="Calibri" panose="020F0502020204030204" pitchFamily="34" charset="0"/>
                 <a:ea typeface="Calibri" panose="020F0502020204030204" pitchFamily="34" charset="0"/>
@@ -20979,7 +22410,7 @@
               <a:t>UVM is</a:t>
             </a:r>
             <a:r>
-              <a:rPr lang="en-US" sz="2400" dirty="0">
+              <a:rPr lang="en-US" sz="2000" dirty="0">
                 <a:solidFill>
                   <a:srgbClr val="FF0000"/>
                 </a:solidFill>
@@ -20991,17 +22422,94 @@
               <a:t> </a:t>
             </a:r>
             <a:r>
-              <a:rPr lang="en-US" sz="2400" dirty="0">
-                <a:effectLst/>
-                <a:latin typeface="Calibri" panose="020F0502020204030204" pitchFamily="34" charset="0"/>
-                <a:ea typeface="Calibri" panose="020F0502020204030204" pitchFamily="34" charset="0"/>
-                <a:cs typeface="Arial" panose="020B0604020202020204" pitchFamily="34" charset="0"/>
-              </a:rPr>
-              <a:t>an effective tool. It is intuitive, with high level coding and easy to reuse, making the verification process simpler and faster.</a:t>
-            </a:r>
-          </a:p>
-          <a:p>
-            <a:endParaRPr lang="en-US" sz="3200" dirty="0"/>
+              <a:rPr lang="en-US" sz="2000" dirty="0">
+                <a:effectLst/>
+                <a:latin typeface="Calibri" panose="020F0502020204030204" pitchFamily="34" charset="0"/>
+                <a:ea typeface="Calibri" panose="020F0502020204030204" pitchFamily="34" charset="0"/>
+                <a:cs typeface="Arial" panose="020B0604020202020204" pitchFamily="34" charset="0"/>
+              </a:rPr>
+              <a:t>an effective tool.</a:t>
+            </a:r>
+          </a:p>
+          <a:p>
+            <a:pPr marL="457200" lvl="1" indent="0">
+              <a:lnSpc>
+                <a:spcPct val="107000"/>
+              </a:lnSpc>
+              <a:spcBef>
+                <a:spcPts val="0"/>
+              </a:spcBef>
+              <a:spcAft>
+                <a:spcPts val="800"/>
+              </a:spcAft>
+              <a:buNone/>
+            </a:pPr>
+            <a:r>
+              <a:rPr lang="en-US" sz="1600" dirty="0">
+                <a:effectLst/>
+                <a:latin typeface="Calibri" panose="020F0502020204030204" pitchFamily="34" charset="0"/>
+                <a:ea typeface="Calibri" panose="020F0502020204030204" pitchFamily="34" charset="0"/>
+                <a:cs typeface="Arial" panose="020B0604020202020204" pitchFamily="34" charset="0"/>
+              </a:rPr>
+              <a:t>It is </a:t>
+            </a:r>
+            <a:r>
+              <a:rPr lang="en-US" sz="1600" b="1" dirty="0">
+                <a:effectLst/>
+                <a:latin typeface="Calibri" panose="020F0502020204030204" pitchFamily="34" charset="0"/>
+                <a:ea typeface="Calibri" panose="020F0502020204030204" pitchFamily="34" charset="0"/>
+                <a:cs typeface="Arial" panose="020B0604020202020204" pitchFamily="34" charset="0"/>
+              </a:rPr>
+              <a:t>intuitive</a:t>
+            </a:r>
+            <a:r>
+              <a:rPr lang="en-US" sz="1600" dirty="0">
+                <a:effectLst/>
+                <a:latin typeface="Calibri" panose="020F0502020204030204" pitchFamily="34" charset="0"/>
+                <a:ea typeface="Calibri" panose="020F0502020204030204" pitchFamily="34" charset="0"/>
+                <a:cs typeface="Arial" panose="020B0604020202020204" pitchFamily="34" charset="0"/>
+              </a:rPr>
+              <a:t>, with high level coding and easy to </a:t>
+            </a:r>
+            <a:r>
+              <a:rPr lang="en-US" sz="1600" b="1" dirty="0">
+                <a:effectLst/>
+                <a:latin typeface="Calibri" panose="020F0502020204030204" pitchFamily="34" charset="0"/>
+                <a:ea typeface="Calibri" panose="020F0502020204030204" pitchFamily="34" charset="0"/>
+                <a:cs typeface="Arial" panose="020B0604020202020204" pitchFamily="34" charset="0"/>
+              </a:rPr>
+              <a:t>reuse</a:t>
+            </a:r>
+            <a:r>
+              <a:rPr lang="en-US" sz="1600" dirty="0">
+                <a:effectLst/>
+                <a:latin typeface="Calibri" panose="020F0502020204030204" pitchFamily="34" charset="0"/>
+                <a:ea typeface="Calibri" panose="020F0502020204030204" pitchFamily="34" charset="0"/>
+                <a:cs typeface="Arial" panose="020B0604020202020204" pitchFamily="34" charset="0"/>
+              </a:rPr>
+              <a:t>, making the verification process </a:t>
+            </a:r>
+            <a:r>
+              <a:rPr lang="en-US" sz="1600" b="1" dirty="0">
+                <a:effectLst/>
+                <a:latin typeface="Calibri" panose="020F0502020204030204" pitchFamily="34" charset="0"/>
+                <a:ea typeface="Calibri" panose="020F0502020204030204" pitchFamily="34" charset="0"/>
+                <a:cs typeface="Arial" panose="020B0604020202020204" pitchFamily="34" charset="0"/>
+              </a:rPr>
+              <a:t>simpler and faster</a:t>
+            </a:r>
+            <a:r>
+              <a:rPr lang="en-US" sz="1600" dirty="0">
+                <a:effectLst/>
+                <a:latin typeface="Calibri" panose="020F0502020204030204" pitchFamily="34" charset="0"/>
+                <a:ea typeface="Calibri" panose="020F0502020204030204" pitchFamily="34" charset="0"/>
+                <a:cs typeface="Arial" panose="020B0604020202020204" pitchFamily="34" charset="0"/>
+              </a:rPr>
+              <a:t>.</a:t>
+            </a:r>
+          </a:p>
+          <a:p>
+            <a:endParaRPr lang="en-US" dirty="0"/>
           </a:p>
         </p:txBody>
       </p:sp>
@@ -21927,61 +23435,53 @@
                 <a:ea typeface="Calibri" panose="020F0502020204030204" pitchFamily="34" charset="0"/>
                 <a:cs typeface="Arial" panose="020B0604020202020204" pitchFamily="34" charset="0"/>
               </a:rPr>
-              <a:t> blocks</a:t>
-            </a:r>
-            <a:endParaRPr lang="en-US" sz="2000" dirty="0">
-              <a:effectLst/>
-              <a:latin typeface="Calibri" panose="020F0502020204030204" pitchFamily="34" charset="0"/>
-              <a:ea typeface="Calibri" panose="020F0502020204030204" pitchFamily="34" charset="0"/>
-              <a:cs typeface="Arial" panose="020B0604020202020204" pitchFamily="34" charset="0"/>
-            </a:endParaRPr>
-          </a:p>
-          <a:p>
-            <a:pPr lvl="1">
+              <a:t> blocks:</a:t>
+            </a:r>
+          </a:p>
+          <a:p>
+            <a:pPr marL="914400" lvl="2" indent="0">
               <a:lnSpc>
                 <a:spcPct val="107000"/>
               </a:lnSpc>
               <a:spcBef>
                 <a:spcPts val="0"/>
               </a:spcBef>
-              <a:spcAft>
-                <a:spcPts val="800"/>
-              </a:spcAft>
+              <a:buNone/>
             </a:pPr>
             <a:r>
-              <a:rPr lang="en-US" sz="2000" dirty="0">
+              <a:rPr lang="en-US" sz="1600" dirty="0">
                 <a:latin typeface="Calibri" panose="020F0502020204030204" pitchFamily="34" charset="0"/>
                 <a:cs typeface="Arial" panose="020B0604020202020204" pitchFamily="34" charset="0"/>
               </a:rPr>
               <a:t>Connecting them here </a:t>
             </a:r>
             <a:r>
-              <a:rPr lang="en-US" sz="2000" dirty="0" err="1">
+              <a:rPr lang="en-US" sz="1600" dirty="0" err="1">
                 <a:latin typeface="Calibri" panose="020F0502020204030204" pitchFamily="34" charset="0"/>
                 <a:cs typeface="Arial" panose="020B0604020202020204" pitchFamily="34" charset="0"/>
               </a:rPr>
               <a:t>allowes</a:t>
             </a:r>
             <a:r>
-              <a:rPr lang="en-US" sz="2000" dirty="0">
-                <a:latin typeface="Calibri" panose="020F0502020204030204" pitchFamily="34" charset="0"/>
-                <a:cs typeface="Arial" panose="020B0604020202020204" pitchFamily="34" charset="0"/>
-              </a:rPr>
-              <a:t> easy manipulation of the way of data transformation from sequencer to DUT, </a:t>
-            </a:r>
-            <a:r>
-              <a:rPr lang="en-US" sz="2000" b="1" dirty="0">
+              <a:rPr lang="en-US" sz="1600" dirty="0">
+                <a:latin typeface="Calibri" panose="020F0502020204030204" pitchFamily="34" charset="0"/>
+                <a:cs typeface="Arial" panose="020B0604020202020204" pitchFamily="34" charset="0"/>
+              </a:rPr>
+              <a:t> easy manipulation of data transformation from sequencer to DUT, </a:t>
+            </a:r>
+            <a:r>
+              <a:rPr lang="en-US" sz="1600" b="1" dirty="0">
                 <a:latin typeface="Calibri" panose="020F0502020204030204" pitchFamily="34" charset="0"/>
                 <a:cs typeface="Arial" panose="020B0604020202020204" pitchFamily="34" charset="0"/>
               </a:rPr>
               <a:t>without</a:t>
             </a:r>
             <a:r>
-              <a:rPr lang="en-US" sz="2000" dirty="0">
-                <a:latin typeface="Calibri" panose="020F0502020204030204" pitchFamily="34" charset="0"/>
-                <a:cs typeface="Arial" panose="020B0604020202020204" pitchFamily="34" charset="0"/>
-              </a:rPr>
-              <a:t> any changes to be made at agent, sequence.</a:t>
+              <a:rPr lang="en-US" sz="1600" dirty="0">
+                <a:latin typeface="Calibri" panose="020F0502020204030204" pitchFamily="34" charset="0"/>
+                <a:cs typeface="Arial" panose="020B0604020202020204" pitchFamily="34" charset="0"/>
+              </a:rPr>
+              <a:t> any changes to be made at of agent’s code or sequence’s code.</a:t>
             </a:r>
           </a:p>
         </p:txBody>
@@ -22104,7 +23604,7 @@
         </p:nvSpPr>
         <p:spPr>
           <a:xfrm>
-            <a:off x="639762" y="1825625"/>
+            <a:off x="546628" y="2141537"/>
             <a:ext cx="4915486" cy="4351338"/>
           </a:xfrm>
         </p:spPr>
@@ -22267,7 +23767,7 @@
         </p:blipFill>
         <p:spPr bwMode="auto">
           <a:xfrm>
-            <a:off x="6636753" y="3839528"/>
+            <a:off x="6425086" y="3847995"/>
             <a:ext cx="5486400" cy="2235835"/>
           </a:xfrm>
           <a:prstGeom prst="rect">
@@ -22435,23 +23935,7 @@
                 <a:ea typeface="Calibri" panose="020F0502020204030204" pitchFamily="34" charset="0"/>
                 <a:cs typeface="Arial" panose="020B0604020202020204" pitchFamily="34" charset="0"/>
               </a:rPr>
-              <a:t> from data transfer to data processing regarding the </a:t>
-            </a:r>
-            <a:r>
-              <a:rPr lang="en-US" sz="2400" dirty="0" err="1">
-                <a:latin typeface="Calibri" panose="020F0502020204030204" pitchFamily="34" charset="0"/>
-                <a:ea typeface="Calibri" panose="020F0502020204030204" pitchFamily="34" charset="0"/>
-                <a:cs typeface="Arial" panose="020B0604020202020204" pitchFamily="34" charset="0"/>
-              </a:rPr>
-              <a:t>verficiation</a:t>
-            </a:r>
-            <a:r>
-              <a:rPr lang="en-US" sz="2400" dirty="0">
-                <a:latin typeface="Calibri" panose="020F0502020204030204" pitchFamily="34" charset="0"/>
-                <a:ea typeface="Calibri" panose="020F0502020204030204" pitchFamily="34" charset="0"/>
-                <a:cs typeface="Arial" panose="020B0604020202020204" pitchFamily="34" charset="0"/>
-              </a:rPr>
-              <a:t> process.</a:t>
+              <a:t> from data transfer to data processing regarding the verification process.</a:t>
             </a:r>
             <a:endParaRPr lang="en-US" sz="2400" dirty="0">
               <a:effectLst/>
@@ -22470,10 +23954,10 @@
       </p:sp>
       <p:pic>
         <p:nvPicPr>
-          <p:cNvPr id="6" name="תמונה 5">
+          <p:cNvPr id="5" name="תמונה 4">
             <a:extLst>
               <a:ext uri="{FF2B5EF4-FFF2-40B4-BE49-F238E27FC236}">
-                <a16:creationId xmlns:a16="http://schemas.microsoft.com/office/drawing/2014/main" id="{38E82125-35EA-4C28-A7FE-CBDC32BD3DCB}"/>
+                <a16:creationId xmlns:a16="http://schemas.microsoft.com/office/drawing/2014/main" id="{77F541EC-9EBD-47A2-B6F4-BF42332EBDF6}"/>
               </a:ext>
             </a:extLst>
           </p:cNvPr>
@@ -22490,7 +23974,7 @@
         </p:blipFill>
         <p:spPr>
           <a:xfrm>
-            <a:off x="6629404" y="2141537"/>
+            <a:off x="6096000" y="2141537"/>
             <a:ext cx="4724400" cy="2743200"/>
           </a:xfrm>
           <a:prstGeom prst="rect">

--- a/Final presentation 3.pptx
+++ b/Final presentation 3.pptx
@@ -17548,7 +17548,7 @@
           <a:p>
             <a:r>
               <a:rPr lang="en-US" dirty="0"/>
-              <a:t>Bug Fixes - Negative values bug</a:t>
+              <a:t>Bug Fixes (1/3)</a:t>
             </a:r>
           </a:p>
         </p:txBody>
@@ -17569,21 +17569,184 @@
             <p:ph idx="1"/>
           </p:nvPr>
         </p:nvSpPr>
-        <p:spPr/>
+        <p:spPr>
+          <a:xfrm>
+            <a:off x="838200" y="1970004"/>
+            <a:ext cx="10515600" cy="4351338"/>
+          </a:xfrm>
+        </p:spPr>
         <p:txBody>
           <a:bodyPr>
             <a:normAutofit/>
           </a:bodyPr>
           <a:lstStyle/>
           <a:p>
-            <a:r>
-              <a:rPr lang="en-US" sz="2400" dirty="0">
-                <a:effectLst/>
-                <a:latin typeface="Calibri" panose="020F0502020204030204" pitchFamily="34" charset="0"/>
-                <a:ea typeface="Calibri" panose="020F0502020204030204" pitchFamily="34" charset="0"/>
-                <a:cs typeface="Arial" panose="020B0604020202020204" pitchFamily="34" charset="0"/>
-              </a:rPr>
-              <a:t>While building the verification environment, a “sanity check test” done in order to verify if the UVM environments works, the results from the DUT indicated a bug. This bug was apparently connected related to the DUT’s inability to recognize negative values. This bug was fixed by the following steps:</a:t>
+            <a:pPr marL="0" indent="0">
+              <a:buNone/>
+            </a:pPr>
+            <a:r>
+              <a:rPr lang="en-US" sz="2000" u="sng" dirty="0"/>
+              <a:t>Negative values bug:</a:t>
+            </a:r>
+            <a:endParaRPr lang="en-US" sz="2000" u="sng" dirty="0">
+              <a:effectLst/>
+              <a:latin typeface="Calibri" panose="020F0502020204030204" pitchFamily="34" charset="0"/>
+              <a:ea typeface="Calibri" panose="020F0502020204030204" pitchFamily="34" charset="0"/>
+              <a:cs typeface="Arial" panose="020B0604020202020204" pitchFamily="34" charset="0"/>
+            </a:endParaRPr>
+          </a:p>
+          <a:p>
+            <a:r>
+              <a:rPr lang="en-US" sz="2000" dirty="0">
+                <a:effectLst/>
+                <a:latin typeface="Calibri" panose="020F0502020204030204" pitchFamily="34" charset="0"/>
+                <a:ea typeface="Calibri" panose="020F0502020204030204" pitchFamily="34" charset="0"/>
+                <a:cs typeface="Arial" panose="020B0604020202020204" pitchFamily="34" charset="0"/>
+              </a:rPr>
+              <a:t>While building the verification environment, a “sanity check test” done.</a:t>
+            </a:r>
+          </a:p>
+          <a:p>
+            <a:pPr lvl="1"/>
+            <a:r>
+              <a:rPr lang="en-US" sz="1800" dirty="0">
+                <a:effectLst/>
+                <a:latin typeface="Calibri" panose="020F0502020204030204" pitchFamily="34" charset="0"/>
+                <a:ea typeface="Calibri" panose="020F0502020204030204" pitchFamily="34" charset="0"/>
+                <a:cs typeface="Arial" panose="020B0604020202020204" pitchFamily="34" charset="0"/>
+              </a:rPr>
+              <a:t>It was done in order to verify if the UVM </a:t>
+            </a:r>
+            <a:r>
+              <a:rPr lang="en-US" sz="1800" b="1" dirty="0">
+                <a:effectLst/>
+                <a:latin typeface="Calibri" panose="020F0502020204030204" pitchFamily="34" charset="0"/>
+                <a:ea typeface="Calibri" panose="020F0502020204030204" pitchFamily="34" charset="0"/>
+                <a:cs typeface="Arial" panose="020B0604020202020204" pitchFamily="34" charset="0"/>
+              </a:rPr>
+              <a:t>environments</a:t>
+            </a:r>
+            <a:r>
+              <a:rPr lang="en-US" sz="1800" dirty="0">
+                <a:effectLst/>
+                <a:latin typeface="Calibri" panose="020F0502020204030204" pitchFamily="34" charset="0"/>
+                <a:ea typeface="Calibri" panose="020F0502020204030204" pitchFamily="34" charset="0"/>
+                <a:cs typeface="Arial" panose="020B0604020202020204" pitchFamily="34" charset="0"/>
+              </a:rPr>
+              <a:t> </a:t>
+            </a:r>
+            <a:r>
+              <a:rPr lang="en-US" sz="1800" b="1" dirty="0">
+                <a:effectLst/>
+                <a:latin typeface="Calibri" panose="020F0502020204030204" pitchFamily="34" charset="0"/>
+                <a:ea typeface="Calibri" panose="020F0502020204030204" pitchFamily="34" charset="0"/>
+                <a:cs typeface="Arial" panose="020B0604020202020204" pitchFamily="34" charset="0"/>
+              </a:rPr>
+              <a:t>works</a:t>
+            </a:r>
+            <a:r>
+              <a:rPr lang="en-US" sz="1800" dirty="0">
+                <a:effectLst/>
+                <a:latin typeface="Calibri" panose="020F0502020204030204" pitchFamily="34" charset="0"/>
+                <a:ea typeface="Calibri" panose="020F0502020204030204" pitchFamily="34" charset="0"/>
+                <a:cs typeface="Arial" panose="020B0604020202020204" pitchFamily="34" charset="0"/>
+              </a:rPr>
+              <a:t>.</a:t>
+            </a:r>
+          </a:p>
+          <a:p>
+            <a:pPr lvl="1"/>
+            <a:r>
+              <a:rPr lang="en-US" sz="1800" dirty="0">
+                <a:latin typeface="Calibri" panose="020F0502020204030204" pitchFamily="34" charset="0"/>
+                <a:ea typeface="Calibri" panose="020F0502020204030204" pitchFamily="34" charset="0"/>
+                <a:cs typeface="Arial" panose="020B0604020202020204" pitchFamily="34" charset="0"/>
+              </a:rPr>
+              <a:t>T</a:t>
+            </a:r>
+            <a:r>
+              <a:rPr lang="en-US" sz="1800" dirty="0">
+                <a:effectLst/>
+                <a:latin typeface="Calibri" panose="020F0502020204030204" pitchFamily="34" charset="0"/>
+                <a:ea typeface="Calibri" panose="020F0502020204030204" pitchFamily="34" charset="0"/>
+                <a:cs typeface="Arial" panose="020B0604020202020204" pitchFamily="34" charset="0"/>
+              </a:rPr>
+              <a:t>he results from the DUT </a:t>
+            </a:r>
+            <a:r>
+              <a:rPr lang="en-US" sz="1800" b="1" dirty="0">
+                <a:effectLst/>
+                <a:latin typeface="Calibri" panose="020F0502020204030204" pitchFamily="34" charset="0"/>
+                <a:ea typeface="Calibri" panose="020F0502020204030204" pitchFamily="34" charset="0"/>
+                <a:cs typeface="Arial" panose="020B0604020202020204" pitchFamily="34" charset="0"/>
+              </a:rPr>
+              <a:t>indicated a bug.</a:t>
+            </a:r>
+          </a:p>
+          <a:p>
+            <a:pPr lvl="1"/>
+            <a:endParaRPr lang="en-US" sz="1800" b="1" dirty="0">
+              <a:effectLst/>
+              <a:latin typeface="Calibri" panose="020F0502020204030204" pitchFamily="34" charset="0"/>
+              <a:ea typeface="Calibri" panose="020F0502020204030204" pitchFamily="34" charset="0"/>
+              <a:cs typeface="Arial" panose="020B0604020202020204" pitchFamily="34" charset="0"/>
+            </a:endParaRPr>
+          </a:p>
+          <a:p>
+            <a:r>
+              <a:rPr lang="en-US" sz="2000" dirty="0">
+                <a:effectLst/>
+                <a:latin typeface="Calibri" panose="020F0502020204030204" pitchFamily="34" charset="0"/>
+                <a:ea typeface="Calibri" panose="020F0502020204030204" pitchFamily="34" charset="0"/>
+                <a:cs typeface="Arial" panose="020B0604020202020204" pitchFamily="34" charset="0"/>
+              </a:rPr>
+              <a:t>This bug was apparently related to the DUT’s inability to recognize </a:t>
+            </a:r>
+            <a:r>
+              <a:rPr lang="en-US" sz="2000" b="1" dirty="0">
+                <a:effectLst/>
+                <a:latin typeface="Calibri" panose="020F0502020204030204" pitchFamily="34" charset="0"/>
+                <a:ea typeface="Calibri" panose="020F0502020204030204" pitchFamily="34" charset="0"/>
+                <a:cs typeface="Arial" panose="020B0604020202020204" pitchFamily="34" charset="0"/>
+              </a:rPr>
+              <a:t>negative values.</a:t>
+            </a:r>
+          </a:p>
+          <a:p>
+            <a:endParaRPr lang="en-US" sz="2000" b="1" dirty="0">
+              <a:effectLst/>
+              <a:latin typeface="Calibri" panose="020F0502020204030204" pitchFamily="34" charset="0"/>
+              <a:ea typeface="Calibri" panose="020F0502020204030204" pitchFamily="34" charset="0"/>
+              <a:cs typeface="Arial" panose="020B0604020202020204" pitchFamily="34" charset="0"/>
+            </a:endParaRPr>
+          </a:p>
+          <a:p>
+            <a:r>
+              <a:rPr lang="en-US" sz="2000" dirty="0">
+                <a:effectLst/>
+                <a:latin typeface="Calibri" panose="020F0502020204030204" pitchFamily="34" charset="0"/>
+                <a:ea typeface="Calibri" panose="020F0502020204030204" pitchFamily="34" charset="0"/>
+                <a:cs typeface="Arial" panose="020B0604020202020204" pitchFamily="34" charset="0"/>
+              </a:rPr>
+              <a:t>This bug was </a:t>
+            </a:r>
+            <a:r>
+              <a:rPr lang="en-US" sz="2000" b="1" dirty="0">
+                <a:effectLst/>
+                <a:latin typeface="Calibri" panose="020F0502020204030204" pitchFamily="34" charset="0"/>
+                <a:ea typeface="Calibri" panose="020F0502020204030204" pitchFamily="34" charset="0"/>
+                <a:cs typeface="Arial" panose="020B0604020202020204" pitchFamily="34" charset="0"/>
+              </a:rPr>
+              <a:t>fixed</a:t>
+            </a:r>
+            <a:r>
+              <a:rPr lang="en-US" sz="2000" dirty="0">
+                <a:effectLst/>
+                <a:latin typeface="Calibri" panose="020F0502020204030204" pitchFamily="34" charset="0"/>
+                <a:ea typeface="Calibri" panose="020F0502020204030204" pitchFamily="34" charset="0"/>
+                <a:cs typeface="Arial" panose="020B0604020202020204" pitchFamily="34" charset="0"/>
+              </a:rPr>
+              <a:t> by the following steps:</a:t>
             </a:r>
           </a:p>
           <a:p>
@@ -17592,7 +17755,7 @@
               <a:buAutoNum type="arabicPeriod"/>
             </a:pPr>
             <a:r>
-              <a:rPr lang="en-US" dirty="0">
+              <a:rPr lang="en-US" sz="2000" dirty="0">
                 <a:latin typeface="Calibri" panose="020F0502020204030204" pitchFamily="34" charset="0"/>
                 <a:cs typeface="Arial" panose="020B0604020202020204" pitchFamily="34" charset="0"/>
               </a:rPr>
@@ -17605,14 +17768,14 @@
               <a:buAutoNum type="arabicPeriod"/>
             </a:pPr>
             <a:r>
-              <a:rPr lang="en-US" dirty="0">
+              <a:rPr lang="en-US" sz="2000" dirty="0">
                 <a:latin typeface="Calibri" panose="020F0502020204030204" pitchFamily="34" charset="0"/>
                 <a:cs typeface="Arial" panose="020B0604020202020204" pitchFamily="34" charset="0"/>
               </a:rPr>
               <a:t>Fix 2's complement representation </a:t>
             </a:r>
             <a:r>
-              <a:rPr lang="en-US" dirty="0">
+              <a:rPr lang="en-US" sz="2000" dirty="0">
                 <a:effectLst/>
                 <a:latin typeface="Calibri" panose="020F0502020204030204" pitchFamily="34" charset="0"/>
                 <a:ea typeface="Calibri" panose="020F0502020204030204" pitchFamily="34" charset="0"/>
@@ -17620,7 +17783,7 @@
               </a:rPr>
               <a:t>of numbers</a:t>
             </a:r>
-            <a:endParaRPr lang="en-US" sz="3200" dirty="0"/>
+            <a:endParaRPr lang="en-US" sz="2800" dirty="0"/>
           </a:p>
         </p:txBody>
       </p:sp>
@@ -17672,12 +17835,18 @@
         </p:nvSpPr>
         <p:spPr/>
         <p:txBody>
-          <a:bodyPr/>
+          <a:bodyPr>
+            <a:normAutofit/>
+          </a:bodyPr>
           <a:lstStyle/>
           <a:p>
             <a:r>
               <a:rPr lang="en-US" dirty="0"/>
-              <a:t>Bug Fixes - Combinatorial sensitivity list missing item</a:t>
+              <a:t>Bug Fixes</a:t>
+            </a:r>
+            <a:r>
+              <a:rPr lang="en-US" sz="4000" dirty="0"/>
+              <a:t> (2/3)</a:t>
             </a:r>
           </a:p>
         </p:txBody>
@@ -17701,10 +17870,20 @@
         <p:spPr/>
         <p:txBody>
           <a:bodyPr>
-            <a:normAutofit fontScale="85000" lnSpcReduction="20000"/>
+            <a:normAutofit fontScale="62500" lnSpcReduction="20000"/>
           </a:bodyPr>
           <a:lstStyle/>
           <a:p>
+            <a:pPr marL="0" indent="0">
+              <a:buNone/>
+            </a:pPr>
+            <a:r>
+              <a:rPr lang="en-US" sz="2800" u="sng" dirty="0"/>
+              <a:t>Combinatorial sensitivity list missing item bug:</a:t>
+            </a:r>
+            <a:endParaRPr lang="en-US" u="sng" dirty="0"/>
+          </a:p>
+          <a:p>
             <a:r>
               <a:rPr lang="en-US" dirty="0"/>
               <a:t>In </a:t>
@@ -17715,20 +17894,105 @@
             </a:r>
             <a:r>
               <a:rPr lang="en-US" dirty="0"/>
-              <a:t>, the new calculated centroids of each iteration are checked for convergence by comparing them to the last iteration’s centroids values. </a:t>
-            </a:r>
-          </a:p>
-          <a:p>
+              <a:t>:</a:t>
+            </a:r>
+          </a:p>
+          <a:p>
+            <a:pPr lvl="1"/>
             <a:r>
               <a:rPr lang="en-US" dirty="0"/>
-              <a:t>If convergence was not reached, the new centroids are used in the next iteration as the algorithm centroids.</a:t>
-            </a:r>
-          </a:p>
-          <a:p>
+              <a:t>The new calculated centroids of each iteration are compared to former iteration’s centroids.</a:t>
+            </a:r>
+          </a:p>
+          <a:p>
+            <a:pPr lvl="1"/>
             <a:r>
               <a:rPr lang="en-US" dirty="0"/>
-              <a:t>In the convergence check module, there is a sensitivity list used to take one old centroid from the 8 and compare it to the correspondingly new centroid.</a:t>
-            </a:r>
+              <a:t>It is a step for a decision of reaching convergence.</a:t>
+            </a:r>
+          </a:p>
+          <a:p>
+            <a:pPr marL="457200" lvl="1" indent="0">
+              <a:buNone/>
+            </a:pPr>
+            <a:endParaRPr lang="en-US" dirty="0"/>
+          </a:p>
+          <a:p>
+            <a:r>
+              <a:rPr lang="en-US" dirty="0"/>
+              <a:t>Whether </a:t>
+            </a:r>
+            <a:r>
+              <a:rPr lang="en-US" b="1" dirty="0"/>
+              <a:t>convergence</a:t>
+            </a:r>
+            <a:r>
+              <a:rPr lang="en-US" dirty="0"/>
+              <a:t> was reached or not, the new centroids are </a:t>
+            </a:r>
+            <a:r>
+              <a:rPr lang="en-US" b="1" dirty="0"/>
+              <a:t>defined</a:t>
+            </a:r>
+            <a:r>
+              <a:rPr lang="en-US" dirty="0"/>
+              <a:t> as the algorithm current centroids.</a:t>
+            </a:r>
+          </a:p>
+          <a:p>
+            <a:pPr marL="0" indent="0">
+              <a:buNone/>
+            </a:pPr>
+            <a:endParaRPr lang="en-US" dirty="0"/>
+          </a:p>
+          <a:p>
+            <a:r>
+              <a:rPr lang="en-US" dirty="0"/>
+              <a:t>The module consists a sensitivity list:</a:t>
+            </a:r>
+          </a:p>
+          <a:p>
+            <a:pPr lvl="1"/>
+            <a:r>
+              <a:rPr lang="en-US" dirty="0"/>
+              <a:t>Expected behavior – take one old centroid from the 8 and compare it to the correspondingly new centroid.</a:t>
+            </a:r>
+          </a:p>
+          <a:p>
+            <a:pPr lvl="1"/>
+            <a:r>
+              <a:rPr lang="en-US" dirty="0"/>
+              <a:t>This sensitivity list did not </a:t>
+            </a:r>
+            <a:r>
+              <a:rPr lang="en-US" b="1" dirty="0"/>
+              <a:t>cover</a:t>
+            </a:r>
+            <a:r>
+              <a:rPr lang="en-US" dirty="0"/>
+              <a:t> the change in values of the relevant inputs.</a:t>
+            </a:r>
+          </a:p>
+          <a:p>
+            <a:pPr lvl="1"/>
+            <a:r>
+              <a:rPr lang="en-US" dirty="0"/>
+              <a:t>It did not represent a supposedly </a:t>
+            </a:r>
+            <a:r>
+              <a:rPr lang="en-US" b="1" dirty="0"/>
+              <a:t>combinatorial</a:t>
+            </a:r>
+            <a:r>
+              <a:rPr lang="en-US" dirty="0"/>
+              <a:t> representation of always block.</a:t>
+            </a:r>
+          </a:p>
+          <a:p>
+            <a:pPr marL="0" indent="0">
+              <a:buNone/>
+            </a:pPr>
+            <a:endParaRPr lang="en-US" dirty="0"/>
           </a:p>
           <a:p>
             <a:pPr marL="0" marR="0">
@@ -17744,24 +18008,15 @@
             </a:pPr>
             <a:r>
               <a:rPr lang="en-US" dirty="0"/>
-              <a:t> This sensitivity list did not cover the change in values of the relevant inputs for this supposedly combinatorial representation of always.</a:t>
-            </a:r>
-          </a:p>
-          <a:p>
-            <a:pPr marL="0" marR="0">
-              <a:lnSpc>
-                <a:spcPct val="107000"/>
-              </a:lnSpc>
-              <a:spcBef>
-                <a:spcPts val="0"/>
-              </a:spcBef>
-              <a:spcAft>
-                <a:spcPts val="800"/>
-              </a:spcAft>
-            </a:pPr>
+              <a:t>The following </a:t>
+            </a:r>
+            <a:r>
+              <a:rPr lang="en-US" b="1" dirty="0"/>
+              <a:t>change</a:t>
+            </a:r>
             <a:r>
               <a:rPr lang="en-US" dirty="0"/>
-              <a:t> The following fix was done to solve the problem:</a:t>
+              <a:t> was done to solve the problem:</a:t>
             </a:r>
           </a:p>
           <a:p>
@@ -17777,8 +18032,16 @@
               </a:spcAft>
             </a:pPr>
             <a:r>
+              <a:rPr lang="en-US" u="sng" dirty="0"/>
+              <a:t>Before:</a:t>
+            </a:r>
+            <a:r>
+              <a:rPr lang="en-US" b="1" dirty="0"/>
+              <a:t> </a:t>
+            </a:r>
+            <a:r>
               <a:rPr lang="en-US" dirty="0"/>
-              <a:t>Before: "always @(cent_num) begin".</a:t>
+              <a:t>"always @(cent_num) begin".</a:t>
             </a:r>
           </a:p>
           <a:p>
@@ -17794,8 +18057,12 @@
               </a:spcAft>
             </a:pPr>
             <a:r>
+              <a:rPr lang="en-US" u="sng" dirty="0"/>
+              <a:t>After:</a:t>
+            </a:r>
+            <a:r>
               <a:rPr lang="en-US" dirty="0"/>
-              <a:t>After: "always @* begin".</a:t>
+              <a:t> "always @* begin".</a:t>
             </a:r>
           </a:p>
           <a:p>
@@ -17838,46 +18105,6 @@
       </p:grpSpPr>
       <p:sp>
         <p:nvSpPr>
-          <p:cNvPr id="2" name="Title 1">
-            <a:extLst>
-              <a:ext uri="{FF2B5EF4-FFF2-40B4-BE49-F238E27FC236}">
-                <a16:creationId xmlns:a16="http://schemas.microsoft.com/office/drawing/2014/main" id="{7D6190B2-7775-4063-B3A8-C64157372A34}"/>
-              </a:ext>
-            </a:extLst>
-          </p:cNvPr>
-          <p:cNvSpPr>
-            <a:spLocks noGrp="1"/>
-          </p:cNvSpPr>
-          <p:nvPr>
-            <p:ph type="title"/>
-          </p:nvPr>
-        </p:nvSpPr>
-        <p:spPr>
-          <a:xfrm>
-            <a:off x="838200" y="365125"/>
-            <a:ext cx="10515600" cy="1674690"/>
-          </a:xfrm>
-        </p:spPr>
-        <p:txBody>
-          <a:bodyPr>
-            <a:normAutofit fontScale="90000"/>
-          </a:bodyPr>
-          <a:lstStyle/>
-          <a:p>
-            <a:r>
-              <a:rPr lang="en-US" dirty="0"/>
-              <a:t>Bug Fixes - Correction of the wrong controller signal toggle during state machine transitions, in the 2nd state of </a:t>
-            </a:r>
-            <a:r>
-              <a:rPr lang="en-US" dirty="0" err="1"/>
-              <a:t>empty_pipe</a:t>
-            </a:r>
-            <a:endParaRPr lang="en-US" dirty="0"/>
-          </a:p>
-        </p:txBody>
-      </p:sp>
-      <p:sp>
-        <p:nvSpPr>
           <p:cNvPr id="3" name="Content Placeholder 2">
             <a:extLst>
               <a:ext uri="{FF2B5EF4-FFF2-40B4-BE49-F238E27FC236}">
@@ -17894,15 +18121,53 @@
         </p:nvSpPr>
         <p:spPr>
           <a:xfrm>
-            <a:off x="838200" y="2039815"/>
-            <a:ext cx="10515600" cy="4351338"/>
+            <a:off x="838200" y="1690688"/>
+            <a:ext cx="10515600" cy="4941752"/>
           </a:xfrm>
         </p:spPr>
         <p:txBody>
           <a:bodyPr>
-            <a:normAutofit/>
+            <a:normAutofit fontScale="92500" lnSpcReduction="10000"/>
           </a:bodyPr>
           <a:lstStyle/>
+          <a:p>
+            <a:pPr marL="0" marR="0" indent="0">
+              <a:lnSpc>
+                <a:spcPct val="107000"/>
+              </a:lnSpc>
+              <a:spcBef>
+                <a:spcPts val="0"/>
+              </a:spcBef>
+              <a:spcAft>
+                <a:spcPts val="800"/>
+              </a:spcAft>
+              <a:buNone/>
+            </a:pPr>
+            <a:r>
+              <a:rPr lang="en-US" sz="1800" u="sng" dirty="0"/>
+              <a:t>Correction of wrong synchronization for controller FSM signal toggle:</a:t>
+            </a:r>
+          </a:p>
+          <a:p>
+            <a:pPr marL="0" marR="0" indent="0">
+              <a:lnSpc>
+                <a:spcPct val="107000"/>
+              </a:lnSpc>
+              <a:spcBef>
+                <a:spcPts val="0"/>
+              </a:spcBef>
+              <a:spcAft>
+                <a:spcPts val="800"/>
+              </a:spcAft>
+              <a:buNone/>
+            </a:pPr>
+            <a:endParaRPr lang="en-US" sz="400" dirty="0">
+              <a:effectLst/>
+              <a:latin typeface="Calibri" panose="020F0502020204030204" pitchFamily="34" charset="0"/>
+              <a:ea typeface="Calibri" panose="020F0502020204030204" pitchFamily="34" charset="0"/>
+              <a:cs typeface="Arial" panose="020B0604020202020204" pitchFamily="34" charset="0"/>
+            </a:endParaRPr>
+          </a:p>
           <a:p>
             <a:pPr marL="0" marR="0">
               <a:lnSpc>
@@ -17916,13 +18181,13 @@
               </a:spcAft>
             </a:pPr>
             <a:r>
-              <a:rPr lang="en-US" sz="2400" dirty="0">
-                <a:effectLst/>
-                <a:latin typeface="Calibri" panose="020F0502020204030204" pitchFamily="34" charset="0"/>
-                <a:ea typeface="Calibri" panose="020F0502020204030204" pitchFamily="34" charset="0"/>
-                <a:cs typeface="Arial" panose="020B0604020202020204" pitchFamily="34" charset="0"/>
-              </a:rPr>
-              <a:t>The controller has a signal for enabling the accumulators of the pipe3 of classification block. The signal determines when to sample data point, which comes as input from the RAM to the classification block.</a:t>
+              <a:rPr lang="en-US" sz="1600" dirty="0">
+                <a:effectLst/>
+                <a:latin typeface="Calibri" panose="020F0502020204030204" pitchFamily="34" charset="0"/>
+                <a:ea typeface="Calibri" panose="020F0502020204030204" pitchFamily="34" charset="0"/>
+                <a:cs typeface="Arial" panose="020B0604020202020204" pitchFamily="34" charset="0"/>
+              </a:rPr>
+              <a:t>The controller has a signal for enabling the accumulators of the pipe3 of classification block.</a:t>
             </a:r>
           </a:p>
           <a:p>
@@ -17937,18 +18202,15 @@
                 <a:spcPts val="800"/>
               </a:spcAft>
             </a:pPr>
-            <a:r>
-              <a:rPr lang="en-US" sz="2400" dirty="0">
-                <a:effectLst/>
-                <a:latin typeface="Calibri" panose="020F0502020204030204" pitchFamily="34" charset="0"/>
-                <a:ea typeface="Calibri" panose="020F0502020204030204" pitchFamily="34" charset="0"/>
-                <a:cs typeface="Arial" panose="020B0604020202020204" pitchFamily="34" charset="0"/>
-              </a:rPr>
-              <a:t>After the last data point reached the last pipe stage, no more data should be sample by the accumulators. </a:t>
-            </a:r>
-          </a:p>
-          <a:p>
-            <a:pPr marL="0" marR="0">
+            <a:endParaRPr lang="en-US" sz="1600" dirty="0">
+              <a:effectLst/>
+              <a:latin typeface="Calibri" panose="020F0502020204030204" pitchFamily="34" charset="0"/>
+              <a:ea typeface="Calibri" panose="020F0502020204030204" pitchFamily="34" charset="0"/>
+              <a:cs typeface="Arial" panose="020B0604020202020204" pitchFamily="34" charset="0"/>
+            </a:endParaRPr>
+          </a:p>
+          <a:p>
+            <a:pPr marL="0">
               <a:lnSpc>
                 <a:spcPct val="107000"/>
               </a:lnSpc>
@@ -17960,17 +18222,43 @@
               </a:spcAft>
             </a:pPr>
             <a:r>
-              <a:rPr lang="en-US" sz="2400" dirty="0">
-                <a:effectLst/>
-                <a:latin typeface="Calibri" panose="020F0502020204030204" pitchFamily="34" charset="0"/>
-                <a:ea typeface="Calibri" panose="020F0502020204030204" pitchFamily="34" charset="0"/>
-                <a:cs typeface="Arial" panose="020B0604020202020204" pitchFamily="34" charset="0"/>
-              </a:rPr>
-              <a:t>Therefore,  the enable needs to be turned off so at that in the next state, there would be no sampling of any more data points.</a:t>
-            </a:r>
-          </a:p>
-          <a:p>
-            <a:pPr marL="0" marR="0">
+              <a:rPr lang="en-US" sz="1600" dirty="0">
+                <a:latin typeface="Calibri" panose="020F0502020204030204" pitchFamily="34" charset="0"/>
+                <a:cs typeface="Arial" panose="020B0604020202020204" pitchFamily="34" charset="0"/>
+              </a:rPr>
+              <a:t>The signal </a:t>
+            </a:r>
+            <a:r>
+              <a:rPr lang="en-US" sz="1600" b="1" dirty="0">
+                <a:latin typeface="Calibri" panose="020F0502020204030204" pitchFamily="34" charset="0"/>
+                <a:cs typeface="Arial" panose="020B0604020202020204" pitchFamily="34" charset="0"/>
+              </a:rPr>
+              <a:t>determines</a:t>
+            </a:r>
+            <a:r>
+              <a:rPr lang="en-US" sz="1600" dirty="0">
+                <a:latin typeface="Calibri" panose="020F0502020204030204" pitchFamily="34" charset="0"/>
+                <a:cs typeface="Arial" panose="020B0604020202020204" pitchFamily="34" charset="0"/>
+              </a:rPr>
+              <a:t> when to </a:t>
+            </a:r>
+            <a:r>
+              <a:rPr lang="en-US" sz="1600" b="1" dirty="0">
+                <a:latin typeface="Calibri" panose="020F0502020204030204" pitchFamily="34" charset="0"/>
+                <a:cs typeface="Arial" panose="020B0604020202020204" pitchFamily="34" charset="0"/>
+              </a:rPr>
+              <a:t>sample</a:t>
+            </a:r>
+            <a:r>
+              <a:rPr lang="en-US" sz="1600" dirty="0">
+                <a:latin typeface="Calibri" panose="020F0502020204030204" pitchFamily="34" charset="0"/>
+                <a:cs typeface="Arial" panose="020B0604020202020204" pitchFamily="34" charset="0"/>
+              </a:rPr>
+              <a:t> data point, which comes as input from the RAM to the classification block.</a:t>
+            </a:r>
+          </a:p>
+          <a:p>
+            <a:pPr marL="0">
               <a:lnSpc>
                 <a:spcPct val="107000"/>
               </a:lnSpc>
@@ -17981,23 +18269,13 @@
                 <a:spcPts val="800"/>
               </a:spcAft>
             </a:pPr>
-            <a:r>
-              <a:rPr lang="en-US" sz="2400" dirty="0">
-                <a:effectLst/>
-                <a:latin typeface="Calibri" panose="020F0502020204030204" pitchFamily="34" charset="0"/>
-                <a:ea typeface="Calibri" panose="020F0502020204030204" pitchFamily="34" charset="0"/>
-                <a:cs typeface="Arial" panose="020B0604020202020204" pitchFamily="34" charset="0"/>
-              </a:rPr>
-              <a:t>The bug was that the DUT sampled one more data point then needed. </a:t>
-            </a:r>
-            <a:endParaRPr lang="en-US" sz="2400" dirty="0">
+            <a:endParaRPr lang="en-US" sz="1600" dirty="0">
               <a:latin typeface="Calibri" panose="020F0502020204030204" pitchFamily="34" charset="0"/>
-              <a:ea typeface="Calibri" panose="020F0502020204030204" pitchFamily="34" charset="0"/>
               <a:cs typeface="Arial" panose="020B0604020202020204" pitchFamily="34" charset="0"/>
             </a:endParaRPr>
           </a:p>
           <a:p>
-            <a:pPr marL="0" marR="0">
+            <a:pPr marL="0">
               <a:lnSpc>
                 <a:spcPct val="107000"/>
               </a:lnSpc>
@@ -18009,28 +18287,323 @@
               </a:spcAft>
             </a:pPr>
             <a:r>
-              <a:rPr lang="en-US" sz="2400" dirty="0">
-                <a:latin typeface="Calibri" panose="020F0502020204030204" pitchFamily="34" charset="0"/>
-                <a:ea typeface="Calibri" panose="020F0502020204030204" pitchFamily="34" charset="0"/>
-                <a:cs typeface="Arial" panose="020B0604020202020204" pitchFamily="34" charset="0"/>
-              </a:rPr>
-              <a:t>Disabling the enable signal </a:t>
-            </a:r>
-            <a:r>
-              <a:rPr lang="en-US" sz="2400" dirty="0">
-                <a:effectLst/>
-                <a:latin typeface="Calibri" panose="020F0502020204030204" pitchFamily="34" charset="0"/>
-                <a:ea typeface="Calibri" panose="020F0502020204030204" pitchFamily="34" charset="0"/>
-                <a:cs typeface="Arial" panose="020B0604020202020204" pitchFamily="34" charset="0"/>
-              </a:rPr>
-              <a:t>one state/cycle earlier, removed the bug.</a:t>
-            </a:r>
+              <a:rPr lang="en-US" sz="1600" dirty="0">
+                <a:latin typeface="Calibri" panose="020F0502020204030204" pitchFamily="34" charset="0"/>
+                <a:cs typeface="Arial" panose="020B0604020202020204" pitchFamily="34" charset="0"/>
+              </a:rPr>
+              <a:t>After the last data point reached the last pipe stage, </a:t>
+            </a:r>
+            <a:r>
+              <a:rPr lang="en-US" sz="1600" b="1" dirty="0">
+                <a:latin typeface="Calibri" panose="020F0502020204030204" pitchFamily="34" charset="0"/>
+                <a:cs typeface="Arial" panose="020B0604020202020204" pitchFamily="34" charset="0"/>
+              </a:rPr>
+              <a:t>no more </a:t>
+            </a:r>
+            <a:r>
+              <a:rPr lang="en-US" sz="1600" dirty="0">
+                <a:latin typeface="Calibri" panose="020F0502020204030204" pitchFamily="34" charset="0"/>
+                <a:cs typeface="Arial" panose="020B0604020202020204" pitchFamily="34" charset="0"/>
+              </a:rPr>
+              <a:t>data should be </a:t>
+            </a:r>
+            <a:r>
+              <a:rPr lang="en-US" sz="1600" b="1" dirty="0">
+                <a:latin typeface="Calibri" panose="020F0502020204030204" pitchFamily="34" charset="0"/>
+                <a:cs typeface="Arial" panose="020B0604020202020204" pitchFamily="34" charset="0"/>
+              </a:rPr>
+              <a:t>sample</a:t>
+            </a:r>
+            <a:r>
+              <a:rPr lang="en-US" sz="1600" dirty="0">
+                <a:latin typeface="Calibri" panose="020F0502020204030204" pitchFamily="34" charset="0"/>
+                <a:cs typeface="Arial" panose="020B0604020202020204" pitchFamily="34" charset="0"/>
+              </a:rPr>
+              <a:t> by the accumulators.</a:t>
+            </a:r>
+          </a:p>
+          <a:p>
+            <a:pPr marL="0">
+              <a:lnSpc>
+                <a:spcPct val="107000"/>
+              </a:lnSpc>
+              <a:spcBef>
+                <a:spcPts val="0"/>
+              </a:spcBef>
+              <a:spcAft>
+                <a:spcPts val="800"/>
+              </a:spcAft>
+            </a:pPr>
+            <a:endParaRPr lang="en-US" sz="1600" dirty="0">
+              <a:latin typeface="Calibri" panose="020F0502020204030204" pitchFamily="34" charset="0"/>
+              <a:cs typeface="Arial" panose="020B0604020202020204" pitchFamily="34" charset="0"/>
+            </a:endParaRPr>
+          </a:p>
+          <a:p>
+            <a:pPr marL="0">
+              <a:lnSpc>
+                <a:spcPct val="107000"/>
+              </a:lnSpc>
+              <a:spcBef>
+                <a:spcPts val="0"/>
+              </a:spcBef>
+              <a:spcAft>
+                <a:spcPts val="800"/>
+              </a:spcAft>
+            </a:pPr>
+            <a:r>
+              <a:rPr lang="en-US" sz="1600" dirty="0">
+                <a:latin typeface="Calibri" panose="020F0502020204030204" pitchFamily="34" charset="0"/>
+                <a:cs typeface="Arial" panose="020B0604020202020204" pitchFamily="34" charset="0"/>
+              </a:rPr>
+              <a:t>Therefore,  the enable needs to be </a:t>
+            </a:r>
+            <a:r>
+              <a:rPr lang="en-US" sz="1600" b="1" dirty="0">
+                <a:latin typeface="Calibri" panose="020F0502020204030204" pitchFamily="34" charset="0"/>
+                <a:cs typeface="Arial" panose="020B0604020202020204" pitchFamily="34" charset="0"/>
+              </a:rPr>
+              <a:t>turned off </a:t>
+            </a:r>
+            <a:r>
+              <a:rPr lang="en-US" sz="1600" dirty="0">
+                <a:latin typeface="Calibri" panose="020F0502020204030204" pitchFamily="34" charset="0"/>
+                <a:cs typeface="Arial" panose="020B0604020202020204" pitchFamily="34" charset="0"/>
+              </a:rPr>
+              <a:t>so at that in the next state, there would be no sampling of any more data points.</a:t>
+            </a:r>
+          </a:p>
+          <a:p>
+            <a:pPr marL="0">
+              <a:lnSpc>
+                <a:spcPct val="107000"/>
+              </a:lnSpc>
+              <a:spcBef>
+                <a:spcPts val="0"/>
+              </a:spcBef>
+              <a:spcAft>
+                <a:spcPts val="800"/>
+              </a:spcAft>
+            </a:pPr>
+            <a:endParaRPr lang="en-US" sz="1600" dirty="0">
+              <a:latin typeface="Calibri" panose="020F0502020204030204" pitchFamily="34" charset="0"/>
+              <a:cs typeface="Arial" panose="020B0604020202020204" pitchFamily="34" charset="0"/>
+            </a:endParaRPr>
+          </a:p>
+          <a:p>
+            <a:pPr marL="0">
+              <a:lnSpc>
+                <a:spcPct val="107000"/>
+              </a:lnSpc>
+              <a:spcBef>
+                <a:spcPts val="0"/>
+              </a:spcBef>
+              <a:spcAft>
+                <a:spcPts val="800"/>
+              </a:spcAft>
+            </a:pPr>
+            <a:r>
+              <a:rPr lang="en-US" sz="1600" dirty="0">
+                <a:latin typeface="Calibri" panose="020F0502020204030204" pitchFamily="34" charset="0"/>
+                <a:cs typeface="Arial" panose="020B0604020202020204" pitchFamily="34" charset="0"/>
+              </a:rPr>
+              <a:t>The bug was that the DUT sampled </a:t>
+            </a:r>
+            <a:r>
+              <a:rPr lang="en-US" sz="1600" b="1" dirty="0">
+                <a:latin typeface="Calibri" panose="020F0502020204030204" pitchFamily="34" charset="0"/>
+                <a:cs typeface="Arial" panose="020B0604020202020204" pitchFamily="34" charset="0"/>
+              </a:rPr>
+              <a:t>one more </a:t>
+            </a:r>
+            <a:r>
+              <a:rPr lang="en-US" sz="1600" dirty="0">
+                <a:latin typeface="Calibri" panose="020F0502020204030204" pitchFamily="34" charset="0"/>
+                <a:cs typeface="Arial" panose="020B0604020202020204" pitchFamily="34" charset="0"/>
+              </a:rPr>
+              <a:t>data point then needed.</a:t>
+            </a:r>
+          </a:p>
+          <a:p>
+            <a:pPr marL="0">
+              <a:lnSpc>
+                <a:spcPct val="107000"/>
+              </a:lnSpc>
+              <a:spcBef>
+                <a:spcPts val="0"/>
+              </a:spcBef>
+              <a:spcAft>
+                <a:spcPts val="800"/>
+              </a:spcAft>
+            </a:pPr>
+            <a:endParaRPr lang="en-US" sz="1600" dirty="0">
+              <a:latin typeface="Calibri" panose="020F0502020204030204" pitchFamily="34" charset="0"/>
+              <a:cs typeface="Arial" panose="020B0604020202020204" pitchFamily="34" charset="0"/>
+            </a:endParaRPr>
+          </a:p>
+          <a:p>
+            <a:pPr marL="0">
+              <a:lnSpc>
+                <a:spcPct val="107000"/>
+              </a:lnSpc>
+              <a:spcBef>
+                <a:spcPts val="0"/>
+              </a:spcBef>
+              <a:spcAft>
+                <a:spcPts val="800"/>
+              </a:spcAft>
+            </a:pPr>
+            <a:r>
+              <a:rPr lang="en-US" sz="1600" dirty="0">
+                <a:latin typeface="Calibri" panose="020F0502020204030204" pitchFamily="34" charset="0"/>
+                <a:cs typeface="Arial" panose="020B0604020202020204" pitchFamily="34" charset="0"/>
+              </a:rPr>
+              <a:t>it was in the 2</a:t>
+            </a:r>
+            <a:r>
+              <a:rPr lang="en-US" sz="1600" baseline="30000" dirty="0">
+                <a:latin typeface="Calibri" panose="020F0502020204030204" pitchFamily="34" charset="0"/>
+                <a:cs typeface="Arial" panose="020B0604020202020204" pitchFamily="34" charset="0"/>
+              </a:rPr>
+              <a:t>nd</a:t>
+            </a:r>
+            <a:r>
+              <a:rPr lang="en-US" sz="1600" dirty="0">
+                <a:latin typeface="Calibri" panose="020F0502020204030204" pitchFamily="34" charset="0"/>
+                <a:cs typeface="Arial" panose="020B0604020202020204" pitchFamily="34" charset="0"/>
+              </a:rPr>
+              <a:t> state of “</a:t>
+            </a:r>
+            <a:r>
+              <a:rPr lang="en-US" sz="1600" dirty="0" err="1">
+                <a:latin typeface="Calibri" panose="020F0502020204030204" pitchFamily="34" charset="0"/>
+                <a:cs typeface="Arial" panose="020B0604020202020204" pitchFamily="34" charset="0"/>
+              </a:rPr>
+              <a:t>empty_pipe</a:t>
+            </a:r>
+            <a:r>
+              <a:rPr lang="en-US" sz="1600" dirty="0">
+                <a:latin typeface="Calibri" panose="020F0502020204030204" pitchFamily="34" charset="0"/>
+                <a:cs typeface="Arial" panose="020B0604020202020204" pitchFamily="34" charset="0"/>
+              </a:rPr>
+              <a:t>”.</a:t>
+            </a:r>
+          </a:p>
+          <a:p>
+            <a:pPr marL="0">
+              <a:lnSpc>
+                <a:spcPct val="107000"/>
+              </a:lnSpc>
+              <a:spcBef>
+                <a:spcPts val="0"/>
+              </a:spcBef>
+              <a:spcAft>
+                <a:spcPts val="800"/>
+              </a:spcAft>
+            </a:pPr>
+            <a:endParaRPr lang="en-US" sz="1600" dirty="0">
+              <a:latin typeface="Calibri" panose="020F0502020204030204" pitchFamily="34" charset="0"/>
+              <a:cs typeface="Arial" panose="020B0604020202020204" pitchFamily="34" charset="0"/>
+            </a:endParaRPr>
+          </a:p>
+          <a:p>
+            <a:pPr marL="0">
+              <a:lnSpc>
+                <a:spcPct val="107000"/>
+              </a:lnSpc>
+              <a:spcBef>
+                <a:spcPts val="0"/>
+              </a:spcBef>
+              <a:spcAft>
+                <a:spcPts val="800"/>
+              </a:spcAft>
+            </a:pPr>
+            <a:r>
+              <a:rPr lang="en-US" sz="1600" dirty="0">
+                <a:latin typeface="Calibri" panose="020F0502020204030204" pitchFamily="34" charset="0"/>
+                <a:cs typeface="Arial" panose="020B0604020202020204" pitchFamily="34" charset="0"/>
+              </a:rPr>
+              <a:t>Disabling the enable signal one state/cycle earlier, removed the bug.</a:t>
+            </a:r>
+          </a:p>
+          <a:p>
+            <a:pPr marL="0" indent="0">
+              <a:lnSpc>
+                <a:spcPct val="107000"/>
+              </a:lnSpc>
+              <a:spcBef>
+                <a:spcPts val="0"/>
+              </a:spcBef>
+              <a:spcAft>
+                <a:spcPts val="800"/>
+              </a:spcAft>
+              <a:buNone/>
+            </a:pPr>
+            <a:endParaRPr lang="en-US" sz="400" dirty="0">
+              <a:latin typeface="Calibri" panose="020F0502020204030204" pitchFamily="34" charset="0"/>
+              <a:cs typeface="Arial" panose="020B0604020202020204" pitchFamily="34" charset="0"/>
+            </a:endParaRPr>
           </a:p>
           <a:p>
             <a:pPr marL="0" indent="0">
               <a:buNone/>
             </a:pPr>
-            <a:endParaRPr lang="en-US" sz="3600" dirty="0"/>
+            <a:endParaRPr lang="en-US" sz="500" dirty="0"/>
+          </a:p>
+        </p:txBody>
+      </p:sp>
+      <p:sp>
+        <p:nvSpPr>
+          <p:cNvPr id="4" name="Title 1">
+            <a:extLst>
+              <a:ext uri="{FF2B5EF4-FFF2-40B4-BE49-F238E27FC236}">
+                <a16:creationId xmlns:a16="http://schemas.microsoft.com/office/drawing/2014/main" id="{6CF0D34C-62E8-4752-8B83-5EC7F195CA99}"/>
+              </a:ext>
+            </a:extLst>
+          </p:cNvPr>
+          <p:cNvSpPr txBox="1">
+            <a:spLocks/>
+          </p:cNvSpPr>
+          <p:nvPr/>
+        </p:nvSpPr>
+        <p:spPr>
+          <a:xfrm>
+            <a:off x="838200" y="365125"/>
+            <a:ext cx="10515600" cy="1325563"/>
+          </a:xfrm>
+          <a:prstGeom prst="rect">
+            <a:avLst/>
+          </a:prstGeom>
+        </p:spPr>
+        <p:txBody>
+          <a:bodyPr vert="horz" lIns="91440" tIns="45720" rIns="91440" bIns="45720" rtlCol="0" anchor="ctr">
+            <a:normAutofit/>
+          </a:bodyPr>
+          <a:lstStyle>
+            <a:lvl1pPr algn="l" defTabSz="914400" rtl="0" eaLnBrk="1" latinLnBrk="0" hangingPunct="1">
+              <a:lnSpc>
+                <a:spcPct val="90000"/>
+              </a:lnSpc>
+              <a:spcBef>
+                <a:spcPct val="0"/>
+              </a:spcBef>
+              <a:buNone/>
+              <a:defRPr sz="4400" kern="1200">
+                <a:solidFill>
+                  <a:schemeClr val="tx1"/>
+                </a:solidFill>
+                <a:latin typeface="+mj-lt"/>
+                <a:ea typeface="+mj-ea"/>
+                <a:cs typeface="+mj-cs"/>
+              </a:defRPr>
+            </a:lvl1pPr>
+          </a:lstStyle>
+          <a:p>
+            <a:r>
+              <a:rPr lang="en-US" dirty="0"/>
+              <a:t>Bug Fixes (3/3)</a:t>
+            </a:r>
+            <a:endParaRPr lang="en-US" sz="4000" dirty="0"/>
           </a:p>
         </p:txBody>
       </p:sp>
@@ -19739,15 +20312,20 @@
             <p:ph idx="1"/>
           </p:nvPr>
         </p:nvSpPr>
-        <p:spPr/>
+        <p:spPr>
+          <a:xfrm>
+            <a:off x="838200" y="1690688"/>
+            <a:ext cx="10515600" cy="4351338"/>
+          </a:xfrm>
+        </p:spPr>
         <p:txBody>
           <a:bodyPr>
-            <a:normAutofit fontScale="77500" lnSpcReduction="20000"/>
+            <a:normAutofit fontScale="92500" lnSpcReduction="20000"/>
           </a:bodyPr>
           <a:lstStyle/>
           <a:p>
             <a:r>
-              <a:rPr lang="en-US" sz="2400" dirty="0">
+              <a:rPr lang="en-US" sz="2000" dirty="0">
                 <a:effectLst/>
                 <a:latin typeface="Calibri" panose="020F0502020204030204" pitchFamily="34" charset="0"/>
                 <a:ea typeface="Calibri" panose="020F0502020204030204" pitchFamily="34" charset="0"/>
@@ -19756,7 +20334,7 @@
               <a:t>UVM’s </a:t>
             </a:r>
             <a:r>
-              <a:rPr lang="en-US" sz="2400" b="1" dirty="0">
+              <a:rPr lang="en-US" sz="2000" b="1" dirty="0">
                 <a:effectLst/>
                 <a:latin typeface="Calibri" panose="020F0502020204030204" pitchFamily="34" charset="0"/>
                 <a:ea typeface="Calibri" panose="020F0502020204030204" pitchFamily="34" charset="0"/>
@@ -19765,7 +20343,7 @@
               <a:t>primary advantages </a:t>
             </a:r>
             <a:r>
-              <a:rPr lang="en-US" sz="2400" dirty="0">
+              <a:rPr lang="en-US" sz="2000" dirty="0">
                 <a:latin typeface="Calibri" panose="020F0502020204030204" pitchFamily="34" charset="0"/>
                 <a:ea typeface="Calibri" panose="020F0502020204030204" pitchFamily="34" charset="0"/>
                 <a:cs typeface="Arial" panose="020B0604020202020204" pitchFamily="34" charset="0"/>
@@ -19773,7 +20351,7 @@
               <a:t>are</a:t>
             </a:r>
             <a:r>
-              <a:rPr lang="en-US" sz="2400" dirty="0">
+              <a:rPr lang="en-US" sz="2000" dirty="0">
                 <a:effectLst/>
                 <a:latin typeface="Calibri" panose="020F0502020204030204" pitchFamily="34" charset="0"/>
                 <a:ea typeface="Calibri" panose="020F0502020204030204" pitchFamily="34" charset="0"/>
@@ -19782,14 +20360,14 @@
               <a:t> specifications and lays out of guidelines to be followed for creation of verification testbenches. </a:t>
             </a:r>
             <a:br>
-              <a:rPr lang="en-US" sz="2400" dirty="0">
+              <a:rPr lang="en-US" sz="2000" dirty="0">
                 <a:effectLst/>
                 <a:latin typeface="Calibri" panose="020F0502020204030204" pitchFamily="34" charset="0"/>
                 <a:ea typeface="Calibri" panose="020F0502020204030204" pitchFamily="34" charset="0"/>
                 <a:cs typeface="Arial" panose="020B0604020202020204" pitchFamily="34" charset="0"/>
               </a:rPr>
             </a:br>
-            <a:endParaRPr lang="en-US" sz="2400" dirty="0">
+            <a:endParaRPr lang="en-US" sz="2000" dirty="0">
               <a:effectLst/>
               <a:latin typeface="Calibri" panose="020F0502020204030204" pitchFamily="34" charset="0"/>
               <a:ea typeface="Calibri" panose="020F0502020204030204" pitchFamily="34" charset="0"/>
@@ -19798,7 +20376,7 @@
           </a:p>
           <a:p>
             <a:r>
-              <a:rPr lang="en-US" sz="2400" dirty="0">
+              <a:rPr lang="en-US" sz="2000" dirty="0">
                 <a:effectLst/>
                 <a:latin typeface="Calibri" panose="020F0502020204030204" pitchFamily="34" charset="0"/>
                 <a:ea typeface="Calibri" panose="020F0502020204030204" pitchFamily="34" charset="0"/>
@@ -19807,7 +20385,7 @@
               <a:t>Above fact </a:t>
             </a:r>
             <a:r>
-              <a:rPr lang="en-US" sz="2400" b="1" dirty="0">
+              <a:rPr lang="en-US" sz="2000" b="1" dirty="0">
                 <a:effectLst/>
                 <a:latin typeface="Calibri" panose="020F0502020204030204" pitchFamily="34" charset="0"/>
                 <a:ea typeface="Calibri" panose="020F0502020204030204" pitchFamily="34" charset="0"/>
@@ -19816,7 +20394,7 @@
               <a:t>ensures</a:t>
             </a:r>
             <a:r>
-              <a:rPr lang="en-US" sz="2400" dirty="0">
+              <a:rPr lang="en-US" sz="2000" dirty="0">
                 <a:effectLst/>
                 <a:latin typeface="Calibri" panose="020F0502020204030204" pitchFamily="34" charset="0"/>
                 <a:ea typeface="Calibri" panose="020F0502020204030204" pitchFamily="34" charset="0"/>
@@ -19828,17 +20406,94 @@
           <a:p>
             <a:pPr lvl="1"/>
             <a:r>
+              <a:rPr lang="en-US" sz="1800" dirty="0">
+                <a:effectLst/>
+                <a:latin typeface="Calibri" panose="020F0502020204030204" pitchFamily="34" charset="0"/>
+                <a:ea typeface="Calibri" panose="020F0502020204030204" pitchFamily="34" charset="0"/>
+                <a:cs typeface="Arial" panose="020B0604020202020204" pitchFamily="34" charset="0"/>
+              </a:rPr>
+              <a:t> testbench uniformity between different verification teams.</a:t>
+            </a:r>
+          </a:p>
+          <a:p>
+            <a:pPr lvl="1"/>
+            <a:r>
+              <a:rPr lang="en-US" sz="1800" dirty="0">
+                <a:effectLst/>
+                <a:latin typeface="Calibri" panose="020F0502020204030204" pitchFamily="34" charset="0"/>
+                <a:ea typeface="Calibri" panose="020F0502020204030204" pitchFamily="34" charset="0"/>
+                <a:cs typeface="Arial" panose="020B0604020202020204" pitchFamily="34" charset="0"/>
+              </a:rPr>
+              <a:t> cross-compatibility between IPs.</a:t>
+            </a:r>
+            <a:endParaRPr lang="en-US" sz="1800" dirty="0">
+              <a:latin typeface="Calibri" panose="020F0502020204030204" pitchFamily="34" charset="0"/>
+              <a:ea typeface="Calibri" panose="020F0502020204030204" pitchFamily="34" charset="0"/>
+              <a:cs typeface="Arial" panose="020B0604020202020204" pitchFamily="34" charset="0"/>
+            </a:endParaRPr>
+          </a:p>
+          <a:p>
+            <a:pPr lvl="1"/>
+            <a:r>
+              <a:rPr lang="en-US" sz="1800" dirty="0">
+                <a:effectLst/>
+                <a:latin typeface="Calibri" panose="020F0502020204030204" pitchFamily="34" charset="0"/>
+                <a:ea typeface="Calibri" panose="020F0502020204030204" pitchFamily="34" charset="0"/>
+                <a:cs typeface="Arial" panose="020B0604020202020204" pitchFamily="34" charset="0"/>
+              </a:rPr>
+              <a:t> standalone environment integration.</a:t>
+            </a:r>
+            <a:endParaRPr lang="en-US" sz="1800" dirty="0">
+              <a:latin typeface="Calibri" panose="020F0502020204030204" pitchFamily="34" charset="0"/>
+              <a:ea typeface="Calibri" panose="020F0502020204030204" pitchFamily="34" charset="0"/>
+              <a:cs typeface="Arial" panose="020B0604020202020204" pitchFamily="34" charset="0"/>
+            </a:endParaRPr>
+          </a:p>
+          <a:p>
+            <a:pPr lvl="1"/>
+            <a:r>
+              <a:rPr lang="en-US" sz="1800" dirty="0">
+                <a:effectLst/>
+                <a:latin typeface="Calibri" panose="020F0502020204030204" pitchFamily="34" charset="0"/>
+                <a:ea typeface="Calibri" panose="020F0502020204030204" pitchFamily="34" charset="0"/>
+                <a:cs typeface="Arial" panose="020B0604020202020204" pitchFamily="34" charset="0"/>
+              </a:rPr>
+              <a:t> flexibility and ease of maintaining testbenches. </a:t>
+            </a:r>
+          </a:p>
+          <a:p>
+            <a:pPr marL="457200" lvl="1" indent="0">
+              <a:buNone/>
+            </a:pPr>
+            <a:r>
+              <a:rPr lang="en-US" sz="1800" dirty="0">
+                <a:effectLst/>
+                <a:latin typeface="Calibri" panose="020F0502020204030204" pitchFamily="34" charset="0"/>
+                <a:ea typeface="Calibri" panose="020F0502020204030204" pitchFamily="34" charset="0"/>
+                <a:cs typeface="Arial" panose="020B0604020202020204" pitchFamily="34" charset="0"/>
+              </a:rPr>
+              <a:t> </a:t>
+            </a:r>
+          </a:p>
+          <a:p>
+            <a:r>
               <a:rPr lang="en-US" sz="2000" dirty="0">
                 <a:effectLst/>
                 <a:latin typeface="Calibri" panose="020F0502020204030204" pitchFamily="34" charset="0"/>
                 <a:ea typeface="Calibri" panose="020F0502020204030204" pitchFamily="34" charset="0"/>
                 <a:cs typeface="Arial" panose="020B0604020202020204" pitchFamily="34" charset="0"/>
               </a:rPr>
-              <a:t> testbench uniformity between different verification teams.</a:t>
-            </a:r>
-          </a:p>
-          <a:p>
-            <a:pPr lvl="1"/>
+              <a:t>Every verification environment has </a:t>
+            </a:r>
+            <a:r>
+              <a:rPr lang="en-US" sz="2000" b="1" dirty="0">
+                <a:effectLst/>
+                <a:latin typeface="Calibri" panose="020F0502020204030204" pitchFamily="34" charset="0"/>
+                <a:ea typeface="Calibri" panose="020F0502020204030204" pitchFamily="34" charset="0"/>
+                <a:cs typeface="Arial" panose="020B0604020202020204" pitchFamily="34" charset="0"/>
+              </a:rPr>
+              <a:t>similar components </a:t>
+            </a:r>
             <a:r>
               <a:rPr lang="en-US" sz="2000" dirty="0">
                 <a:effectLst/>
@@ -19846,8 +20501,96 @@
                 <a:ea typeface="Calibri" panose="020F0502020204030204" pitchFamily="34" charset="0"/>
                 <a:cs typeface="Arial" panose="020B0604020202020204" pitchFamily="34" charset="0"/>
               </a:rPr>
-              <a:t> cross-compatibility between IPs.</a:t>
-            </a:r>
+              <a:t>like drivers, monitors, transactions and scoreboards.</a:t>
+            </a:r>
+          </a:p>
+          <a:p>
+            <a:pPr marL="0" indent="0">
+              <a:buNone/>
+            </a:pPr>
+            <a:r>
+              <a:rPr lang="en-US" sz="2000" dirty="0">
+                <a:effectLst/>
+                <a:latin typeface="Calibri" panose="020F0502020204030204" pitchFamily="34" charset="0"/>
+                <a:ea typeface="Calibri" panose="020F0502020204030204" pitchFamily="34" charset="0"/>
+                <a:cs typeface="Arial" panose="020B0604020202020204" pitchFamily="34" charset="0"/>
+              </a:rPr>
+              <a:t> </a:t>
+            </a:r>
+          </a:p>
+          <a:p>
+            <a:r>
+              <a:rPr lang="en-US" sz="2000" dirty="0">
+                <a:effectLst/>
+                <a:latin typeface="Calibri" panose="020F0502020204030204" pitchFamily="34" charset="0"/>
+                <a:ea typeface="Calibri" panose="020F0502020204030204" pitchFamily="34" charset="0"/>
+                <a:cs typeface="Arial" panose="020B0604020202020204" pitchFamily="34" charset="0"/>
+              </a:rPr>
+              <a:t>UVM provides a </a:t>
+            </a:r>
+            <a:r>
+              <a:rPr lang="en-US" sz="2000" b="1" dirty="0">
+                <a:latin typeface="Calibri" panose="020F0502020204030204" pitchFamily="34" charset="0"/>
+                <a:ea typeface="Calibri" panose="020F0502020204030204" pitchFamily="34" charset="0"/>
+                <a:cs typeface="Arial" panose="020B0604020202020204" pitchFamily="34" charset="0"/>
+              </a:rPr>
+              <a:t>basic c</a:t>
+            </a:r>
+            <a:r>
+              <a:rPr lang="en-US" sz="2000" b="1" dirty="0">
+                <a:effectLst/>
+                <a:latin typeface="Calibri" panose="020F0502020204030204" pitchFamily="34" charset="0"/>
+                <a:ea typeface="Calibri" panose="020F0502020204030204" pitchFamily="34" charset="0"/>
+                <a:cs typeface="Arial" panose="020B0604020202020204" pitchFamily="34" charset="0"/>
+              </a:rPr>
+              <a:t>lass </a:t>
+            </a:r>
+            <a:r>
+              <a:rPr lang="en-US" sz="2000" dirty="0">
+                <a:effectLst/>
+                <a:latin typeface="Calibri" panose="020F0502020204030204" pitchFamily="34" charset="0"/>
+                <a:ea typeface="Calibri" panose="020F0502020204030204" pitchFamily="34" charset="0"/>
+                <a:cs typeface="Arial" panose="020B0604020202020204" pitchFamily="34" charset="0"/>
+              </a:rPr>
+              <a:t>for those components, </a:t>
+            </a:r>
+            <a:r>
+              <a:rPr lang="en-US" sz="2000" dirty="0">
+                <a:latin typeface="Calibri" panose="020F0502020204030204" pitchFamily="34" charset="0"/>
+                <a:ea typeface="Calibri" panose="020F0502020204030204" pitchFamily="34" charset="0"/>
+                <a:cs typeface="Arial" panose="020B0604020202020204" pitchFamily="34" charset="0"/>
+              </a:rPr>
+              <a:t>along</a:t>
+            </a:r>
+            <a:r>
+              <a:rPr lang="en-US" sz="2000" dirty="0">
+                <a:effectLst/>
+                <a:latin typeface="Calibri" panose="020F0502020204030204" pitchFamily="34" charset="0"/>
+                <a:ea typeface="Calibri" panose="020F0502020204030204" pitchFamily="34" charset="0"/>
+                <a:cs typeface="Arial" panose="020B0604020202020204" pitchFamily="34" charset="0"/>
+              </a:rPr>
+              <a:t> with </a:t>
+            </a:r>
+            <a:r>
+              <a:rPr lang="en-US" sz="2000" b="1" dirty="0">
+                <a:effectLst/>
+                <a:latin typeface="Calibri" panose="020F0502020204030204" pitchFamily="34" charset="0"/>
+                <a:ea typeface="Calibri" panose="020F0502020204030204" pitchFamily="34" charset="0"/>
+                <a:cs typeface="Arial" panose="020B0604020202020204" pitchFamily="34" charset="0"/>
+              </a:rPr>
+              <a:t>standardized functions</a:t>
+            </a:r>
+            <a:r>
+              <a:rPr lang="en-US" sz="2000" dirty="0">
+                <a:effectLst/>
+                <a:latin typeface="Calibri" panose="020F0502020204030204" pitchFamily="34" charset="0"/>
+                <a:ea typeface="Calibri" panose="020F0502020204030204" pitchFamily="34" charset="0"/>
+                <a:cs typeface="Arial" panose="020B0604020202020204" pitchFamily="34" charset="0"/>
+              </a:rPr>
+              <a:t> to instantiate, connect and build the test bench environment.</a:t>
+            </a:r>
+          </a:p>
+          <a:p>
             <a:endParaRPr lang="en-US" sz="2000" dirty="0">
               <a:latin typeface="Calibri" panose="020F0502020204030204" pitchFamily="34" charset="0"/>
               <a:ea typeface="Calibri" panose="020F0502020204030204" pitchFamily="34" charset="0"/>
@@ -19855,189 +20598,24 @@
             </a:endParaRPr>
           </a:p>
           <a:p>
-            <a:pPr lvl="1"/>
             <a:r>
               <a:rPr lang="en-US" sz="2000" dirty="0">
-                <a:effectLst/>
-                <a:latin typeface="Calibri" panose="020F0502020204030204" pitchFamily="34" charset="0"/>
-                <a:ea typeface="Calibri" panose="020F0502020204030204" pitchFamily="34" charset="0"/>
-                <a:cs typeface="Arial" panose="020B0604020202020204" pitchFamily="34" charset="0"/>
-              </a:rPr>
-              <a:t> standalone environment integration.</a:t>
-            </a:r>
-            <a:endParaRPr lang="en-US" sz="2000" dirty="0">
-              <a:latin typeface="Calibri" panose="020F0502020204030204" pitchFamily="34" charset="0"/>
-              <a:ea typeface="Calibri" panose="020F0502020204030204" pitchFamily="34" charset="0"/>
-              <a:cs typeface="Arial" panose="020B0604020202020204" pitchFamily="34" charset="0"/>
-            </a:endParaRPr>
-          </a:p>
-          <a:p>
-            <a:pPr lvl="1"/>
-            <a:r>
-              <a:rPr lang="en-US" sz="2000" dirty="0">
-                <a:effectLst/>
-                <a:latin typeface="Calibri" panose="020F0502020204030204" pitchFamily="34" charset="0"/>
-                <a:ea typeface="Calibri" panose="020F0502020204030204" pitchFamily="34" charset="0"/>
-                <a:cs typeface="Arial" panose="020B0604020202020204" pitchFamily="34" charset="0"/>
-              </a:rPr>
-              <a:t> flexibility and ease of maintaining testbenches. </a:t>
-            </a:r>
-          </a:p>
-          <a:p>
-            <a:pPr marL="457200" lvl="1" indent="0">
-              <a:buNone/>
-            </a:pPr>
-            <a:r>
-              <a:rPr lang="en-US" sz="2000" dirty="0">
-                <a:effectLst/>
-                <a:latin typeface="Calibri" panose="020F0502020204030204" pitchFamily="34" charset="0"/>
-                <a:ea typeface="Calibri" panose="020F0502020204030204" pitchFamily="34" charset="0"/>
-                <a:cs typeface="Arial" panose="020B0604020202020204" pitchFamily="34" charset="0"/>
-              </a:rPr>
-              <a:t> </a:t>
-            </a:r>
-          </a:p>
-          <a:p>
-            <a:r>
-              <a:rPr lang="en-US" sz="2400" dirty="0">
-                <a:effectLst/>
-                <a:latin typeface="Calibri" panose="020F0502020204030204" pitchFamily="34" charset="0"/>
-                <a:ea typeface="Calibri" panose="020F0502020204030204" pitchFamily="34" charset="0"/>
-                <a:cs typeface="Arial" panose="020B0604020202020204" pitchFamily="34" charset="0"/>
-              </a:rPr>
-              <a:t>Every verification environment has </a:t>
-            </a:r>
-            <a:r>
-              <a:rPr lang="en-US" sz="2400" b="1" dirty="0">
-                <a:effectLst/>
-                <a:latin typeface="Calibri" panose="020F0502020204030204" pitchFamily="34" charset="0"/>
-                <a:ea typeface="Calibri" panose="020F0502020204030204" pitchFamily="34" charset="0"/>
-                <a:cs typeface="Arial" panose="020B0604020202020204" pitchFamily="34" charset="0"/>
-              </a:rPr>
-              <a:t>similar components </a:t>
-            </a:r>
-            <a:r>
-              <a:rPr lang="en-US" sz="2400" dirty="0">
-                <a:effectLst/>
-                <a:latin typeface="Calibri" panose="020F0502020204030204" pitchFamily="34" charset="0"/>
-                <a:ea typeface="Calibri" panose="020F0502020204030204" pitchFamily="34" charset="0"/>
-                <a:cs typeface="Arial" panose="020B0604020202020204" pitchFamily="34" charset="0"/>
-              </a:rPr>
-              <a:t>like drivers, monitors, transactions and scoreboards.</a:t>
+                <a:solidFill>
+                  <a:srgbClr val="FF0000"/>
+                </a:solidFill>
+                <a:effectLst/>
+                <a:latin typeface="Calibri" panose="020F0502020204030204" pitchFamily="34" charset="0"/>
+                <a:ea typeface="Calibri" panose="020F0502020204030204" pitchFamily="34" charset="0"/>
+                <a:cs typeface="Arial" panose="020B0604020202020204" pitchFamily="34" charset="0"/>
+              </a:rPr>
+              <a:t>TODO – ADD A WORD ON FACTORY, AND SAY SOMETHING AS WELL.</a:t>
             </a:r>
           </a:p>
           <a:p>
             <a:pPr marL="0" indent="0">
               <a:buNone/>
             </a:pPr>
-            <a:r>
-              <a:rPr lang="en-US" sz="2400" dirty="0">
-                <a:effectLst/>
-                <a:latin typeface="Calibri" panose="020F0502020204030204" pitchFamily="34" charset="0"/>
-                <a:ea typeface="Calibri" panose="020F0502020204030204" pitchFamily="34" charset="0"/>
-                <a:cs typeface="Arial" panose="020B0604020202020204" pitchFamily="34" charset="0"/>
-              </a:rPr>
-              <a:t> </a:t>
-            </a:r>
-          </a:p>
-          <a:p>
-            <a:r>
-              <a:rPr lang="en-US" sz="2400" dirty="0">
-                <a:effectLst/>
-                <a:latin typeface="Calibri" panose="020F0502020204030204" pitchFamily="34" charset="0"/>
-                <a:ea typeface="Calibri" panose="020F0502020204030204" pitchFamily="34" charset="0"/>
-                <a:cs typeface="Arial" panose="020B0604020202020204" pitchFamily="34" charset="0"/>
-              </a:rPr>
-              <a:t>UVM provides a </a:t>
-            </a:r>
-            <a:r>
-              <a:rPr lang="en-US" sz="2400" b="1" dirty="0">
-                <a:latin typeface="Calibri" panose="020F0502020204030204" pitchFamily="34" charset="0"/>
-                <a:ea typeface="Calibri" panose="020F0502020204030204" pitchFamily="34" charset="0"/>
-                <a:cs typeface="Arial" panose="020B0604020202020204" pitchFamily="34" charset="0"/>
-              </a:rPr>
-              <a:t>basic c</a:t>
-            </a:r>
-            <a:r>
-              <a:rPr lang="en-US" sz="2400" b="1" dirty="0">
-                <a:effectLst/>
-                <a:latin typeface="Calibri" panose="020F0502020204030204" pitchFamily="34" charset="0"/>
-                <a:ea typeface="Calibri" panose="020F0502020204030204" pitchFamily="34" charset="0"/>
-                <a:cs typeface="Arial" panose="020B0604020202020204" pitchFamily="34" charset="0"/>
-              </a:rPr>
-              <a:t>lass </a:t>
-            </a:r>
-            <a:r>
-              <a:rPr lang="en-US" sz="2400" dirty="0">
-                <a:effectLst/>
-                <a:latin typeface="Calibri" panose="020F0502020204030204" pitchFamily="34" charset="0"/>
-                <a:ea typeface="Calibri" panose="020F0502020204030204" pitchFamily="34" charset="0"/>
-                <a:cs typeface="Arial" panose="020B0604020202020204" pitchFamily="34" charset="0"/>
-              </a:rPr>
-              <a:t>for those components, </a:t>
-            </a:r>
-            <a:r>
-              <a:rPr lang="en-US" sz="2400" dirty="0">
-                <a:latin typeface="Calibri" panose="020F0502020204030204" pitchFamily="34" charset="0"/>
-                <a:ea typeface="Calibri" panose="020F0502020204030204" pitchFamily="34" charset="0"/>
-                <a:cs typeface="Arial" panose="020B0604020202020204" pitchFamily="34" charset="0"/>
-              </a:rPr>
-              <a:t>along</a:t>
-            </a:r>
-            <a:r>
-              <a:rPr lang="en-US" sz="2400" dirty="0">
-                <a:effectLst/>
-                <a:latin typeface="Calibri" panose="020F0502020204030204" pitchFamily="34" charset="0"/>
-                <a:ea typeface="Calibri" panose="020F0502020204030204" pitchFamily="34" charset="0"/>
-                <a:cs typeface="Arial" panose="020B0604020202020204" pitchFamily="34" charset="0"/>
-              </a:rPr>
-              <a:t> with </a:t>
-            </a:r>
-            <a:r>
-              <a:rPr lang="en-US" sz="2400" b="1" dirty="0">
-                <a:effectLst/>
-                <a:latin typeface="Calibri" panose="020F0502020204030204" pitchFamily="34" charset="0"/>
-                <a:ea typeface="Calibri" panose="020F0502020204030204" pitchFamily="34" charset="0"/>
-                <a:cs typeface="Arial" panose="020B0604020202020204" pitchFamily="34" charset="0"/>
-              </a:rPr>
-              <a:t>standardized functions</a:t>
-            </a:r>
-            <a:r>
-              <a:rPr lang="en-US" sz="2400" dirty="0">
-                <a:effectLst/>
-                <a:latin typeface="Calibri" panose="020F0502020204030204" pitchFamily="34" charset="0"/>
-                <a:ea typeface="Calibri" panose="020F0502020204030204" pitchFamily="34" charset="0"/>
-                <a:cs typeface="Arial" panose="020B0604020202020204" pitchFamily="34" charset="0"/>
-              </a:rPr>
-              <a:t> to instantiate, connect and build the test bench environment.</a:t>
-            </a:r>
-          </a:p>
-          <a:p>
-            <a:endParaRPr lang="en-US" sz="2400" dirty="0">
-              <a:latin typeface="Calibri" panose="020F0502020204030204" pitchFamily="34" charset="0"/>
-              <a:ea typeface="Calibri" panose="020F0502020204030204" pitchFamily="34" charset="0"/>
-              <a:cs typeface="Arial" panose="020B0604020202020204" pitchFamily="34" charset="0"/>
-            </a:endParaRPr>
-          </a:p>
-          <a:p>
-            <a:r>
-              <a:rPr lang="en-US" sz="2400" dirty="0">
-                <a:solidFill>
-                  <a:srgbClr val="FF0000"/>
-                </a:solidFill>
-                <a:effectLst/>
-                <a:latin typeface="Calibri" panose="020F0502020204030204" pitchFamily="34" charset="0"/>
-                <a:ea typeface="Calibri" panose="020F0502020204030204" pitchFamily="34" charset="0"/>
-                <a:cs typeface="Arial" panose="020B0604020202020204" pitchFamily="34" charset="0"/>
-              </a:rPr>
-              <a:t>TODO – ADD A WORD ON FACTORY, AND SAY SOMETHING AS WELL.</a:t>
-            </a:r>
-          </a:p>
-          <a:p>
-            <a:pPr marL="0" indent="0">
-              <a:buNone/>
-            </a:pPr>
-            <a:endParaRPr lang="en-US" sz="2400" dirty="0">
+            <a:endParaRPr lang="en-US" sz="2000" dirty="0">
               <a:effectLst/>
               <a:latin typeface="Calibri" panose="020F0502020204030204" pitchFamily="34" charset="0"/>
               <a:ea typeface="Calibri" panose="020F0502020204030204" pitchFamily="34" charset="0"/>
@@ -20048,7 +20626,7 @@
             <a:pPr marL="0" indent="0">
               <a:buNone/>
             </a:pPr>
-            <a:endParaRPr lang="en-US" dirty="0"/>
+            <a:endParaRPr lang="en-US" sz="2400" dirty="0"/>
           </a:p>
         </p:txBody>
       </p:sp>

--- a/Final presentation 3.pptx
+++ b/Final presentation 3.pptx
@@ -254,7 +254,7 @@
           <a:p>
             <a:fld id="{B2E107C9-5FE0-4864-97C4-A8FF847E0675}" type="datetimeFigureOut">
               <a:rPr lang="en-US" smtClean="0"/>
-              <a:t>12/31/2020</a:t>
+              <a:t>1/1/2021</a:t>
             </a:fld>
             <a:endParaRPr lang="en-US"/>
           </a:p>
@@ -4132,7 +4132,7 @@
           <a:p>
             <a:fld id="{CD2AB640-041E-414A-8FDF-E33E6A90A0DD}" type="datetimeFigureOut">
               <a:rPr lang="en-US" smtClean="0"/>
-              <a:t>12/31/2020</a:t>
+              <a:t>1/1/2021</a:t>
             </a:fld>
             <a:endParaRPr lang="en-US"/>
           </a:p>
@@ -4330,7 +4330,7 @@
           <a:p>
             <a:fld id="{CD2AB640-041E-414A-8FDF-E33E6A90A0DD}" type="datetimeFigureOut">
               <a:rPr lang="en-US" smtClean="0"/>
-              <a:t>12/31/2020</a:t>
+              <a:t>1/1/2021</a:t>
             </a:fld>
             <a:endParaRPr lang="en-US"/>
           </a:p>
@@ -4538,7 +4538,7 @@
           <a:p>
             <a:fld id="{CD2AB640-041E-414A-8FDF-E33E6A90A0DD}" type="datetimeFigureOut">
               <a:rPr lang="en-US" smtClean="0"/>
-              <a:t>12/31/2020</a:t>
+              <a:t>1/1/2021</a:t>
             </a:fld>
             <a:endParaRPr lang="en-US"/>
           </a:p>
@@ -4736,7 +4736,7 @@
           <a:p>
             <a:fld id="{CD2AB640-041E-414A-8FDF-E33E6A90A0DD}" type="datetimeFigureOut">
               <a:rPr lang="en-US" smtClean="0"/>
-              <a:t>12/31/2020</a:t>
+              <a:t>1/1/2021</a:t>
             </a:fld>
             <a:endParaRPr lang="en-US"/>
           </a:p>
@@ -5011,7 +5011,7 @@
           <a:p>
             <a:fld id="{CD2AB640-041E-414A-8FDF-E33E6A90A0DD}" type="datetimeFigureOut">
               <a:rPr lang="en-US" smtClean="0"/>
-              <a:t>12/31/2020</a:t>
+              <a:t>1/1/2021</a:t>
             </a:fld>
             <a:endParaRPr lang="en-US"/>
           </a:p>
@@ -5276,7 +5276,7 @@
           <a:p>
             <a:fld id="{CD2AB640-041E-414A-8FDF-E33E6A90A0DD}" type="datetimeFigureOut">
               <a:rPr lang="en-US" smtClean="0"/>
-              <a:t>12/31/2020</a:t>
+              <a:t>1/1/2021</a:t>
             </a:fld>
             <a:endParaRPr lang="en-US"/>
           </a:p>
@@ -5688,7 +5688,7 @@
           <a:p>
             <a:fld id="{CD2AB640-041E-414A-8FDF-E33E6A90A0DD}" type="datetimeFigureOut">
               <a:rPr lang="en-US" smtClean="0"/>
-              <a:t>12/31/2020</a:t>
+              <a:t>1/1/2021</a:t>
             </a:fld>
             <a:endParaRPr lang="en-US"/>
           </a:p>
@@ -5829,7 +5829,7 @@
           <a:p>
             <a:fld id="{CD2AB640-041E-414A-8FDF-E33E6A90A0DD}" type="datetimeFigureOut">
               <a:rPr lang="en-US" smtClean="0"/>
-              <a:t>12/31/2020</a:t>
+              <a:t>1/1/2021</a:t>
             </a:fld>
             <a:endParaRPr lang="en-US"/>
           </a:p>
@@ -5942,7 +5942,7 @@
           <a:p>
             <a:fld id="{CD2AB640-041E-414A-8FDF-E33E6A90A0DD}" type="datetimeFigureOut">
               <a:rPr lang="en-US" smtClean="0"/>
-              <a:t>12/31/2020</a:t>
+              <a:t>1/1/2021</a:t>
             </a:fld>
             <a:endParaRPr lang="en-US"/>
           </a:p>
@@ -6253,7 +6253,7 @@
           <a:p>
             <a:fld id="{CD2AB640-041E-414A-8FDF-E33E6A90A0DD}" type="datetimeFigureOut">
               <a:rPr lang="en-US" smtClean="0"/>
-              <a:t>12/31/2020</a:t>
+              <a:t>1/1/2021</a:t>
             </a:fld>
             <a:endParaRPr lang="en-US"/>
           </a:p>
@@ -6541,7 +6541,7 @@
           <a:p>
             <a:fld id="{CD2AB640-041E-414A-8FDF-E33E6A90A0DD}" type="datetimeFigureOut">
               <a:rPr lang="en-US" smtClean="0"/>
-              <a:t>12/31/2020</a:t>
+              <a:t>1/1/2021</a:t>
             </a:fld>
             <a:endParaRPr lang="en-US"/>
           </a:p>
@@ -6782,7 +6782,7 @@
           <a:p>
             <a:fld id="{CD2AB640-041E-414A-8FDF-E33E6A90A0DD}" type="datetimeFigureOut">
               <a:rPr lang="en-US" smtClean="0"/>
-              <a:t>12/31/2020</a:t>
+              <a:t>1/1/2021</a:t>
             </a:fld>
             <a:endParaRPr lang="en-US"/>
           </a:p>
@@ -8357,7 +8357,7 @@
                 <a:latin typeface="Calibri" panose="020F0502020204030204" pitchFamily="34" charset="0"/>
                 <a:cs typeface="Arial" panose="020B0604020202020204" pitchFamily="34" charset="0"/>
               </a:rPr>
-              <a:t> for the monitors connection’s of external scoreboard through the agent’s ports.</a:t>
+              <a:t> for the monitors connections to the external scoreboard through the agent’s ports.</a:t>
             </a:r>
           </a:p>
           <a:p>
@@ -13656,16 +13656,12 @@
           </a:p>
           <a:p>
             <a:r>
+              <a:rPr lang="en-US" sz="2000"/>
+              <a:t>The pass</a:t>
+            </a:r>
+            <a:r>
               <a:rPr lang="en-US" sz="2000" dirty="0"/>
-              <a:t>The </a:t>
-            </a:r>
-            <a:r>
-              <a:rPr lang="en-US" sz="2000" dirty="0" err="1"/>
-              <a:t>criterias</a:t>
-            </a:r>
-            <a:r>
-              <a:rPr lang="en-US" sz="2000" dirty="0"/>
-              <a:t> of pass/fail criteria are handled by the scoreboard.</a:t>
+              <a:t>/fail criteria are handled by the scoreboard.</a:t>
             </a:r>
           </a:p>
           <a:p>
@@ -20320,7 +20316,7 @@
         </p:spPr>
         <p:txBody>
           <a:bodyPr>
-            <a:normAutofit fontScale="92500" lnSpcReduction="20000"/>
+            <a:normAutofit fontScale="85000" lnSpcReduction="20000"/>
           </a:bodyPr>
           <a:lstStyle/>
           <a:p>
@@ -20600,27 +20596,13 @@
           <a:p>
             <a:r>
               <a:rPr lang="en-US" sz="2000" dirty="0">
-                <a:solidFill>
-                  <a:srgbClr val="FF0000"/>
-                </a:solidFill>
-                <a:effectLst/>
-                <a:latin typeface="Calibri" panose="020F0502020204030204" pitchFamily="34" charset="0"/>
-                <a:ea typeface="Calibri" panose="020F0502020204030204" pitchFamily="34" charset="0"/>
-                <a:cs typeface="Arial" panose="020B0604020202020204" pitchFamily="34" charset="0"/>
-              </a:rPr>
-              <a:t>TODO – ADD A WORD ON FACTORY, AND SAY SOMETHING AS WELL.</a:t>
-            </a:r>
-          </a:p>
-          <a:p>
-            <a:pPr marL="0" indent="0">
-              <a:buNone/>
-            </a:pPr>
-            <a:endParaRPr lang="en-US" sz="2000" dirty="0">
-              <a:effectLst/>
-              <a:latin typeface="Calibri" panose="020F0502020204030204" pitchFamily="34" charset="0"/>
-              <a:ea typeface="Calibri" panose="020F0502020204030204" pitchFamily="34" charset="0"/>
-              <a:cs typeface="Arial" panose="020B0604020202020204" pitchFamily="34" charset="0"/>
-            </a:endParaRPr>
+                <a:effectLst/>
+                <a:latin typeface="Calibri" panose="020F0502020204030204" pitchFamily="34" charset="0"/>
+                <a:ea typeface="Calibri" panose="020F0502020204030204" pitchFamily="34" charset="0"/>
+                <a:cs typeface="Arial" panose="020B0604020202020204" pitchFamily="34" charset="0"/>
+              </a:rPr>
+              <a:t>UVM also provides a mechanism named Factory used to create instances which makes the class override operation simple and easy.</a:t>
+            </a:r>
           </a:p>
           <a:p>
             <a:pPr marL="0" indent="0">
@@ -24193,78 +24175,41 @@
           <a:lstStyle/>
           <a:p>
             <a:r>
-              <a:rPr lang="en-US" sz="2000" dirty="0">
-                <a:effectLst/>
-                <a:latin typeface="Calibri" panose="020F0502020204030204" pitchFamily="34" charset="0"/>
-                <a:ea typeface="Calibri" panose="020F0502020204030204" pitchFamily="34" charset="0"/>
-                <a:cs typeface="Arial" panose="020B0604020202020204" pitchFamily="34" charset="0"/>
-              </a:rPr>
-              <a:t>Sequences are an </a:t>
-            </a:r>
-            <a:r>
-              <a:rPr lang="en-US" sz="2000" b="1" dirty="0">
-                <a:effectLst/>
-                <a:latin typeface="Calibri" panose="020F0502020204030204" pitchFamily="34" charset="0"/>
-                <a:ea typeface="Calibri" panose="020F0502020204030204" pitchFamily="34" charset="0"/>
-                <a:cs typeface="Arial" panose="020B0604020202020204" pitchFamily="34" charset="0"/>
-              </a:rPr>
-              <a:t>ordered collection </a:t>
-            </a:r>
-            <a:r>
-              <a:rPr lang="en-US" sz="2000" dirty="0">
-                <a:effectLst/>
-                <a:latin typeface="Calibri" panose="020F0502020204030204" pitchFamily="34" charset="0"/>
-                <a:ea typeface="Calibri" panose="020F0502020204030204" pitchFamily="34" charset="0"/>
-                <a:cs typeface="Arial" panose="020B0604020202020204" pitchFamily="34" charset="0"/>
-              </a:rPr>
-              <a:t>of transactions, they shape and generate them to our needs.</a:t>
-            </a:r>
-          </a:p>
-          <a:p>
-            <a:pPr lvl="1"/>
-            <a:r>
-              <a:rPr lang="en-US" sz="2000" dirty="0">
-                <a:latin typeface="Calibri" panose="020F0502020204030204" pitchFamily="34" charset="0"/>
-                <a:cs typeface="Arial" panose="020B0604020202020204" pitchFamily="34" charset="0"/>
-              </a:rPr>
-              <a:t>A transaction is a class object which includes the </a:t>
-            </a:r>
-            <a:r>
-              <a:rPr lang="en-US" sz="2000" b="1" dirty="0">
-                <a:latin typeface="Calibri" panose="020F0502020204030204" pitchFamily="34" charset="0"/>
-                <a:cs typeface="Arial" panose="020B0604020202020204" pitchFamily="34" charset="0"/>
-              </a:rPr>
-              <a:t>information</a:t>
-            </a:r>
-            <a:r>
-              <a:rPr lang="en-US" sz="2000" dirty="0">
-                <a:latin typeface="Calibri" panose="020F0502020204030204" pitchFamily="34" charset="0"/>
-                <a:cs typeface="Arial" panose="020B0604020202020204" pitchFamily="34" charset="0"/>
-              </a:rPr>
-              <a:t> for communication between components.</a:t>
-            </a:r>
-          </a:p>
-          <a:p>
-            <a:pPr lvl="1"/>
-            <a:r>
-              <a:rPr lang="en-US" sz="2000" dirty="0">
-                <a:latin typeface="Calibri" panose="020F0502020204030204" pitchFamily="34" charset="0"/>
-                <a:ea typeface="Calibri" panose="020F0502020204030204" pitchFamily="34" charset="0"/>
-                <a:cs typeface="Arial" panose="020B0604020202020204" pitchFamily="34" charset="0"/>
-              </a:rPr>
-              <a:t>T</a:t>
-            </a:r>
-            <a:r>
-              <a:rPr lang="en-US" sz="2000" dirty="0">
-                <a:effectLst/>
-                <a:latin typeface="Calibri" panose="020F0502020204030204" pitchFamily="34" charset="0"/>
-                <a:ea typeface="Calibri" panose="020F0502020204030204" pitchFamily="34" charset="0"/>
-                <a:cs typeface="Arial" panose="020B0604020202020204" pitchFamily="34" charset="0"/>
-              </a:rPr>
-              <a:t>he sequencer</a:t>
-            </a:r>
-            <a:r>
-              <a:rPr lang="en-US" sz="2000" dirty="0">
+              <a:rPr lang="en-US" sz="2400" dirty="0">
+                <a:latin typeface="Calibri" panose="020F0502020204030204" pitchFamily="34" charset="0"/>
+                <a:cs typeface="Arial" panose="020B0604020202020204" pitchFamily="34" charset="0"/>
+              </a:rPr>
+              <a:t>A transaction is a class object which includes the information for communication between components.</a:t>
+            </a:r>
+          </a:p>
+          <a:p>
+            <a:r>
+              <a:rPr lang="en-US" sz="2400" dirty="0">
+                <a:latin typeface="Calibri" panose="020F0502020204030204" pitchFamily="34" charset="0"/>
+                <a:cs typeface="Arial" panose="020B0604020202020204" pitchFamily="34" charset="0"/>
+              </a:rPr>
+              <a:t>Sequences are an ordered collection of transactions, they shape and generate them to our needs.</a:t>
+            </a:r>
+          </a:p>
+          <a:p>
+            <a:r>
+              <a:rPr lang="en-US" sz="2400" dirty="0">
+                <a:latin typeface="Calibri" panose="020F0502020204030204" pitchFamily="34" charset="0"/>
+                <a:cs typeface="Arial" panose="020B0604020202020204" pitchFamily="34" charset="0"/>
+              </a:rPr>
+              <a:t>The sequencer transfers </a:t>
+            </a:r>
+            <a:r>
+              <a:rPr lang="en-US" sz="2400" dirty="0">
+                <a:effectLst/>
+                <a:latin typeface="Calibri" panose="020F0502020204030204" pitchFamily="34" charset="0"/>
+                <a:ea typeface="Calibri" panose="020F0502020204030204" pitchFamily="34" charset="0"/>
+                <a:cs typeface="Arial" panose="020B0604020202020204" pitchFamily="34" charset="0"/>
+              </a:rPr>
+              <a:t>one transaction at the time from the sequence</a:t>
+            </a:r>
+            <a:r>
+              <a:rPr lang="en-US" sz="2400" dirty="0">
                 <a:solidFill>
                   <a:srgbClr val="FF0000"/>
                 </a:solidFill>
@@ -24276,37 +24221,7 @@
               <a:t> </a:t>
             </a:r>
             <a:r>
-              <a:rPr lang="en-US" sz="2000" b="1" dirty="0">
-                <a:effectLst/>
-                <a:latin typeface="Calibri" panose="020F0502020204030204" pitchFamily="34" charset="0"/>
-                <a:ea typeface="Calibri" panose="020F0502020204030204" pitchFamily="34" charset="0"/>
-                <a:cs typeface="Arial" panose="020B0604020202020204" pitchFamily="34" charset="0"/>
-              </a:rPr>
-              <a:t>transfers</a:t>
-            </a:r>
-            <a:r>
-              <a:rPr lang="en-US" sz="2000" dirty="0">
-                <a:effectLst/>
-                <a:latin typeface="Calibri" panose="020F0502020204030204" pitchFamily="34" charset="0"/>
-                <a:ea typeface="Calibri" panose="020F0502020204030204" pitchFamily="34" charset="0"/>
-                <a:cs typeface="Arial" panose="020B0604020202020204" pitchFamily="34" charset="0"/>
-              </a:rPr>
-              <a:t> one transaction at the time from the sequence</a:t>
-            </a:r>
-            <a:r>
-              <a:rPr lang="en-US" sz="2000" dirty="0">
-                <a:solidFill>
-                  <a:srgbClr val="FF0000"/>
-                </a:solidFill>
-                <a:effectLst/>
-                <a:latin typeface="Calibri" panose="020F0502020204030204" pitchFamily="34" charset="0"/>
-                <a:ea typeface="Calibri" panose="020F0502020204030204" pitchFamily="34" charset="0"/>
-                <a:cs typeface="Arial" panose="020B0604020202020204" pitchFamily="34" charset="0"/>
-              </a:rPr>
-              <a:t> </a:t>
-            </a:r>
-            <a:r>
-              <a:rPr lang="en-US" sz="2000" dirty="0">
+              <a:rPr lang="en-US" sz="2400" dirty="0">
                 <a:effectLst/>
                 <a:latin typeface="Calibri" panose="020F0502020204030204" pitchFamily="34" charset="0"/>
                 <a:ea typeface="Calibri" panose="020F0502020204030204" pitchFamily="34" charset="0"/>
@@ -24314,7 +24229,7 @@
               </a:rPr>
               <a:t>to the driver.</a:t>
             </a:r>
-            <a:endParaRPr lang="en-US" sz="3200" dirty="0"/>
+            <a:endParaRPr lang="en-US" sz="3600" dirty="0"/>
           </a:p>
         </p:txBody>
       </p:sp>

--- a/Final presentation 3.pptx
+++ b/Final presentation 3.pptx
@@ -20711,7 +20711,7 @@
             </a:r>
             <a:r>
               <a:rPr lang="en-US" sz="2000" b="1" dirty="0"/>
-              <a:t>normally distributed </a:t>
+              <a:t>uniformly distributed </a:t>
             </a:r>
             <a:r>
               <a:rPr lang="en-US" sz="2000" dirty="0"/>
@@ -20852,7 +20852,7 @@
             </a:pPr>
             <a:r>
               <a:rPr lang="en-US" sz="1600" dirty="0"/>
-              <a:t>The values of its coordinates were normally distributed between all the possible values in all the tests.</a:t>
+              <a:t>The values of its coordinates were uniformly distributed between all the possible values in all the tests.</a:t>
             </a:r>
           </a:p>
           <a:p>
@@ -21015,25 +21015,7 @@
                 <a:ea typeface="Calibri" panose="020F0502020204030204" pitchFamily="34" charset="0"/>
                 <a:cs typeface="Arial" panose="020B0604020202020204" pitchFamily="34" charset="0"/>
               </a:rPr>
-              <a:t> FSM coverage has a low </a:t>
-            </a:r>
-            <a:r>
-              <a:rPr lang="en-US" sz="1800" dirty="0" err="1">
-                <a:effectLst/>
-                <a:latin typeface="Calibri" panose="020F0502020204030204" pitchFamily="34" charset="0"/>
-                <a:ea typeface="Calibri" panose="020F0502020204030204" pitchFamily="34" charset="0"/>
-                <a:cs typeface="Arial" panose="020B0604020202020204" pitchFamily="34" charset="0"/>
-              </a:rPr>
-              <a:t>resul</a:t>
-            </a:r>
-            <a:r>
-              <a:rPr lang="en-US" sz="1800" dirty="0">
-                <a:effectLst/>
-                <a:latin typeface="Calibri" panose="020F0502020204030204" pitchFamily="34" charset="0"/>
-                <a:ea typeface="Calibri" panose="020F0502020204030204" pitchFamily="34" charset="0"/>
-                <a:cs typeface="Arial" panose="020B0604020202020204" pitchFamily="34" charset="0"/>
-              </a:rPr>
-              <a:t>.</a:t>
+              <a:t> FSM coverage has a low result.</a:t>
             </a:r>
           </a:p>
           <a:p>

--- a/Final presentation 3.pptx
+++ b/Final presentation 3.pptx
@@ -5,7 +5,7 @@
     <p:sldMasterId id="2147483648" r:id="rId1"/>
   </p:sldMasterIdLst>
   <p:notesMasterIdLst>
-    <p:notesMasterId r:id="rId48"/>
+    <p:notesMasterId r:id="rId49"/>
   </p:notesMasterIdLst>
   <p:sldIdLst>
     <p:sldId id="256" r:id="rId2"/>
@@ -21,39 +21,40 @@
     <p:sldId id="264" r:id="rId12"/>
     <p:sldId id="265" r:id="rId13"/>
     <p:sldId id="266" r:id="rId14"/>
-    <p:sldId id="269" r:id="rId15"/>
-    <p:sldId id="270" r:id="rId16"/>
-    <p:sldId id="271" r:id="rId17"/>
-    <p:sldId id="272" r:id="rId18"/>
-    <p:sldId id="273" r:id="rId19"/>
-    <p:sldId id="274" r:id="rId20"/>
-    <p:sldId id="275" r:id="rId21"/>
-    <p:sldId id="276" r:id="rId22"/>
-    <p:sldId id="277" r:id="rId23"/>
-    <p:sldId id="278" r:id="rId24"/>
-    <p:sldId id="279" r:id="rId25"/>
-    <p:sldId id="280" r:id="rId26"/>
-    <p:sldId id="281" r:id="rId27"/>
-    <p:sldId id="282" r:id="rId28"/>
-    <p:sldId id="283" r:id="rId29"/>
-    <p:sldId id="284" r:id="rId30"/>
-    <p:sldId id="285" r:id="rId31"/>
-    <p:sldId id="286" r:id="rId32"/>
-    <p:sldId id="287" r:id="rId33"/>
-    <p:sldId id="288" r:id="rId34"/>
-    <p:sldId id="301" r:id="rId35"/>
-    <p:sldId id="289" r:id="rId36"/>
-    <p:sldId id="290" r:id="rId37"/>
-    <p:sldId id="302" r:id="rId38"/>
-    <p:sldId id="291" r:id="rId39"/>
-    <p:sldId id="292" r:id="rId40"/>
-    <p:sldId id="293" r:id="rId41"/>
-    <p:sldId id="295" r:id="rId42"/>
-    <p:sldId id="296" r:id="rId43"/>
-    <p:sldId id="297" r:id="rId44"/>
-    <p:sldId id="298" r:id="rId45"/>
-    <p:sldId id="299" r:id="rId46"/>
-    <p:sldId id="300" r:id="rId47"/>
+    <p:sldId id="303" r:id="rId15"/>
+    <p:sldId id="269" r:id="rId16"/>
+    <p:sldId id="270" r:id="rId17"/>
+    <p:sldId id="271" r:id="rId18"/>
+    <p:sldId id="272" r:id="rId19"/>
+    <p:sldId id="273" r:id="rId20"/>
+    <p:sldId id="274" r:id="rId21"/>
+    <p:sldId id="275" r:id="rId22"/>
+    <p:sldId id="276" r:id="rId23"/>
+    <p:sldId id="277" r:id="rId24"/>
+    <p:sldId id="278" r:id="rId25"/>
+    <p:sldId id="279" r:id="rId26"/>
+    <p:sldId id="280" r:id="rId27"/>
+    <p:sldId id="281" r:id="rId28"/>
+    <p:sldId id="282" r:id="rId29"/>
+    <p:sldId id="283" r:id="rId30"/>
+    <p:sldId id="284" r:id="rId31"/>
+    <p:sldId id="285" r:id="rId32"/>
+    <p:sldId id="286" r:id="rId33"/>
+    <p:sldId id="287" r:id="rId34"/>
+    <p:sldId id="288" r:id="rId35"/>
+    <p:sldId id="301" r:id="rId36"/>
+    <p:sldId id="289" r:id="rId37"/>
+    <p:sldId id="290" r:id="rId38"/>
+    <p:sldId id="302" r:id="rId39"/>
+    <p:sldId id="291" r:id="rId40"/>
+    <p:sldId id="292" r:id="rId41"/>
+    <p:sldId id="293" r:id="rId42"/>
+    <p:sldId id="295" r:id="rId43"/>
+    <p:sldId id="296" r:id="rId44"/>
+    <p:sldId id="297" r:id="rId45"/>
+    <p:sldId id="298" r:id="rId46"/>
+    <p:sldId id="299" r:id="rId47"/>
+    <p:sldId id="300" r:id="rId48"/>
   </p:sldIdLst>
   <p:sldSz cx="12192000" cy="6858000"/>
   <p:notesSz cx="6858000" cy="9144000"/>
@@ -254,7 +255,7 @@
           <a:p>
             <a:fld id="{B2E107C9-5FE0-4864-97C4-A8FF847E0675}" type="datetimeFigureOut">
               <a:rPr lang="en-US" smtClean="0"/>
-              <a:t>1/1/2021</a:t>
+              <a:t>1/4/2021</a:t>
             </a:fld>
             <a:endParaRPr lang="en-US"/>
           </a:p>
@@ -646,7 +647,7 @@
       </p:grpSpPr>
       <p:sp>
         <p:nvSpPr>
-          <p:cNvPr id="2" name="Slide Image Placeholder 1"/>
+          <p:cNvPr id="2" name="מציין מיקום של תמונת שקופית 1"/>
           <p:cNvSpPr>
             <a:spLocks noGrp="1" noRot="1" noChangeAspect="1"/>
           </p:cNvSpPr>
@@ -658,7 +659,7 @@
       </p:sp>
       <p:sp>
         <p:nvSpPr>
-          <p:cNvPr id="3" name="Notes Placeholder 2"/>
+          <p:cNvPr id="3" name="מציין מיקום של הערות 2"/>
           <p:cNvSpPr>
             <a:spLocks noGrp="1"/>
           </p:cNvSpPr>
@@ -678,146 +679,68 @@
           </a:p>
           <a:p>
             <a:r>
-              <a:rPr lang="en-US" sz="1600" dirty="0"/>
-              <a:t>Implemented of scoreboard contains:</a:t>
-            </a:r>
-          </a:p>
-          <a:p>
-            <a:pPr lvl="1"/>
-            <a:r>
-              <a:rPr lang="en-US" sz="1400" dirty="0"/>
-              <a:t>Two </a:t>
-            </a:r>
-            <a:r>
-              <a:rPr lang="en-US" sz="1400" dirty="0" err="1"/>
-              <a:t>uvm_analysis_export</a:t>
-            </a:r>
-            <a:r>
-              <a:rPr lang="en-US" sz="1400" dirty="0"/>
-              <a:t> (one for the DUT centroids and one for the Ref Model centroids)</a:t>
-            </a:r>
-          </a:p>
-          <a:p>
-            <a:pPr lvl="1"/>
-            <a:r>
-              <a:rPr lang="en-US" sz="1400" dirty="0"/>
-              <a:t>Two </a:t>
-            </a:r>
-            <a:r>
-              <a:rPr lang="en-US" sz="1400" dirty="0" err="1"/>
-              <a:t>uvm_tlm_analysis_fifo</a:t>
-            </a:r>
-            <a:r>
-              <a:rPr lang="en-US" sz="1400" dirty="0"/>
-              <a:t> (one for the DUT centroids and one for the Ref Model centroids)</a:t>
-            </a:r>
-          </a:p>
-          <a:p>
-            <a:pPr lvl="1"/>
-            <a:r>
-              <a:rPr lang="en-US" sz="1400" dirty="0"/>
-              <a:t>Virtual functional named compare centroids</a:t>
+              <a:rPr lang="en-US" dirty="0"/>
+              <a:t>Afterwards, the transaction sent to the driver with the function </a:t>
+            </a:r>
+            <a:r>
+              <a:rPr lang="en-US" dirty="0" err="1"/>
+              <a:t>start_item</a:t>
+            </a:r>
+            <a:r>
+              <a:rPr lang="en-US" dirty="0"/>
+              <a:t>(</a:t>
+            </a:r>
+            <a:r>
+              <a:rPr lang="en-US" dirty="0" err="1"/>
+              <a:t>thorught</a:t>
+            </a:r>
+            <a:r>
+              <a:rPr lang="en-US" dirty="0"/>
+              <a:t> the sequencer)</a:t>
             </a:r>
           </a:p>
           <a:p>
             <a:endParaRPr lang="en-US" dirty="0"/>
           </a:p>
           <a:p>
-            <a:endParaRPr lang="en-US" dirty="0"/>
-          </a:p>
-          <a:p>
+            <a:pPr marL="0" marR="0" lvl="0" indent="0" algn="l" defTabSz="914400" rtl="0" eaLnBrk="1" fontAlgn="auto" latinLnBrk="0" hangingPunct="1">
+              <a:lnSpc>
+                <a:spcPct val="100000"/>
+              </a:lnSpc>
+              <a:spcBef>
+                <a:spcPts val="0"/>
+              </a:spcBef>
+              <a:spcAft>
+                <a:spcPts val="0"/>
+              </a:spcAft>
+              <a:buClrTx/>
+              <a:buSzTx/>
+              <a:buFontTx/>
+              <a:buNone/>
+              <a:tabLst/>
+              <a:defRPr/>
+            </a:pPr>
             <a:r>
               <a:rPr lang="en-US" dirty="0"/>
-              <a:t>The Scoreboard implemented class contains:</a:t>
-            </a:r>
-          </a:p>
-          <a:p>
-            <a:pPr lvl="1"/>
+              <a:t>When the driver finishes the transaction , the sequence ends this transaction with the function </a:t>
+            </a:r>
+            <a:r>
+              <a:rPr lang="en-US" dirty="0" err="1"/>
+              <a:t>finish_item</a:t>
+            </a:r>
             <a:r>
               <a:rPr lang="en-US" dirty="0"/>
-              <a:t>Two </a:t>
-            </a:r>
-            <a:r>
-              <a:rPr lang="en-US" dirty="0" err="1"/>
-              <a:t>uvm_analysis_export</a:t>
-            </a:r>
-            <a:r>
-              <a:rPr lang="en-US" dirty="0"/>
-              <a:t> (one for the DUT centroids and one for the Ref Model centroids)</a:t>
-            </a:r>
-          </a:p>
-          <a:p>
-            <a:pPr lvl="1"/>
-            <a:r>
-              <a:rPr lang="en-US" dirty="0"/>
-              <a:t>Two </a:t>
-            </a:r>
-            <a:r>
-              <a:rPr lang="en-US" dirty="0" err="1"/>
-              <a:t>uvm_tlm_analysis_fifo</a:t>
-            </a:r>
-            <a:r>
-              <a:rPr lang="en-US" dirty="0"/>
-              <a:t> (one for the DUT centroids and one for the Ref Model centroids)</a:t>
-            </a:r>
-          </a:p>
-          <a:p>
-            <a:pPr lvl="1"/>
-            <a:r>
-              <a:rPr lang="en-US" dirty="0"/>
-              <a:t>Virtual functional named compare centroids</a:t>
-            </a:r>
-          </a:p>
-          <a:p>
-            <a:r>
-              <a:rPr lang="en-US" dirty="0"/>
-              <a:t>This class uses the </a:t>
-            </a:r>
-            <a:r>
-              <a:rPr lang="en-US" dirty="0" err="1"/>
-              <a:t>uvm_tlm_analysis_fifo</a:t>
-            </a:r>
-            <a:r>
-              <a:rPr lang="en-US" dirty="0"/>
-              <a:t> and </a:t>
-            </a:r>
-            <a:r>
-              <a:rPr lang="en-US" dirty="0" err="1"/>
-              <a:t>uvm_analysis_export</a:t>
-            </a:r>
-            <a:r>
-              <a:rPr lang="en-US" dirty="0"/>
-              <a:t> in order to get the results from the DUT and Ref Model (the eight centroids of each of them). </a:t>
-            </a:r>
-          </a:p>
-          <a:p>
-            <a:r>
-              <a:rPr lang="en-US" dirty="0"/>
-              <a:t>In is Run task, the Scoreboard class calls the function </a:t>
-            </a:r>
-            <a:r>
-              <a:rPr lang="en-US" dirty="0" err="1"/>
-              <a:t>compare_centroids</a:t>
-            </a:r>
-            <a:r>
-              <a:rPr lang="en-US" dirty="0"/>
-              <a:t> in order to determine if a test run failed or passed. </a:t>
-            </a:r>
-          </a:p>
-          <a:p>
-            <a:r>
-              <a:rPr lang="en-US" dirty="0"/>
-              <a:t>This function determines the result by comparing the centroids od the DUT and the Ref Model, if the overall difference between all coordinates off all centroids is smaller than 16 times the value of the threshold. The pass/fail condition was derived from the functionality of the DUT and Ref Model, which consider a centroid converged if the  absolute value of the distance between it and the last iteration centroid is smaller than the threshold value. </a:t>
-            </a:r>
-          </a:p>
-          <a:p>
-            <a:endParaRPr lang="en-US" dirty="0"/>
+              <a:t> .</a:t>
+            </a:r>
+          </a:p>
+          <a:p>
+            <a:endParaRPr lang="he-IL" dirty="0"/>
           </a:p>
         </p:txBody>
       </p:sp>
       <p:sp>
         <p:nvSpPr>
-          <p:cNvPr id="4" name="Slide Number Placeholder 3"/>
+          <p:cNvPr id="4" name="מציין מיקום של מספר שקופית 3"/>
           <p:cNvSpPr>
             <a:spLocks noGrp="1"/>
           </p:cNvSpPr>
@@ -832,7 +755,7 @@
           <a:p>
             <a:fld id="{509FA207-E8FD-4363-95A6-907EB6A63BD8}" type="slidenum">
               <a:rPr lang="en-US" smtClean="0"/>
-              <a:t>21</a:t>
+              <a:t>20</a:t>
             </a:fld>
             <a:endParaRPr lang="en-US"/>
           </a:p>
@@ -841,7 +764,7 @@
     </p:spTree>
     <p:extLst>
       <p:ext uri="{BB962C8B-B14F-4D97-AF65-F5344CB8AC3E}">
-        <p14:creationId xmlns:p14="http://schemas.microsoft.com/office/powerpoint/2010/main" val="2293919143"/>
+        <p14:creationId xmlns:p14="http://schemas.microsoft.com/office/powerpoint/2010/main" val="2319098757"/>
       </p:ext>
     </p:extLst>
   </p:cSld>
@@ -870,7 +793,7 @@
       </p:grpSpPr>
       <p:sp>
         <p:nvSpPr>
-          <p:cNvPr id="2" name="Slide Image Placeholder 1"/>
+          <p:cNvPr id="2" name="מציין מיקום של תמונת שקופית 1"/>
           <p:cNvSpPr>
             <a:spLocks noGrp="1" noRot="1" noChangeAspect="1"/>
           </p:cNvSpPr>
@@ -882,7 +805,7 @@
       </p:sp>
       <p:sp>
         <p:nvSpPr>
-          <p:cNvPr id="3" name="Notes Placeholder 2"/>
+          <p:cNvPr id="3" name="מציין מיקום של הערות 2"/>
           <p:cNvSpPr>
             <a:spLocks noGrp="1"/>
           </p:cNvSpPr>
@@ -897,185 +820,15 @@
           <a:p>
             <a:r>
               <a:rPr lang="en-US" dirty="0"/>
-              <a:t>The Reference Model used to check the DUT results was written using </a:t>
-            </a:r>
-            <a:r>
-              <a:rPr lang="en-US" dirty="0" err="1"/>
-              <a:t>Matlab</a:t>
-            </a:r>
-            <a:r>
-              <a:rPr lang="en-US" dirty="0"/>
-              <a:t>. It is </a:t>
-            </a:r>
-            <a:r>
-              <a:rPr lang="en-US" dirty="0" err="1"/>
-              <a:t>Matlab</a:t>
-            </a:r>
-            <a:r>
-              <a:rPr lang="en-US" dirty="0"/>
-              <a:t> function named </a:t>
-            </a:r>
-            <a:r>
-              <a:rPr lang="en-US" dirty="0" err="1"/>
-              <a:t>RefModel.m</a:t>
-            </a:r>
-            <a:r>
-              <a:rPr lang="en-US" dirty="0"/>
-              <a:t>. This functions implements the K Means algorithm in software. </a:t>
-            </a:r>
-          </a:p>
-          <a:p>
-            <a:pPr>
-              <a:lnSpc>
-                <a:spcPct val="107000"/>
-              </a:lnSpc>
-              <a:spcBef>
-                <a:spcPts val="0"/>
-              </a:spcBef>
-              <a:spcAft>
-                <a:spcPts val="800"/>
-              </a:spcAft>
-            </a:pPr>
-            <a:r>
-              <a:rPr lang="en-US" dirty="0"/>
-              <a:t>The </a:t>
-            </a:r>
-            <a:r>
-              <a:rPr lang="en-US" dirty="0" err="1"/>
-              <a:t>RefModel.m</a:t>
-            </a:r>
-            <a:r>
-              <a:rPr lang="en-US" dirty="0"/>
-              <a:t> function receives five input parameters:</a:t>
-            </a:r>
-          </a:p>
-          <a:p>
-            <a:pPr lvl="1">
-              <a:lnSpc>
-                <a:spcPct val="107000"/>
-              </a:lnSpc>
-              <a:spcBef>
-                <a:spcPts val="0"/>
-              </a:spcBef>
-            </a:pPr>
-            <a:r>
-              <a:rPr lang="en-US" sz="1600" dirty="0">
-                <a:effectLst/>
-                <a:latin typeface="Calibri" panose="020F0502020204030204" pitchFamily="34" charset="0"/>
-                <a:ea typeface="Calibri" panose="020F0502020204030204" pitchFamily="34" charset="0"/>
-                <a:cs typeface="Arial" panose="020B0604020202020204" pitchFamily="34" charset="0"/>
-              </a:rPr>
-              <a:t>Point input matrix with 512 rows and 7 columns, where each row represent a point in the DUT numeric representation model, i.e. each row is a point with 7 dimensions, each dimension is a fixed point number with 13 bits(MSB is the sign bit, the following two bits represent the integer value and the</a:t>
-            </a:r>
-            <a:r>
-              <a:rPr lang="en-US" sz="1600" dirty="0">
-                <a:solidFill>
-                  <a:srgbClr val="FF0000"/>
-                </a:solidFill>
-                <a:effectLst/>
-                <a:latin typeface="Calibri" panose="020F0502020204030204" pitchFamily="34" charset="0"/>
-                <a:ea typeface="Calibri" panose="020F0502020204030204" pitchFamily="34" charset="0"/>
-                <a:cs typeface="Arial" panose="020B0604020202020204" pitchFamily="34" charset="0"/>
-              </a:rPr>
-              <a:t> </a:t>
-            </a:r>
-            <a:r>
-              <a:rPr lang="en-US" sz="1600" dirty="0">
-                <a:effectLst/>
-                <a:latin typeface="Calibri" panose="020F0502020204030204" pitchFamily="34" charset="0"/>
-                <a:ea typeface="Calibri" panose="020F0502020204030204" pitchFamily="34" charset="0"/>
-                <a:cs typeface="Arial" panose="020B0604020202020204" pitchFamily="34" charset="0"/>
-              </a:rPr>
-              <a:t>remaining ten bits represent the fractional part)</a:t>
-            </a:r>
-          </a:p>
-          <a:p>
-            <a:pPr lvl="1">
-              <a:lnSpc>
-                <a:spcPct val="107000"/>
-              </a:lnSpc>
-              <a:spcBef>
-                <a:spcPts val="0"/>
-              </a:spcBef>
-            </a:pPr>
-            <a:r>
-              <a:rPr lang="en-US" sz="1600" dirty="0">
-                <a:effectLst/>
-                <a:latin typeface="Calibri" panose="020F0502020204030204" pitchFamily="34" charset="0"/>
-                <a:ea typeface="Calibri" panose="020F0502020204030204" pitchFamily="34" charset="0"/>
-                <a:cs typeface="Arial" panose="020B0604020202020204" pitchFamily="34" charset="0"/>
-              </a:rPr>
-              <a:t>Initial centroid matrix with 8 rows and 7 columns, where each row represents an initial centroid value in the DUT numeric representation model.</a:t>
-            </a:r>
-          </a:p>
-          <a:p>
-            <a:pPr lvl="1">
-              <a:lnSpc>
-                <a:spcPct val="107000"/>
-              </a:lnSpc>
-              <a:spcBef>
-                <a:spcPts val="0"/>
-              </a:spcBef>
-            </a:pPr>
-            <a:r>
-              <a:rPr lang="en-US" sz="1600" dirty="0">
-                <a:effectLst/>
-                <a:latin typeface="Calibri" panose="020F0502020204030204" pitchFamily="34" charset="0"/>
-                <a:ea typeface="Calibri" panose="020F0502020204030204" pitchFamily="34" charset="0"/>
-                <a:cs typeface="Arial" panose="020B0604020202020204" pitchFamily="34" charset="0"/>
-              </a:rPr>
-              <a:t>Input threshold value in the DUT numeric representation model</a:t>
-            </a:r>
-          </a:p>
-          <a:p>
-            <a:pPr lvl="1">
-              <a:lnSpc>
-                <a:spcPct val="107000"/>
-              </a:lnSpc>
-              <a:spcBef>
-                <a:spcPts val="0"/>
-              </a:spcBef>
-            </a:pPr>
-            <a:r>
-              <a:rPr lang="en-US" sz="1600" dirty="0">
-                <a:effectLst/>
-                <a:latin typeface="Calibri" panose="020F0502020204030204" pitchFamily="34" charset="0"/>
-                <a:ea typeface="Calibri" panose="020F0502020204030204" pitchFamily="34" charset="0"/>
-                <a:cs typeface="Arial" panose="020B0604020202020204" pitchFamily="34" charset="0"/>
-              </a:rPr>
-              <a:t>First point index</a:t>
-            </a:r>
-          </a:p>
-          <a:p>
-            <a:pPr lvl="1">
-              <a:lnSpc>
-                <a:spcPct val="107000"/>
-              </a:lnSpc>
-              <a:spcBef>
-                <a:spcPts val="0"/>
-              </a:spcBef>
-              <a:spcAft>
-                <a:spcPts val="800"/>
-              </a:spcAft>
-            </a:pPr>
-            <a:r>
-              <a:rPr lang="en-US" sz="1600" dirty="0">
-                <a:effectLst/>
-                <a:latin typeface="Calibri" panose="020F0502020204030204" pitchFamily="34" charset="0"/>
-                <a:ea typeface="Calibri" panose="020F0502020204030204" pitchFamily="34" charset="0"/>
-                <a:cs typeface="Arial" panose="020B0604020202020204" pitchFamily="34" charset="0"/>
-              </a:rPr>
-              <a:t>Last point index</a:t>
-            </a:r>
-          </a:p>
-          <a:p>
-            <a:endParaRPr lang="en-US" dirty="0"/>
+              <a:t>Its purpose: (sending the transaction to the DUT and the Ref model):</a:t>
+            </a:r>
+            <a:endParaRPr lang="he-IL" dirty="0"/>
           </a:p>
         </p:txBody>
       </p:sp>
       <p:sp>
         <p:nvSpPr>
-          <p:cNvPr id="4" name="Slide Number Placeholder 3"/>
+          <p:cNvPr id="4" name="מציין מיקום של מספר שקופית 3"/>
           <p:cNvSpPr>
             <a:spLocks noGrp="1"/>
           </p:cNvSpPr>
@@ -1090,7 +843,7 @@
           <a:p>
             <a:fld id="{509FA207-E8FD-4363-95A6-907EB6A63BD8}" type="slidenum">
               <a:rPr lang="en-US" smtClean="0"/>
-              <a:t>22</a:t>
+              <a:t>21</a:t>
             </a:fld>
             <a:endParaRPr lang="en-US"/>
           </a:p>
@@ -1099,7 +852,7 @@
     </p:spTree>
     <p:extLst>
       <p:ext uri="{BB962C8B-B14F-4D97-AF65-F5344CB8AC3E}">
-        <p14:creationId xmlns:p14="http://schemas.microsoft.com/office/powerpoint/2010/main" val="3832311264"/>
+        <p14:creationId xmlns:p14="http://schemas.microsoft.com/office/powerpoint/2010/main" val="1323508736"/>
       </p:ext>
     </p:extLst>
   </p:cSld>
@@ -1153,90 +906,143 @@
           <a:bodyPr/>
           <a:lstStyle/>
           <a:p>
-            <a:pPr marL="0" marR="0">
-              <a:lnSpc>
-                <a:spcPct val="107000"/>
-              </a:lnSpc>
-              <a:spcBef>
-                <a:spcPts val="0"/>
-              </a:spcBef>
-              <a:spcAft>
-                <a:spcPts val="800"/>
-              </a:spcAft>
-            </a:pPr>
-            <a:r>
-              <a:rPr lang="en-US" sz="1200" dirty="0">
-                <a:effectLst/>
-                <a:latin typeface="Calibri" panose="020F0502020204030204" pitchFamily="34" charset="0"/>
-                <a:ea typeface="Calibri" panose="020F0502020204030204" pitchFamily="34" charset="0"/>
-                <a:cs typeface="Arial" panose="020B0604020202020204" pitchFamily="34" charset="0"/>
-              </a:rPr>
-              <a:t>These parameters are used in the following way: the Reference model function uses the Point input matrix as the DUT uses its RAM, it read the points values from the “First point index” till the “Last point index” into another matrix, named point matrix , which will be used to run the algorithm. </a:t>
-            </a:r>
-          </a:p>
-          <a:p>
-            <a:pPr marL="0" marR="0">
-              <a:lnSpc>
-                <a:spcPct val="107000"/>
-              </a:lnSpc>
-              <a:spcBef>
-                <a:spcPts val="0"/>
-              </a:spcBef>
-              <a:spcAft>
-                <a:spcPts val="800"/>
-              </a:spcAft>
-            </a:pPr>
-            <a:r>
-              <a:rPr lang="en-US" sz="1200" dirty="0">
-                <a:effectLst/>
-                <a:latin typeface="Calibri" panose="020F0502020204030204" pitchFamily="34" charset="0"/>
-                <a:ea typeface="Calibri" panose="020F0502020204030204" pitchFamily="34" charset="0"/>
-                <a:cs typeface="Arial" panose="020B0604020202020204" pitchFamily="34" charset="0"/>
-              </a:rPr>
-              <a:t>Then the function interactively executes the algorithm</a:t>
-            </a:r>
-            <a:r>
-              <a:rPr lang="en-US" sz="1200" dirty="0">
-                <a:solidFill>
-                  <a:srgbClr val="FF0000"/>
-                </a:solidFill>
-                <a:effectLst/>
-                <a:latin typeface="Calibri" panose="020F0502020204030204" pitchFamily="34" charset="0"/>
-                <a:ea typeface="Calibri" panose="020F0502020204030204" pitchFamily="34" charset="0"/>
-                <a:cs typeface="Arial" panose="020B0604020202020204" pitchFamily="34" charset="0"/>
-              </a:rPr>
-              <a:t> </a:t>
-            </a:r>
-            <a:r>
-              <a:rPr lang="en-US" sz="1200" dirty="0">
-                <a:effectLst/>
-                <a:latin typeface="Calibri" panose="020F0502020204030204" pitchFamily="34" charset="0"/>
-                <a:ea typeface="Calibri" panose="020F0502020204030204" pitchFamily="34" charset="0"/>
-                <a:cs typeface="Arial" panose="020B0604020202020204" pitchFamily="34" charset="0"/>
-              </a:rPr>
-              <a:t>using the point matrix, the “input centroid matrix” and the “input threshold”. </a:t>
-            </a:r>
-          </a:p>
-          <a:p>
-            <a:pPr marL="0">
-              <a:lnSpc>
-                <a:spcPct val="107000"/>
-              </a:lnSpc>
-              <a:spcBef>
-                <a:spcPts val="0"/>
-              </a:spcBef>
-              <a:spcAft>
-                <a:spcPts val="800"/>
-              </a:spcAft>
-            </a:pPr>
-            <a:r>
-              <a:rPr lang="en-US" sz="1200" dirty="0">
-                <a:effectLst/>
-                <a:latin typeface="Calibri" panose="020F0502020204030204" pitchFamily="34" charset="0"/>
-                <a:ea typeface="Calibri" panose="020F0502020204030204" pitchFamily="34" charset="0"/>
-                <a:cs typeface="Arial" panose="020B0604020202020204" pitchFamily="34" charset="0"/>
-              </a:rPr>
-              <a:t>The following figure summarizes the Reference Model in a flow chart:</a:t>
+            <a:r>
+              <a:rPr lang="en-US" dirty="0"/>
+              <a:t>Eddy change:</a:t>
+            </a:r>
+          </a:p>
+          <a:p>
+            <a:r>
+              <a:rPr lang="en-US" sz="1600" dirty="0"/>
+              <a:t>Implemented of scoreboard contains:</a:t>
+            </a:r>
+          </a:p>
+          <a:p>
+            <a:pPr lvl="1"/>
+            <a:r>
+              <a:rPr lang="en-US" sz="1400" dirty="0"/>
+              <a:t>Two </a:t>
+            </a:r>
+            <a:r>
+              <a:rPr lang="en-US" sz="1400" dirty="0" err="1"/>
+              <a:t>uvm_analysis_export</a:t>
+            </a:r>
+            <a:r>
+              <a:rPr lang="en-US" sz="1400" dirty="0"/>
+              <a:t> (one for the DUT centroids and one for the Ref Model centroids)</a:t>
+            </a:r>
+          </a:p>
+          <a:p>
+            <a:pPr lvl="1"/>
+            <a:r>
+              <a:rPr lang="en-US" sz="1400" dirty="0"/>
+              <a:t>Two </a:t>
+            </a:r>
+            <a:r>
+              <a:rPr lang="en-US" sz="1400" dirty="0" err="1"/>
+              <a:t>uvm_tlm_analysis_fifo</a:t>
+            </a:r>
+            <a:r>
+              <a:rPr lang="en-US" sz="1400" dirty="0"/>
+              <a:t> (one for the DUT centroids and one for the Ref Model centroids)</a:t>
+            </a:r>
+          </a:p>
+          <a:p>
+            <a:pPr lvl="1"/>
+            <a:r>
+              <a:rPr lang="en-US" sz="1400" dirty="0"/>
+              <a:t>Virtual functional named compare centroids</a:t>
+            </a:r>
+          </a:p>
+          <a:p>
+            <a:endParaRPr lang="en-US" dirty="0"/>
+          </a:p>
+          <a:p>
+            <a:endParaRPr lang="en-US" dirty="0"/>
+          </a:p>
+          <a:p>
+            <a:r>
+              <a:rPr lang="en-US" dirty="0"/>
+              <a:t>The Scoreboard implemented class contains:</a:t>
+            </a:r>
+          </a:p>
+          <a:p>
+            <a:pPr lvl="1"/>
+            <a:r>
+              <a:rPr lang="en-US" dirty="0"/>
+              <a:t>Two </a:t>
+            </a:r>
+            <a:r>
+              <a:rPr lang="en-US" dirty="0" err="1"/>
+              <a:t>uvm_analysis_export</a:t>
+            </a:r>
+            <a:r>
+              <a:rPr lang="en-US" dirty="0"/>
+              <a:t> (one for the DUT centroids and one for the Ref Model centroids)</a:t>
+            </a:r>
+          </a:p>
+          <a:p>
+            <a:pPr lvl="1"/>
+            <a:r>
+              <a:rPr lang="en-US" dirty="0"/>
+              <a:t>Two </a:t>
+            </a:r>
+            <a:r>
+              <a:rPr lang="en-US" dirty="0" err="1"/>
+              <a:t>uvm_tlm_analysis_fifo</a:t>
+            </a:r>
+            <a:r>
+              <a:rPr lang="en-US" dirty="0"/>
+              <a:t> (one for the DUT centroids and one for the Ref Model centroids)</a:t>
+            </a:r>
+          </a:p>
+          <a:p>
+            <a:pPr lvl="1"/>
+            <a:r>
+              <a:rPr lang="en-US" dirty="0"/>
+              <a:t>Virtual functional named compare centroids</a:t>
+            </a:r>
+          </a:p>
+          <a:p>
+            <a:r>
+              <a:rPr lang="en-US" dirty="0"/>
+              <a:t>This class uses the </a:t>
+            </a:r>
+            <a:r>
+              <a:rPr lang="en-US" dirty="0" err="1"/>
+              <a:t>uvm_tlm_analysis_fifo</a:t>
+            </a:r>
+            <a:r>
+              <a:rPr lang="en-US" dirty="0"/>
+              <a:t> and </a:t>
+            </a:r>
+            <a:r>
+              <a:rPr lang="en-US" dirty="0" err="1"/>
+              <a:t>uvm_analysis_export</a:t>
+            </a:r>
+            <a:r>
+              <a:rPr lang="en-US" dirty="0"/>
+              <a:t> in order to get the results from the DUT and Ref Model (the eight centroids of each of them). </a:t>
+            </a:r>
+          </a:p>
+          <a:p>
+            <a:r>
+              <a:rPr lang="en-US" dirty="0"/>
+              <a:t>In is Run task, the Scoreboard class calls the function </a:t>
+            </a:r>
+            <a:r>
+              <a:rPr lang="en-US" dirty="0" err="1"/>
+              <a:t>compare_centroids</a:t>
+            </a:r>
+            <a:r>
+              <a:rPr lang="en-US" dirty="0"/>
+              <a:t> in order to determine if a test run failed or passed. </a:t>
+            </a:r>
+          </a:p>
+          <a:p>
+            <a:r>
+              <a:rPr lang="en-US" dirty="0"/>
+              <a:t>This function determines the result by comparing the centroids od the DUT and the Ref Model, if the overall difference between all coordinates off all centroids is smaller than 16 times the value of the threshold. The pass/fail condition was derived from the functionality of the DUT and Ref Model, which consider a centroid converged if the  absolute value of the distance between it and the last iteration centroid is smaller than the threshold value. </a:t>
             </a:r>
           </a:p>
           <a:p>
@@ -1261,7 +1067,7 @@
           <a:p>
             <a:fld id="{509FA207-E8FD-4363-95A6-907EB6A63BD8}" type="slidenum">
               <a:rPr lang="en-US" smtClean="0"/>
-              <a:t>23</a:t>
+              <a:t>22</a:t>
             </a:fld>
             <a:endParaRPr lang="en-US"/>
           </a:p>
@@ -1270,7 +1076,7 @@
     </p:spTree>
     <p:extLst>
       <p:ext uri="{BB962C8B-B14F-4D97-AF65-F5344CB8AC3E}">
-        <p14:creationId xmlns:p14="http://schemas.microsoft.com/office/powerpoint/2010/main" val="114273283"/>
+        <p14:creationId xmlns:p14="http://schemas.microsoft.com/office/powerpoint/2010/main" val="2293919143"/>
       </p:ext>
     </p:extLst>
   </p:cSld>
@@ -1326,25 +1132,35 @@
           <a:p>
             <a:r>
               <a:rPr lang="en-US" dirty="0"/>
-              <a:t>In </a:t>
+              <a:t>The Reference Model used to check the DUT results was written using </a:t>
             </a:r>
             <a:r>
               <a:rPr lang="en-US" dirty="0" err="1"/>
-              <a:t>convergence_check_block</a:t>
+              <a:t>Matlab</a:t>
             </a:r>
             <a:r>
               <a:rPr lang="en-US" dirty="0"/>
-              <a:t>, the new calculated centroids of each iteration are checked for convergence by comparing them to the last iteration’s centroids values(one by one). In the case where convergence was not reached, the new centroids are used in the next iteration as the algorithm centroids.</a:t>
-            </a:r>
-          </a:p>
-          <a:p>
+              <a:t>. It is </a:t>
+            </a:r>
+            <a:r>
+              <a:rPr lang="en-US" dirty="0" err="1"/>
+              <a:t>Matlab</a:t>
+            </a:r>
             <a:r>
               <a:rPr lang="en-US" dirty="0"/>
-              <a:t>In the convergence check module, there is a sensitivity list used to take one old centroid from the 8 and compare it to the correspondingly new centroid which come as input from prior module (new means calculation block).</a:t>
-            </a:r>
-          </a:p>
-          <a:p>
-            <a:pPr marL="0" marR="0">
+              <a:t> function named </a:t>
+            </a:r>
+            <a:r>
+              <a:rPr lang="en-US" dirty="0" err="1"/>
+              <a:t>RefModel.m</a:t>
+            </a:r>
+            <a:r>
+              <a:rPr lang="en-US" dirty="0"/>
+              <a:t>. This functions implements the K Means algorithm in software. </a:t>
+            </a:r>
+          </a:p>
+          <a:p>
+            <a:pPr>
               <a:lnSpc>
                 <a:spcPct val="107000"/>
               </a:lnSpc>
@@ -1357,11 +1173,116 @@
             </a:pPr>
             <a:r>
               <a:rPr lang="en-US" dirty="0"/>
-              <a:t> This sensitivity list did not cover the change in values of the relevant inputs for this supposedly combinatorial representation of always, the following fix was done to solve the problem:</a:t>
-            </a:r>
-          </a:p>
-          <a:p>
-            <a:pPr marL="457200" lvl="1">
+              <a:t>The </a:t>
+            </a:r>
+            <a:r>
+              <a:rPr lang="en-US" dirty="0" err="1"/>
+              <a:t>RefModel.m</a:t>
+            </a:r>
+            <a:r>
+              <a:rPr lang="en-US" dirty="0"/>
+              <a:t> function receives five input parameters:</a:t>
+            </a:r>
+          </a:p>
+          <a:p>
+            <a:pPr lvl="1">
+              <a:lnSpc>
+                <a:spcPct val="107000"/>
+              </a:lnSpc>
+              <a:spcBef>
+                <a:spcPts val="0"/>
+              </a:spcBef>
+            </a:pPr>
+            <a:r>
+              <a:rPr lang="en-US" sz="1600" dirty="0">
+                <a:effectLst/>
+                <a:latin typeface="Calibri" panose="020F0502020204030204" pitchFamily="34" charset="0"/>
+                <a:ea typeface="Calibri" panose="020F0502020204030204" pitchFamily="34" charset="0"/>
+                <a:cs typeface="Arial" panose="020B0604020202020204" pitchFamily="34" charset="0"/>
+              </a:rPr>
+              <a:t>Point input matrix with 512 rows and 7 columns, where each row represent a point in the DUT numeric representation model, i.e. each row is a point with 7 dimensions, each dimension is a fixed point number with 13 bits(MSB is the sign bit, the following two bits represent the integer value and the</a:t>
+            </a:r>
+            <a:r>
+              <a:rPr lang="en-US" sz="1600" dirty="0">
+                <a:solidFill>
+                  <a:srgbClr val="FF0000"/>
+                </a:solidFill>
+                <a:effectLst/>
+                <a:latin typeface="Calibri" panose="020F0502020204030204" pitchFamily="34" charset="0"/>
+                <a:ea typeface="Calibri" panose="020F0502020204030204" pitchFamily="34" charset="0"/>
+                <a:cs typeface="Arial" panose="020B0604020202020204" pitchFamily="34" charset="0"/>
+              </a:rPr>
+              <a:t> </a:t>
+            </a:r>
+            <a:r>
+              <a:rPr lang="en-US" sz="1600" dirty="0">
+                <a:effectLst/>
+                <a:latin typeface="Calibri" panose="020F0502020204030204" pitchFamily="34" charset="0"/>
+                <a:ea typeface="Calibri" panose="020F0502020204030204" pitchFamily="34" charset="0"/>
+                <a:cs typeface="Arial" panose="020B0604020202020204" pitchFamily="34" charset="0"/>
+              </a:rPr>
+              <a:t>remaining ten bits represent the fractional part)</a:t>
+            </a:r>
+          </a:p>
+          <a:p>
+            <a:pPr lvl="1">
+              <a:lnSpc>
+                <a:spcPct val="107000"/>
+              </a:lnSpc>
+              <a:spcBef>
+                <a:spcPts val="0"/>
+              </a:spcBef>
+            </a:pPr>
+            <a:r>
+              <a:rPr lang="en-US" sz="1600" dirty="0">
+                <a:effectLst/>
+                <a:latin typeface="Calibri" panose="020F0502020204030204" pitchFamily="34" charset="0"/>
+                <a:ea typeface="Calibri" panose="020F0502020204030204" pitchFamily="34" charset="0"/>
+                <a:cs typeface="Arial" panose="020B0604020202020204" pitchFamily="34" charset="0"/>
+              </a:rPr>
+              <a:t>Initial centroid matrix with 8 rows and 7 columns, where each row represents an initial centroid value in the DUT numeric representation model.</a:t>
+            </a:r>
+          </a:p>
+          <a:p>
+            <a:pPr lvl="1">
+              <a:lnSpc>
+                <a:spcPct val="107000"/>
+              </a:lnSpc>
+              <a:spcBef>
+                <a:spcPts val="0"/>
+              </a:spcBef>
+            </a:pPr>
+            <a:r>
+              <a:rPr lang="en-US" sz="1600" dirty="0">
+                <a:effectLst/>
+                <a:latin typeface="Calibri" panose="020F0502020204030204" pitchFamily="34" charset="0"/>
+                <a:ea typeface="Calibri" panose="020F0502020204030204" pitchFamily="34" charset="0"/>
+                <a:cs typeface="Arial" panose="020B0604020202020204" pitchFamily="34" charset="0"/>
+              </a:rPr>
+              <a:t>Input threshold value in the DUT numeric representation model</a:t>
+            </a:r>
+          </a:p>
+          <a:p>
+            <a:pPr lvl="1">
+              <a:lnSpc>
+                <a:spcPct val="107000"/>
+              </a:lnSpc>
+              <a:spcBef>
+                <a:spcPts val="0"/>
+              </a:spcBef>
+            </a:pPr>
+            <a:r>
+              <a:rPr lang="en-US" sz="1600" dirty="0">
+                <a:effectLst/>
+                <a:latin typeface="Calibri" panose="020F0502020204030204" pitchFamily="34" charset="0"/>
+                <a:ea typeface="Calibri" panose="020F0502020204030204" pitchFamily="34" charset="0"/>
+                <a:cs typeface="Arial" panose="020B0604020202020204" pitchFamily="34" charset="0"/>
+              </a:rPr>
+              <a:t>First point index</a:t>
+            </a:r>
+          </a:p>
+          <a:p>
+            <a:pPr lvl="1">
               <a:lnSpc>
                 <a:spcPct val="107000"/>
               </a:lnSpc>
@@ -1373,25 +1294,13 @@
               </a:spcAft>
             </a:pPr>
             <a:r>
-              <a:rPr lang="en-US" dirty="0"/>
-              <a:t>Before: "always @(cent_num) begin".</a:t>
-            </a:r>
-          </a:p>
-          <a:p>
-            <a:pPr marL="457200" lvl="1">
-              <a:lnSpc>
-                <a:spcPct val="107000"/>
-              </a:lnSpc>
-              <a:spcBef>
-                <a:spcPts val="0"/>
-              </a:spcBef>
-              <a:spcAft>
-                <a:spcPts val="800"/>
-              </a:spcAft>
-            </a:pPr>
-            <a:r>
-              <a:rPr lang="en-US" dirty="0"/>
-              <a:t>After: "always @* begin".</a:t>
+              <a:rPr lang="en-US" sz="1600" dirty="0">
+                <a:effectLst/>
+                <a:latin typeface="Calibri" panose="020F0502020204030204" pitchFamily="34" charset="0"/>
+                <a:ea typeface="Calibri" panose="020F0502020204030204" pitchFamily="34" charset="0"/>
+                <a:cs typeface="Arial" panose="020B0604020202020204" pitchFamily="34" charset="0"/>
+              </a:rPr>
+              <a:t>Last point index</a:t>
             </a:r>
           </a:p>
           <a:p>
@@ -1416,7 +1325,7 @@
           <a:p>
             <a:fld id="{509FA207-E8FD-4363-95A6-907EB6A63BD8}" type="slidenum">
               <a:rPr lang="en-US" smtClean="0"/>
-              <a:t>32</a:t>
+              <a:t>23</a:t>
             </a:fld>
             <a:endParaRPr lang="en-US"/>
           </a:p>
@@ -1425,7 +1334,7 @@
     </p:spTree>
     <p:extLst>
       <p:ext uri="{BB962C8B-B14F-4D97-AF65-F5344CB8AC3E}">
-        <p14:creationId xmlns:p14="http://schemas.microsoft.com/office/powerpoint/2010/main" val="3067401951"/>
+        <p14:creationId xmlns:p14="http://schemas.microsoft.com/office/powerpoint/2010/main" val="3832311264"/>
       </p:ext>
     </p:extLst>
   </p:cSld>
@@ -1497,7 +1406,7 @@
                 <a:ea typeface="Calibri" panose="020F0502020204030204" pitchFamily="34" charset="0"/>
                 <a:cs typeface="Arial" panose="020B0604020202020204" pitchFamily="34" charset="0"/>
               </a:rPr>
-              <a:t>The controller has a signal for enabling the accumulators of the pipe3 of classification block. The signal is in charge of determining when to sample data point, which comes as input from the RAM to the classification block.</a:t>
+              <a:t>These parameters are used in the following way: the Reference model function uses the Point input matrix as the DUT uses its RAM, it read the points values from the “First point index” till the “Last point index” into another matrix, named point matrix , which will be used to run the algorithm. </a:t>
             </a:r>
           </a:p>
           <a:p>
@@ -1519,29 +1428,32 @@
                 <a:ea typeface="Calibri" panose="020F0502020204030204" pitchFamily="34" charset="0"/>
                 <a:cs typeface="Arial" panose="020B0604020202020204" pitchFamily="34" charset="0"/>
               </a:rPr>
-              <a:t>After the last data point reached the last pipe stage, no more data should be sample by the </a:t>
-            </a:r>
-            <a:r>
-              <a:rPr lang="en-US" sz="1200" dirty="0" err="1">
-                <a:effectLst/>
-                <a:latin typeface="Calibri" panose="020F0502020204030204" pitchFamily="34" charset="0"/>
-                <a:ea typeface="Calibri" panose="020F0502020204030204" pitchFamily="34" charset="0"/>
-                <a:cs typeface="Arial" panose="020B0604020202020204" pitchFamily="34" charset="0"/>
-              </a:rPr>
-              <a:t>ccumulators</a:t>
+              <a:t>Then the function interactively executes the algorithm</a:t>
             </a:r>
             <a:r>
               <a:rPr lang="en-US" sz="1200" dirty="0">
-                <a:effectLst/>
-                <a:latin typeface="Calibri" panose="020F0502020204030204" pitchFamily="34" charset="0"/>
-                <a:ea typeface="Calibri" panose="020F0502020204030204" pitchFamily="34" charset="0"/>
-                <a:cs typeface="Arial" panose="020B0604020202020204" pitchFamily="34" charset="0"/>
-              </a:rPr>
-              <a:t>(“garbage” data may be present in the pipe) . Therefore, there is a need to pull down the enable so at that in the next state, which is "calculate new means", there would be no sampling of any more data points.</a:t>
-            </a:r>
-          </a:p>
-          <a:p>
-            <a:pPr marL="0" marR="0">
+                <a:solidFill>
+                  <a:srgbClr val="FF0000"/>
+                </a:solidFill>
+                <a:effectLst/>
+                <a:latin typeface="Calibri" panose="020F0502020204030204" pitchFamily="34" charset="0"/>
+                <a:ea typeface="Calibri" panose="020F0502020204030204" pitchFamily="34" charset="0"/>
+                <a:cs typeface="Arial" panose="020B0604020202020204" pitchFamily="34" charset="0"/>
+              </a:rPr>
+              <a:t> </a:t>
+            </a:r>
+            <a:r>
+              <a:rPr lang="en-US" sz="1200" dirty="0">
+                <a:effectLst/>
+                <a:latin typeface="Calibri" panose="020F0502020204030204" pitchFamily="34" charset="0"/>
+                <a:ea typeface="Calibri" panose="020F0502020204030204" pitchFamily="34" charset="0"/>
+                <a:cs typeface="Arial" panose="020B0604020202020204" pitchFamily="34" charset="0"/>
+              </a:rPr>
+              <a:t>using the point matrix, the “input centroid matrix” and the “input threshold”. </a:t>
+            </a:r>
+          </a:p>
+          <a:p>
+            <a:pPr marL="0">
               <a:lnSpc>
                 <a:spcPct val="107000"/>
               </a:lnSpc>
@@ -1559,7 +1471,7 @@
                 <a:ea typeface="Calibri" panose="020F0502020204030204" pitchFamily="34" charset="0"/>
                 <a:cs typeface="Arial" panose="020B0604020202020204" pitchFamily="34" charset="0"/>
               </a:rPr>
-              <a:t>There was a bug which we sampled one more data point since we pulled down the signal only at the "calculate new means" state. Pulling it down one state/cycle earlier, removed the bug.</a:t>
+              <a:t>The following figure summarizes the Reference Model in a flow chart:</a:t>
             </a:r>
           </a:p>
           <a:p>
@@ -1584,7 +1496,7 @@
           <a:p>
             <a:fld id="{509FA207-E8FD-4363-95A6-907EB6A63BD8}" type="slidenum">
               <a:rPr lang="en-US" smtClean="0"/>
-              <a:t>33</a:t>
+              <a:t>24</a:t>
             </a:fld>
             <a:endParaRPr lang="en-US"/>
           </a:p>
@@ -1593,7 +1505,7 @@
     </p:spTree>
     <p:extLst>
       <p:ext uri="{BB962C8B-B14F-4D97-AF65-F5344CB8AC3E}">
-        <p14:creationId xmlns:p14="http://schemas.microsoft.com/office/powerpoint/2010/main" val="1425404410"/>
+        <p14:creationId xmlns:p14="http://schemas.microsoft.com/office/powerpoint/2010/main" val="114273283"/>
       </p:ext>
     </p:extLst>
   </p:cSld>
@@ -1622,7 +1534,7 @@
       </p:grpSpPr>
       <p:sp>
         <p:nvSpPr>
-          <p:cNvPr id="2" name="מציין מיקום של תמונת שקופית 1"/>
+          <p:cNvPr id="2" name="Slide Image Placeholder 1"/>
           <p:cNvSpPr>
             <a:spLocks noGrp="1" noRot="1" noChangeAspect="1"/>
           </p:cNvSpPr>
@@ -1634,7 +1546,7 @@
       </p:sp>
       <p:sp>
         <p:nvSpPr>
-          <p:cNvPr id="3" name="מציין מיקום של הערות 2"/>
+          <p:cNvPr id="3" name="Notes Placeholder 2"/>
           <p:cNvSpPr>
             <a:spLocks noGrp="1"/>
           </p:cNvSpPr>
@@ -1647,79 +1559,27 @@
           <a:bodyPr/>
           <a:lstStyle/>
           <a:p>
-            <a:pPr marL="342900" marR="0" lvl="0" indent="-342900">
-              <a:lnSpc>
-                <a:spcPct val="107000"/>
-              </a:lnSpc>
-              <a:spcBef>
-                <a:spcPts val="0"/>
-              </a:spcBef>
-              <a:spcAft>
-                <a:spcPts val="0"/>
-              </a:spcAft>
-              <a:buFont typeface="Symbol" panose="05050102010706020507" pitchFamily="18" charset="2"/>
-              <a:buChar char=""/>
-            </a:pPr>
-            <a:r>
-              <a:rPr lang="en-US" sz="1200" dirty="0">
-                <a:effectLst/>
-                <a:latin typeface="Calibri" panose="020F0502020204030204" pitchFamily="34" charset="0"/>
-                <a:ea typeface="Calibri" panose="020F0502020204030204" pitchFamily="34" charset="0"/>
-                <a:cs typeface="Arial" panose="020B0604020202020204" pitchFamily="34" charset="0"/>
-              </a:rPr>
-              <a:t>Code Coverage (which lines of code are executed)</a:t>
-            </a:r>
-          </a:p>
-          <a:p>
-            <a:pPr marL="342900" marR="0" lvl="0" indent="-342900">
-              <a:lnSpc>
-                <a:spcPct val="107000"/>
-              </a:lnSpc>
-              <a:spcBef>
-                <a:spcPts val="0"/>
-              </a:spcBef>
-              <a:spcAft>
-                <a:spcPts val="0"/>
-              </a:spcAft>
-              <a:buFont typeface="Symbol" panose="05050102010706020507" pitchFamily="18" charset="2"/>
-              <a:buChar char=""/>
-            </a:pPr>
-            <a:r>
-              <a:rPr lang="en-US" sz="1200" dirty="0">
-                <a:effectLst/>
-                <a:latin typeface="Calibri" panose="020F0502020204030204" pitchFamily="34" charset="0"/>
-                <a:ea typeface="Calibri" panose="020F0502020204030204" pitchFamily="34" charset="0"/>
-                <a:cs typeface="Arial" panose="020B0604020202020204" pitchFamily="34" charset="0"/>
-              </a:rPr>
-              <a:t>Condition Coverage (whether all branches of conditions have been exercised.)</a:t>
-            </a:r>
-          </a:p>
-          <a:p>
-            <a:pPr marL="342900" marR="0" lvl="0" indent="-342900">
-              <a:lnSpc>
-                <a:spcPct val="107000"/>
-              </a:lnSpc>
-              <a:spcBef>
-                <a:spcPts val="0"/>
-              </a:spcBef>
-              <a:spcAft>
-                <a:spcPts val="0"/>
-              </a:spcAft>
-              <a:buFont typeface="Symbol" panose="05050102010706020507" pitchFamily="18" charset="2"/>
-              <a:buChar char=""/>
-            </a:pPr>
-            <a:r>
-              <a:rPr lang="en-US" sz="1200" dirty="0">
-                <a:effectLst/>
-                <a:latin typeface="Calibri" panose="020F0502020204030204" pitchFamily="34" charset="0"/>
-                <a:ea typeface="Calibri" panose="020F0502020204030204" pitchFamily="34" charset="0"/>
-                <a:cs typeface="Arial" panose="020B0604020202020204" pitchFamily="34" charset="0"/>
-              </a:rPr>
-              <a:t>Functional coverage (how much design functionality has been exercised/covered by the testbench or verification environment)</a:t>
-            </a:r>
-          </a:p>
-          <a:p>
-            <a:pPr marL="342900" marR="0" lvl="0" indent="-342900">
+            <a:r>
+              <a:rPr lang="en-US" dirty="0"/>
+              <a:t>In </a:t>
+            </a:r>
+            <a:r>
+              <a:rPr lang="en-US" dirty="0" err="1"/>
+              <a:t>convergence_check_block</a:t>
+            </a:r>
+            <a:r>
+              <a:rPr lang="en-US" dirty="0"/>
+              <a:t>, the new calculated centroids of each iteration are checked for convergence by comparing them to the last iteration’s centroids values(one by one). In the case where convergence was not reached, the new centroids are used in the next iteration as the algorithm centroids.</a:t>
+            </a:r>
+          </a:p>
+          <a:p>
+            <a:r>
+              <a:rPr lang="en-US" dirty="0"/>
+              <a:t>In the convergence check module, there is a sensitivity list used to take one old centroid from the 8 and compare it to the correspondingly new centroid which come as input from prior module (new means calculation block).</a:t>
+            </a:r>
+          </a:p>
+          <a:p>
+            <a:pPr marL="0" marR="0">
               <a:lnSpc>
                 <a:spcPct val="107000"/>
               </a:lnSpc>
@@ -1729,27 +1589,54 @@
               <a:spcAft>
                 <a:spcPts val="800"/>
               </a:spcAft>
-              <a:buFont typeface="Symbol" panose="05050102010706020507" pitchFamily="18" charset="2"/>
-              <a:buChar char=""/>
             </a:pPr>
             <a:r>
-              <a:rPr lang="en-US" sz="1200" dirty="0">
-                <a:effectLst/>
-                <a:latin typeface="Calibri" panose="020F0502020204030204" pitchFamily="34" charset="0"/>
-                <a:ea typeface="Calibri" panose="020F0502020204030204" pitchFamily="34" charset="0"/>
-                <a:cs typeface="Arial" panose="020B0604020202020204" pitchFamily="34" charset="0"/>
-              </a:rPr>
-              <a:t>FSM Coverage (which states and possible state transitions are exercised)</a:t>
-            </a:r>
-          </a:p>
-          <a:p>
-            <a:endParaRPr lang="he-IL" dirty="0"/>
+              <a:rPr lang="en-US" dirty="0"/>
+              <a:t> This sensitivity list did not cover the change in values of the relevant inputs for this supposedly combinatorial representation of always, the following fix was done to solve the problem:</a:t>
+            </a:r>
+          </a:p>
+          <a:p>
+            <a:pPr marL="457200" lvl="1">
+              <a:lnSpc>
+                <a:spcPct val="107000"/>
+              </a:lnSpc>
+              <a:spcBef>
+                <a:spcPts val="0"/>
+              </a:spcBef>
+              <a:spcAft>
+                <a:spcPts val="800"/>
+              </a:spcAft>
+            </a:pPr>
+            <a:r>
+              <a:rPr lang="en-US" dirty="0"/>
+              <a:t>Before: "always @(cent_num) begin".</a:t>
+            </a:r>
+          </a:p>
+          <a:p>
+            <a:pPr marL="457200" lvl="1">
+              <a:lnSpc>
+                <a:spcPct val="107000"/>
+              </a:lnSpc>
+              <a:spcBef>
+                <a:spcPts val="0"/>
+              </a:spcBef>
+              <a:spcAft>
+                <a:spcPts val="800"/>
+              </a:spcAft>
+            </a:pPr>
+            <a:r>
+              <a:rPr lang="en-US" dirty="0"/>
+              <a:t>After: "always @* begin".</a:t>
+            </a:r>
+          </a:p>
+          <a:p>
+            <a:endParaRPr lang="en-US" dirty="0"/>
           </a:p>
         </p:txBody>
       </p:sp>
       <p:sp>
         <p:nvSpPr>
-          <p:cNvPr id="4" name="מציין מיקום של מספר שקופית 3"/>
+          <p:cNvPr id="4" name="Slide Number Placeholder 3"/>
           <p:cNvSpPr>
             <a:spLocks noGrp="1"/>
           </p:cNvSpPr>
@@ -1764,7 +1651,7 @@
           <a:p>
             <a:fld id="{509FA207-E8FD-4363-95A6-907EB6A63BD8}" type="slidenum">
               <a:rPr lang="en-US" smtClean="0"/>
-              <a:t>34</a:t>
+              <a:t>33</a:t>
             </a:fld>
             <a:endParaRPr lang="en-US"/>
           </a:p>
@@ -1773,7 +1660,7 @@
     </p:spTree>
     <p:extLst>
       <p:ext uri="{BB962C8B-B14F-4D97-AF65-F5344CB8AC3E}">
-        <p14:creationId xmlns:p14="http://schemas.microsoft.com/office/powerpoint/2010/main" val="425144926"/>
+        <p14:creationId xmlns:p14="http://schemas.microsoft.com/office/powerpoint/2010/main" val="3067401951"/>
       </p:ext>
     </p:extLst>
   </p:cSld>
@@ -1802,7 +1689,7 @@
       </p:grpSpPr>
       <p:sp>
         <p:nvSpPr>
-          <p:cNvPr id="2" name="מציין מיקום של תמונת שקופית 1"/>
+          <p:cNvPr id="2" name="Slide Image Placeholder 1"/>
           <p:cNvSpPr>
             <a:spLocks noGrp="1" noRot="1" noChangeAspect="1"/>
           </p:cNvSpPr>
@@ -1814,7 +1701,7 @@
       </p:sp>
       <p:sp>
         <p:nvSpPr>
-          <p:cNvPr id="3" name="מציין מיקום של הערות 2"/>
+          <p:cNvPr id="3" name="Notes Placeholder 2"/>
           <p:cNvSpPr>
             <a:spLocks noGrp="1"/>
           </p:cNvSpPr>
@@ -1827,36 +1714,97 @@
           <a:bodyPr/>
           <a:lstStyle/>
           <a:p>
-            <a:pPr marL="0" marR="0" lvl="0" indent="0" algn="l" defTabSz="914400" rtl="0" eaLnBrk="1" fontAlgn="auto" latinLnBrk="0" hangingPunct="1">
+            <a:pPr marL="0" marR="0">
               <a:lnSpc>
-                <a:spcPct val="100000"/>
+                <a:spcPct val="107000"/>
               </a:lnSpc>
               <a:spcBef>
                 <a:spcPts val="0"/>
               </a:spcBef>
               <a:spcAft>
+                <a:spcPts val="800"/>
+              </a:spcAft>
+            </a:pPr>
+            <a:r>
+              <a:rPr lang="en-US" sz="1200" dirty="0">
+                <a:effectLst/>
+                <a:latin typeface="Calibri" panose="020F0502020204030204" pitchFamily="34" charset="0"/>
+                <a:ea typeface="Calibri" panose="020F0502020204030204" pitchFamily="34" charset="0"/>
+                <a:cs typeface="Arial" panose="020B0604020202020204" pitchFamily="34" charset="0"/>
+              </a:rPr>
+              <a:t>The controller has a signal for enabling the accumulators of the pipe3 of classification block. The signal is in charge of determining when to sample data point, which comes as input from the RAM to the classification block.</a:t>
+            </a:r>
+          </a:p>
+          <a:p>
+            <a:pPr marL="0" marR="0">
+              <a:lnSpc>
+                <a:spcPct val="107000"/>
+              </a:lnSpc>
+              <a:spcBef>
                 <a:spcPts val="0"/>
+              </a:spcBef>
+              <a:spcAft>
+                <a:spcPts val="800"/>
               </a:spcAft>
-              <a:buClrTx/>
-              <a:buSzTx/>
-              <a:buFontTx/>
-              <a:buNone/>
-              <a:tabLst/>
-              <a:defRPr/>
             </a:pPr>
             <a:r>
-              <a:rPr lang="en-US" sz="1200" dirty="0"/>
-              <a:t>It is the most “random” test line(every input for the DUT is randomly generated) and it has the biggest number of tests.</a:t>
-            </a:r>
-          </a:p>
-          <a:p>
-            <a:endParaRPr lang="he-IL" dirty="0"/>
+              <a:rPr lang="en-US" sz="1200" dirty="0">
+                <a:effectLst/>
+                <a:latin typeface="Calibri" panose="020F0502020204030204" pitchFamily="34" charset="0"/>
+                <a:ea typeface="Calibri" panose="020F0502020204030204" pitchFamily="34" charset="0"/>
+                <a:cs typeface="Arial" panose="020B0604020202020204" pitchFamily="34" charset="0"/>
+              </a:rPr>
+              <a:t>After the last data point reached the last pipe stage, no more data should be sample by the </a:t>
+            </a:r>
+            <a:r>
+              <a:rPr lang="en-US" sz="1200" dirty="0" err="1">
+                <a:effectLst/>
+                <a:latin typeface="Calibri" panose="020F0502020204030204" pitchFamily="34" charset="0"/>
+                <a:ea typeface="Calibri" panose="020F0502020204030204" pitchFamily="34" charset="0"/>
+                <a:cs typeface="Arial" panose="020B0604020202020204" pitchFamily="34" charset="0"/>
+              </a:rPr>
+              <a:t>ccumulators</a:t>
+            </a:r>
+            <a:r>
+              <a:rPr lang="en-US" sz="1200" dirty="0">
+                <a:effectLst/>
+                <a:latin typeface="Calibri" panose="020F0502020204030204" pitchFamily="34" charset="0"/>
+                <a:ea typeface="Calibri" panose="020F0502020204030204" pitchFamily="34" charset="0"/>
+                <a:cs typeface="Arial" panose="020B0604020202020204" pitchFamily="34" charset="0"/>
+              </a:rPr>
+              <a:t>(“garbage” data may be present in the pipe) . Therefore, there is a need to pull down the enable so at that in the next state, which is "calculate new means", there would be no sampling of any more data points.</a:t>
+            </a:r>
+          </a:p>
+          <a:p>
+            <a:pPr marL="0" marR="0">
+              <a:lnSpc>
+                <a:spcPct val="107000"/>
+              </a:lnSpc>
+              <a:spcBef>
+                <a:spcPts val="0"/>
+              </a:spcBef>
+              <a:spcAft>
+                <a:spcPts val="800"/>
+              </a:spcAft>
+            </a:pPr>
+            <a:r>
+              <a:rPr lang="en-US" sz="1200" dirty="0">
+                <a:effectLst/>
+                <a:latin typeface="Calibri" panose="020F0502020204030204" pitchFamily="34" charset="0"/>
+                <a:ea typeface="Calibri" panose="020F0502020204030204" pitchFamily="34" charset="0"/>
+                <a:cs typeface="Arial" panose="020B0604020202020204" pitchFamily="34" charset="0"/>
+              </a:rPr>
+              <a:t>There was a bug which we sampled one more data point since we pulled down the signal only at the "calculate new means" state. Pulling it down one state/cycle earlier, removed the bug.</a:t>
+            </a:r>
+          </a:p>
+          <a:p>
+            <a:endParaRPr lang="en-US" dirty="0"/>
           </a:p>
         </p:txBody>
       </p:sp>
       <p:sp>
         <p:nvSpPr>
-          <p:cNvPr id="4" name="מציין מיקום של מספר שקופית 3"/>
+          <p:cNvPr id="4" name="Slide Number Placeholder 3"/>
           <p:cNvSpPr>
             <a:spLocks noGrp="1"/>
           </p:cNvSpPr>
@@ -1871,7 +1819,7 @@
           <a:p>
             <a:fld id="{509FA207-E8FD-4363-95A6-907EB6A63BD8}" type="slidenum">
               <a:rPr lang="en-US" smtClean="0"/>
-              <a:t>35</a:t>
+              <a:t>34</a:t>
             </a:fld>
             <a:endParaRPr lang="en-US"/>
           </a:p>
@@ -1880,7 +1828,7 @@
     </p:spTree>
     <p:extLst>
       <p:ext uri="{BB962C8B-B14F-4D97-AF65-F5344CB8AC3E}">
-        <p14:creationId xmlns:p14="http://schemas.microsoft.com/office/powerpoint/2010/main" val="3655229497"/>
+        <p14:creationId xmlns:p14="http://schemas.microsoft.com/office/powerpoint/2010/main" val="1425404410"/>
       </p:ext>
     </p:extLst>
   </p:cSld>
@@ -1934,6 +1882,102 @@
           <a:bodyPr/>
           <a:lstStyle/>
           <a:p>
+            <a:pPr marL="342900" marR="0" lvl="0" indent="-342900">
+              <a:lnSpc>
+                <a:spcPct val="107000"/>
+              </a:lnSpc>
+              <a:spcBef>
+                <a:spcPts val="0"/>
+              </a:spcBef>
+              <a:spcAft>
+                <a:spcPts val="0"/>
+              </a:spcAft>
+              <a:buFont typeface="Symbol" panose="05050102010706020507" pitchFamily="18" charset="2"/>
+              <a:buChar char=""/>
+            </a:pPr>
+            <a:r>
+              <a:rPr lang="en-US" sz="1200" dirty="0">
+                <a:effectLst/>
+                <a:latin typeface="Calibri" panose="020F0502020204030204" pitchFamily="34" charset="0"/>
+                <a:ea typeface="Calibri" panose="020F0502020204030204" pitchFamily="34" charset="0"/>
+                <a:cs typeface="Arial" panose="020B0604020202020204" pitchFamily="34" charset="0"/>
+              </a:rPr>
+              <a:t>Code Coverage (which lines of code are executed)</a:t>
+            </a:r>
+          </a:p>
+          <a:p>
+            <a:pPr marL="342900" marR="0" lvl="0" indent="-342900">
+              <a:lnSpc>
+                <a:spcPct val="107000"/>
+              </a:lnSpc>
+              <a:spcBef>
+                <a:spcPts val="0"/>
+              </a:spcBef>
+              <a:spcAft>
+                <a:spcPts val="0"/>
+              </a:spcAft>
+              <a:buFont typeface="Symbol" panose="05050102010706020507" pitchFamily="18" charset="2"/>
+              <a:buChar char=""/>
+            </a:pPr>
+            <a:r>
+              <a:rPr lang="en-US" sz="1200" dirty="0">
+                <a:effectLst/>
+                <a:latin typeface="Calibri" panose="020F0502020204030204" pitchFamily="34" charset="0"/>
+                <a:ea typeface="Calibri" panose="020F0502020204030204" pitchFamily="34" charset="0"/>
+                <a:cs typeface="Arial" panose="020B0604020202020204" pitchFamily="34" charset="0"/>
+              </a:rPr>
+              <a:t>Condition Coverage (whether all branches of conditions have been exercised.)</a:t>
+            </a:r>
+          </a:p>
+          <a:p>
+            <a:pPr marL="342900" marR="0" lvl="0" indent="-342900">
+              <a:lnSpc>
+                <a:spcPct val="107000"/>
+              </a:lnSpc>
+              <a:spcBef>
+                <a:spcPts val="0"/>
+              </a:spcBef>
+              <a:spcAft>
+                <a:spcPts val="0"/>
+              </a:spcAft>
+              <a:buFont typeface="Symbol" panose="05050102010706020507" pitchFamily="18" charset="2"/>
+              <a:buChar char=""/>
+            </a:pPr>
+            <a:r>
+              <a:rPr lang="en-US" sz="1200" dirty="0">
+                <a:effectLst/>
+                <a:latin typeface="Calibri" panose="020F0502020204030204" pitchFamily="34" charset="0"/>
+                <a:ea typeface="Calibri" panose="020F0502020204030204" pitchFamily="34" charset="0"/>
+                <a:cs typeface="Arial" panose="020B0604020202020204" pitchFamily="34" charset="0"/>
+              </a:rPr>
+              <a:t>Functional coverage (how much design functionality has been exercised/covered by the testbench or verification environment)</a:t>
+            </a:r>
+          </a:p>
+          <a:p>
+            <a:pPr marL="342900" marR="0" lvl="0" indent="-342900">
+              <a:lnSpc>
+                <a:spcPct val="107000"/>
+              </a:lnSpc>
+              <a:spcBef>
+                <a:spcPts val="0"/>
+              </a:spcBef>
+              <a:spcAft>
+                <a:spcPts val="800"/>
+              </a:spcAft>
+              <a:buFont typeface="Symbol" panose="05050102010706020507" pitchFamily="18" charset="2"/>
+              <a:buChar char=""/>
+            </a:pPr>
+            <a:r>
+              <a:rPr lang="en-US" sz="1200" dirty="0">
+                <a:effectLst/>
+                <a:latin typeface="Calibri" panose="020F0502020204030204" pitchFamily="34" charset="0"/>
+                <a:ea typeface="Calibri" panose="020F0502020204030204" pitchFamily="34" charset="0"/>
+                <a:cs typeface="Arial" panose="020B0604020202020204" pitchFamily="34" charset="0"/>
+              </a:rPr>
+              <a:t>FSM Coverage (which states and possible state transitions are exercised)</a:t>
+            </a:r>
+          </a:p>
+          <a:p>
             <a:endParaRPr lang="he-IL" dirty="0"/>
           </a:p>
         </p:txBody>
@@ -1955,7 +1999,7 @@
           <a:p>
             <a:fld id="{509FA207-E8FD-4363-95A6-907EB6A63BD8}" type="slidenum">
               <a:rPr lang="en-US" smtClean="0"/>
-              <a:t>37</a:t>
+              <a:t>35</a:t>
             </a:fld>
             <a:endParaRPr lang="en-US"/>
           </a:p>
@@ -1964,7 +2008,7 @@
     </p:spTree>
     <p:extLst>
       <p:ext uri="{BB962C8B-B14F-4D97-AF65-F5344CB8AC3E}">
-        <p14:creationId xmlns:p14="http://schemas.microsoft.com/office/powerpoint/2010/main" val="2503242467"/>
+        <p14:creationId xmlns:p14="http://schemas.microsoft.com/office/powerpoint/2010/main" val="425144926"/>
       </p:ext>
     </p:extLst>
   </p:cSld>
@@ -1993,7 +2037,7 @@
       </p:grpSpPr>
       <p:sp>
         <p:nvSpPr>
-          <p:cNvPr id="2" name="Slide Image Placeholder 1"/>
+          <p:cNvPr id="2" name="מציין מיקום של תמונת שקופית 1"/>
           <p:cNvSpPr>
             <a:spLocks noGrp="1" noRot="1" noChangeAspect="1"/>
           </p:cNvSpPr>
@@ -2005,7 +2049,7 @@
       </p:sp>
       <p:sp>
         <p:nvSpPr>
-          <p:cNvPr id="3" name="Notes Placeholder 2"/>
+          <p:cNvPr id="3" name="מציין מיקום של הערות 2"/>
           <p:cNvSpPr>
             <a:spLocks noGrp="1"/>
           </p:cNvSpPr>
@@ -2018,95 +2062,36 @@
           <a:bodyPr/>
           <a:lstStyle/>
           <a:p>
-            <a:pPr>
+            <a:pPr marL="0" marR="0" lvl="0" indent="0" algn="l" defTabSz="914400" rtl="0" eaLnBrk="1" fontAlgn="auto" latinLnBrk="0" hangingPunct="1">
               <a:lnSpc>
-                <a:spcPct val="107000"/>
+                <a:spcPct val="100000"/>
               </a:lnSpc>
               <a:spcBef>
                 <a:spcPts val="0"/>
               </a:spcBef>
               <a:spcAft>
-                <a:spcPts val="800"/>
+                <a:spcPts val="0"/>
               </a:spcAft>
+              <a:buClrTx/>
+              <a:buSzTx/>
+              <a:buFontTx/>
+              <a:buNone/>
+              <a:tabLst/>
+              <a:defRPr/>
             </a:pPr>
             <a:r>
-              <a:rPr lang="en-US" dirty="0">
-                <a:effectLst/>
-                <a:latin typeface="Calibri" panose="020F0502020204030204" pitchFamily="34" charset="0"/>
-                <a:ea typeface="Calibri" panose="020F0502020204030204" pitchFamily="34" charset="0"/>
-                <a:cs typeface="Arial" panose="020B0604020202020204" pitchFamily="34" charset="0"/>
-              </a:rPr>
-              <a:t>In order to check the functional coverage of the test line, the following cover groups were defined:</a:t>
-            </a:r>
-          </a:p>
-          <a:p>
-            <a:pPr lvl="1">
-              <a:lnSpc>
-                <a:spcPct val="107000"/>
-              </a:lnSpc>
-              <a:spcBef>
-                <a:spcPts val="0"/>
-              </a:spcBef>
-            </a:pPr>
-            <a:r>
-              <a:rPr lang="en-US" sz="2000" dirty="0">
-                <a:effectLst/>
-                <a:latin typeface="Calibri" panose="020F0502020204030204" pitchFamily="34" charset="0"/>
-                <a:ea typeface="Calibri" panose="020F0502020204030204" pitchFamily="34" charset="0"/>
-                <a:cs typeface="Arial" panose="020B0604020202020204" pitchFamily="34" charset="0"/>
-              </a:rPr>
-              <a:t>NUM_POINTS - This cover group samples the number of data points randomly generated for each test, to verify that all values  of this variable are uniformly distributed between 8 and 512.</a:t>
-            </a:r>
-          </a:p>
-          <a:p>
-            <a:pPr lvl="1">
-              <a:lnSpc>
-                <a:spcPct val="107000"/>
-              </a:lnSpc>
-              <a:spcBef>
-                <a:spcPts val="0"/>
-              </a:spcBef>
-            </a:pPr>
-            <a:r>
-              <a:rPr lang="en-US" sz="2000" dirty="0">
-                <a:effectLst/>
-                <a:latin typeface="Calibri" panose="020F0502020204030204" pitchFamily="34" charset="0"/>
-                <a:ea typeface="Calibri" panose="020F0502020204030204" pitchFamily="34" charset="0"/>
-                <a:cs typeface="Arial" panose="020B0604020202020204" pitchFamily="34" charset="0"/>
-              </a:rPr>
-              <a:t>DATA_VALUE - This cover group samples the values of each one of the seven coordinates of all data points randomly generated for each test, to verify that all values  of this variable are uniformly distributed between all the possible values.</a:t>
-            </a:r>
-          </a:p>
-          <a:p>
-            <a:pPr lvl="1">
-              <a:lnSpc>
-                <a:spcPct val="107000"/>
-              </a:lnSpc>
-              <a:spcBef>
-                <a:spcPts val="0"/>
-              </a:spcBef>
-              <a:spcAft>
-                <a:spcPts val="800"/>
-              </a:spcAft>
-            </a:pPr>
-            <a:r>
-              <a:rPr lang="en-US" sz="2000" dirty="0">
-                <a:effectLst/>
-                <a:latin typeface="Calibri" panose="020F0502020204030204" pitchFamily="34" charset="0"/>
-                <a:ea typeface="Calibri" panose="020F0502020204030204" pitchFamily="34" charset="0"/>
-                <a:cs typeface="Arial" panose="020B0604020202020204" pitchFamily="34" charset="0"/>
-              </a:rPr>
-              <a:t>CENTX_VALUE - This cover group samples the value of each one of the seven coordinates of centroid X, randomly generated at each test, to verify that all values of this variable are uniformly distributed between all the possible values.</a:t>
-            </a:r>
-          </a:p>
-          <a:p>
-            <a:endParaRPr lang="en-US" dirty="0"/>
+              <a:rPr lang="en-US" sz="1200" dirty="0"/>
+              <a:t>It is the most “random” test line(every input for the DUT is randomly generated) and it has the biggest number of tests.</a:t>
+            </a:r>
+          </a:p>
+          <a:p>
+            <a:endParaRPr lang="he-IL" dirty="0"/>
           </a:p>
         </p:txBody>
       </p:sp>
       <p:sp>
         <p:nvSpPr>
-          <p:cNvPr id="4" name="Slide Number Placeholder 3"/>
+          <p:cNvPr id="4" name="מציין מיקום של מספר שקופית 3"/>
           <p:cNvSpPr>
             <a:spLocks noGrp="1"/>
           </p:cNvSpPr>
@@ -2121,7 +2106,7 @@
           <a:p>
             <a:fld id="{509FA207-E8FD-4363-95A6-907EB6A63BD8}" type="slidenum">
               <a:rPr lang="en-US" smtClean="0"/>
-              <a:t>38</a:t>
+              <a:t>36</a:t>
             </a:fld>
             <a:endParaRPr lang="en-US"/>
           </a:p>
@@ -2130,7 +2115,7 @@
     </p:spTree>
     <p:extLst>
       <p:ext uri="{BB962C8B-B14F-4D97-AF65-F5344CB8AC3E}">
-        <p14:creationId xmlns:p14="http://schemas.microsoft.com/office/powerpoint/2010/main" val="2917502182"/>
+        <p14:creationId xmlns:p14="http://schemas.microsoft.com/office/powerpoint/2010/main" val="3655229497"/>
       </p:ext>
     </p:extLst>
   </p:cSld>
@@ -2205,7 +2190,7 @@
           <a:p>
             <a:fld id="{509FA207-E8FD-4363-95A6-907EB6A63BD8}" type="slidenum">
               <a:rPr lang="en-US" smtClean="0"/>
-              <a:t>44</a:t>
+              <a:t>38</a:t>
             </a:fld>
             <a:endParaRPr lang="en-US"/>
           </a:p>
@@ -2214,7 +2199,7 @@
     </p:spTree>
     <p:extLst>
       <p:ext uri="{BB962C8B-B14F-4D97-AF65-F5344CB8AC3E}">
-        <p14:creationId xmlns:p14="http://schemas.microsoft.com/office/powerpoint/2010/main" val="3170983272"/>
+        <p14:creationId xmlns:p14="http://schemas.microsoft.com/office/powerpoint/2010/main" val="2503242467"/>
       </p:ext>
     </p:extLst>
   </p:cSld>
@@ -2243,7 +2228,7 @@
       </p:grpSpPr>
       <p:sp>
         <p:nvSpPr>
-          <p:cNvPr id="2" name="Slide Image Placeholder 1"/>
+          <p:cNvPr id="2" name="מציין מיקום של תמונת שקופית 1"/>
           <p:cNvSpPr>
             <a:spLocks noGrp="1" noRot="1" noChangeAspect="1"/>
           </p:cNvSpPr>
@@ -2255,7 +2240,7 @@
       </p:sp>
       <p:sp>
         <p:nvSpPr>
-          <p:cNvPr id="3" name="Notes Placeholder 2"/>
+          <p:cNvPr id="3" name="מציין מיקום של הערות 2"/>
           <p:cNvSpPr>
             <a:spLocks noGrp="1"/>
           </p:cNvSpPr>
@@ -2268,250 +2253,13 @@
           <a:bodyPr/>
           <a:lstStyle/>
           <a:p>
-            <a:pPr marL="0" marR="0" indent="0">
-              <a:lnSpc>
-                <a:spcPct val="107000"/>
-              </a:lnSpc>
-              <a:spcBef>
-                <a:spcPts val="0"/>
-              </a:spcBef>
-              <a:spcAft>
-                <a:spcPts val="800"/>
-              </a:spcAft>
-              <a:buNone/>
-            </a:pPr>
-            <a:r>
-              <a:rPr lang="en-US" sz="1200" dirty="0">
-                <a:effectLst/>
-                <a:latin typeface="Calibri" panose="020F0502020204030204" pitchFamily="34" charset="0"/>
-                <a:ea typeface="Calibri" panose="020F0502020204030204" pitchFamily="34" charset="0"/>
-                <a:cs typeface="Arial" panose="020B0604020202020204" pitchFamily="34" charset="0"/>
-              </a:rPr>
-              <a:t>Eddy Removal to here:</a:t>
-            </a:r>
-          </a:p>
-          <a:p>
-            <a:pPr marL="0" marR="0" lvl="0" indent="0" algn="l" defTabSz="914400" rtl="0" eaLnBrk="1" fontAlgn="auto" latinLnBrk="0" hangingPunct="1">
-              <a:lnSpc>
-                <a:spcPct val="107000"/>
-              </a:lnSpc>
-              <a:spcBef>
-                <a:spcPts val="0"/>
-              </a:spcBef>
-              <a:spcAft>
-                <a:spcPts val="800"/>
-              </a:spcAft>
-              <a:buClrTx/>
-              <a:buSzTx/>
-              <a:buFontTx/>
-              <a:buNone/>
-              <a:tabLst/>
-              <a:defRPr/>
-            </a:pPr>
-            <a:r>
-              <a:rPr lang="en-US" sz="1200" dirty="0">
-                <a:effectLst/>
-                <a:latin typeface="Calibri" panose="020F0502020204030204" pitchFamily="34" charset="0"/>
-                <a:ea typeface="Calibri" panose="020F0502020204030204" pitchFamily="34" charset="0"/>
-                <a:cs typeface="Arial" panose="020B0604020202020204" pitchFamily="34" charset="0"/>
-              </a:rPr>
-              <a:t>(The interface is a module that holds all the signals of the DUT. The monitor, the driver and the DUT are all going to be connected to this module.)</a:t>
-            </a:r>
-          </a:p>
-          <a:p>
-            <a:pPr marL="0" marR="0" indent="0">
-              <a:lnSpc>
-                <a:spcPct val="107000"/>
-              </a:lnSpc>
-              <a:spcBef>
-                <a:spcPts val="0"/>
-              </a:spcBef>
-              <a:spcAft>
-                <a:spcPts val="800"/>
-              </a:spcAft>
-              <a:buNone/>
-            </a:pPr>
-            <a:endParaRPr lang="en-US" sz="1200" dirty="0">
-              <a:effectLst/>
-              <a:latin typeface="Calibri" panose="020F0502020204030204" pitchFamily="34" charset="0"/>
-              <a:ea typeface="Calibri" panose="020F0502020204030204" pitchFamily="34" charset="0"/>
-              <a:cs typeface="Arial" panose="020B0604020202020204" pitchFamily="34" charset="0"/>
-            </a:endParaRPr>
-          </a:p>
-          <a:p>
-            <a:pPr marL="0" marR="0" indent="0">
-              <a:lnSpc>
-                <a:spcPct val="107000"/>
-              </a:lnSpc>
-              <a:spcBef>
-                <a:spcPts val="0"/>
-              </a:spcBef>
-              <a:spcAft>
-                <a:spcPts val="800"/>
-              </a:spcAft>
-              <a:buNone/>
-            </a:pPr>
-            <a:r>
-              <a:rPr lang="en-US" sz="1200" dirty="0">
-                <a:effectLst/>
-                <a:latin typeface="Calibri" panose="020F0502020204030204" pitchFamily="34" charset="0"/>
-                <a:ea typeface="Calibri" panose="020F0502020204030204" pitchFamily="34" charset="0"/>
-                <a:cs typeface="Arial" panose="020B0604020202020204" pitchFamily="34" charset="0"/>
-              </a:rPr>
-              <a:t>The top block will create instances of the DUT, the Reference model and of the testbench. It will also declare the virtual interface, which will act as a bridge between the Test component and the DUT/Reference Model.</a:t>
-            </a:r>
-          </a:p>
-          <a:p>
-            <a:pPr marL="0" marR="0" indent="0">
-              <a:lnSpc>
-                <a:spcPct val="107000"/>
-              </a:lnSpc>
-              <a:spcBef>
-                <a:spcPts val="0"/>
-              </a:spcBef>
-              <a:spcAft>
-                <a:spcPts val="800"/>
-              </a:spcAft>
-              <a:buNone/>
-            </a:pPr>
-            <a:r>
-              <a:rPr lang="en-US" sz="1200" dirty="0">
-                <a:effectLst/>
-                <a:latin typeface="Calibri" panose="020F0502020204030204" pitchFamily="34" charset="0"/>
-                <a:ea typeface="Calibri" panose="020F0502020204030204" pitchFamily="34" charset="0"/>
-                <a:cs typeface="Arial" panose="020B0604020202020204" pitchFamily="34" charset="0"/>
-              </a:rPr>
-              <a:t>The interface is a module that holds all the signals of the DUT. The monitor, the driver and the DUT are all going to be connected to this module.</a:t>
-            </a:r>
-          </a:p>
-          <a:p>
-            <a:pPr marL="0" marR="0" indent="0">
-              <a:lnSpc>
-                <a:spcPct val="107000"/>
-              </a:lnSpc>
-              <a:spcBef>
-                <a:spcPts val="0"/>
-              </a:spcBef>
-              <a:spcAft>
-                <a:spcPts val="800"/>
-              </a:spcAft>
-              <a:buNone/>
-            </a:pPr>
-            <a:r>
-              <a:rPr lang="en-US" sz="1200" dirty="0">
-                <a:effectLst/>
-                <a:latin typeface="Calibri" panose="020F0502020204030204" pitchFamily="34" charset="0"/>
-                <a:ea typeface="Calibri" panose="020F0502020204030204" pitchFamily="34" charset="0"/>
-                <a:cs typeface="Arial" panose="020B0604020202020204" pitchFamily="34" charset="0"/>
-              </a:rPr>
-              <a:t>This block will be a typical SystemVerilog module and it will be responsible for:</a:t>
-            </a:r>
-          </a:p>
-          <a:p>
-            <a:pPr lvl="1">
-              <a:lnSpc>
-                <a:spcPct val="107000"/>
-              </a:lnSpc>
-              <a:spcBef>
-                <a:spcPts val="0"/>
-              </a:spcBef>
-            </a:pPr>
-            <a:r>
-              <a:rPr lang="en-US" sz="1200" dirty="0">
-                <a:effectLst/>
-                <a:latin typeface="Calibri" panose="020F0502020204030204" pitchFamily="34" charset="0"/>
-                <a:ea typeface="Calibri" panose="020F0502020204030204" pitchFamily="34" charset="0"/>
-                <a:cs typeface="Arial" panose="020B0604020202020204" pitchFamily="34" charset="0"/>
-              </a:rPr>
-              <a:t>Connecting the DUT and Reference Model to the test class, using the interface defined before.</a:t>
-            </a:r>
-          </a:p>
-          <a:p>
-            <a:pPr lvl="1">
-              <a:lnSpc>
-                <a:spcPct val="107000"/>
-              </a:lnSpc>
-              <a:spcBef>
-                <a:spcPts val="0"/>
-              </a:spcBef>
-            </a:pPr>
-            <a:r>
-              <a:rPr lang="en-US" sz="1200" dirty="0">
-                <a:effectLst/>
-                <a:latin typeface="Calibri" panose="020F0502020204030204" pitchFamily="34" charset="0"/>
-                <a:ea typeface="Calibri" panose="020F0502020204030204" pitchFamily="34" charset="0"/>
-                <a:cs typeface="Arial" panose="020B0604020202020204" pitchFamily="34" charset="0"/>
-              </a:rPr>
-              <a:t>Generating the clock for the DUT.</a:t>
-            </a:r>
-          </a:p>
-          <a:p>
-            <a:pPr lvl="1">
-              <a:lnSpc>
-                <a:spcPct val="107000"/>
-              </a:lnSpc>
-              <a:spcBef>
-                <a:spcPts val="0"/>
-              </a:spcBef>
-            </a:pPr>
-            <a:r>
-              <a:rPr lang="en-US" sz="1200" dirty="0">
-                <a:effectLst/>
-                <a:latin typeface="Calibri" panose="020F0502020204030204" pitchFamily="34" charset="0"/>
-                <a:ea typeface="Calibri" panose="020F0502020204030204" pitchFamily="34" charset="0"/>
-                <a:cs typeface="Arial" panose="020B0604020202020204" pitchFamily="34" charset="0"/>
-              </a:rPr>
-              <a:t>Registering the interface in the UVM factory. This is necessary in order to pass this interface to all other classes that will be instantiated in the testbench. It will be registered in the UVM factory by using the </a:t>
-            </a:r>
-            <a:r>
-              <a:rPr lang="en-US" sz="1200" dirty="0" err="1">
-                <a:effectLst/>
-                <a:latin typeface="Calibri" panose="020F0502020204030204" pitchFamily="34" charset="0"/>
-                <a:ea typeface="Calibri" panose="020F0502020204030204" pitchFamily="34" charset="0"/>
-                <a:cs typeface="Arial" panose="020B0604020202020204" pitchFamily="34" charset="0"/>
-              </a:rPr>
-              <a:t>uvm_resource_db</a:t>
-            </a:r>
-            <a:r>
-              <a:rPr lang="en-US" sz="1200" dirty="0">
-                <a:effectLst/>
-                <a:latin typeface="Calibri" panose="020F0502020204030204" pitchFamily="34" charset="0"/>
-                <a:ea typeface="Calibri" panose="020F0502020204030204" pitchFamily="34" charset="0"/>
-                <a:cs typeface="Arial" panose="020B0604020202020204" pitchFamily="34" charset="0"/>
-              </a:rPr>
-              <a:t> method and every block that will use the same interface, will need to get it by calling the same method. </a:t>
-            </a:r>
-          </a:p>
-          <a:p>
-            <a:pPr lvl="1">
-              <a:lnSpc>
-                <a:spcPct val="107000"/>
-              </a:lnSpc>
-              <a:spcBef>
-                <a:spcPts val="0"/>
-              </a:spcBef>
-              <a:spcAft>
-                <a:spcPts val="800"/>
-              </a:spcAft>
-            </a:pPr>
-            <a:r>
-              <a:rPr lang="en-US" sz="1200" dirty="0">
-                <a:effectLst/>
-                <a:latin typeface="Calibri" panose="020F0502020204030204" pitchFamily="34" charset="0"/>
-                <a:ea typeface="Calibri" panose="020F0502020204030204" pitchFamily="34" charset="0"/>
-                <a:cs typeface="Arial" panose="020B0604020202020204" pitchFamily="34" charset="0"/>
-              </a:rPr>
-              <a:t>Running the test.</a:t>
-            </a:r>
-          </a:p>
-          <a:p>
-            <a:endParaRPr lang="en-US" dirty="0"/>
+            <a:endParaRPr lang="he-IL" dirty="0"/>
           </a:p>
         </p:txBody>
       </p:sp>
       <p:sp>
         <p:nvSpPr>
-          <p:cNvPr id="4" name="Slide Number Placeholder 3"/>
+          <p:cNvPr id="4" name="מציין מיקום של מספר שקופית 3"/>
           <p:cNvSpPr>
             <a:spLocks noGrp="1"/>
           </p:cNvSpPr>
@@ -2526,7 +2274,7 @@
           <a:p>
             <a:fld id="{509FA207-E8FD-4363-95A6-907EB6A63BD8}" type="slidenum">
               <a:rPr lang="en-US" smtClean="0"/>
-              <a:t>6</a:t>
+              <a:t>5</a:t>
             </a:fld>
             <a:endParaRPr lang="en-US"/>
           </a:p>
@@ -2535,7 +2283,7 @@
     </p:spTree>
     <p:extLst>
       <p:ext uri="{BB962C8B-B14F-4D97-AF65-F5344CB8AC3E}">
-        <p14:creationId xmlns:p14="http://schemas.microsoft.com/office/powerpoint/2010/main" val="2098685868"/>
+        <p14:creationId xmlns:p14="http://schemas.microsoft.com/office/powerpoint/2010/main" val="622518888"/>
       </p:ext>
     </p:extLst>
   </p:cSld>
@@ -2589,103 +2337,7 @@
           <a:bodyPr/>
           <a:lstStyle/>
           <a:p>
-            <a:pPr marL="342900" marR="0" lvl="0" indent="-342900" rtl="0">
-              <a:lnSpc>
-                <a:spcPct val="107000"/>
-              </a:lnSpc>
-              <a:spcBef>
-                <a:spcPts val="0"/>
-              </a:spcBef>
-              <a:spcAft>
-                <a:spcPts val="0"/>
-              </a:spcAft>
-              <a:buFont typeface="Symbol" panose="05050102010706020507" pitchFamily="18" charset="2"/>
-              <a:buChar char=""/>
-            </a:pPr>
-            <a:r>
-              <a:rPr lang="en-US" sz="1200" dirty="0">
-                <a:effectLst/>
-                <a:latin typeface="Calibri" panose="020F0502020204030204" pitchFamily="34" charset="0"/>
-                <a:ea typeface="Calibri" panose="020F0502020204030204" pitchFamily="34" charset="0"/>
-                <a:cs typeface="Arial" panose="020B0604020202020204" pitchFamily="34" charset="0"/>
-              </a:rPr>
-              <a:t>The tests results indicate that are still bugs in the DUT, which we were not able to find and fix. If the DUT was a commercial IP, we would advise the company to do a thorough debugging process.</a:t>
-            </a:r>
-          </a:p>
-          <a:p>
-            <a:pPr marL="342900" marR="0" lvl="0" indent="-342900">
-              <a:lnSpc>
-                <a:spcPct val="107000"/>
-              </a:lnSpc>
-              <a:spcBef>
-                <a:spcPts val="0"/>
-              </a:spcBef>
-              <a:spcAft>
-                <a:spcPts val="0"/>
-              </a:spcAft>
-              <a:buFont typeface="Symbol" panose="05050102010706020507" pitchFamily="18" charset="2"/>
-              <a:buChar char=""/>
-            </a:pPr>
-            <a:r>
-              <a:rPr lang="en-US" sz="1200" dirty="0">
-                <a:effectLst/>
-                <a:latin typeface="Calibri" panose="020F0502020204030204" pitchFamily="34" charset="0"/>
-                <a:ea typeface="Calibri" panose="020F0502020204030204" pitchFamily="34" charset="0"/>
-                <a:cs typeface="Arial" panose="020B0604020202020204" pitchFamily="34" charset="0"/>
-              </a:rPr>
-              <a:t>The high fail rate in test line 8 indicates that there is an overflow bug when trying to fill the RAMs.</a:t>
-            </a:r>
-          </a:p>
-          <a:p>
-            <a:pPr marL="342900" marR="0" lvl="0" indent="-342900">
-              <a:lnSpc>
-                <a:spcPct val="107000"/>
-              </a:lnSpc>
-              <a:spcBef>
-                <a:spcPts val="0"/>
-              </a:spcBef>
-              <a:spcAft>
-                <a:spcPts val="0"/>
-              </a:spcAft>
-              <a:buFont typeface="Symbol" panose="05050102010706020507" pitchFamily="18" charset="2"/>
-              <a:buChar char=""/>
-            </a:pPr>
-            <a:r>
-              <a:rPr lang="en-US" sz="1200" dirty="0">
-                <a:effectLst/>
-                <a:latin typeface="Calibri" panose="020F0502020204030204" pitchFamily="34" charset="0"/>
-                <a:ea typeface="Calibri" panose="020F0502020204030204" pitchFamily="34" charset="0"/>
-                <a:cs typeface="Arial" panose="020B0604020202020204" pitchFamily="34" charset="0"/>
-              </a:rPr>
-              <a:t>Test line 3 and 4 indicate that as the number of data points increases so does the number of fails.  This could be related to bugs such as overflow, wrong classification of close points, and/or wrong calculations.</a:t>
-            </a:r>
-          </a:p>
-          <a:p>
-            <a:pPr marL="342900" marR="0" lvl="0" indent="-342900">
-              <a:lnSpc>
-                <a:spcPct val="107000"/>
-              </a:lnSpc>
-              <a:spcBef>
-                <a:spcPts val="0"/>
-              </a:spcBef>
-              <a:spcAft>
-                <a:spcPts val="0"/>
-              </a:spcAft>
-              <a:buFont typeface="Symbol" panose="05050102010706020507" pitchFamily="18" charset="2"/>
-              <a:buChar char=""/>
-            </a:pPr>
-            <a:r>
-              <a:rPr lang="en-US" sz="1200" dirty="0">
-                <a:effectLst/>
-                <a:latin typeface="Calibri" panose="020F0502020204030204" pitchFamily="34" charset="0"/>
-                <a:ea typeface="Calibri" panose="020F0502020204030204" pitchFamily="34" charset="0"/>
-                <a:cs typeface="Arial" panose="020B0604020202020204" pitchFamily="34" charset="0"/>
-              </a:rPr>
-              <a:t>Even though many test benches were run on the DUT in its design phase, many tests have failed. This emphasizes the need for an efficient verification environment, as UVM, parallel to the design process.</a:t>
-            </a:r>
-          </a:p>
-          <a:p>
-            <a:pPr marL="342900" marR="0" lvl="0" indent="-342900">
+            <a:pPr>
               <a:lnSpc>
                 <a:spcPct val="107000"/>
               </a:lnSpc>
@@ -2695,38 +2347,75 @@
               <a:spcAft>
                 <a:spcPts val="800"/>
               </a:spcAft>
-              <a:buFont typeface="Symbol" panose="05050102010706020507" pitchFamily="18" charset="2"/>
-              <a:buChar char=""/>
             </a:pPr>
             <a:r>
-              <a:rPr lang="en-US" sz="1200" dirty="0">
-                <a:effectLst/>
-                <a:latin typeface="Calibri" panose="020F0502020204030204" pitchFamily="34" charset="0"/>
-                <a:ea typeface="Calibri" panose="020F0502020204030204" pitchFamily="34" charset="0"/>
-                <a:cs typeface="Arial" panose="020B0604020202020204" pitchFamily="34" charset="0"/>
-              </a:rPr>
-              <a:t>UVM is</a:t>
-            </a:r>
-            <a:r>
-              <a:rPr lang="en-US" sz="1200" dirty="0">
-                <a:solidFill>
-                  <a:srgbClr val="FF0000"/>
-                </a:solidFill>
-                <a:effectLst/>
-                <a:latin typeface="Calibri" panose="020F0502020204030204" pitchFamily="34" charset="0"/>
-                <a:ea typeface="Calibri" panose="020F0502020204030204" pitchFamily="34" charset="0"/>
-                <a:cs typeface="Arial" panose="020B0604020202020204" pitchFamily="34" charset="0"/>
-              </a:rPr>
-              <a:t> </a:t>
-            </a:r>
-            <a:r>
-              <a:rPr lang="en-US" sz="1200" dirty="0">
-                <a:effectLst/>
-                <a:latin typeface="Calibri" panose="020F0502020204030204" pitchFamily="34" charset="0"/>
-                <a:ea typeface="Calibri" panose="020F0502020204030204" pitchFamily="34" charset="0"/>
-                <a:cs typeface="Arial" panose="020B0604020202020204" pitchFamily="34" charset="0"/>
-              </a:rPr>
-              <a:t>an effective tool. It is intuitive, with high level coding and easy to reuse, making the verification process simpler and faster.</a:t>
+              <a:rPr lang="en-US" dirty="0">
+                <a:effectLst/>
+                <a:latin typeface="Calibri" panose="020F0502020204030204" pitchFamily="34" charset="0"/>
+                <a:ea typeface="Calibri" panose="020F0502020204030204" pitchFamily="34" charset="0"/>
+                <a:cs typeface="Arial" panose="020B0604020202020204" pitchFamily="34" charset="0"/>
+              </a:rPr>
+              <a:t>In order to check the functional coverage of the test line, the following cover groups were defined:</a:t>
+            </a:r>
+          </a:p>
+          <a:p>
+            <a:pPr lvl="1">
+              <a:lnSpc>
+                <a:spcPct val="107000"/>
+              </a:lnSpc>
+              <a:spcBef>
+                <a:spcPts val="0"/>
+              </a:spcBef>
+            </a:pPr>
+            <a:r>
+              <a:rPr lang="en-US" sz="2000" dirty="0">
+                <a:effectLst/>
+                <a:latin typeface="Calibri" panose="020F0502020204030204" pitchFamily="34" charset="0"/>
+                <a:ea typeface="Calibri" panose="020F0502020204030204" pitchFamily="34" charset="0"/>
+                <a:cs typeface="Arial" panose="020B0604020202020204" pitchFamily="34" charset="0"/>
+              </a:rPr>
+              <a:t>NUM_POINTS - This cover group samples the number of data points randomly generated for each test, to verify that all values  of this variable are uniformly distributed between 8 and 512.</a:t>
+            </a:r>
+          </a:p>
+          <a:p>
+            <a:pPr lvl="1">
+              <a:lnSpc>
+                <a:spcPct val="107000"/>
+              </a:lnSpc>
+              <a:spcBef>
+                <a:spcPts val="0"/>
+              </a:spcBef>
+            </a:pPr>
+            <a:r>
+              <a:rPr lang="en-US" sz="2000" dirty="0">
+                <a:effectLst/>
+                <a:latin typeface="Calibri" panose="020F0502020204030204" pitchFamily="34" charset="0"/>
+                <a:ea typeface="Calibri" panose="020F0502020204030204" pitchFamily="34" charset="0"/>
+                <a:cs typeface="Arial" panose="020B0604020202020204" pitchFamily="34" charset="0"/>
+              </a:rPr>
+              <a:t>DATA_VALUE - This cover group samples the values of each one of the seven coordinates of all data points randomly generated for each test, to verify that all values  of this variable are uniformly distributed between all the possible values.</a:t>
+            </a:r>
+          </a:p>
+          <a:p>
+            <a:pPr lvl="1">
+              <a:lnSpc>
+                <a:spcPct val="107000"/>
+              </a:lnSpc>
+              <a:spcBef>
+                <a:spcPts val="0"/>
+              </a:spcBef>
+              <a:spcAft>
+                <a:spcPts val="800"/>
+              </a:spcAft>
+            </a:pPr>
+            <a:r>
+              <a:rPr lang="en-US" sz="2000" dirty="0">
+                <a:effectLst/>
+                <a:latin typeface="Calibri" panose="020F0502020204030204" pitchFamily="34" charset="0"/>
+                <a:ea typeface="Calibri" panose="020F0502020204030204" pitchFamily="34" charset="0"/>
+                <a:cs typeface="Arial" panose="020B0604020202020204" pitchFamily="34" charset="0"/>
+              </a:rPr>
+              <a:t>CENTX_VALUE - This cover group samples the value of each one of the seven coordinates of centroid X, randomly generated at each test, to verify that all values of this variable are uniformly distributed between all the possible values.</a:t>
             </a:r>
           </a:p>
           <a:p>
@@ -2751,7 +2440,7 @@
           <a:p>
             <a:fld id="{509FA207-E8FD-4363-95A6-907EB6A63BD8}" type="slidenum">
               <a:rPr lang="en-US" smtClean="0"/>
-              <a:t>45</a:t>
+              <a:t>39</a:t>
             </a:fld>
             <a:endParaRPr lang="en-US"/>
           </a:p>
@@ -2760,7 +2449,7 @@
     </p:spTree>
     <p:extLst>
       <p:ext uri="{BB962C8B-B14F-4D97-AF65-F5344CB8AC3E}">
-        <p14:creationId xmlns:p14="http://schemas.microsoft.com/office/powerpoint/2010/main" val="1839181625"/>
+        <p14:creationId xmlns:p14="http://schemas.microsoft.com/office/powerpoint/2010/main" val="2917502182"/>
       </p:ext>
     </p:extLst>
   </p:cSld>
@@ -2770,7 +2459,7 @@
 </p:notes>
 </file>
 
-<file path=ppt/notesSlides/notesSlide3.xml><?xml version="1.0" encoding="utf-8"?>
+<file path=ppt/notesSlides/notesSlide21.xml><?xml version="1.0" encoding="utf-8"?>
 <p:notes xmlns:a="http://schemas.openxmlformats.org/drawingml/2006/main" xmlns:r="http://schemas.openxmlformats.org/officeDocument/2006/relationships" xmlns:p="http://schemas.openxmlformats.org/presentationml/2006/main">
   <p:cSld>
     <p:spTree>
@@ -2814,132 +2503,6 @@
           <a:bodyPr/>
           <a:lstStyle/>
           <a:p>
-            <a:pPr marL="0" marR="0" lvl="0" indent="0" algn="l" defTabSz="914400" rtl="0" eaLnBrk="1" fontAlgn="auto" latinLnBrk="0" hangingPunct="1">
-              <a:lnSpc>
-                <a:spcPct val="100000"/>
-              </a:lnSpc>
-              <a:spcBef>
-                <a:spcPts val="0"/>
-              </a:spcBef>
-              <a:spcAft>
-                <a:spcPts val="0"/>
-              </a:spcAft>
-              <a:buClrTx/>
-              <a:buSzTx/>
-              <a:buFontTx/>
-              <a:buNone/>
-              <a:tabLst/>
-              <a:defRPr/>
-            </a:pPr>
-            <a:r>
-              <a:rPr lang="en-US" sz="1200" dirty="0">
-                <a:effectLst/>
-                <a:latin typeface="Calibri" panose="020F0502020204030204" pitchFamily="34" charset="0"/>
-                <a:ea typeface="Calibri" panose="020F0502020204030204" pitchFamily="34" charset="0"/>
-                <a:cs typeface="Arial" panose="020B0604020202020204" pitchFamily="34" charset="0"/>
-              </a:rPr>
-              <a:t>Eddy Removal to here:</a:t>
-            </a:r>
-          </a:p>
-          <a:p>
-            <a:pPr marL="0" marR="0" lvl="0" indent="0" algn="l" defTabSz="914400" rtl="0" eaLnBrk="1" fontAlgn="auto" latinLnBrk="0" hangingPunct="1">
-              <a:lnSpc>
-                <a:spcPct val="100000"/>
-              </a:lnSpc>
-              <a:spcBef>
-                <a:spcPts val="0"/>
-              </a:spcBef>
-              <a:spcAft>
-                <a:spcPts val="0"/>
-              </a:spcAft>
-              <a:buClrTx/>
-              <a:buSzTx/>
-              <a:buFontTx/>
-              <a:buNone/>
-              <a:tabLst/>
-              <a:defRPr/>
-            </a:pPr>
-            <a:endParaRPr lang="en-US" sz="1200" dirty="0">
-              <a:latin typeface="Calibri" panose="020F0502020204030204" pitchFamily="34" charset="0"/>
-              <a:ea typeface="Calibri" panose="020F0502020204030204" pitchFamily="34" charset="0"/>
-              <a:cs typeface="Arial" panose="020B0604020202020204" pitchFamily="34" charset="0"/>
-            </a:endParaRPr>
-          </a:p>
-          <a:p>
-            <a:pPr marL="0" marR="0" lvl="0" indent="0" algn="l" defTabSz="914400" rtl="0" eaLnBrk="1" fontAlgn="auto" latinLnBrk="0" hangingPunct="1">
-              <a:lnSpc>
-                <a:spcPct val="100000"/>
-              </a:lnSpc>
-              <a:spcBef>
-                <a:spcPts val="0"/>
-              </a:spcBef>
-              <a:spcAft>
-                <a:spcPts val="0"/>
-              </a:spcAft>
-              <a:buClrTx/>
-              <a:buSzTx/>
-              <a:buFontTx/>
-              <a:buNone/>
-              <a:tabLst/>
-              <a:defRPr/>
-            </a:pPr>
-            <a:r>
-              <a:rPr lang="en-US" sz="1200" dirty="0">
-                <a:latin typeface="Calibri" panose="020F0502020204030204" pitchFamily="34" charset="0"/>
-                <a:ea typeface="Calibri" panose="020F0502020204030204" pitchFamily="34" charset="0"/>
-                <a:cs typeface="Arial" panose="020B0604020202020204" pitchFamily="34" charset="0"/>
-              </a:rPr>
-              <a:t>T</a:t>
-            </a:r>
-            <a:r>
-              <a:rPr lang="en-US" sz="1200" dirty="0">
-                <a:effectLst/>
-                <a:latin typeface="Calibri" panose="020F0502020204030204" pitchFamily="34" charset="0"/>
-                <a:ea typeface="Calibri" panose="020F0502020204030204" pitchFamily="34" charset="0"/>
-                <a:cs typeface="Arial" panose="020B0604020202020204" pitchFamily="34" charset="0"/>
-              </a:rPr>
-              <a:t>he  connected in this block, instead of the agent block or the sequence block</a:t>
-            </a:r>
-            <a:r>
-              <a:rPr lang="en-US" sz="1200" dirty="0">
-                <a:latin typeface="Calibri" panose="020F0502020204030204" pitchFamily="34" charset="0"/>
-                <a:ea typeface="Calibri" panose="020F0502020204030204" pitchFamily="34" charset="0"/>
-                <a:cs typeface="Arial" panose="020B0604020202020204" pitchFamily="34" charset="0"/>
-              </a:rPr>
-              <a:t> </a:t>
-            </a:r>
-            <a:r>
-              <a:rPr lang="en-US" sz="1200" dirty="0">
-                <a:effectLst/>
-                <a:latin typeface="Calibri" panose="020F0502020204030204" pitchFamily="34" charset="0"/>
-                <a:ea typeface="Calibri" panose="020F0502020204030204" pitchFamily="34" charset="0"/>
-                <a:cs typeface="Arial" panose="020B0604020202020204" pitchFamily="34" charset="0"/>
-              </a:rPr>
-              <a:t>because by specifying in the test class which sequence</a:t>
-            </a:r>
-            <a:r>
-              <a:rPr lang="en-US" sz="1200" dirty="0">
-                <a:solidFill>
-                  <a:srgbClr val="FF0000"/>
-                </a:solidFill>
-                <a:effectLst/>
-                <a:latin typeface="Calibri" panose="020F0502020204030204" pitchFamily="34" charset="0"/>
-                <a:ea typeface="Calibri" panose="020F0502020204030204" pitchFamily="34" charset="0"/>
-                <a:cs typeface="Arial" panose="020B0604020202020204" pitchFamily="34" charset="0"/>
-              </a:rPr>
-              <a:t> </a:t>
-            </a:r>
-            <a:r>
-              <a:rPr lang="en-US" sz="1200" dirty="0">
-                <a:effectLst/>
-                <a:latin typeface="Calibri" panose="020F0502020204030204" pitchFamily="34" charset="0"/>
-                <a:ea typeface="Calibri" panose="020F0502020204030204" pitchFamily="34" charset="0"/>
-                <a:cs typeface="Arial" panose="020B0604020202020204" pitchFamily="34" charset="0"/>
-              </a:rPr>
-              <a:t>is going to be generated in the sequencer, the kind of data is transmitted to the DUT can be easily changed, without any change in the agent’s or sequence’s code.</a:t>
-            </a:r>
-          </a:p>
-          <a:p>
             <a:endParaRPr lang="he-IL" dirty="0"/>
           </a:p>
         </p:txBody>
@@ -2961,7 +2524,7 @@
           <a:p>
             <a:fld id="{509FA207-E8FD-4363-95A6-907EB6A63BD8}" type="slidenum">
               <a:rPr lang="en-US" smtClean="0"/>
-              <a:t>7</a:t>
+              <a:t>45</a:t>
             </a:fld>
             <a:endParaRPr lang="en-US"/>
           </a:p>
@@ -2970,7 +2533,553 @@
     </p:spTree>
     <p:extLst>
       <p:ext uri="{BB962C8B-B14F-4D97-AF65-F5344CB8AC3E}">
-        <p14:creationId xmlns:p14="http://schemas.microsoft.com/office/powerpoint/2010/main" val="1545487581"/>
+        <p14:creationId xmlns:p14="http://schemas.microsoft.com/office/powerpoint/2010/main" val="3170983272"/>
+      </p:ext>
+    </p:extLst>
+  </p:cSld>
+  <p:clrMapOvr>
+    <a:masterClrMapping/>
+  </p:clrMapOvr>
+</p:notes>
+</file>
+
+<file path=ppt/notesSlides/notesSlide22.xml><?xml version="1.0" encoding="utf-8"?>
+<p:notes xmlns:a="http://schemas.openxmlformats.org/drawingml/2006/main" xmlns:r="http://schemas.openxmlformats.org/officeDocument/2006/relationships" xmlns:p="http://schemas.openxmlformats.org/presentationml/2006/main">
+  <p:cSld>
+    <p:spTree>
+      <p:nvGrpSpPr>
+        <p:cNvPr id="1" name=""/>
+        <p:cNvGrpSpPr/>
+        <p:nvPr/>
+      </p:nvGrpSpPr>
+      <p:grpSpPr>
+        <a:xfrm>
+          <a:off x="0" y="0"/>
+          <a:ext cx="0" cy="0"/>
+          <a:chOff x="0" y="0"/>
+          <a:chExt cx="0" cy="0"/>
+        </a:xfrm>
+      </p:grpSpPr>
+      <p:sp>
+        <p:nvSpPr>
+          <p:cNvPr id="2" name="Slide Image Placeholder 1"/>
+          <p:cNvSpPr>
+            <a:spLocks noGrp="1" noRot="1" noChangeAspect="1"/>
+          </p:cNvSpPr>
+          <p:nvPr>
+            <p:ph type="sldImg"/>
+          </p:nvPr>
+        </p:nvSpPr>
+        <p:spPr/>
+      </p:sp>
+      <p:sp>
+        <p:nvSpPr>
+          <p:cNvPr id="3" name="Notes Placeholder 2"/>
+          <p:cNvSpPr>
+            <a:spLocks noGrp="1"/>
+          </p:cNvSpPr>
+          <p:nvPr>
+            <p:ph type="body" idx="1"/>
+          </p:nvPr>
+        </p:nvSpPr>
+        <p:spPr/>
+        <p:txBody>
+          <a:bodyPr/>
+          <a:lstStyle/>
+          <a:p>
+            <a:pPr marL="342900" marR="0" lvl="0" indent="-342900" rtl="0">
+              <a:lnSpc>
+                <a:spcPct val="107000"/>
+              </a:lnSpc>
+              <a:spcBef>
+                <a:spcPts val="0"/>
+              </a:spcBef>
+              <a:spcAft>
+                <a:spcPts val="0"/>
+              </a:spcAft>
+              <a:buFont typeface="Symbol" panose="05050102010706020507" pitchFamily="18" charset="2"/>
+              <a:buChar char=""/>
+            </a:pPr>
+            <a:r>
+              <a:rPr lang="en-US" sz="1200" dirty="0">
+                <a:effectLst/>
+                <a:latin typeface="Calibri" panose="020F0502020204030204" pitchFamily="34" charset="0"/>
+                <a:ea typeface="Calibri" panose="020F0502020204030204" pitchFamily="34" charset="0"/>
+                <a:cs typeface="Arial" panose="020B0604020202020204" pitchFamily="34" charset="0"/>
+              </a:rPr>
+              <a:t>The tests results indicate that are still bugs in the DUT, which we were not able to find and fix. If the DUT was a commercial IP, we would advise the company to do a thorough debugging process.</a:t>
+            </a:r>
+          </a:p>
+          <a:p>
+            <a:pPr marL="342900" marR="0" lvl="0" indent="-342900">
+              <a:lnSpc>
+                <a:spcPct val="107000"/>
+              </a:lnSpc>
+              <a:spcBef>
+                <a:spcPts val="0"/>
+              </a:spcBef>
+              <a:spcAft>
+                <a:spcPts val="0"/>
+              </a:spcAft>
+              <a:buFont typeface="Symbol" panose="05050102010706020507" pitchFamily="18" charset="2"/>
+              <a:buChar char=""/>
+            </a:pPr>
+            <a:r>
+              <a:rPr lang="en-US" sz="1200" dirty="0">
+                <a:effectLst/>
+                <a:latin typeface="Calibri" panose="020F0502020204030204" pitchFamily="34" charset="0"/>
+                <a:ea typeface="Calibri" panose="020F0502020204030204" pitchFamily="34" charset="0"/>
+                <a:cs typeface="Arial" panose="020B0604020202020204" pitchFamily="34" charset="0"/>
+              </a:rPr>
+              <a:t>The high fail rate in test line 8 indicates that there is an overflow bug when trying to fill the RAMs.</a:t>
+            </a:r>
+          </a:p>
+          <a:p>
+            <a:pPr marL="342900" marR="0" lvl="0" indent="-342900">
+              <a:lnSpc>
+                <a:spcPct val="107000"/>
+              </a:lnSpc>
+              <a:spcBef>
+                <a:spcPts val="0"/>
+              </a:spcBef>
+              <a:spcAft>
+                <a:spcPts val="0"/>
+              </a:spcAft>
+              <a:buFont typeface="Symbol" panose="05050102010706020507" pitchFamily="18" charset="2"/>
+              <a:buChar char=""/>
+            </a:pPr>
+            <a:r>
+              <a:rPr lang="en-US" sz="1200" dirty="0">
+                <a:effectLst/>
+                <a:latin typeface="Calibri" panose="020F0502020204030204" pitchFamily="34" charset="0"/>
+                <a:ea typeface="Calibri" panose="020F0502020204030204" pitchFamily="34" charset="0"/>
+                <a:cs typeface="Arial" panose="020B0604020202020204" pitchFamily="34" charset="0"/>
+              </a:rPr>
+              <a:t>Test line 3 and 4 indicate that as the number of data points increases so does the number of fails.  This could be related to bugs such as overflow, wrong classification of close points, and/or wrong calculations.</a:t>
+            </a:r>
+          </a:p>
+          <a:p>
+            <a:pPr marL="342900" marR="0" lvl="0" indent="-342900">
+              <a:lnSpc>
+                <a:spcPct val="107000"/>
+              </a:lnSpc>
+              <a:spcBef>
+                <a:spcPts val="0"/>
+              </a:spcBef>
+              <a:spcAft>
+                <a:spcPts val="0"/>
+              </a:spcAft>
+              <a:buFont typeface="Symbol" panose="05050102010706020507" pitchFamily="18" charset="2"/>
+              <a:buChar char=""/>
+            </a:pPr>
+            <a:r>
+              <a:rPr lang="en-US" sz="1200" dirty="0">
+                <a:effectLst/>
+                <a:latin typeface="Calibri" panose="020F0502020204030204" pitchFamily="34" charset="0"/>
+                <a:ea typeface="Calibri" panose="020F0502020204030204" pitchFamily="34" charset="0"/>
+                <a:cs typeface="Arial" panose="020B0604020202020204" pitchFamily="34" charset="0"/>
+              </a:rPr>
+              <a:t>Even though many test benches were run on the DUT in its design phase, many tests have failed. This emphasizes the need for an efficient verification environment, as UVM, parallel to the design process.</a:t>
+            </a:r>
+          </a:p>
+          <a:p>
+            <a:pPr marL="342900" marR="0" lvl="0" indent="-342900">
+              <a:lnSpc>
+                <a:spcPct val="107000"/>
+              </a:lnSpc>
+              <a:spcBef>
+                <a:spcPts val="0"/>
+              </a:spcBef>
+              <a:spcAft>
+                <a:spcPts val="800"/>
+              </a:spcAft>
+              <a:buFont typeface="Symbol" panose="05050102010706020507" pitchFamily="18" charset="2"/>
+              <a:buChar char=""/>
+            </a:pPr>
+            <a:r>
+              <a:rPr lang="en-US" sz="1200" dirty="0">
+                <a:effectLst/>
+                <a:latin typeface="Calibri" panose="020F0502020204030204" pitchFamily="34" charset="0"/>
+                <a:ea typeface="Calibri" panose="020F0502020204030204" pitchFamily="34" charset="0"/>
+                <a:cs typeface="Arial" panose="020B0604020202020204" pitchFamily="34" charset="0"/>
+              </a:rPr>
+              <a:t>UVM is</a:t>
+            </a:r>
+            <a:r>
+              <a:rPr lang="en-US" sz="1200" dirty="0">
+                <a:solidFill>
+                  <a:srgbClr val="FF0000"/>
+                </a:solidFill>
+                <a:effectLst/>
+                <a:latin typeface="Calibri" panose="020F0502020204030204" pitchFamily="34" charset="0"/>
+                <a:ea typeface="Calibri" panose="020F0502020204030204" pitchFamily="34" charset="0"/>
+                <a:cs typeface="Arial" panose="020B0604020202020204" pitchFamily="34" charset="0"/>
+              </a:rPr>
+              <a:t> </a:t>
+            </a:r>
+            <a:r>
+              <a:rPr lang="en-US" sz="1200" dirty="0">
+                <a:effectLst/>
+                <a:latin typeface="Calibri" panose="020F0502020204030204" pitchFamily="34" charset="0"/>
+                <a:ea typeface="Calibri" panose="020F0502020204030204" pitchFamily="34" charset="0"/>
+                <a:cs typeface="Arial" panose="020B0604020202020204" pitchFamily="34" charset="0"/>
+              </a:rPr>
+              <a:t>an effective tool. It is intuitive, with high level coding and easy to reuse, making the verification process simpler and faster.</a:t>
+            </a:r>
+          </a:p>
+          <a:p>
+            <a:endParaRPr lang="en-US" dirty="0"/>
+          </a:p>
+        </p:txBody>
+      </p:sp>
+      <p:sp>
+        <p:nvSpPr>
+          <p:cNvPr id="4" name="Slide Number Placeholder 3"/>
+          <p:cNvSpPr>
+            <a:spLocks noGrp="1"/>
+          </p:cNvSpPr>
+          <p:nvPr>
+            <p:ph type="sldNum" sz="quarter" idx="5"/>
+          </p:nvPr>
+        </p:nvSpPr>
+        <p:spPr/>
+        <p:txBody>
+          <a:bodyPr/>
+          <a:lstStyle/>
+          <a:p>
+            <a:fld id="{509FA207-E8FD-4363-95A6-907EB6A63BD8}" type="slidenum">
+              <a:rPr lang="en-US" smtClean="0"/>
+              <a:t>46</a:t>
+            </a:fld>
+            <a:endParaRPr lang="en-US"/>
+          </a:p>
+        </p:txBody>
+      </p:sp>
+    </p:spTree>
+    <p:extLst>
+      <p:ext uri="{BB962C8B-B14F-4D97-AF65-F5344CB8AC3E}">
+        <p14:creationId xmlns:p14="http://schemas.microsoft.com/office/powerpoint/2010/main" val="1839181625"/>
+      </p:ext>
+    </p:extLst>
+  </p:cSld>
+  <p:clrMapOvr>
+    <a:masterClrMapping/>
+  </p:clrMapOvr>
+</p:notes>
+</file>
+
+<file path=ppt/notesSlides/notesSlide3.xml><?xml version="1.0" encoding="utf-8"?>
+<p:notes xmlns:a="http://schemas.openxmlformats.org/drawingml/2006/main" xmlns:r="http://schemas.openxmlformats.org/officeDocument/2006/relationships" xmlns:p="http://schemas.openxmlformats.org/presentationml/2006/main">
+  <p:cSld>
+    <p:spTree>
+      <p:nvGrpSpPr>
+        <p:cNvPr id="1" name=""/>
+        <p:cNvGrpSpPr/>
+        <p:nvPr/>
+      </p:nvGrpSpPr>
+      <p:grpSpPr>
+        <a:xfrm>
+          <a:off x="0" y="0"/>
+          <a:ext cx="0" cy="0"/>
+          <a:chOff x="0" y="0"/>
+          <a:chExt cx="0" cy="0"/>
+        </a:xfrm>
+      </p:grpSpPr>
+      <p:sp>
+        <p:nvSpPr>
+          <p:cNvPr id="2" name="Slide Image Placeholder 1"/>
+          <p:cNvSpPr>
+            <a:spLocks noGrp="1" noRot="1" noChangeAspect="1"/>
+          </p:cNvSpPr>
+          <p:nvPr>
+            <p:ph type="sldImg"/>
+          </p:nvPr>
+        </p:nvSpPr>
+        <p:spPr/>
+      </p:sp>
+      <p:sp>
+        <p:nvSpPr>
+          <p:cNvPr id="3" name="Notes Placeholder 2"/>
+          <p:cNvSpPr>
+            <a:spLocks noGrp="1"/>
+          </p:cNvSpPr>
+          <p:nvPr>
+            <p:ph type="body" idx="1"/>
+          </p:nvPr>
+        </p:nvSpPr>
+        <p:spPr/>
+        <p:txBody>
+          <a:bodyPr/>
+          <a:lstStyle/>
+          <a:p>
+            <a:pPr marL="0" marR="0" indent="0">
+              <a:lnSpc>
+                <a:spcPct val="107000"/>
+              </a:lnSpc>
+              <a:spcBef>
+                <a:spcPts val="0"/>
+              </a:spcBef>
+              <a:spcAft>
+                <a:spcPts val="800"/>
+              </a:spcAft>
+              <a:buNone/>
+            </a:pPr>
+            <a:r>
+              <a:rPr lang="en-US" sz="1200" dirty="0">
+                <a:effectLst/>
+                <a:latin typeface="Calibri" panose="020F0502020204030204" pitchFamily="34" charset="0"/>
+                <a:ea typeface="Calibri" panose="020F0502020204030204" pitchFamily="34" charset="0"/>
+                <a:cs typeface="Arial" panose="020B0604020202020204" pitchFamily="34" charset="0"/>
+              </a:rPr>
+              <a:t>Eddy Removal to here:</a:t>
+            </a:r>
+          </a:p>
+          <a:p>
+            <a:pPr marL="0" marR="0" lvl="0" indent="0" algn="l" defTabSz="914400" rtl="0" eaLnBrk="1" fontAlgn="auto" latinLnBrk="0" hangingPunct="1">
+              <a:lnSpc>
+                <a:spcPct val="107000"/>
+              </a:lnSpc>
+              <a:spcBef>
+                <a:spcPts val="0"/>
+              </a:spcBef>
+              <a:spcAft>
+                <a:spcPts val="800"/>
+              </a:spcAft>
+              <a:buClrTx/>
+              <a:buSzTx/>
+              <a:buFontTx/>
+              <a:buNone/>
+              <a:tabLst/>
+              <a:defRPr/>
+            </a:pPr>
+            <a:r>
+              <a:rPr lang="en-US" sz="1200" dirty="0">
+                <a:effectLst/>
+                <a:latin typeface="Calibri" panose="020F0502020204030204" pitchFamily="34" charset="0"/>
+                <a:ea typeface="Calibri" panose="020F0502020204030204" pitchFamily="34" charset="0"/>
+                <a:cs typeface="Arial" panose="020B0604020202020204" pitchFamily="34" charset="0"/>
+              </a:rPr>
+              <a:t>(The interface is a module that holds all the signals of the DUT. The monitor, the driver and the DUT are all going to be connected to this module.)</a:t>
+            </a:r>
+          </a:p>
+          <a:p>
+            <a:pPr marL="0" marR="0" indent="0">
+              <a:lnSpc>
+                <a:spcPct val="107000"/>
+              </a:lnSpc>
+              <a:spcBef>
+                <a:spcPts val="0"/>
+              </a:spcBef>
+              <a:spcAft>
+                <a:spcPts val="800"/>
+              </a:spcAft>
+              <a:buNone/>
+            </a:pPr>
+            <a:endParaRPr lang="en-US" sz="1200" dirty="0">
+              <a:effectLst/>
+              <a:latin typeface="Calibri" panose="020F0502020204030204" pitchFamily="34" charset="0"/>
+              <a:ea typeface="Calibri" panose="020F0502020204030204" pitchFamily="34" charset="0"/>
+              <a:cs typeface="Arial" panose="020B0604020202020204" pitchFamily="34" charset="0"/>
+            </a:endParaRPr>
+          </a:p>
+          <a:p>
+            <a:pPr marL="0" marR="0" indent="0">
+              <a:lnSpc>
+                <a:spcPct val="107000"/>
+              </a:lnSpc>
+              <a:spcBef>
+                <a:spcPts val="0"/>
+              </a:spcBef>
+              <a:spcAft>
+                <a:spcPts val="800"/>
+              </a:spcAft>
+              <a:buNone/>
+            </a:pPr>
+            <a:r>
+              <a:rPr lang="en-US" sz="1200" dirty="0">
+                <a:effectLst/>
+                <a:latin typeface="Calibri" panose="020F0502020204030204" pitchFamily="34" charset="0"/>
+                <a:ea typeface="Calibri" panose="020F0502020204030204" pitchFamily="34" charset="0"/>
+                <a:cs typeface="Arial" panose="020B0604020202020204" pitchFamily="34" charset="0"/>
+              </a:rPr>
+              <a:t>The top block will create instances of the DUT, the Reference model and of the testbench. It will also declare the virtual interface, which will act as a bridge between the Test component and the DUT/Reference Model.</a:t>
+            </a:r>
+          </a:p>
+          <a:p>
+            <a:pPr marL="0" marR="0" indent="0">
+              <a:lnSpc>
+                <a:spcPct val="107000"/>
+              </a:lnSpc>
+              <a:spcBef>
+                <a:spcPts val="0"/>
+              </a:spcBef>
+              <a:spcAft>
+                <a:spcPts val="800"/>
+              </a:spcAft>
+              <a:buNone/>
+            </a:pPr>
+            <a:r>
+              <a:rPr lang="en-US" sz="1200" dirty="0">
+                <a:effectLst/>
+                <a:latin typeface="Calibri" panose="020F0502020204030204" pitchFamily="34" charset="0"/>
+                <a:ea typeface="Calibri" panose="020F0502020204030204" pitchFamily="34" charset="0"/>
+                <a:cs typeface="Arial" panose="020B0604020202020204" pitchFamily="34" charset="0"/>
+              </a:rPr>
+              <a:t>The interface is a module that holds all the signals of the DUT. The monitor, the driver and the DUT are all going to be connected to this module.</a:t>
+            </a:r>
+          </a:p>
+          <a:p>
+            <a:pPr marL="0" marR="0" indent="0">
+              <a:lnSpc>
+                <a:spcPct val="107000"/>
+              </a:lnSpc>
+              <a:spcBef>
+                <a:spcPts val="0"/>
+              </a:spcBef>
+              <a:spcAft>
+                <a:spcPts val="800"/>
+              </a:spcAft>
+              <a:buNone/>
+            </a:pPr>
+            <a:r>
+              <a:rPr lang="en-US" sz="1200" dirty="0">
+                <a:effectLst/>
+                <a:latin typeface="Calibri" panose="020F0502020204030204" pitchFamily="34" charset="0"/>
+                <a:ea typeface="Calibri" panose="020F0502020204030204" pitchFamily="34" charset="0"/>
+                <a:cs typeface="Arial" panose="020B0604020202020204" pitchFamily="34" charset="0"/>
+              </a:rPr>
+              <a:t>This block will be a typical SystemVerilog module and it will be responsible for:</a:t>
+            </a:r>
+          </a:p>
+          <a:p>
+            <a:pPr lvl="1">
+              <a:lnSpc>
+                <a:spcPct val="107000"/>
+              </a:lnSpc>
+              <a:spcBef>
+                <a:spcPts val="0"/>
+              </a:spcBef>
+            </a:pPr>
+            <a:r>
+              <a:rPr lang="en-US" sz="1200" dirty="0">
+                <a:effectLst/>
+                <a:latin typeface="Calibri" panose="020F0502020204030204" pitchFamily="34" charset="0"/>
+                <a:ea typeface="Calibri" panose="020F0502020204030204" pitchFamily="34" charset="0"/>
+                <a:cs typeface="Arial" panose="020B0604020202020204" pitchFamily="34" charset="0"/>
+              </a:rPr>
+              <a:t>Connecting the DUT and Reference Model to the test class, using the interface defined before.</a:t>
+            </a:r>
+          </a:p>
+          <a:p>
+            <a:pPr lvl="1">
+              <a:lnSpc>
+                <a:spcPct val="107000"/>
+              </a:lnSpc>
+              <a:spcBef>
+                <a:spcPts val="0"/>
+              </a:spcBef>
+            </a:pPr>
+            <a:r>
+              <a:rPr lang="en-US" sz="1200" dirty="0">
+                <a:effectLst/>
+                <a:latin typeface="Calibri" panose="020F0502020204030204" pitchFamily="34" charset="0"/>
+                <a:ea typeface="Calibri" panose="020F0502020204030204" pitchFamily="34" charset="0"/>
+                <a:cs typeface="Arial" panose="020B0604020202020204" pitchFamily="34" charset="0"/>
+              </a:rPr>
+              <a:t>Generating the clock for the DUT.</a:t>
+            </a:r>
+          </a:p>
+          <a:p>
+            <a:pPr lvl="1">
+              <a:lnSpc>
+                <a:spcPct val="107000"/>
+              </a:lnSpc>
+              <a:spcBef>
+                <a:spcPts val="0"/>
+              </a:spcBef>
+            </a:pPr>
+            <a:r>
+              <a:rPr lang="en-US" sz="1200" dirty="0">
+                <a:effectLst/>
+                <a:latin typeface="Calibri" panose="020F0502020204030204" pitchFamily="34" charset="0"/>
+                <a:ea typeface="Calibri" panose="020F0502020204030204" pitchFamily="34" charset="0"/>
+                <a:cs typeface="Arial" panose="020B0604020202020204" pitchFamily="34" charset="0"/>
+              </a:rPr>
+              <a:t>Registering the interface in the UVM factory. This is necessary in order to pass this interface to all other classes that will be instantiated in the testbench. It will be registered in the UVM factory by using the </a:t>
+            </a:r>
+            <a:r>
+              <a:rPr lang="en-US" sz="1200" dirty="0" err="1">
+                <a:effectLst/>
+                <a:latin typeface="Calibri" panose="020F0502020204030204" pitchFamily="34" charset="0"/>
+                <a:ea typeface="Calibri" panose="020F0502020204030204" pitchFamily="34" charset="0"/>
+                <a:cs typeface="Arial" panose="020B0604020202020204" pitchFamily="34" charset="0"/>
+              </a:rPr>
+              <a:t>uvm_resource_db</a:t>
+            </a:r>
+            <a:r>
+              <a:rPr lang="en-US" sz="1200" dirty="0">
+                <a:effectLst/>
+                <a:latin typeface="Calibri" panose="020F0502020204030204" pitchFamily="34" charset="0"/>
+                <a:ea typeface="Calibri" panose="020F0502020204030204" pitchFamily="34" charset="0"/>
+                <a:cs typeface="Arial" panose="020B0604020202020204" pitchFamily="34" charset="0"/>
+              </a:rPr>
+              <a:t> method and every block that will use the same interface, will need to get it by calling the same method. </a:t>
+            </a:r>
+          </a:p>
+          <a:p>
+            <a:pPr lvl="1">
+              <a:lnSpc>
+                <a:spcPct val="107000"/>
+              </a:lnSpc>
+              <a:spcBef>
+                <a:spcPts val="0"/>
+              </a:spcBef>
+              <a:spcAft>
+                <a:spcPts val="800"/>
+              </a:spcAft>
+            </a:pPr>
+            <a:r>
+              <a:rPr lang="en-US" sz="1200" dirty="0">
+                <a:effectLst/>
+                <a:latin typeface="Calibri" panose="020F0502020204030204" pitchFamily="34" charset="0"/>
+                <a:ea typeface="Calibri" panose="020F0502020204030204" pitchFamily="34" charset="0"/>
+                <a:cs typeface="Arial" panose="020B0604020202020204" pitchFamily="34" charset="0"/>
+              </a:rPr>
+              <a:t>Running the test.</a:t>
+            </a:r>
+          </a:p>
+          <a:p>
+            <a:endParaRPr lang="en-US" dirty="0"/>
+          </a:p>
+        </p:txBody>
+      </p:sp>
+      <p:sp>
+        <p:nvSpPr>
+          <p:cNvPr id="4" name="Slide Number Placeholder 3"/>
+          <p:cNvSpPr>
+            <a:spLocks noGrp="1"/>
+          </p:cNvSpPr>
+          <p:nvPr>
+            <p:ph type="sldNum" sz="quarter" idx="5"/>
+          </p:nvPr>
+        </p:nvSpPr>
+        <p:spPr/>
+        <p:txBody>
+          <a:bodyPr/>
+          <a:lstStyle/>
+          <a:p>
+            <a:fld id="{509FA207-E8FD-4363-95A6-907EB6A63BD8}" type="slidenum">
+              <a:rPr lang="en-US" smtClean="0"/>
+              <a:t>6</a:t>
+            </a:fld>
+            <a:endParaRPr lang="en-US"/>
+          </a:p>
+        </p:txBody>
+      </p:sp>
+    </p:spTree>
+    <p:extLst>
+      <p:ext uri="{BB962C8B-B14F-4D97-AF65-F5344CB8AC3E}">
+        <p14:creationId xmlns:p14="http://schemas.microsoft.com/office/powerpoint/2010/main" val="2098685868"/>
       </p:ext>
     </p:extLst>
   </p:cSld>
@@ -3024,47 +3133,132 @@
           <a:bodyPr/>
           <a:lstStyle/>
           <a:p>
-            <a:r>
-              <a:rPr lang="en-US" dirty="0"/>
-              <a:t>Eddy change:</a:t>
-            </a:r>
-          </a:p>
-          <a:p>
+            <a:pPr marL="0" marR="0" lvl="0" indent="0" algn="l" defTabSz="914400" rtl="0" eaLnBrk="1" fontAlgn="auto" latinLnBrk="0" hangingPunct="1">
+              <a:lnSpc>
+                <a:spcPct val="100000"/>
+              </a:lnSpc>
+              <a:spcBef>
+                <a:spcPts val="0"/>
+              </a:spcBef>
+              <a:spcAft>
+                <a:spcPts val="0"/>
+              </a:spcAft>
+              <a:buClrTx/>
+              <a:buSzTx/>
+              <a:buFontTx/>
+              <a:buNone/>
+              <a:tabLst/>
+              <a:defRPr/>
+            </a:pPr>
             <a:r>
               <a:rPr lang="en-US" sz="1200" dirty="0">
-                <a:latin typeface="Calibri" panose="020F0502020204030204" pitchFamily="34" charset="0"/>
-                <a:cs typeface="Arial" panose="020B0604020202020204" pitchFamily="34" charset="0"/>
-              </a:rPr>
-              <a:t>A transaction is a class object, usually extended from </a:t>
-            </a:r>
-            <a:r>
-              <a:rPr lang="en-US" sz="1200" dirty="0" err="1">
-                <a:latin typeface="Calibri" panose="020F0502020204030204" pitchFamily="34" charset="0"/>
-                <a:cs typeface="Arial" panose="020B0604020202020204" pitchFamily="34" charset="0"/>
-              </a:rPr>
-              <a:t>uvm_transaction</a:t>
-            </a:r>
+                <a:effectLst/>
+                <a:latin typeface="Calibri" panose="020F0502020204030204" pitchFamily="34" charset="0"/>
+                <a:ea typeface="Calibri" panose="020F0502020204030204" pitchFamily="34" charset="0"/>
+                <a:cs typeface="Arial" panose="020B0604020202020204" pitchFamily="34" charset="0"/>
+              </a:rPr>
+              <a:t>Eddy Removal to here:</a:t>
+            </a:r>
+          </a:p>
+          <a:p>
+            <a:pPr marL="0" marR="0" lvl="0" indent="0" algn="l" defTabSz="914400" rtl="0" eaLnBrk="1" fontAlgn="auto" latinLnBrk="0" hangingPunct="1">
+              <a:lnSpc>
+                <a:spcPct val="100000"/>
+              </a:lnSpc>
+              <a:spcBef>
+                <a:spcPts val="0"/>
+              </a:spcBef>
+              <a:spcAft>
+                <a:spcPts val="0"/>
+              </a:spcAft>
+              <a:buClrTx/>
+              <a:buSzTx/>
+              <a:buFontTx/>
+              <a:buNone/>
+              <a:tabLst/>
+              <a:defRPr/>
+            </a:pPr>
+            <a:endParaRPr lang="en-US" sz="1200" dirty="0">
+              <a:latin typeface="Calibri" panose="020F0502020204030204" pitchFamily="34" charset="0"/>
+              <a:ea typeface="Calibri" panose="020F0502020204030204" pitchFamily="34" charset="0"/>
+              <a:cs typeface="Arial" panose="020B0604020202020204" pitchFamily="34" charset="0"/>
+            </a:endParaRPr>
+          </a:p>
+          <a:p>
+            <a:pPr marL="0" marR="0" lvl="0" indent="0" algn="l" defTabSz="914400" rtl="0" eaLnBrk="1" fontAlgn="auto" latinLnBrk="0" hangingPunct="1">
+              <a:lnSpc>
+                <a:spcPct val="100000"/>
+              </a:lnSpc>
+              <a:spcBef>
+                <a:spcPts val="0"/>
+              </a:spcBef>
+              <a:spcAft>
+                <a:spcPts val="0"/>
+              </a:spcAft>
+              <a:buClrTx/>
+              <a:buSzTx/>
+              <a:buFontTx/>
+              <a:buNone/>
+              <a:tabLst/>
+              <a:defRPr/>
+            </a:pPr>
             <a:r>
               <a:rPr lang="en-US" sz="1200" dirty="0">
                 <a:latin typeface="Calibri" panose="020F0502020204030204" pitchFamily="34" charset="0"/>
-                <a:cs typeface="Arial" panose="020B0604020202020204" pitchFamily="34" charset="0"/>
-              </a:rPr>
-              <a:t> or </a:t>
-            </a:r>
-            <a:r>
-              <a:rPr lang="en-US" sz="1200" dirty="0" err="1">
-                <a:latin typeface="Calibri" panose="020F0502020204030204" pitchFamily="34" charset="0"/>
-                <a:cs typeface="Arial" panose="020B0604020202020204" pitchFamily="34" charset="0"/>
-              </a:rPr>
-              <a:t>uvm_sequence_item</a:t>
+                <a:ea typeface="Calibri" panose="020F0502020204030204" pitchFamily="34" charset="0"/>
+                <a:cs typeface="Arial" panose="020B0604020202020204" pitchFamily="34" charset="0"/>
+              </a:rPr>
+              <a:t>T</a:t>
             </a:r>
             <a:r>
               <a:rPr lang="en-US" sz="1200" dirty="0">
-                <a:latin typeface="Calibri" panose="020F0502020204030204" pitchFamily="34" charset="0"/>
-                <a:cs typeface="Arial" panose="020B0604020202020204" pitchFamily="34" charset="0"/>
-              </a:rPr>
-              <a:t> classes, which includes the information needed to model the communication between two or more components</a:t>
-            </a:r>
+                <a:effectLst/>
+                <a:latin typeface="Calibri" panose="020F0502020204030204" pitchFamily="34" charset="0"/>
+                <a:ea typeface="Calibri" panose="020F0502020204030204" pitchFamily="34" charset="0"/>
+                <a:cs typeface="Arial" panose="020B0604020202020204" pitchFamily="34" charset="0"/>
+              </a:rPr>
+              <a:t>he  connected in this block, instead of the agent block or the sequence block</a:t>
+            </a:r>
+            <a:r>
+              <a:rPr lang="en-US" sz="1200" dirty="0">
+                <a:latin typeface="Calibri" panose="020F0502020204030204" pitchFamily="34" charset="0"/>
+                <a:ea typeface="Calibri" panose="020F0502020204030204" pitchFamily="34" charset="0"/>
+                <a:cs typeface="Arial" panose="020B0604020202020204" pitchFamily="34" charset="0"/>
+              </a:rPr>
+              <a:t> </a:t>
+            </a:r>
+            <a:r>
+              <a:rPr lang="en-US" sz="1200" dirty="0">
+                <a:effectLst/>
+                <a:latin typeface="Calibri" panose="020F0502020204030204" pitchFamily="34" charset="0"/>
+                <a:ea typeface="Calibri" panose="020F0502020204030204" pitchFamily="34" charset="0"/>
+                <a:cs typeface="Arial" panose="020B0604020202020204" pitchFamily="34" charset="0"/>
+              </a:rPr>
+              <a:t>because by specifying in the test class which sequence</a:t>
+            </a:r>
+            <a:r>
+              <a:rPr lang="en-US" sz="1200" dirty="0">
+                <a:solidFill>
+                  <a:srgbClr val="FF0000"/>
+                </a:solidFill>
+                <a:effectLst/>
+                <a:latin typeface="Calibri" panose="020F0502020204030204" pitchFamily="34" charset="0"/>
+                <a:ea typeface="Calibri" panose="020F0502020204030204" pitchFamily="34" charset="0"/>
+                <a:cs typeface="Arial" panose="020B0604020202020204" pitchFamily="34" charset="0"/>
+              </a:rPr>
+              <a:t> </a:t>
+            </a:r>
+            <a:r>
+              <a:rPr lang="en-US" sz="1200" dirty="0">
+                <a:effectLst/>
+                <a:latin typeface="Calibri" panose="020F0502020204030204" pitchFamily="34" charset="0"/>
+                <a:ea typeface="Calibri" panose="020F0502020204030204" pitchFamily="34" charset="0"/>
+                <a:cs typeface="Arial" panose="020B0604020202020204" pitchFamily="34" charset="0"/>
+              </a:rPr>
+              <a:t>is going to be generated in the sequencer, the kind of data is transmitted to the DUT can be easily changed, without any change in the agent’s or sequence’s code.</a:t>
+            </a:r>
+          </a:p>
+          <a:p>
             <a:endParaRPr lang="he-IL" dirty="0"/>
           </a:p>
         </p:txBody>
@@ -3086,7 +3280,7 @@
           <a:p>
             <a:fld id="{509FA207-E8FD-4363-95A6-907EB6A63BD8}" type="slidenum">
               <a:rPr lang="en-US" smtClean="0"/>
-              <a:t>8</a:t>
+              <a:t>7</a:t>
             </a:fld>
             <a:endParaRPr lang="en-US"/>
           </a:p>
@@ -3095,7 +3289,7 @@
     </p:spTree>
     <p:extLst>
       <p:ext uri="{BB962C8B-B14F-4D97-AF65-F5344CB8AC3E}">
-        <p14:creationId xmlns:p14="http://schemas.microsoft.com/office/powerpoint/2010/main" val="355416328"/>
+        <p14:creationId xmlns:p14="http://schemas.microsoft.com/office/powerpoint/2010/main" val="1545487581"/>
       </p:ext>
     </p:extLst>
   </p:cSld>
@@ -3124,7 +3318,7 @@
       </p:grpSpPr>
       <p:sp>
         <p:nvSpPr>
-          <p:cNvPr id="2" name="Slide Image Placeholder 1"/>
+          <p:cNvPr id="2" name="מציין מיקום של תמונת שקופית 1"/>
           <p:cNvSpPr>
             <a:spLocks noGrp="1" noRot="1" noChangeAspect="1"/>
           </p:cNvSpPr>
@@ -3136,7 +3330,7 @@
       </p:sp>
       <p:sp>
         <p:nvSpPr>
-          <p:cNvPr id="3" name="Notes Placeholder 2"/>
+          <p:cNvPr id="3" name="מציין מיקום של הערות 2"/>
           <p:cNvSpPr>
             <a:spLocks noGrp="1"/>
           </p:cNvSpPr>
@@ -3149,88 +3343,54 @@
           <a:bodyPr/>
           <a:lstStyle/>
           <a:p>
-            <a:pPr marL="0" marR="0">
-              <a:lnSpc>
-                <a:spcPct val="107000"/>
-              </a:lnSpc>
-              <a:spcBef>
-                <a:spcPts val="0"/>
-              </a:spcBef>
-              <a:spcAft>
-                <a:spcPts val="800"/>
-              </a:spcAft>
-            </a:pPr>
+            <a:r>
+              <a:rPr lang="en-US" dirty="0"/>
+              <a:t>Eddy change:</a:t>
+            </a:r>
+          </a:p>
+          <a:p>
             <a:r>
               <a:rPr lang="en-US" sz="1200" dirty="0">
-                <a:effectLst/>
-                <a:latin typeface="Calibri" panose="020F0502020204030204" pitchFamily="34" charset="0"/>
-                <a:ea typeface="Calibri" panose="020F0502020204030204" pitchFamily="34" charset="0"/>
-                <a:cs typeface="Arial" panose="020B0604020202020204" pitchFamily="34" charset="0"/>
-              </a:rPr>
-              <a:t>The purpose of the agent module is to connect </a:t>
-            </a:r>
-            <a:r>
-              <a:rPr lang="en-US" dirty="0">
-                <a:effectLst/>
-                <a:latin typeface="Calibri" panose="020F0502020204030204" pitchFamily="34" charset="0"/>
-                <a:ea typeface="Calibri" panose="020F0502020204030204" pitchFamily="34" charset="0"/>
-                <a:cs typeface="Arial" panose="020B0604020202020204" pitchFamily="34" charset="0"/>
-              </a:rPr>
-              <a:t>both monitors, the sequencer and the driver. An agent doesn’t require a run phase, there is no simulation code to be executed in this block but there will be a connect phase, in addition to the build phase.</a:t>
-            </a:r>
-          </a:p>
-          <a:p>
-            <a:pPr marL="0" marR="0">
-              <a:lnSpc>
-                <a:spcPct val="107000"/>
-              </a:lnSpc>
-              <a:spcBef>
-                <a:spcPts val="0"/>
-              </a:spcBef>
-              <a:spcAft>
-                <a:spcPts val="800"/>
-              </a:spcAft>
-            </a:pPr>
+                <a:latin typeface="Calibri" panose="020F0502020204030204" pitchFamily="34" charset="0"/>
+                <a:cs typeface="Arial" panose="020B0604020202020204" pitchFamily="34" charset="0"/>
+              </a:rPr>
+              <a:t>A transaction is a class object, usually extended from </a:t>
+            </a:r>
+            <a:r>
+              <a:rPr lang="en-US" sz="1200" dirty="0" err="1">
+                <a:latin typeface="Calibri" panose="020F0502020204030204" pitchFamily="34" charset="0"/>
+                <a:cs typeface="Arial" panose="020B0604020202020204" pitchFamily="34" charset="0"/>
+              </a:rPr>
+              <a:t>uvm_transaction</a:t>
+            </a:r>
             <a:r>
               <a:rPr lang="en-US" sz="1200" dirty="0">
-                <a:effectLst/>
-                <a:latin typeface="Calibri" panose="020F0502020204030204" pitchFamily="34" charset="0"/>
-                <a:ea typeface="Calibri" panose="020F0502020204030204" pitchFamily="34" charset="0"/>
-                <a:cs typeface="Arial" panose="020B0604020202020204" pitchFamily="34" charset="0"/>
-              </a:rPr>
-              <a:t>The Agent component will construct the monitors, the sequencer and the driver in the build phase. It will also need to create two analysis ports, these ports will act as proxies for the monitors to be connect to an external scoreboard through the agent’s ports.</a:t>
-            </a:r>
-          </a:p>
-          <a:p>
-            <a:pPr marL="0" marR="0">
-              <a:lnSpc>
-                <a:spcPct val="107000"/>
-              </a:lnSpc>
-              <a:spcBef>
-                <a:spcPts val="0"/>
-              </a:spcBef>
-              <a:spcAft>
-                <a:spcPts val="800"/>
-              </a:spcAft>
-            </a:pPr>
+                <a:latin typeface="Calibri" panose="020F0502020204030204" pitchFamily="34" charset="0"/>
+                <a:cs typeface="Arial" panose="020B0604020202020204" pitchFamily="34" charset="0"/>
+              </a:rPr>
+              <a:t> or </a:t>
+            </a:r>
+            <a:r>
+              <a:rPr lang="en-US" sz="1200" dirty="0" err="1">
+                <a:latin typeface="Calibri" panose="020F0502020204030204" pitchFamily="34" charset="0"/>
+                <a:cs typeface="Arial" panose="020B0604020202020204" pitchFamily="34" charset="0"/>
+              </a:rPr>
+              <a:t>uvm_sequence_item</a:t>
+            </a:r>
             <a:r>
               <a:rPr lang="en-US" sz="1200" dirty="0">
-                <a:effectLst/>
-                <a:latin typeface="Calibri" panose="020F0502020204030204" pitchFamily="34" charset="0"/>
-                <a:ea typeface="Calibri" panose="020F0502020204030204" pitchFamily="34" charset="0"/>
-                <a:cs typeface="Arial" panose="020B0604020202020204" pitchFamily="34" charset="0"/>
-              </a:rPr>
-              <a:t>After it has constructed the components previously mentioned , the Agent has to make the connections between them. Using the concept of TLM ports, it can connect each port to its destination.</a:t>
-            </a:r>
-          </a:p>
-          <a:p>
-            <a:endParaRPr lang="en-US" dirty="0"/>
+                <a:latin typeface="Calibri" panose="020F0502020204030204" pitchFamily="34" charset="0"/>
+                <a:cs typeface="Arial" panose="020B0604020202020204" pitchFamily="34" charset="0"/>
+              </a:rPr>
+              <a:t> classes, which includes the information needed to model the communication between two or more components</a:t>
+            </a:r>
+            <a:endParaRPr lang="he-IL" dirty="0"/>
           </a:p>
         </p:txBody>
       </p:sp>
       <p:sp>
         <p:nvSpPr>
-          <p:cNvPr id="4" name="Slide Number Placeholder 3"/>
+          <p:cNvPr id="4" name="מציין מיקום של מספר שקופית 3"/>
           <p:cNvSpPr>
             <a:spLocks noGrp="1"/>
           </p:cNvSpPr>
@@ -3245,7 +3405,7 @@
           <a:p>
             <a:fld id="{509FA207-E8FD-4363-95A6-907EB6A63BD8}" type="slidenum">
               <a:rPr lang="en-US" smtClean="0"/>
-              <a:t>12</a:t>
+              <a:t>8</a:t>
             </a:fld>
             <a:endParaRPr lang="en-US"/>
           </a:p>
@@ -3254,7 +3414,7 @@
     </p:spTree>
     <p:extLst>
       <p:ext uri="{BB962C8B-B14F-4D97-AF65-F5344CB8AC3E}">
-        <p14:creationId xmlns:p14="http://schemas.microsoft.com/office/powerpoint/2010/main" val="882604135"/>
+        <p14:creationId xmlns:p14="http://schemas.microsoft.com/office/powerpoint/2010/main" val="355416328"/>
       </p:ext>
     </p:extLst>
   </p:cSld>
@@ -3308,6 +3468,81 @@
           <a:bodyPr/>
           <a:lstStyle/>
           <a:p>
+            <a:pPr marL="0" marR="0">
+              <a:lnSpc>
+                <a:spcPct val="107000"/>
+              </a:lnSpc>
+              <a:spcBef>
+                <a:spcPts val="0"/>
+              </a:spcBef>
+              <a:spcAft>
+                <a:spcPts val="800"/>
+              </a:spcAft>
+            </a:pPr>
+            <a:r>
+              <a:rPr lang="en-US" sz="1200" dirty="0">
+                <a:effectLst/>
+                <a:latin typeface="Calibri" panose="020F0502020204030204" pitchFamily="34" charset="0"/>
+                <a:ea typeface="Calibri" panose="020F0502020204030204" pitchFamily="34" charset="0"/>
+                <a:cs typeface="Arial" panose="020B0604020202020204" pitchFamily="34" charset="0"/>
+              </a:rPr>
+              <a:t>The purpose of the agent module is to connect </a:t>
+            </a:r>
+            <a:r>
+              <a:rPr lang="en-US" dirty="0">
+                <a:effectLst/>
+                <a:latin typeface="Calibri" panose="020F0502020204030204" pitchFamily="34" charset="0"/>
+                <a:ea typeface="Calibri" panose="020F0502020204030204" pitchFamily="34" charset="0"/>
+                <a:cs typeface="Arial" panose="020B0604020202020204" pitchFamily="34" charset="0"/>
+              </a:rPr>
+              <a:t>both monitors, the sequencer and the driver. An agent doesn’t require a run phase, there is no simulation code to be executed in this block but there will be a connect phase, in addition to the build phase.</a:t>
+            </a:r>
+          </a:p>
+          <a:p>
+            <a:pPr marL="0" marR="0">
+              <a:lnSpc>
+                <a:spcPct val="107000"/>
+              </a:lnSpc>
+              <a:spcBef>
+                <a:spcPts val="0"/>
+              </a:spcBef>
+              <a:spcAft>
+                <a:spcPts val="800"/>
+              </a:spcAft>
+            </a:pPr>
+            <a:r>
+              <a:rPr lang="en-US" sz="1200" dirty="0">
+                <a:effectLst/>
+                <a:latin typeface="Calibri" panose="020F0502020204030204" pitchFamily="34" charset="0"/>
+                <a:ea typeface="Calibri" panose="020F0502020204030204" pitchFamily="34" charset="0"/>
+                <a:cs typeface="Arial" panose="020B0604020202020204" pitchFamily="34" charset="0"/>
+              </a:rPr>
+              <a:t>The Agent component will construct the monitors, the sequencer and the driver in the build phase. It will also need to create two analysis ports, these ports will act as proxies for the monitors to be connect to an external scoreboard through the agent’s ports.</a:t>
+            </a:r>
+          </a:p>
+          <a:p>
+            <a:pPr marL="0" marR="0">
+              <a:lnSpc>
+                <a:spcPct val="107000"/>
+              </a:lnSpc>
+              <a:spcBef>
+                <a:spcPts val="0"/>
+              </a:spcBef>
+              <a:spcAft>
+                <a:spcPts val="800"/>
+              </a:spcAft>
+            </a:pPr>
+            <a:r>
+              <a:rPr lang="en-US" sz="1200" dirty="0">
+                <a:effectLst/>
+                <a:latin typeface="Calibri" panose="020F0502020204030204" pitchFamily="34" charset="0"/>
+                <a:ea typeface="Calibri" panose="020F0502020204030204" pitchFamily="34" charset="0"/>
+                <a:cs typeface="Arial" panose="020B0604020202020204" pitchFamily="34" charset="0"/>
+              </a:rPr>
+              <a:t>After it has constructed the components previously mentioned , the Agent has to make the connections between them. Using the concept of TLM ports, it can connect each port to its destination.</a:t>
+            </a:r>
+          </a:p>
+          <a:p>
             <a:endParaRPr lang="en-US" dirty="0"/>
           </a:p>
         </p:txBody>
@@ -3329,7 +3564,7 @@
           <a:p>
             <a:fld id="{509FA207-E8FD-4363-95A6-907EB6A63BD8}" type="slidenum">
               <a:rPr lang="en-US" smtClean="0"/>
-              <a:t>15</a:t>
+              <a:t>12</a:t>
             </a:fld>
             <a:endParaRPr lang="en-US"/>
           </a:p>
@@ -3338,7 +3573,7 @@
     </p:spTree>
     <p:extLst>
       <p:ext uri="{BB962C8B-B14F-4D97-AF65-F5344CB8AC3E}">
-        <p14:creationId xmlns:p14="http://schemas.microsoft.com/office/powerpoint/2010/main" val="2883006069"/>
+        <p14:creationId xmlns:p14="http://schemas.microsoft.com/office/powerpoint/2010/main" val="882604135"/>
       </p:ext>
     </p:extLst>
   </p:cSld>
@@ -3349,6 +3584,135 @@
 </file>
 
 <file path=ppt/notesSlides/notesSlide7.xml><?xml version="1.0" encoding="utf-8"?>
+<p:notes xmlns:a="http://schemas.openxmlformats.org/drawingml/2006/main" xmlns:r="http://schemas.openxmlformats.org/officeDocument/2006/relationships" xmlns:p="http://schemas.openxmlformats.org/presentationml/2006/main">
+  <p:cSld>
+    <p:spTree>
+      <p:nvGrpSpPr>
+        <p:cNvPr id="1" name=""/>
+        <p:cNvGrpSpPr/>
+        <p:nvPr/>
+      </p:nvGrpSpPr>
+      <p:grpSpPr>
+        <a:xfrm>
+          <a:off x="0" y="0"/>
+          <a:ext cx="0" cy="0"/>
+          <a:chOff x="0" y="0"/>
+          <a:chExt cx="0" cy="0"/>
+        </a:xfrm>
+      </p:grpSpPr>
+      <p:sp>
+        <p:nvSpPr>
+          <p:cNvPr id="2" name="מציין מיקום של תמונת שקופית 1"/>
+          <p:cNvSpPr>
+            <a:spLocks noGrp="1" noRot="1" noChangeAspect="1"/>
+          </p:cNvSpPr>
+          <p:nvPr>
+            <p:ph type="sldImg"/>
+          </p:nvPr>
+        </p:nvSpPr>
+        <p:spPr/>
+      </p:sp>
+      <p:sp>
+        <p:nvSpPr>
+          <p:cNvPr id="3" name="מציין מיקום של הערות 2"/>
+          <p:cNvSpPr>
+            <a:spLocks noGrp="1"/>
+          </p:cNvSpPr>
+          <p:nvPr>
+            <p:ph type="body" idx="1"/>
+          </p:nvPr>
+        </p:nvSpPr>
+        <p:spPr/>
+        <p:txBody>
+          <a:bodyPr/>
+          <a:lstStyle/>
+          <a:p>
+            <a:pPr algn="l"/>
+            <a:r>
+              <a:rPr lang="en-US" sz="1200" dirty="0"/>
+              <a:t>Clustering is the classification of an object in different groups, or more precisely, the partitioning of a data set into subsets(clusters), so the data in each subset(ideally) share some common – often according to some defined distance measure.</a:t>
+            </a:r>
+            <a:br>
+              <a:rPr lang="en-US" sz="1200" dirty="0"/>
+            </a:br>
+            <a:endParaRPr lang="en-US" sz="1200" dirty="0"/>
+          </a:p>
+          <a:p>
+            <a:pPr algn="l"/>
+            <a:r>
+              <a:rPr lang="en-US" sz="1200" dirty="0"/>
+              <a:t>K means clustering is a simple partition method to cluster n objects based on attributes into k partitions, where k&lt;n.</a:t>
+            </a:r>
+            <a:br>
+              <a:rPr lang="en-US" sz="1200" dirty="0"/>
+            </a:br>
+            <a:endParaRPr lang="en-US" sz="1200" dirty="0"/>
+          </a:p>
+          <a:p>
+            <a:pPr algn="l"/>
+            <a:r>
+              <a:rPr lang="en-US" sz="1200" dirty="0"/>
+              <a:t>K means clustering widely used in machine learning fields.</a:t>
+            </a:r>
+            <a:br>
+              <a:rPr lang="en-US" sz="1200" dirty="0"/>
+            </a:br>
+            <a:endParaRPr lang="en-US" sz="1200" dirty="0"/>
+          </a:p>
+          <a:p>
+            <a:pPr algn="l"/>
+            <a:r>
+              <a:rPr lang="en-US" sz="1200" dirty="0"/>
+              <a:t>Each cluster is represented by the center of the cluster and the algorithm converges when stabilizing centroids of clusters.</a:t>
+            </a:r>
+          </a:p>
+          <a:p>
+            <a:pPr algn="l"/>
+            <a:endParaRPr lang="en-US" dirty="0"/>
+          </a:p>
+          <a:p>
+            <a:pPr algn="l" rtl="0"/>
+            <a:endParaRPr lang="he-IL" dirty="0"/>
+          </a:p>
+        </p:txBody>
+      </p:sp>
+      <p:sp>
+        <p:nvSpPr>
+          <p:cNvPr id="4" name="מציין מיקום של מספר שקופית 3"/>
+          <p:cNvSpPr>
+            <a:spLocks noGrp="1"/>
+          </p:cNvSpPr>
+          <p:nvPr>
+            <p:ph type="sldNum" sz="quarter" idx="5"/>
+          </p:nvPr>
+        </p:nvSpPr>
+        <p:spPr/>
+        <p:txBody>
+          <a:bodyPr/>
+          <a:lstStyle/>
+          <a:p>
+            <a:fld id="{A47A8C64-5C8B-40B3-A683-36C8893A9F2F}" type="slidenum">
+              <a:rPr lang="he-IL" smtClean="0"/>
+              <a:t>14</a:t>
+            </a:fld>
+            <a:endParaRPr lang="he-IL"/>
+          </a:p>
+        </p:txBody>
+      </p:sp>
+    </p:spTree>
+    <p:extLst>
+      <p:ext uri="{BB962C8B-B14F-4D97-AF65-F5344CB8AC3E}">
+        <p14:creationId xmlns:p14="http://schemas.microsoft.com/office/powerpoint/2010/main" val="1015321442"/>
+      </p:ext>
+    </p:extLst>
+  </p:cSld>
+  <p:clrMapOvr>
+    <a:masterClrMapping/>
+  </p:clrMapOvr>
+</p:notes>
+</file>
+
+<file path=ppt/notesSlides/notesSlide8.xml><?xml version="1.0" encoding="utf-8"?>
 <p:notes xmlns:a="http://schemas.openxmlformats.org/drawingml/2006/main" xmlns:r="http://schemas.openxmlformats.org/officeDocument/2006/relationships" xmlns:p="http://schemas.openxmlformats.org/presentationml/2006/main">
   <p:cSld>
     <p:spTree>
@@ -3392,325 +3756,6 @@
           <a:bodyPr/>
           <a:lstStyle/>
           <a:p>
-            <a:r>
-              <a:rPr lang="en-US" sz="1800" dirty="0">
-                <a:effectLst/>
-                <a:latin typeface="Calibri" panose="020F0502020204030204" pitchFamily="34" charset="0"/>
-                <a:ea typeface="Calibri" panose="020F0502020204030204" pitchFamily="34" charset="0"/>
-                <a:cs typeface="Arial" panose="020B0604020202020204" pitchFamily="34" charset="0"/>
-              </a:rPr>
-              <a:t>Before setting the “Go” register to 1, at least 8 data points need to be written to the IP’s RAM. The maximum Ram capacity is 512 data points, therefore, insertion of more than 512 data points may cause unexpected behavior. </a:t>
-            </a:r>
-          </a:p>
-          <a:p>
-            <a:pPr marL="0" marR="0">
-              <a:lnSpc>
-                <a:spcPct val="107000"/>
-              </a:lnSpc>
-              <a:spcBef>
-                <a:spcPts val="0"/>
-              </a:spcBef>
-              <a:spcAft>
-                <a:spcPts val="800"/>
-              </a:spcAft>
-            </a:pPr>
-            <a:r>
-              <a:rPr lang="en-US" sz="1800" dirty="0">
-                <a:effectLst/>
-                <a:latin typeface="Calibri" panose="020F0502020204030204" pitchFamily="34" charset="0"/>
-                <a:ea typeface="Calibri" panose="020F0502020204030204" pitchFamily="34" charset="0"/>
-                <a:cs typeface="Arial" panose="020B0604020202020204" pitchFamily="34" charset="0"/>
-              </a:rPr>
-              <a:t>Before setting the “Go” register to 1, the following registers need to be configured (not necessarily in this order):</a:t>
-            </a:r>
-          </a:p>
-          <a:p>
-            <a:pPr marL="800100" lvl="1" indent="-342900">
-              <a:lnSpc>
-                <a:spcPct val="107000"/>
-              </a:lnSpc>
-              <a:spcBef>
-                <a:spcPts val="0"/>
-              </a:spcBef>
-              <a:buFont typeface="Calibri" panose="020F0502020204030204" pitchFamily="34" charset="0"/>
-              <a:buChar char="-"/>
-            </a:pPr>
-            <a:r>
-              <a:rPr lang="en-US" sz="1400" dirty="0">
-                <a:effectLst/>
-                <a:latin typeface="Calibri" panose="020F0502020204030204" pitchFamily="34" charset="0"/>
-                <a:ea typeface="Calibri" panose="020F0502020204030204" pitchFamily="34" charset="0"/>
-                <a:cs typeface="Arial" panose="020B0604020202020204" pitchFamily="34" charset="0"/>
-              </a:rPr>
-              <a:t>First ram </a:t>
-            </a:r>
-            <a:r>
-              <a:rPr lang="en-US" sz="1400" dirty="0" err="1">
-                <a:effectLst/>
-                <a:latin typeface="Calibri" panose="020F0502020204030204" pitchFamily="34" charset="0"/>
-                <a:ea typeface="Calibri" panose="020F0502020204030204" pitchFamily="34" charset="0"/>
-                <a:cs typeface="Arial" panose="020B0604020202020204" pitchFamily="34" charset="0"/>
-              </a:rPr>
-              <a:t>addr</a:t>
-            </a:r>
-            <a:r>
-              <a:rPr lang="en-US" sz="1400" dirty="0">
-                <a:effectLst/>
-                <a:latin typeface="Calibri" panose="020F0502020204030204" pitchFamily="34" charset="0"/>
-                <a:ea typeface="Calibri" panose="020F0502020204030204" pitchFamily="34" charset="0"/>
-                <a:cs typeface="Arial" panose="020B0604020202020204" pitchFamily="34" charset="0"/>
-              </a:rPr>
-              <a:t> – this register must be configured to the first ram address in which the user wrote data.</a:t>
-            </a:r>
-          </a:p>
-          <a:p>
-            <a:pPr marL="800100" lvl="1" indent="-342900">
-              <a:lnSpc>
-                <a:spcPct val="107000"/>
-              </a:lnSpc>
-              <a:spcBef>
-                <a:spcPts val="0"/>
-              </a:spcBef>
-              <a:spcAft>
-                <a:spcPts val="800"/>
-              </a:spcAft>
-              <a:buFont typeface="Calibri" panose="020F0502020204030204" pitchFamily="34" charset="0"/>
-              <a:buChar char="-"/>
-            </a:pPr>
-            <a:r>
-              <a:rPr lang="en-US" sz="1400" dirty="0">
-                <a:effectLst/>
-                <a:latin typeface="Calibri" panose="020F0502020204030204" pitchFamily="34" charset="0"/>
-                <a:ea typeface="Calibri" panose="020F0502020204030204" pitchFamily="34" charset="0"/>
-                <a:cs typeface="Arial" panose="020B0604020202020204" pitchFamily="34" charset="0"/>
-              </a:rPr>
-              <a:t>Last ram </a:t>
-            </a:r>
-            <a:r>
-              <a:rPr lang="en-US" sz="1400" dirty="0" err="1">
-                <a:effectLst/>
-                <a:latin typeface="Calibri" panose="020F0502020204030204" pitchFamily="34" charset="0"/>
-                <a:ea typeface="Calibri" panose="020F0502020204030204" pitchFamily="34" charset="0"/>
-                <a:cs typeface="Arial" panose="020B0604020202020204" pitchFamily="34" charset="0"/>
-              </a:rPr>
-              <a:t>addr</a:t>
-            </a:r>
-            <a:r>
-              <a:rPr lang="en-US" sz="1400" dirty="0">
-                <a:effectLst/>
-                <a:latin typeface="Calibri" panose="020F0502020204030204" pitchFamily="34" charset="0"/>
-                <a:ea typeface="Calibri" panose="020F0502020204030204" pitchFamily="34" charset="0"/>
-                <a:cs typeface="Arial" panose="020B0604020202020204" pitchFamily="34" charset="0"/>
-              </a:rPr>
-              <a:t> - this register must be configured to the last ram address in which the user wrote data.</a:t>
-            </a:r>
-          </a:p>
-          <a:p>
-            <a:pPr marL="0" marR="0" indent="0">
-              <a:lnSpc>
-                <a:spcPct val="107000"/>
-              </a:lnSpc>
-              <a:spcBef>
-                <a:spcPts val="0"/>
-              </a:spcBef>
-              <a:spcAft>
-                <a:spcPts val="800"/>
-              </a:spcAft>
-              <a:buNone/>
-            </a:pPr>
-            <a:r>
-              <a:rPr lang="en-US" sz="1800" dirty="0">
-                <a:latin typeface="Calibri" panose="020F0502020204030204" pitchFamily="34" charset="0"/>
-                <a:ea typeface="Calibri" panose="020F0502020204030204" pitchFamily="34" charset="0"/>
-                <a:cs typeface="Arial" panose="020B0604020202020204" pitchFamily="34" charset="0"/>
-              </a:rPr>
-              <a:t>	T</a:t>
-            </a:r>
-            <a:r>
-              <a:rPr lang="en-US" sz="1800" dirty="0">
-                <a:effectLst/>
-                <a:latin typeface="Calibri" panose="020F0502020204030204" pitchFamily="34" charset="0"/>
-                <a:ea typeface="Calibri" panose="020F0502020204030204" pitchFamily="34" charset="0"/>
-                <a:cs typeface="Arial" panose="020B0604020202020204" pitchFamily="34" charset="0"/>
-              </a:rPr>
-              <a:t>he maximum Ram capacity is of 512 data points, therefore the parameter “First ram </a:t>
-            </a:r>
-            <a:r>
-              <a:rPr lang="en-US" sz="1800" dirty="0" err="1">
-                <a:effectLst/>
-                <a:latin typeface="Calibri" panose="020F0502020204030204" pitchFamily="34" charset="0"/>
-                <a:ea typeface="Calibri" panose="020F0502020204030204" pitchFamily="34" charset="0"/>
-                <a:cs typeface="Arial" panose="020B0604020202020204" pitchFamily="34" charset="0"/>
-              </a:rPr>
-              <a:t>addr</a:t>
-            </a:r>
-            <a:r>
-              <a:rPr lang="en-US" sz="1800" dirty="0">
-                <a:effectLst/>
-                <a:latin typeface="Calibri" panose="020F0502020204030204" pitchFamily="34" charset="0"/>
-                <a:ea typeface="Calibri" panose="020F0502020204030204" pitchFamily="34" charset="0"/>
-                <a:cs typeface="Arial" panose="020B0604020202020204" pitchFamily="34" charset="0"/>
-              </a:rPr>
-              <a:t>” should be between 1 and 512. The parameters “Last ram </a:t>
-            </a:r>
-            <a:r>
-              <a:rPr lang="en-US" sz="1800" dirty="0" err="1">
-                <a:effectLst/>
-                <a:latin typeface="Calibri" panose="020F0502020204030204" pitchFamily="34" charset="0"/>
-                <a:ea typeface="Calibri" panose="020F0502020204030204" pitchFamily="34" charset="0"/>
-                <a:cs typeface="Arial" panose="020B0604020202020204" pitchFamily="34" charset="0"/>
-              </a:rPr>
-              <a:t>addr</a:t>
-            </a:r>
-            <a:r>
-              <a:rPr lang="en-US" sz="1800" dirty="0">
-                <a:effectLst/>
-                <a:latin typeface="Calibri" panose="020F0502020204030204" pitchFamily="34" charset="0"/>
-                <a:ea typeface="Calibri" panose="020F0502020204030204" pitchFamily="34" charset="0"/>
-                <a:cs typeface="Arial" panose="020B0604020202020204" pitchFamily="34" charset="0"/>
-              </a:rPr>
-              <a:t>” shall therefore be set to the sum of the parameter “First ram </a:t>
-            </a:r>
-            <a:r>
-              <a:rPr lang="en-US" sz="1800" dirty="0" err="1">
-                <a:effectLst/>
-                <a:latin typeface="Calibri" panose="020F0502020204030204" pitchFamily="34" charset="0"/>
-                <a:ea typeface="Calibri" panose="020F0502020204030204" pitchFamily="34" charset="0"/>
-                <a:cs typeface="Arial" panose="020B0604020202020204" pitchFamily="34" charset="0"/>
-              </a:rPr>
-              <a:t>addr</a:t>
-            </a:r>
-            <a:r>
-              <a:rPr lang="en-US" sz="1800" dirty="0">
-                <a:effectLst/>
-                <a:latin typeface="Calibri" panose="020F0502020204030204" pitchFamily="34" charset="0"/>
-                <a:ea typeface="Calibri" panose="020F0502020204030204" pitchFamily="34" charset="0"/>
-                <a:cs typeface="Arial" panose="020B0604020202020204" pitchFamily="34" charset="0"/>
-              </a:rPr>
-              <a:t>” and the number of points chosen by the user.</a:t>
-            </a:r>
-          </a:p>
-          <a:p>
-            <a:pPr>
-              <a:lnSpc>
-                <a:spcPct val="107000"/>
-              </a:lnSpc>
-              <a:spcBef>
-                <a:spcPts val="0"/>
-              </a:spcBef>
-              <a:spcAft>
-                <a:spcPts val="800"/>
-              </a:spcAft>
-            </a:pPr>
-            <a:r>
-              <a:rPr lang="en-US" sz="1800" dirty="0">
-                <a:effectLst/>
-                <a:latin typeface="Calibri" panose="020F0502020204030204" pitchFamily="34" charset="0"/>
-                <a:ea typeface="Calibri" panose="020F0502020204030204" pitchFamily="34" charset="0"/>
-                <a:cs typeface="Arial" panose="020B0604020202020204" pitchFamily="34" charset="0"/>
-              </a:rPr>
-              <a:t>After performing the configurations described above, in order to instruct the DUT to start its function, the user must write the value ‘1’ to register named “</a:t>
-            </a:r>
-            <a:r>
-              <a:rPr lang="en-US" sz="1800" dirty="0" err="1">
-                <a:effectLst/>
-                <a:latin typeface="Calibri" panose="020F0502020204030204" pitchFamily="34" charset="0"/>
-                <a:ea typeface="Calibri" panose="020F0502020204030204" pitchFamily="34" charset="0"/>
-                <a:cs typeface="Arial" panose="020B0604020202020204" pitchFamily="34" charset="0"/>
-              </a:rPr>
-              <a:t>Go_reg</a:t>
-            </a:r>
-            <a:r>
-              <a:rPr lang="en-US" sz="1800" dirty="0">
-                <a:effectLst/>
-                <a:latin typeface="Calibri" panose="020F0502020204030204" pitchFamily="34" charset="0"/>
-                <a:ea typeface="Calibri" panose="020F0502020204030204" pitchFamily="34" charset="0"/>
-                <a:cs typeface="Arial" panose="020B0604020202020204" pitchFamily="34" charset="0"/>
-              </a:rPr>
-              <a:t>”.</a:t>
-            </a:r>
-          </a:p>
-          <a:p>
-            <a:pPr>
-              <a:lnSpc>
-                <a:spcPct val="107000"/>
-              </a:lnSpc>
-              <a:spcBef>
-                <a:spcPts val="0"/>
-              </a:spcBef>
-              <a:spcAft>
-                <a:spcPts val="800"/>
-              </a:spcAft>
-            </a:pPr>
-            <a:r>
-              <a:rPr lang="en-US" sz="1800" dirty="0">
-                <a:effectLst/>
-                <a:latin typeface="Calibri" panose="020F0502020204030204" pitchFamily="34" charset="0"/>
-                <a:ea typeface="Calibri" panose="020F0502020204030204" pitchFamily="34" charset="0"/>
-                <a:cs typeface="Arial" panose="020B0604020202020204" pitchFamily="34" charset="0"/>
-              </a:rPr>
-              <a:t>The centroid initial values can be configured by writing these values to registers “</a:t>
-            </a:r>
-            <a:r>
-              <a:rPr lang="en-US" sz="1800" dirty="0" err="1">
-                <a:effectLst/>
-                <a:latin typeface="Calibri" panose="020F0502020204030204" pitchFamily="34" charset="0"/>
-                <a:ea typeface="Calibri" panose="020F0502020204030204" pitchFamily="34" charset="0"/>
-                <a:cs typeface="Arial" panose="020B0604020202020204" pitchFamily="34" charset="0"/>
-              </a:rPr>
-              <a:t>Cent_X_reg</a:t>
-            </a:r>
-            <a:r>
-              <a:rPr lang="en-US" sz="1800" dirty="0">
-                <a:effectLst/>
-                <a:latin typeface="Calibri" panose="020F0502020204030204" pitchFamily="34" charset="0"/>
-                <a:ea typeface="Calibri" panose="020F0502020204030204" pitchFamily="34" charset="0"/>
-                <a:cs typeface="Arial" panose="020B0604020202020204" pitchFamily="34" charset="0"/>
-              </a:rPr>
-              <a:t>”(X is an integer between 1 and 8),before the “</a:t>
-            </a:r>
-            <a:r>
-              <a:rPr lang="en-US" sz="1800" dirty="0" err="1">
-                <a:effectLst/>
-                <a:latin typeface="Calibri" panose="020F0502020204030204" pitchFamily="34" charset="0"/>
-                <a:ea typeface="Calibri" panose="020F0502020204030204" pitchFamily="34" charset="0"/>
-                <a:cs typeface="Arial" panose="020B0604020202020204" pitchFamily="34" charset="0"/>
-              </a:rPr>
-              <a:t>Go_reg</a:t>
-            </a:r>
-            <a:r>
-              <a:rPr lang="en-US" sz="1800" dirty="0">
-                <a:effectLst/>
-                <a:latin typeface="Calibri" panose="020F0502020204030204" pitchFamily="34" charset="0"/>
-                <a:ea typeface="Calibri" panose="020F0502020204030204" pitchFamily="34" charset="0"/>
-                <a:cs typeface="Arial" panose="020B0604020202020204" pitchFamily="34" charset="0"/>
-              </a:rPr>
-              <a:t>” is configured to ‘1’. In case these registers are not configured, all centroid initial values will be set to zero.</a:t>
-            </a:r>
-          </a:p>
-          <a:p>
-            <a:pPr>
-              <a:lnSpc>
-                <a:spcPct val="107000"/>
-              </a:lnSpc>
-              <a:spcBef>
-                <a:spcPts val="0"/>
-              </a:spcBef>
-              <a:spcAft>
-                <a:spcPts val="800"/>
-              </a:spcAft>
-            </a:pPr>
-            <a:r>
-              <a:rPr lang="en-US" sz="1800" dirty="0">
-                <a:effectLst/>
-                <a:latin typeface="Calibri" panose="020F0502020204030204" pitchFamily="34" charset="0"/>
-                <a:ea typeface="Calibri" panose="020F0502020204030204" pitchFamily="34" charset="0"/>
-                <a:cs typeface="Arial" panose="020B0604020202020204" pitchFamily="34" charset="0"/>
-              </a:rPr>
-              <a:t>The threshold value used for convergence check of the algorithm may be configured by user. It can be configured by writing the desired threshold value to register “Thresh hold”. In case this register is not configured, the threshold value will be set to zero.</a:t>
-            </a:r>
-          </a:p>
-          <a:p>
             <a:endParaRPr lang="en-US" dirty="0"/>
           </a:p>
         </p:txBody>
@@ -3732,7 +3777,7 @@
           <a:p>
             <a:fld id="{509FA207-E8FD-4363-95A6-907EB6A63BD8}" type="slidenum">
               <a:rPr lang="en-US" smtClean="0"/>
-              <a:t>17</a:t>
+              <a:t>16</a:t>
             </a:fld>
             <a:endParaRPr lang="en-US"/>
           </a:p>
@@ -3741,153 +3786,7 @@
     </p:spTree>
     <p:extLst>
       <p:ext uri="{BB962C8B-B14F-4D97-AF65-F5344CB8AC3E}">
-        <p14:creationId xmlns:p14="http://schemas.microsoft.com/office/powerpoint/2010/main" val="638841097"/>
-      </p:ext>
-    </p:extLst>
-  </p:cSld>
-  <p:clrMapOvr>
-    <a:masterClrMapping/>
-  </p:clrMapOvr>
-</p:notes>
-</file>
-
-<file path=ppt/notesSlides/notesSlide8.xml><?xml version="1.0" encoding="utf-8"?>
-<p:notes xmlns:a="http://schemas.openxmlformats.org/drawingml/2006/main" xmlns:r="http://schemas.openxmlformats.org/officeDocument/2006/relationships" xmlns:p="http://schemas.openxmlformats.org/presentationml/2006/main">
-  <p:cSld>
-    <p:spTree>
-      <p:nvGrpSpPr>
-        <p:cNvPr id="1" name=""/>
-        <p:cNvGrpSpPr/>
-        <p:nvPr/>
-      </p:nvGrpSpPr>
-      <p:grpSpPr>
-        <a:xfrm>
-          <a:off x="0" y="0"/>
-          <a:ext cx="0" cy="0"/>
-          <a:chOff x="0" y="0"/>
-          <a:chExt cx="0" cy="0"/>
-        </a:xfrm>
-      </p:grpSpPr>
-      <p:sp>
-        <p:nvSpPr>
-          <p:cNvPr id="2" name="מציין מיקום של תמונת שקופית 1"/>
-          <p:cNvSpPr>
-            <a:spLocks noGrp="1" noRot="1" noChangeAspect="1"/>
-          </p:cNvSpPr>
-          <p:nvPr>
-            <p:ph type="sldImg"/>
-          </p:nvPr>
-        </p:nvSpPr>
-        <p:spPr/>
-      </p:sp>
-      <p:sp>
-        <p:nvSpPr>
-          <p:cNvPr id="3" name="מציין מיקום של הערות 2"/>
-          <p:cNvSpPr>
-            <a:spLocks noGrp="1"/>
-          </p:cNvSpPr>
-          <p:nvPr>
-            <p:ph type="body" idx="1"/>
-          </p:nvPr>
-        </p:nvSpPr>
-        <p:spPr/>
-        <p:txBody>
-          <a:bodyPr/>
-          <a:lstStyle/>
-          <a:p>
-            <a:r>
-              <a:rPr lang="en-US" dirty="0"/>
-              <a:t>Eddy change:</a:t>
-            </a:r>
-          </a:p>
-          <a:p>
-            <a:r>
-              <a:rPr lang="en-US" dirty="0"/>
-              <a:t>Afterwards, the transaction sent to the driver with the function </a:t>
-            </a:r>
-            <a:r>
-              <a:rPr lang="en-US" dirty="0" err="1"/>
-              <a:t>start_item</a:t>
-            </a:r>
-            <a:r>
-              <a:rPr lang="en-US" dirty="0"/>
-              <a:t>(</a:t>
-            </a:r>
-            <a:r>
-              <a:rPr lang="en-US" dirty="0" err="1"/>
-              <a:t>thorught</a:t>
-            </a:r>
-            <a:r>
-              <a:rPr lang="en-US" dirty="0"/>
-              <a:t> the sequencer)</a:t>
-            </a:r>
-          </a:p>
-          <a:p>
-            <a:endParaRPr lang="en-US" dirty="0"/>
-          </a:p>
-          <a:p>
-            <a:pPr marL="0" marR="0" lvl="0" indent="0" algn="l" defTabSz="914400" rtl="0" eaLnBrk="1" fontAlgn="auto" latinLnBrk="0" hangingPunct="1">
-              <a:lnSpc>
-                <a:spcPct val="100000"/>
-              </a:lnSpc>
-              <a:spcBef>
-                <a:spcPts val="0"/>
-              </a:spcBef>
-              <a:spcAft>
-                <a:spcPts val="0"/>
-              </a:spcAft>
-              <a:buClrTx/>
-              <a:buSzTx/>
-              <a:buFontTx/>
-              <a:buNone/>
-              <a:tabLst/>
-              <a:defRPr/>
-            </a:pPr>
-            <a:r>
-              <a:rPr lang="en-US" dirty="0"/>
-              <a:t>When the driver finishes the transaction , the sequence ends this transaction with the function </a:t>
-            </a:r>
-            <a:r>
-              <a:rPr lang="en-US" dirty="0" err="1"/>
-              <a:t>finish_item</a:t>
-            </a:r>
-            <a:r>
-              <a:rPr lang="en-US" dirty="0"/>
-              <a:t> .</a:t>
-            </a:r>
-          </a:p>
-          <a:p>
-            <a:endParaRPr lang="he-IL" dirty="0"/>
-          </a:p>
-        </p:txBody>
-      </p:sp>
-      <p:sp>
-        <p:nvSpPr>
-          <p:cNvPr id="4" name="מציין מיקום של מספר שקופית 3"/>
-          <p:cNvSpPr>
-            <a:spLocks noGrp="1"/>
-          </p:cNvSpPr>
-          <p:nvPr>
-            <p:ph type="sldNum" sz="quarter" idx="5"/>
-          </p:nvPr>
-        </p:nvSpPr>
-        <p:spPr/>
-        <p:txBody>
-          <a:bodyPr/>
-          <a:lstStyle/>
-          <a:p>
-            <a:fld id="{509FA207-E8FD-4363-95A6-907EB6A63BD8}" type="slidenum">
-              <a:rPr lang="en-US" smtClean="0"/>
-              <a:t>19</a:t>
-            </a:fld>
-            <a:endParaRPr lang="en-US"/>
-          </a:p>
-        </p:txBody>
-      </p:sp>
-    </p:spTree>
-    <p:extLst>
-      <p:ext uri="{BB962C8B-B14F-4D97-AF65-F5344CB8AC3E}">
-        <p14:creationId xmlns:p14="http://schemas.microsoft.com/office/powerpoint/2010/main" val="2319098757"/>
+        <p14:creationId xmlns:p14="http://schemas.microsoft.com/office/powerpoint/2010/main" val="2883006069"/>
       </p:ext>
     </p:extLst>
   </p:cSld>
@@ -3916,7 +3815,7 @@
       </p:grpSpPr>
       <p:sp>
         <p:nvSpPr>
-          <p:cNvPr id="2" name="מציין מיקום של תמונת שקופית 1"/>
+          <p:cNvPr id="2" name="Slide Image Placeholder 1"/>
           <p:cNvSpPr>
             <a:spLocks noGrp="1" noRot="1" noChangeAspect="1"/>
           </p:cNvSpPr>
@@ -3928,7 +3827,7 @@
       </p:sp>
       <p:sp>
         <p:nvSpPr>
-          <p:cNvPr id="3" name="מציין מיקום של הערות 2"/>
+          <p:cNvPr id="3" name="Notes Placeholder 2"/>
           <p:cNvSpPr>
             <a:spLocks noGrp="1"/>
           </p:cNvSpPr>
@@ -3942,16 +3841,331 @@
           <a:lstStyle/>
           <a:p>
             <a:r>
-              <a:rPr lang="en-US" dirty="0"/>
-              <a:t>Its purpose: (sending the transaction to the DUT and the Ref model):</a:t>
-            </a:r>
-            <a:endParaRPr lang="he-IL" dirty="0"/>
+              <a:rPr lang="en-US" sz="1800" dirty="0">
+                <a:effectLst/>
+                <a:latin typeface="Calibri" panose="020F0502020204030204" pitchFamily="34" charset="0"/>
+                <a:ea typeface="Calibri" panose="020F0502020204030204" pitchFamily="34" charset="0"/>
+                <a:cs typeface="Arial" panose="020B0604020202020204" pitchFamily="34" charset="0"/>
+              </a:rPr>
+              <a:t>Before setting the “Go” register to 1, at least 8 data points need to be written to the IP’s RAM. The maximum Ram capacity is 512 data points, therefore, insertion of more than 512 data points may cause unexpected behavior. </a:t>
+            </a:r>
+          </a:p>
+          <a:p>
+            <a:pPr marL="0" marR="0">
+              <a:lnSpc>
+                <a:spcPct val="107000"/>
+              </a:lnSpc>
+              <a:spcBef>
+                <a:spcPts val="0"/>
+              </a:spcBef>
+              <a:spcAft>
+                <a:spcPts val="800"/>
+              </a:spcAft>
+            </a:pPr>
+            <a:r>
+              <a:rPr lang="en-US" sz="1800" dirty="0">
+                <a:effectLst/>
+                <a:latin typeface="Calibri" panose="020F0502020204030204" pitchFamily="34" charset="0"/>
+                <a:ea typeface="Calibri" panose="020F0502020204030204" pitchFamily="34" charset="0"/>
+                <a:cs typeface="Arial" panose="020B0604020202020204" pitchFamily="34" charset="0"/>
+              </a:rPr>
+              <a:t>Before setting the “Go” register to 1, the following registers need to be configured (not necessarily in this order):</a:t>
+            </a:r>
+          </a:p>
+          <a:p>
+            <a:pPr marL="800100" lvl="1" indent="-342900">
+              <a:lnSpc>
+                <a:spcPct val="107000"/>
+              </a:lnSpc>
+              <a:spcBef>
+                <a:spcPts val="0"/>
+              </a:spcBef>
+              <a:buFont typeface="Calibri" panose="020F0502020204030204" pitchFamily="34" charset="0"/>
+              <a:buChar char="-"/>
+            </a:pPr>
+            <a:r>
+              <a:rPr lang="en-US" sz="1400" dirty="0">
+                <a:effectLst/>
+                <a:latin typeface="Calibri" panose="020F0502020204030204" pitchFamily="34" charset="0"/>
+                <a:ea typeface="Calibri" panose="020F0502020204030204" pitchFamily="34" charset="0"/>
+                <a:cs typeface="Arial" panose="020B0604020202020204" pitchFamily="34" charset="0"/>
+              </a:rPr>
+              <a:t>First ram </a:t>
+            </a:r>
+            <a:r>
+              <a:rPr lang="en-US" sz="1400" dirty="0" err="1">
+                <a:effectLst/>
+                <a:latin typeface="Calibri" panose="020F0502020204030204" pitchFamily="34" charset="0"/>
+                <a:ea typeface="Calibri" panose="020F0502020204030204" pitchFamily="34" charset="0"/>
+                <a:cs typeface="Arial" panose="020B0604020202020204" pitchFamily="34" charset="0"/>
+              </a:rPr>
+              <a:t>addr</a:t>
+            </a:r>
+            <a:r>
+              <a:rPr lang="en-US" sz="1400" dirty="0">
+                <a:effectLst/>
+                <a:latin typeface="Calibri" panose="020F0502020204030204" pitchFamily="34" charset="0"/>
+                <a:ea typeface="Calibri" panose="020F0502020204030204" pitchFamily="34" charset="0"/>
+                <a:cs typeface="Arial" panose="020B0604020202020204" pitchFamily="34" charset="0"/>
+              </a:rPr>
+              <a:t> – this register must be configured to the first ram address in which the user wrote data.</a:t>
+            </a:r>
+          </a:p>
+          <a:p>
+            <a:pPr marL="800100" lvl="1" indent="-342900">
+              <a:lnSpc>
+                <a:spcPct val="107000"/>
+              </a:lnSpc>
+              <a:spcBef>
+                <a:spcPts val="0"/>
+              </a:spcBef>
+              <a:spcAft>
+                <a:spcPts val="800"/>
+              </a:spcAft>
+              <a:buFont typeface="Calibri" panose="020F0502020204030204" pitchFamily="34" charset="0"/>
+              <a:buChar char="-"/>
+            </a:pPr>
+            <a:r>
+              <a:rPr lang="en-US" sz="1400" dirty="0">
+                <a:effectLst/>
+                <a:latin typeface="Calibri" panose="020F0502020204030204" pitchFamily="34" charset="0"/>
+                <a:ea typeface="Calibri" panose="020F0502020204030204" pitchFamily="34" charset="0"/>
+                <a:cs typeface="Arial" panose="020B0604020202020204" pitchFamily="34" charset="0"/>
+              </a:rPr>
+              <a:t>Last ram </a:t>
+            </a:r>
+            <a:r>
+              <a:rPr lang="en-US" sz="1400" dirty="0" err="1">
+                <a:effectLst/>
+                <a:latin typeface="Calibri" panose="020F0502020204030204" pitchFamily="34" charset="0"/>
+                <a:ea typeface="Calibri" panose="020F0502020204030204" pitchFamily="34" charset="0"/>
+                <a:cs typeface="Arial" panose="020B0604020202020204" pitchFamily="34" charset="0"/>
+              </a:rPr>
+              <a:t>addr</a:t>
+            </a:r>
+            <a:r>
+              <a:rPr lang="en-US" sz="1400" dirty="0">
+                <a:effectLst/>
+                <a:latin typeface="Calibri" panose="020F0502020204030204" pitchFamily="34" charset="0"/>
+                <a:ea typeface="Calibri" panose="020F0502020204030204" pitchFamily="34" charset="0"/>
+                <a:cs typeface="Arial" panose="020B0604020202020204" pitchFamily="34" charset="0"/>
+              </a:rPr>
+              <a:t> - this register must be configured to the last ram address in which the user wrote data.</a:t>
+            </a:r>
+          </a:p>
+          <a:p>
+            <a:pPr marL="0" marR="0" indent="0">
+              <a:lnSpc>
+                <a:spcPct val="107000"/>
+              </a:lnSpc>
+              <a:spcBef>
+                <a:spcPts val="0"/>
+              </a:spcBef>
+              <a:spcAft>
+                <a:spcPts val="800"/>
+              </a:spcAft>
+              <a:buNone/>
+            </a:pPr>
+            <a:r>
+              <a:rPr lang="en-US" sz="1800" dirty="0">
+                <a:latin typeface="Calibri" panose="020F0502020204030204" pitchFamily="34" charset="0"/>
+                <a:ea typeface="Calibri" panose="020F0502020204030204" pitchFamily="34" charset="0"/>
+                <a:cs typeface="Arial" panose="020B0604020202020204" pitchFamily="34" charset="0"/>
+              </a:rPr>
+              <a:t>	T</a:t>
+            </a:r>
+            <a:r>
+              <a:rPr lang="en-US" sz="1800" dirty="0">
+                <a:effectLst/>
+                <a:latin typeface="Calibri" panose="020F0502020204030204" pitchFamily="34" charset="0"/>
+                <a:ea typeface="Calibri" panose="020F0502020204030204" pitchFamily="34" charset="0"/>
+                <a:cs typeface="Arial" panose="020B0604020202020204" pitchFamily="34" charset="0"/>
+              </a:rPr>
+              <a:t>he maximum Ram capacity is of 512 data points, therefore the parameter “First ram </a:t>
+            </a:r>
+            <a:r>
+              <a:rPr lang="en-US" sz="1800" dirty="0" err="1">
+                <a:effectLst/>
+                <a:latin typeface="Calibri" panose="020F0502020204030204" pitchFamily="34" charset="0"/>
+                <a:ea typeface="Calibri" panose="020F0502020204030204" pitchFamily="34" charset="0"/>
+                <a:cs typeface="Arial" panose="020B0604020202020204" pitchFamily="34" charset="0"/>
+              </a:rPr>
+              <a:t>addr</a:t>
+            </a:r>
+            <a:r>
+              <a:rPr lang="en-US" sz="1800" dirty="0">
+                <a:effectLst/>
+                <a:latin typeface="Calibri" panose="020F0502020204030204" pitchFamily="34" charset="0"/>
+                <a:ea typeface="Calibri" panose="020F0502020204030204" pitchFamily="34" charset="0"/>
+                <a:cs typeface="Arial" panose="020B0604020202020204" pitchFamily="34" charset="0"/>
+              </a:rPr>
+              <a:t>” should be between 1 and 512. The parameters “Last ram </a:t>
+            </a:r>
+            <a:r>
+              <a:rPr lang="en-US" sz="1800" dirty="0" err="1">
+                <a:effectLst/>
+                <a:latin typeface="Calibri" panose="020F0502020204030204" pitchFamily="34" charset="0"/>
+                <a:ea typeface="Calibri" panose="020F0502020204030204" pitchFamily="34" charset="0"/>
+                <a:cs typeface="Arial" panose="020B0604020202020204" pitchFamily="34" charset="0"/>
+              </a:rPr>
+              <a:t>addr</a:t>
+            </a:r>
+            <a:r>
+              <a:rPr lang="en-US" sz="1800" dirty="0">
+                <a:effectLst/>
+                <a:latin typeface="Calibri" panose="020F0502020204030204" pitchFamily="34" charset="0"/>
+                <a:ea typeface="Calibri" panose="020F0502020204030204" pitchFamily="34" charset="0"/>
+                <a:cs typeface="Arial" panose="020B0604020202020204" pitchFamily="34" charset="0"/>
+              </a:rPr>
+              <a:t>” shall therefore be set to the sum of the parameter “First ram </a:t>
+            </a:r>
+            <a:r>
+              <a:rPr lang="en-US" sz="1800" dirty="0" err="1">
+                <a:effectLst/>
+                <a:latin typeface="Calibri" panose="020F0502020204030204" pitchFamily="34" charset="0"/>
+                <a:ea typeface="Calibri" panose="020F0502020204030204" pitchFamily="34" charset="0"/>
+                <a:cs typeface="Arial" panose="020B0604020202020204" pitchFamily="34" charset="0"/>
+              </a:rPr>
+              <a:t>addr</a:t>
+            </a:r>
+            <a:r>
+              <a:rPr lang="en-US" sz="1800" dirty="0">
+                <a:effectLst/>
+                <a:latin typeface="Calibri" panose="020F0502020204030204" pitchFamily="34" charset="0"/>
+                <a:ea typeface="Calibri" panose="020F0502020204030204" pitchFamily="34" charset="0"/>
+                <a:cs typeface="Arial" panose="020B0604020202020204" pitchFamily="34" charset="0"/>
+              </a:rPr>
+              <a:t>” and the number of points chosen by the user.</a:t>
+            </a:r>
+          </a:p>
+          <a:p>
+            <a:pPr>
+              <a:lnSpc>
+                <a:spcPct val="107000"/>
+              </a:lnSpc>
+              <a:spcBef>
+                <a:spcPts val="0"/>
+              </a:spcBef>
+              <a:spcAft>
+                <a:spcPts val="800"/>
+              </a:spcAft>
+            </a:pPr>
+            <a:r>
+              <a:rPr lang="en-US" sz="1800" dirty="0">
+                <a:effectLst/>
+                <a:latin typeface="Calibri" panose="020F0502020204030204" pitchFamily="34" charset="0"/>
+                <a:ea typeface="Calibri" panose="020F0502020204030204" pitchFamily="34" charset="0"/>
+                <a:cs typeface="Arial" panose="020B0604020202020204" pitchFamily="34" charset="0"/>
+              </a:rPr>
+              <a:t>After performing the configurations described above, in order to instruct the DUT to start its function, the user must write the value ‘1’ to register named “</a:t>
+            </a:r>
+            <a:r>
+              <a:rPr lang="en-US" sz="1800" dirty="0" err="1">
+                <a:effectLst/>
+                <a:latin typeface="Calibri" panose="020F0502020204030204" pitchFamily="34" charset="0"/>
+                <a:ea typeface="Calibri" panose="020F0502020204030204" pitchFamily="34" charset="0"/>
+                <a:cs typeface="Arial" panose="020B0604020202020204" pitchFamily="34" charset="0"/>
+              </a:rPr>
+              <a:t>Go_reg</a:t>
+            </a:r>
+            <a:r>
+              <a:rPr lang="en-US" sz="1800" dirty="0">
+                <a:effectLst/>
+                <a:latin typeface="Calibri" panose="020F0502020204030204" pitchFamily="34" charset="0"/>
+                <a:ea typeface="Calibri" panose="020F0502020204030204" pitchFamily="34" charset="0"/>
+                <a:cs typeface="Arial" panose="020B0604020202020204" pitchFamily="34" charset="0"/>
+              </a:rPr>
+              <a:t>”.</a:t>
+            </a:r>
+          </a:p>
+          <a:p>
+            <a:pPr>
+              <a:lnSpc>
+                <a:spcPct val="107000"/>
+              </a:lnSpc>
+              <a:spcBef>
+                <a:spcPts val="0"/>
+              </a:spcBef>
+              <a:spcAft>
+                <a:spcPts val="800"/>
+              </a:spcAft>
+            </a:pPr>
+            <a:r>
+              <a:rPr lang="en-US" sz="1800" dirty="0">
+                <a:effectLst/>
+                <a:latin typeface="Calibri" panose="020F0502020204030204" pitchFamily="34" charset="0"/>
+                <a:ea typeface="Calibri" panose="020F0502020204030204" pitchFamily="34" charset="0"/>
+                <a:cs typeface="Arial" panose="020B0604020202020204" pitchFamily="34" charset="0"/>
+              </a:rPr>
+              <a:t>The centroid initial values can be configured by writing these values to registers “</a:t>
+            </a:r>
+            <a:r>
+              <a:rPr lang="en-US" sz="1800" dirty="0" err="1">
+                <a:effectLst/>
+                <a:latin typeface="Calibri" panose="020F0502020204030204" pitchFamily="34" charset="0"/>
+                <a:ea typeface="Calibri" panose="020F0502020204030204" pitchFamily="34" charset="0"/>
+                <a:cs typeface="Arial" panose="020B0604020202020204" pitchFamily="34" charset="0"/>
+              </a:rPr>
+              <a:t>Cent_X_reg</a:t>
+            </a:r>
+            <a:r>
+              <a:rPr lang="en-US" sz="1800" dirty="0">
+                <a:effectLst/>
+                <a:latin typeface="Calibri" panose="020F0502020204030204" pitchFamily="34" charset="0"/>
+                <a:ea typeface="Calibri" panose="020F0502020204030204" pitchFamily="34" charset="0"/>
+                <a:cs typeface="Arial" panose="020B0604020202020204" pitchFamily="34" charset="0"/>
+              </a:rPr>
+              <a:t>”(X is an integer between 1 and 8),before the “</a:t>
+            </a:r>
+            <a:r>
+              <a:rPr lang="en-US" sz="1800" dirty="0" err="1">
+                <a:effectLst/>
+                <a:latin typeface="Calibri" panose="020F0502020204030204" pitchFamily="34" charset="0"/>
+                <a:ea typeface="Calibri" panose="020F0502020204030204" pitchFamily="34" charset="0"/>
+                <a:cs typeface="Arial" panose="020B0604020202020204" pitchFamily="34" charset="0"/>
+              </a:rPr>
+              <a:t>Go_reg</a:t>
+            </a:r>
+            <a:r>
+              <a:rPr lang="en-US" sz="1800" dirty="0">
+                <a:effectLst/>
+                <a:latin typeface="Calibri" panose="020F0502020204030204" pitchFamily="34" charset="0"/>
+                <a:ea typeface="Calibri" panose="020F0502020204030204" pitchFamily="34" charset="0"/>
+                <a:cs typeface="Arial" panose="020B0604020202020204" pitchFamily="34" charset="0"/>
+              </a:rPr>
+              <a:t>” is configured to ‘1’. In case these registers are not configured, all centroid initial values will be set to zero.</a:t>
+            </a:r>
+          </a:p>
+          <a:p>
+            <a:pPr>
+              <a:lnSpc>
+                <a:spcPct val="107000"/>
+              </a:lnSpc>
+              <a:spcBef>
+                <a:spcPts val="0"/>
+              </a:spcBef>
+              <a:spcAft>
+                <a:spcPts val="800"/>
+              </a:spcAft>
+            </a:pPr>
+            <a:r>
+              <a:rPr lang="en-US" sz="1800" dirty="0">
+                <a:effectLst/>
+                <a:latin typeface="Calibri" panose="020F0502020204030204" pitchFamily="34" charset="0"/>
+                <a:ea typeface="Calibri" panose="020F0502020204030204" pitchFamily="34" charset="0"/>
+                <a:cs typeface="Arial" panose="020B0604020202020204" pitchFamily="34" charset="0"/>
+              </a:rPr>
+              <a:t>The threshold value used for convergence check of the algorithm may be configured by user. It can be configured by writing the desired threshold value to register “Thresh hold”. In case this register is not configured, the threshold value will be set to zero.</a:t>
+            </a:r>
+          </a:p>
+          <a:p>
+            <a:endParaRPr lang="en-US" dirty="0"/>
           </a:p>
         </p:txBody>
       </p:sp>
       <p:sp>
         <p:nvSpPr>
-          <p:cNvPr id="4" name="מציין מיקום של מספר שקופית 3"/>
+          <p:cNvPr id="4" name="Slide Number Placeholder 3"/>
           <p:cNvSpPr>
             <a:spLocks noGrp="1"/>
           </p:cNvSpPr>
@@ -3966,7 +4180,7 @@
           <a:p>
             <a:fld id="{509FA207-E8FD-4363-95A6-907EB6A63BD8}" type="slidenum">
               <a:rPr lang="en-US" smtClean="0"/>
-              <a:t>20</a:t>
+              <a:t>18</a:t>
             </a:fld>
             <a:endParaRPr lang="en-US"/>
           </a:p>
@@ -3975,7 +4189,7 @@
     </p:spTree>
     <p:extLst>
       <p:ext uri="{BB962C8B-B14F-4D97-AF65-F5344CB8AC3E}">
-        <p14:creationId xmlns:p14="http://schemas.microsoft.com/office/powerpoint/2010/main" val="1323508736"/>
+        <p14:creationId xmlns:p14="http://schemas.microsoft.com/office/powerpoint/2010/main" val="638841097"/>
       </p:ext>
     </p:extLst>
   </p:cSld>
@@ -4132,7 +4346,7 @@
           <a:p>
             <a:fld id="{CD2AB640-041E-414A-8FDF-E33E6A90A0DD}" type="datetimeFigureOut">
               <a:rPr lang="en-US" smtClean="0"/>
-              <a:t>1/1/2021</a:t>
+              <a:t>1/4/2021</a:t>
             </a:fld>
             <a:endParaRPr lang="en-US"/>
           </a:p>
@@ -4330,7 +4544,7 @@
           <a:p>
             <a:fld id="{CD2AB640-041E-414A-8FDF-E33E6A90A0DD}" type="datetimeFigureOut">
               <a:rPr lang="en-US" smtClean="0"/>
-              <a:t>1/1/2021</a:t>
+              <a:t>1/4/2021</a:t>
             </a:fld>
             <a:endParaRPr lang="en-US"/>
           </a:p>
@@ -4538,7 +4752,7 @@
           <a:p>
             <a:fld id="{CD2AB640-041E-414A-8FDF-E33E6A90A0DD}" type="datetimeFigureOut">
               <a:rPr lang="en-US" smtClean="0"/>
-              <a:t>1/1/2021</a:t>
+              <a:t>1/4/2021</a:t>
             </a:fld>
             <a:endParaRPr lang="en-US"/>
           </a:p>
@@ -4736,7 +4950,7 @@
           <a:p>
             <a:fld id="{CD2AB640-041E-414A-8FDF-E33E6A90A0DD}" type="datetimeFigureOut">
               <a:rPr lang="en-US" smtClean="0"/>
-              <a:t>1/1/2021</a:t>
+              <a:t>1/4/2021</a:t>
             </a:fld>
             <a:endParaRPr lang="en-US"/>
           </a:p>
@@ -5011,7 +5225,7 @@
           <a:p>
             <a:fld id="{CD2AB640-041E-414A-8FDF-E33E6A90A0DD}" type="datetimeFigureOut">
               <a:rPr lang="en-US" smtClean="0"/>
-              <a:t>1/1/2021</a:t>
+              <a:t>1/4/2021</a:t>
             </a:fld>
             <a:endParaRPr lang="en-US"/>
           </a:p>
@@ -5276,7 +5490,7 @@
           <a:p>
             <a:fld id="{CD2AB640-041E-414A-8FDF-E33E6A90A0DD}" type="datetimeFigureOut">
               <a:rPr lang="en-US" smtClean="0"/>
-              <a:t>1/1/2021</a:t>
+              <a:t>1/4/2021</a:t>
             </a:fld>
             <a:endParaRPr lang="en-US"/>
           </a:p>
@@ -5688,7 +5902,7 @@
           <a:p>
             <a:fld id="{CD2AB640-041E-414A-8FDF-E33E6A90A0DD}" type="datetimeFigureOut">
               <a:rPr lang="en-US" smtClean="0"/>
-              <a:t>1/1/2021</a:t>
+              <a:t>1/4/2021</a:t>
             </a:fld>
             <a:endParaRPr lang="en-US"/>
           </a:p>
@@ -5829,7 +6043,7 @@
           <a:p>
             <a:fld id="{CD2AB640-041E-414A-8FDF-E33E6A90A0DD}" type="datetimeFigureOut">
               <a:rPr lang="en-US" smtClean="0"/>
-              <a:t>1/1/2021</a:t>
+              <a:t>1/4/2021</a:t>
             </a:fld>
             <a:endParaRPr lang="en-US"/>
           </a:p>
@@ -5942,7 +6156,7 @@
           <a:p>
             <a:fld id="{CD2AB640-041E-414A-8FDF-E33E6A90A0DD}" type="datetimeFigureOut">
               <a:rPr lang="en-US" smtClean="0"/>
-              <a:t>1/1/2021</a:t>
+              <a:t>1/4/2021</a:t>
             </a:fld>
             <a:endParaRPr lang="en-US"/>
           </a:p>
@@ -6253,7 +6467,7 @@
           <a:p>
             <a:fld id="{CD2AB640-041E-414A-8FDF-E33E6A90A0DD}" type="datetimeFigureOut">
               <a:rPr lang="en-US" smtClean="0"/>
-              <a:t>1/1/2021</a:t>
+              <a:t>1/4/2021</a:t>
             </a:fld>
             <a:endParaRPr lang="en-US"/>
           </a:p>
@@ -6541,7 +6755,7 @@
           <a:p>
             <a:fld id="{CD2AB640-041E-414A-8FDF-E33E6A90A0DD}" type="datetimeFigureOut">
               <a:rPr lang="en-US" smtClean="0"/>
-              <a:t>1/1/2021</a:t>
+              <a:t>1/4/2021</a:t>
             </a:fld>
             <a:endParaRPr lang="en-US"/>
           </a:p>
@@ -6782,7 +6996,7 @@
           <a:p>
             <a:fld id="{CD2AB640-041E-414A-8FDF-E33E6A90A0DD}" type="datetimeFigureOut">
               <a:rPr lang="en-US" smtClean="0"/>
-              <a:t>1/1/2021</a:t>
+              <a:t>1/4/2021</a:t>
             </a:fld>
             <a:endParaRPr lang="en-US"/>
           </a:p>
@@ -9013,6 +9227,179 @@
           <p:cNvPr id="2" name="Title 1">
             <a:extLst>
               <a:ext uri="{FF2B5EF4-FFF2-40B4-BE49-F238E27FC236}">
+                <a16:creationId xmlns:a16="http://schemas.microsoft.com/office/drawing/2014/main" id="{0AEF8368-39F1-4D63-B5DC-433345D5FCB2}"/>
+              </a:ext>
+            </a:extLst>
+          </p:cNvPr>
+          <p:cNvSpPr>
+            <a:spLocks noGrp="1"/>
+          </p:cNvSpPr>
+          <p:nvPr>
+            <p:ph type="title"/>
+          </p:nvPr>
+        </p:nvSpPr>
+        <p:spPr/>
+        <p:txBody>
+          <a:bodyPr/>
+          <a:lstStyle/>
+          <a:p>
+            <a:r>
+              <a:rPr lang="en-US" u="sng" dirty="0"/>
+              <a:t>DUT Functionality – Motivation</a:t>
+            </a:r>
+          </a:p>
+        </p:txBody>
+      </p:sp>
+      <p:sp>
+        <p:nvSpPr>
+          <p:cNvPr id="3" name="Content Placeholder 2">
+            <a:extLst>
+              <a:ext uri="{FF2B5EF4-FFF2-40B4-BE49-F238E27FC236}">
+                <a16:creationId xmlns:a16="http://schemas.microsoft.com/office/drawing/2014/main" id="{B2281372-A084-4B36-AA97-3A6D69D06F75}"/>
+              </a:ext>
+            </a:extLst>
+          </p:cNvPr>
+          <p:cNvSpPr>
+            <a:spLocks noGrp="1"/>
+          </p:cNvSpPr>
+          <p:nvPr>
+            <p:ph idx="1"/>
+          </p:nvPr>
+        </p:nvSpPr>
+        <p:spPr/>
+        <p:txBody>
+          <a:bodyPr>
+            <a:normAutofit lnSpcReduction="10000"/>
+          </a:bodyPr>
+          <a:lstStyle/>
+          <a:p>
+            <a:r>
+              <a:rPr lang="en-US" sz="2400" b="1" dirty="0"/>
+              <a:t>Clustering</a:t>
+            </a:r>
+            <a:r>
+              <a:rPr lang="en-US" sz="2400" dirty="0"/>
+              <a:t> is the classification of an object in different groups, or more precisely, the partitioning of a data set into subsets(clusters), so the data in each subset(ideally) </a:t>
+            </a:r>
+            <a:r>
+              <a:rPr lang="en-US" sz="2400" b="1" dirty="0"/>
+              <a:t>share</a:t>
+            </a:r>
+            <a:r>
+              <a:rPr lang="en-US" sz="2400" dirty="0"/>
+              <a:t> some common – often according to some defined distance measure.</a:t>
+            </a:r>
+            <a:br>
+              <a:rPr lang="en-US" sz="2400" dirty="0"/>
+            </a:br>
+            <a:endParaRPr lang="en-US" sz="2400" dirty="0"/>
+          </a:p>
+          <a:p>
+            <a:r>
+              <a:rPr lang="en-US" sz="2400" dirty="0"/>
+              <a:t>K means </a:t>
+            </a:r>
+            <a:r>
+              <a:rPr lang="en-US" sz="2400" b="1" dirty="0"/>
+              <a:t>clustering</a:t>
+            </a:r>
+            <a:r>
+              <a:rPr lang="en-US" sz="2400" dirty="0"/>
+              <a:t> is a simple partition method to cluster n objects based on attributes into </a:t>
+            </a:r>
+            <a:r>
+              <a:rPr lang="en-US" sz="2400" b="1" dirty="0"/>
+              <a:t>k partitions</a:t>
+            </a:r>
+            <a:r>
+              <a:rPr lang="en-US" sz="2400" dirty="0"/>
+              <a:t>, where k&lt;n.</a:t>
+            </a:r>
+            <a:br>
+              <a:rPr lang="en-US" sz="2400" dirty="0"/>
+            </a:br>
+            <a:endParaRPr lang="en-US" sz="2400" dirty="0"/>
+          </a:p>
+          <a:p>
+            <a:r>
+              <a:rPr lang="en-US" sz="2400" dirty="0"/>
+              <a:t>K means clustering </a:t>
+            </a:r>
+            <a:r>
+              <a:rPr lang="en-US" sz="2400" b="1" dirty="0"/>
+              <a:t>widely used</a:t>
+            </a:r>
+            <a:r>
+              <a:rPr lang="en-US" sz="2400" dirty="0"/>
+              <a:t> in machine learning fields and image processing.</a:t>
+            </a:r>
+            <a:br>
+              <a:rPr lang="en-US" sz="2400" dirty="0"/>
+            </a:br>
+            <a:endParaRPr lang="en-US" sz="2400" dirty="0"/>
+          </a:p>
+          <a:p>
+            <a:r>
+              <a:rPr lang="en-US" sz="2400" dirty="0"/>
+              <a:t>Each cluster is </a:t>
+            </a:r>
+            <a:r>
+              <a:rPr lang="en-US" sz="2400" b="1" dirty="0"/>
+              <a:t>represented</a:t>
+            </a:r>
+            <a:r>
+              <a:rPr lang="en-US" sz="2400" dirty="0"/>
+              <a:t> by the center of the cluster and the algorithm </a:t>
+            </a:r>
+            <a:r>
+              <a:rPr lang="en-US" sz="2400" b="1" dirty="0"/>
+              <a:t>converges</a:t>
+            </a:r>
+            <a:r>
+              <a:rPr lang="en-US" sz="2400" dirty="0"/>
+              <a:t> when stabilizing centroids of clusters.</a:t>
+            </a:r>
+          </a:p>
+          <a:p>
+            <a:endParaRPr lang="en-US" dirty="0"/>
+          </a:p>
+        </p:txBody>
+      </p:sp>
+    </p:spTree>
+    <p:extLst>
+      <p:ext uri="{BB962C8B-B14F-4D97-AF65-F5344CB8AC3E}">
+        <p14:creationId xmlns:p14="http://schemas.microsoft.com/office/powerpoint/2010/main" val="2173069050"/>
+      </p:ext>
+    </p:extLst>
+  </p:cSld>
+  <p:clrMapOvr>
+    <a:masterClrMapping/>
+  </p:clrMapOvr>
+</p:sld>
+</file>
+
+<file path=ppt/slides/slide15.xml><?xml version="1.0" encoding="utf-8"?>
+<p:sld xmlns:a="http://schemas.openxmlformats.org/drawingml/2006/main" xmlns:r="http://schemas.openxmlformats.org/officeDocument/2006/relationships" xmlns:p="http://schemas.openxmlformats.org/presentationml/2006/main">
+  <p:cSld>
+    <p:spTree>
+      <p:nvGrpSpPr>
+        <p:cNvPr id="1" name=""/>
+        <p:cNvGrpSpPr/>
+        <p:nvPr/>
+      </p:nvGrpSpPr>
+      <p:grpSpPr>
+        <a:xfrm>
+          <a:off x="0" y="0"/>
+          <a:ext cx="0" cy="0"/>
+          <a:chOff x="0" y="0"/>
+          <a:chExt cx="0" cy="0"/>
+        </a:xfrm>
+      </p:grpSpPr>
+      <p:sp>
+        <p:nvSpPr>
+          <p:cNvPr id="2" name="Title 1">
+            <a:extLst>
+              <a:ext uri="{FF2B5EF4-FFF2-40B4-BE49-F238E27FC236}">
                 <a16:creationId xmlns:a16="http://schemas.microsoft.com/office/drawing/2014/main" id="{372B82C9-C5E9-46A1-A5FE-464961E38D59}"/>
               </a:ext>
             </a:extLst>
@@ -9171,7 +9558,7 @@
 </p:sld>
 </file>
 
-<file path=ppt/slides/slide15.xml><?xml version="1.0" encoding="utf-8"?>
+<file path=ppt/slides/slide16.xml><?xml version="1.0" encoding="utf-8"?>
 <p:sld xmlns:a="http://schemas.openxmlformats.org/drawingml/2006/main" xmlns:r="http://schemas.openxmlformats.org/officeDocument/2006/relationships" xmlns:p="http://schemas.openxmlformats.org/presentationml/2006/main">
   <p:cSld>
     <p:spTree>
@@ -9268,7 +9655,11 @@
             </a:r>
             <a:r>
               <a:rPr lang="en-US" sz="2800" dirty="0"/>
-              <a:t>” – communication mediator:</a:t>
+              <a:t>” – communication </a:t>
+            </a:r>
+            <a:r>
+              <a:rPr lang="en-US" sz="2800"/>
+              <a:t>mediator, via APB protocol:</a:t>
             </a:r>
             <a:br>
               <a:rPr lang="en-US" sz="2800" dirty="0"/>
@@ -9413,7 +9804,7 @@
 </p:sld>
 </file>
 
-<file path=ppt/slides/slide16.xml><?xml version="1.0" encoding="utf-8"?>
+<file path=ppt/slides/slide17.xml><?xml version="1.0" encoding="utf-8"?>
 <p:sld xmlns:a="http://schemas.openxmlformats.org/drawingml/2006/main" xmlns:r="http://schemas.openxmlformats.org/officeDocument/2006/relationships" xmlns:p="http://schemas.openxmlformats.org/presentationml/2006/main">
   <p:cSld>
     <p:spTree>
@@ -10137,7 +10528,7 @@
 </p:sld>
 </file>
 
-<file path=ppt/slides/slide17.xml><?xml version="1.0" encoding="utf-8"?>
+<file path=ppt/slides/slide18.xml><?xml version="1.0" encoding="utf-8"?>
 <p:sld xmlns:a="http://schemas.openxmlformats.org/drawingml/2006/main" xmlns:r="http://schemas.openxmlformats.org/officeDocument/2006/relationships" xmlns:p="http://schemas.openxmlformats.org/presentationml/2006/main">
   <p:cSld>
     <p:spTree>
@@ -10774,7 +11165,7 @@
 </p:sld>
 </file>
 
-<file path=ppt/slides/slide18.xml><?xml version="1.0" encoding="utf-8"?>
+<file path=ppt/slides/slide19.xml><?xml version="1.0" encoding="utf-8"?>
 <p:sld xmlns:a="http://schemas.openxmlformats.org/drawingml/2006/main" xmlns:r="http://schemas.openxmlformats.org/officeDocument/2006/relationships" xmlns:p="http://schemas.openxmlformats.org/presentationml/2006/main">
   <p:cSld>
     <p:spTree>
@@ -11956,200 +12347,6 @@
 </p:sld>
 </file>
 
-<file path=ppt/slides/slide19.xml><?xml version="1.0" encoding="utf-8"?>
-<p:sld xmlns:a="http://schemas.openxmlformats.org/drawingml/2006/main" xmlns:r="http://schemas.openxmlformats.org/officeDocument/2006/relationships" xmlns:p="http://schemas.openxmlformats.org/presentationml/2006/main">
-  <p:cSld>
-    <p:spTree>
-      <p:nvGrpSpPr>
-        <p:cNvPr id="1" name=""/>
-        <p:cNvGrpSpPr/>
-        <p:nvPr/>
-      </p:nvGrpSpPr>
-      <p:grpSpPr>
-        <a:xfrm>
-          <a:off x="0" y="0"/>
-          <a:ext cx="0" cy="0"/>
-          <a:chOff x="0" y="0"/>
-          <a:chExt cx="0" cy="0"/>
-        </a:xfrm>
-      </p:grpSpPr>
-      <p:sp>
-        <p:nvSpPr>
-          <p:cNvPr id="2" name="Title 1">
-            <a:extLst>
-              <a:ext uri="{FF2B5EF4-FFF2-40B4-BE49-F238E27FC236}">
-                <a16:creationId xmlns:a16="http://schemas.microsoft.com/office/drawing/2014/main" id="{AC67B7CE-2B28-4D18-B0B5-00CBBA2760E0}"/>
-              </a:ext>
-            </a:extLst>
-          </p:cNvPr>
-          <p:cNvSpPr>
-            <a:spLocks noGrp="1"/>
-          </p:cNvSpPr>
-          <p:nvPr>
-            <p:ph type="title"/>
-          </p:nvPr>
-        </p:nvSpPr>
-        <p:spPr/>
-        <p:txBody>
-          <a:bodyPr/>
-          <a:lstStyle/>
-          <a:p>
-            <a:r>
-              <a:rPr lang="en-US" dirty="0"/>
-              <a:t>Implemented Environment - Sequence</a:t>
-            </a:r>
-          </a:p>
-        </p:txBody>
-      </p:sp>
-      <p:sp>
-        <p:nvSpPr>
-          <p:cNvPr id="3" name="Content Placeholder 2">
-            <a:extLst>
-              <a:ext uri="{FF2B5EF4-FFF2-40B4-BE49-F238E27FC236}">
-                <a16:creationId xmlns:a16="http://schemas.microsoft.com/office/drawing/2014/main" id="{025688D2-EA4D-46B1-BAD4-522B08A10FDA}"/>
-              </a:ext>
-            </a:extLst>
-          </p:cNvPr>
-          <p:cNvSpPr>
-            <a:spLocks noGrp="1"/>
-          </p:cNvSpPr>
-          <p:nvPr>
-            <p:ph idx="1"/>
-          </p:nvPr>
-        </p:nvSpPr>
-        <p:spPr>
-          <a:xfrm>
-            <a:off x="838200" y="1939925"/>
-            <a:ext cx="10515600" cy="4351338"/>
-          </a:xfrm>
-        </p:spPr>
-        <p:txBody>
-          <a:bodyPr>
-            <a:normAutofit/>
-          </a:bodyPr>
-          <a:lstStyle/>
-          <a:p>
-            <a:r>
-              <a:rPr lang="en-US" sz="2000" dirty="0"/>
-              <a:t>Derived from the UVM built in class </a:t>
-            </a:r>
-            <a:r>
-              <a:rPr lang="en-US" sz="2000" dirty="0" err="1"/>
-              <a:t>uvm_sequence</a:t>
-            </a:r>
-            <a:r>
-              <a:rPr lang="en-US" sz="2000" dirty="0"/>
-              <a:t>.</a:t>
-            </a:r>
-          </a:p>
-          <a:p>
-            <a:endParaRPr lang="en-US" sz="2000" dirty="0"/>
-          </a:p>
-          <a:p>
-            <a:r>
-              <a:rPr lang="en-US" sz="2000" dirty="0"/>
-              <a:t>The instance of sequence class was named </a:t>
-            </a:r>
-            <a:r>
-              <a:rPr lang="en-US" sz="2000" dirty="0" err="1"/>
-              <a:t>Kmeans_in_sequence</a:t>
-            </a:r>
-            <a:r>
-              <a:rPr lang="en-US" sz="2000" dirty="0"/>
-              <a:t> and consists:</a:t>
-            </a:r>
-          </a:p>
-          <a:p>
-            <a:pPr lvl="1"/>
-            <a:r>
-              <a:rPr lang="en-US" sz="1800" dirty="0"/>
-              <a:t>Variable called </a:t>
-            </a:r>
-            <a:r>
-              <a:rPr lang="en-US" sz="1800" dirty="0" err="1"/>
-              <a:t>num_txs</a:t>
-            </a:r>
-            <a:r>
-              <a:rPr lang="en-US" sz="1800" dirty="0"/>
-              <a:t> – the </a:t>
-            </a:r>
-            <a:r>
-              <a:rPr lang="en-US" sz="1800" b="1" dirty="0"/>
-              <a:t>number</a:t>
-            </a:r>
-            <a:r>
-              <a:rPr lang="en-US" sz="1800" dirty="0"/>
-              <a:t> of Testbench’s transactions.</a:t>
-            </a:r>
-          </a:p>
-          <a:p>
-            <a:pPr lvl="1"/>
-            <a:r>
-              <a:rPr lang="en-US" sz="1800" dirty="0"/>
-              <a:t>At each instantiated new transaction, the </a:t>
-            </a:r>
-            <a:r>
-              <a:rPr lang="en-US" sz="1800" b="1" dirty="0"/>
-              <a:t>randomize</a:t>
-            </a:r>
-            <a:r>
-              <a:rPr lang="en-US" sz="1800" dirty="0"/>
-              <a:t> function will generate all “rand” type related variables.</a:t>
-            </a:r>
-          </a:p>
-          <a:p>
-            <a:pPr lvl="1"/>
-            <a:r>
-              <a:rPr lang="en-US" sz="1800" dirty="0"/>
-              <a:t>Afterwards, the transaction </a:t>
-            </a:r>
-            <a:r>
-              <a:rPr lang="en-US" sz="1800" b="1" dirty="0"/>
-              <a:t>sent</a:t>
-            </a:r>
-            <a:r>
-              <a:rPr lang="en-US" sz="1800" dirty="0"/>
-              <a:t> to the driver, </a:t>
-            </a:r>
-            <a:r>
-              <a:rPr lang="en-US" sz="1800" b="1" dirty="0"/>
-              <a:t>waiting</a:t>
-            </a:r>
-            <a:r>
-              <a:rPr lang="en-US" sz="1800" dirty="0"/>
-              <a:t> for him to finish.</a:t>
-            </a:r>
-          </a:p>
-          <a:p>
-            <a:pPr lvl="1"/>
-            <a:r>
-              <a:rPr lang="en-US" sz="1800" dirty="0"/>
-              <a:t>When the driver finishes the transaction, the driver </a:t>
-            </a:r>
-            <a:r>
-              <a:rPr lang="en-US" sz="1800" b="1" dirty="0"/>
-              <a:t>reports</a:t>
-            </a:r>
-            <a:r>
-              <a:rPr lang="en-US" sz="1800" dirty="0"/>
-              <a:t> the sequencer, which then can send another one, and so on.</a:t>
-            </a:r>
-          </a:p>
-        </p:txBody>
-      </p:sp>
-    </p:spTree>
-    <p:extLst>
-      <p:ext uri="{BB962C8B-B14F-4D97-AF65-F5344CB8AC3E}">
-        <p14:creationId xmlns:p14="http://schemas.microsoft.com/office/powerpoint/2010/main" val="4099289409"/>
-      </p:ext>
-    </p:extLst>
-  </p:cSld>
-  <p:clrMapOvr>
-    <a:masterClrMapping/>
-  </p:clrMapOvr>
-</p:sld>
-</file>
-
 <file path=ppt/slides/slide2.xml><?xml version="1.0" encoding="utf-8"?>
 <p:sld xmlns:a="http://schemas.openxmlformats.org/drawingml/2006/main" xmlns:r="http://schemas.openxmlformats.org/officeDocument/2006/relationships" xmlns:p="http://schemas.openxmlformats.org/presentationml/2006/main">
   <p:cSld>
@@ -12288,6 +12485,200 @@
 </file>
 
 <file path=ppt/slides/slide20.xml><?xml version="1.0" encoding="utf-8"?>
+<p:sld xmlns:a="http://schemas.openxmlformats.org/drawingml/2006/main" xmlns:r="http://schemas.openxmlformats.org/officeDocument/2006/relationships" xmlns:p="http://schemas.openxmlformats.org/presentationml/2006/main">
+  <p:cSld>
+    <p:spTree>
+      <p:nvGrpSpPr>
+        <p:cNvPr id="1" name=""/>
+        <p:cNvGrpSpPr/>
+        <p:nvPr/>
+      </p:nvGrpSpPr>
+      <p:grpSpPr>
+        <a:xfrm>
+          <a:off x="0" y="0"/>
+          <a:ext cx="0" cy="0"/>
+          <a:chOff x="0" y="0"/>
+          <a:chExt cx="0" cy="0"/>
+        </a:xfrm>
+      </p:grpSpPr>
+      <p:sp>
+        <p:nvSpPr>
+          <p:cNvPr id="2" name="Title 1">
+            <a:extLst>
+              <a:ext uri="{FF2B5EF4-FFF2-40B4-BE49-F238E27FC236}">
+                <a16:creationId xmlns:a16="http://schemas.microsoft.com/office/drawing/2014/main" id="{AC67B7CE-2B28-4D18-B0B5-00CBBA2760E0}"/>
+              </a:ext>
+            </a:extLst>
+          </p:cNvPr>
+          <p:cNvSpPr>
+            <a:spLocks noGrp="1"/>
+          </p:cNvSpPr>
+          <p:nvPr>
+            <p:ph type="title"/>
+          </p:nvPr>
+        </p:nvSpPr>
+        <p:spPr/>
+        <p:txBody>
+          <a:bodyPr/>
+          <a:lstStyle/>
+          <a:p>
+            <a:r>
+              <a:rPr lang="en-US" dirty="0"/>
+              <a:t>Implemented Environment - Sequence</a:t>
+            </a:r>
+          </a:p>
+        </p:txBody>
+      </p:sp>
+      <p:sp>
+        <p:nvSpPr>
+          <p:cNvPr id="3" name="Content Placeholder 2">
+            <a:extLst>
+              <a:ext uri="{FF2B5EF4-FFF2-40B4-BE49-F238E27FC236}">
+                <a16:creationId xmlns:a16="http://schemas.microsoft.com/office/drawing/2014/main" id="{025688D2-EA4D-46B1-BAD4-522B08A10FDA}"/>
+              </a:ext>
+            </a:extLst>
+          </p:cNvPr>
+          <p:cNvSpPr>
+            <a:spLocks noGrp="1"/>
+          </p:cNvSpPr>
+          <p:nvPr>
+            <p:ph idx="1"/>
+          </p:nvPr>
+        </p:nvSpPr>
+        <p:spPr>
+          <a:xfrm>
+            <a:off x="838200" y="1939925"/>
+            <a:ext cx="10515600" cy="4351338"/>
+          </a:xfrm>
+        </p:spPr>
+        <p:txBody>
+          <a:bodyPr>
+            <a:normAutofit/>
+          </a:bodyPr>
+          <a:lstStyle/>
+          <a:p>
+            <a:r>
+              <a:rPr lang="en-US" sz="2000" dirty="0"/>
+              <a:t>Derived from the UVM built in class </a:t>
+            </a:r>
+            <a:r>
+              <a:rPr lang="en-US" sz="2000" dirty="0" err="1"/>
+              <a:t>uvm_sequence</a:t>
+            </a:r>
+            <a:r>
+              <a:rPr lang="en-US" sz="2000" dirty="0"/>
+              <a:t>.</a:t>
+            </a:r>
+          </a:p>
+          <a:p>
+            <a:endParaRPr lang="en-US" sz="2000" dirty="0"/>
+          </a:p>
+          <a:p>
+            <a:r>
+              <a:rPr lang="en-US" sz="2000" dirty="0"/>
+              <a:t>The instance of sequence class was named </a:t>
+            </a:r>
+            <a:r>
+              <a:rPr lang="en-US" sz="2000" dirty="0" err="1"/>
+              <a:t>Kmeans_in_sequence</a:t>
+            </a:r>
+            <a:r>
+              <a:rPr lang="en-US" sz="2000" dirty="0"/>
+              <a:t> and consists:</a:t>
+            </a:r>
+          </a:p>
+          <a:p>
+            <a:pPr lvl="1"/>
+            <a:r>
+              <a:rPr lang="en-US" sz="1800" dirty="0"/>
+              <a:t>Variable called </a:t>
+            </a:r>
+            <a:r>
+              <a:rPr lang="en-US" sz="1800" dirty="0" err="1"/>
+              <a:t>num_txs</a:t>
+            </a:r>
+            <a:r>
+              <a:rPr lang="en-US" sz="1800" dirty="0"/>
+              <a:t> – the </a:t>
+            </a:r>
+            <a:r>
+              <a:rPr lang="en-US" sz="1800" b="1" dirty="0"/>
+              <a:t>number</a:t>
+            </a:r>
+            <a:r>
+              <a:rPr lang="en-US" sz="1800" dirty="0"/>
+              <a:t> of Testbench’s transactions.</a:t>
+            </a:r>
+          </a:p>
+          <a:p>
+            <a:pPr lvl="1"/>
+            <a:r>
+              <a:rPr lang="en-US" sz="1800" dirty="0"/>
+              <a:t>At each instantiated new transaction, the </a:t>
+            </a:r>
+            <a:r>
+              <a:rPr lang="en-US" sz="1800" b="1" dirty="0"/>
+              <a:t>randomize</a:t>
+            </a:r>
+            <a:r>
+              <a:rPr lang="en-US" sz="1800" dirty="0"/>
+              <a:t> function will generate all “rand” type related variables.</a:t>
+            </a:r>
+          </a:p>
+          <a:p>
+            <a:pPr lvl="1"/>
+            <a:r>
+              <a:rPr lang="en-US" sz="1800" dirty="0"/>
+              <a:t>Afterwards, the transaction </a:t>
+            </a:r>
+            <a:r>
+              <a:rPr lang="en-US" sz="1800" b="1" dirty="0"/>
+              <a:t>sent</a:t>
+            </a:r>
+            <a:r>
+              <a:rPr lang="en-US" sz="1800" dirty="0"/>
+              <a:t> to the driver, </a:t>
+            </a:r>
+            <a:r>
+              <a:rPr lang="en-US" sz="1800" b="1" dirty="0"/>
+              <a:t>waiting</a:t>
+            </a:r>
+            <a:r>
+              <a:rPr lang="en-US" sz="1800" dirty="0"/>
+              <a:t> for him to finish.</a:t>
+            </a:r>
+          </a:p>
+          <a:p>
+            <a:pPr lvl="1"/>
+            <a:r>
+              <a:rPr lang="en-US" sz="1800" dirty="0"/>
+              <a:t>When the driver finishes the transaction, the driver </a:t>
+            </a:r>
+            <a:r>
+              <a:rPr lang="en-US" sz="1800" b="1" dirty="0"/>
+              <a:t>reports</a:t>
+            </a:r>
+            <a:r>
+              <a:rPr lang="en-US" sz="1800" dirty="0"/>
+              <a:t> the sequencer, which then can send another one, and so on.</a:t>
+            </a:r>
+          </a:p>
+        </p:txBody>
+      </p:sp>
+    </p:spTree>
+    <p:extLst>
+      <p:ext uri="{BB962C8B-B14F-4D97-AF65-F5344CB8AC3E}">
+        <p14:creationId xmlns:p14="http://schemas.microsoft.com/office/powerpoint/2010/main" val="4099289409"/>
+      </p:ext>
+    </p:extLst>
+  </p:cSld>
+  <p:clrMapOvr>
+    <a:masterClrMapping/>
+  </p:clrMapOvr>
+</p:sld>
+</file>
+
+<file path=ppt/slides/slide21.xml><?xml version="1.0" encoding="utf-8"?>
 <p:sld xmlns:a="http://schemas.openxmlformats.org/drawingml/2006/main" xmlns:r="http://schemas.openxmlformats.org/officeDocument/2006/relationships" xmlns:p="http://schemas.openxmlformats.org/presentationml/2006/main">
   <p:cSld>
     <p:spTree>
@@ -12461,7 +12852,7 @@
 </p:sld>
 </file>
 
-<file path=ppt/slides/slide21.xml><?xml version="1.0" encoding="utf-8"?>
+<file path=ppt/slides/slide22.xml><?xml version="1.0" encoding="utf-8"?>
 <p:sld xmlns:a="http://schemas.openxmlformats.org/drawingml/2006/main" xmlns:r="http://schemas.openxmlformats.org/officeDocument/2006/relationships" xmlns:p="http://schemas.openxmlformats.org/presentationml/2006/main">
   <p:cSld>
     <p:spTree>
@@ -12663,7 +13054,7 @@
 </p:sld>
 </file>
 
-<file path=ppt/slides/slide22.xml><?xml version="1.0" encoding="utf-8"?>
+<file path=ppt/slides/slide23.xml><?xml version="1.0" encoding="utf-8"?>
 <p:sld xmlns:a="http://schemas.openxmlformats.org/drawingml/2006/main" xmlns:r="http://schemas.openxmlformats.org/officeDocument/2006/relationships" xmlns:p="http://schemas.openxmlformats.org/presentationml/2006/main">
   <p:cSld>
     <p:spTree>
@@ -12964,7 +13355,7 @@
 </p:sld>
 </file>
 
-<file path=ppt/slides/slide23.xml><?xml version="1.0" encoding="utf-8"?>
+<file path=ppt/slides/slide24.xml><?xml version="1.0" encoding="utf-8"?>
 <p:sld xmlns:a="http://schemas.openxmlformats.org/drawingml/2006/main" xmlns:r="http://schemas.openxmlformats.org/officeDocument/2006/relationships" xmlns:p="http://schemas.openxmlformats.org/presentationml/2006/main">
   <p:cSld>
     <p:spTree>
@@ -13401,7 +13792,7 @@
 </p:sld>
 </file>
 
-<file path=ppt/slides/slide24.xml><?xml version="1.0" encoding="utf-8"?>
+<file path=ppt/slides/slide25.xml><?xml version="1.0" encoding="utf-8"?>
 <p:sld xmlns:a="http://schemas.openxmlformats.org/drawingml/2006/main" xmlns:r="http://schemas.openxmlformats.org/officeDocument/2006/relationships" xmlns:p="http://schemas.openxmlformats.org/presentationml/2006/main">
   <p:cSld>
     <p:spTree>
@@ -13539,7 +13930,7 @@
 </p:sld>
 </file>
 
-<file path=ppt/slides/slide25.xml><?xml version="1.0" encoding="utf-8"?>
+<file path=ppt/slides/slide26.xml><?xml version="1.0" encoding="utf-8"?>
 <p:sld xmlns:a="http://schemas.openxmlformats.org/drawingml/2006/main" xmlns:r="http://schemas.openxmlformats.org/officeDocument/2006/relationships" xmlns:p="http://schemas.openxmlformats.org/presentationml/2006/main">
   <p:cSld>
     <p:spTree>
@@ -13712,7 +14103,7 @@
 </p:sld>
 </file>
 
-<file path=ppt/slides/slide26.xml><?xml version="1.0" encoding="utf-8"?>
+<file path=ppt/slides/slide27.xml><?xml version="1.0" encoding="utf-8"?>
 <p:sld xmlns:a="http://schemas.openxmlformats.org/drawingml/2006/main" xmlns:r="http://schemas.openxmlformats.org/officeDocument/2006/relationships" xmlns:p="http://schemas.openxmlformats.org/presentationml/2006/main">
   <p:cSld>
     <p:spTree>
@@ -14435,7 +14826,7 @@
 </p:sld>
 </file>
 
-<file path=ppt/slides/slide27.xml><?xml version="1.0" encoding="utf-8"?>
+<file path=ppt/slides/slide28.xml><?xml version="1.0" encoding="utf-8"?>
 <p:sld xmlns:a="http://schemas.openxmlformats.org/drawingml/2006/main" xmlns:r="http://schemas.openxmlformats.org/officeDocument/2006/relationships" xmlns:p="http://schemas.openxmlformats.org/presentationml/2006/main">
   <p:cSld>
     <p:spTree>
@@ -15090,7 +15481,7 @@
 </p:sld>
 </file>
 
-<file path=ppt/slides/slide28.xml><?xml version="1.0" encoding="utf-8"?>
+<file path=ppt/slides/slide29.xml><?xml version="1.0" encoding="utf-8"?>
 <p:sld xmlns:a="http://schemas.openxmlformats.org/drawingml/2006/main" xmlns:r="http://schemas.openxmlformats.org/officeDocument/2006/relationships" xmlns:p="http://schemas.openxmlformats.org/presentationml/2006/main">
   <p:cSld>
     <p:spTree>
@@ -15684,7 +16075,281 @@
 </p:sld>
 </file>
 
-<file path=ppt/slides/slide29.xml><?xml version="1.0" encoding="utf-8"?>
+<file path=ppt/slides/slide3.xml><?xml version="1.0" encoding="utf-8"?>
+<p:sld xmlns:a="http://schemas.openxmlformats.org/drawingml/2006/main" xmlns:r="http://schemas.openxmlformats.org/officeDocument/2006/relationships" xmlns:p="http://schemas.openxmlformats.org/presentationml/2006/main">
+  <p:cSld>
+    <p:spTree>
+      <p:nvGrpSpPr>
+        <p:cNvPr id="1" name=""/>
+        <p:cNvGrpSpPr/>
+        <p:nvPr/>
+      </p:nvGrpSpPr>
+      <p:grpSpPr>
+        <a:xfrm>
+          <a:off x="0" y="0"/>
+          <a:ext cx="0" cy="0"/>
+          <a:chOff x="0" y="0"/>
+          <a:chExt cx="0" cy="0"/>
+        </a:xfrm>
+      </p:grpSpPr>
+      <p:sp>
+        <p:nvSpPr>
+          <p:cNvPr id="2" name="Title 1">
+            <a:extLst>
+              <a:ext uri="{FF2B5EF4-FFF2-40B4-BE49-F238E27FC236}">
+                <a16:creationId xmlns:a16="http://schemas.microsoft.com/office/drawing/2014/main" id="{1DB44C86-650D-4B92-9382-D9899CAFAB80}"/>
+              </a:ext>
+            </a:extLst>
+          </p:cNvPr>
+          <p:cNvSpPr>
+            <a:spLocks noGrp="1"/>
+          </p:cNvSpPr>
+          <p:nvPr>
+            <p:ph type="title"/>
+          </p:nvPr>
+        </p:nvSpPr>
+        <p:spPr/>
+        <p:txBody>
+          <a:bodyPr/>
+          <a:lstStyle/>
+          <a:p>
+            <a:r>
+              <a:rPr lang="en-US" dirty="0"/>
+              <a:t>Hardware Verification – Motivation</a:t>
+            </a:r>
+          </a:p>
+        </p:txBody>
+      </p:sp>
+      <p:sp>
+        <p:nvSpPr>
+          <p:cNvPr id="3" name="Content Placeholder 2">
+            <a:extLst>
+              <a:ext uri="{FF2B5EF4-FFF2-40B4-BE49-F238E27FC236}">
+                <a16:creationId xmlns:a16="http://schemas.microsoft.com/office/drawing/2014/main" id="{D3B2F8A8-71D6-4CF8-859D-BA1197205431}"/>
+              </a:ext>
+            </a:extLst>
+          </p:cNvPr>
+          <p:cNvSpPr>
+            <a:spLocks noGrp="1"/>
+          </p:cNvSpPr>
+          <p:nvPr>
+            <p:ph idx="1"/>
+          </p:nvPr>
+        </p:nvSpPr>
+        <p:spPr/>
+        <p:txBody>
+          <a:bodyPr/>
+          <a:lstStyle/>
+          <a:p>
+            <a:r>
+              <a:rPr lang="en-US" sz="2400" dirty="0">
+                <a:latin typeface="Calibri" panose="020F0502020204030204" pitchFamily="34" charset="0"/>
+                <a:cs typeface="Arial" panose="020B0604020202020204" pitchFamily="34" charset="0"/>
+              </a:rPr>
+              <a:t>Ensure that the devices </a:t>
+            </a:r>
+            <a:r>
+              <a:rPr lang="en-US" sz="2400" b="1" dirty="0">
+                <a:latin typeface="Calibri" panose="020F0502020204030204" pitchFamily="34" charset="0"/>
+                <a:cs typeface="Arial" panose="020B0604020202020204" pitchFamily="34" charset="0"/>
+              </a:rPr>
+              <a:t>performs </a:t>
+            </a:r>
+            <a:r>
+              <a:rPr lang="en-US" sz="2400" dirty="0">
+                <a:latin typeface="Calibri" panose="020F0502020204030204" pitchFamily="34" charset="0"/>
+                <a:cs typeface="Arial" panose="020B0604020202020204" pitchFamily="34" charset="0"/>
+              </a:rPr>
+              <a:t>required task successfully:</a:t>
+            </a:r>
+          </a:p>
+          <a:p>
+            <a:pPr lvl="1"/>
+            <a:r>
+              <a:rPr lang="en-US" sz="2000" dirty="0">
+                <a:latin typeface="Calibri" panose="020F0502020204030204" pitchFamily="34" charset="0"/>
+                <a:cs typeface="Arial" panose="020B0604020202020204" pitchFamily="34" charset="0"/>
+              </a:rPr>
+              <a:t>Device should reflect accurately the specification.</a:t>
+            </a:r>
+          </a:p>
+          <a:p>
+            <a:pPr lvl="1"/>
+            <a:r>
+              <a:rPr lang="en-US" sz="2000" dirty="0">
+                <a:latin typeface="Calibri" panose="020F0502020204030204" pitchFamily="34" charset="0"/>
+                <a:cs typeface="Arial" panose="020B0604020202020204" pitchFamily="34" charset="0"/>
+              </a:rPr>
+              <a:t> Bugs are a result of the discrepancy between the device design and the device specification.</a:t>
+            </a:r>
+          </a:p>
+          <a:p>
+            <a:pPr marL="457200" lvl="1" indent="0">
+              <a:buNone/>
+            </a:pPr>
+            <a:endParaRPr lang="en-US" sz="2000" dirty="0">
+              <a:latin typeface="Calibri" panose="020F0502020204030204" pitchFamily="34" charset="0"/>
+              <a:cs typeface="Arial" panose="020B0604020202020204" pitchFamily="34" charset="0"/>
+            </a:endParaRPr>
+          </a:p>
+          <a:p>
+            <a:pPr>
+              <a:lnSpc>
+                <a:spcPct val="107000"/>
+              </a:lnSpc>
+              <a:spcBef>
+                <a:spcPts val="0"/>
+              </a:spcBef>
+            </a:pPr>
+            <a:r>
+              <a:rPr lang="en-US" sz="2400" dirty="0">
+                <a:latin typeface="Calibri" panose="020F0502020204030204" pitchFamily="34" charset="0"/>
+                <a:cs typeface="Arial" panose="020B0604020202020204" pitchFamily="34" charset="0"/>
+              </a:rPr>
+              <a:t>Design verification (DV) </a:t>
+            </a:r>
+            <a:r>
+              <a:rPr lang="en-US" sz="2400" b="1" dirty="0">
+                <a:latin typeface="Calibri" panose="020F0502020204030204" pitchFamily="34" charset="0"/>
+                <a:cs typeface="Arial" panose="020B0604020202020204" pitchFamily="34" charset="0"/>
+              </a:rPr>
+              <a:t>contains</a:t>
+            </a:r>
+            <a:r>
+              <a:rPr lang="en-US" sz="2400" dirty="0">
+                <a:latin typeface="Calibri" panose="020F0502020204030204" pitchFamily="34" charset="0"/>
+                <a:cs typeface="Arial" panose="020B0604020202020204" pitchFamily="34" charset="0"/>
+              </a:rPr>
+              <a:t> different technologies and methodologies:</a:t>
+            </a:r>
+          </a:p>
+          <a:p>
+            <a:pPr lvl="1">
+              <a:lnSpc>
+                <a:spcPct val="107000"/>
+              </a:lnSpc>
+              <a:spcBef>
+                <a:spcPts val="0"/>
+              </a:spcBef>
+            </a:pPr>
+            <a:r>
+              <a:rPr lang="en-US" sz="2000" dirty="0">
+                <a:latin typeface="Calibri" panose="020F0502020204030204" pitchFamily="34" charset="0"/>
+                <a:cs typeface="Arial" panose="020B0604020202020204" pitchFamily="34" charset="0"/>
+              </a:rPr>
+              <a:t>UVM (Universal Verification Methodology)</a:t>
+            </a:r>
+          </a:p>
+          <a:p>
+            <a:pPr lvl="1">
+              <a:lnSpc>
+                <a:spcPct val="107000"/>
+              </a:lnSpc>
+              <a:spcBef>
+                <a:spcPts val="0"/>
+              </a:spcBef>
+            </a:pPr>
+            <a:r>
+              <a:rPr lang="en-US" sz="2000" dirty="0">
+                <a:latin typeface="Calibri" panose="020F0502020204030204" pitchFamily="34" charset="0"/>
+                <a:cs typeface="Arial" panose="020B0604020202020204" pitchFamily="34" charset="0"/>
+              </a:rPr>
+              <a:t>UPF (Unified Power Format) low-power verification</a:t>
+            </a:r>
+          </a:p>
+          <a:p>
+            <a:pPr lvl="1">
+              <a:lnSpc>
+                <a:spcPct val="107000"/>
+              </a:lnSpc>
+              <a:spcBef>
+                <a:spcPts val="0"/>
+              </a:spcBef>
+            </a:pPr>
+            <a:r>
+              <a:rPr lang="en-US" sz="2000" dirty="0">
+                <a:latin typeface="Calibri" panose="020F0502020204030204" pitchFamily="34" charset="0"/>
+                <a:cs typeface="Arial" panose="020B0604020202020204" pitchFamily="34" charset="0"/>
+              </a:rPr>
+              <a:t>AMS (analog/mixed signal) verification</a:t>
+            </a:r>
+          </a:p>
+          <a:p>
+            <a:pPr marL="457200" lvl="1" indent="0">
+              <a:lnSpc>
+                <a:spcPct val="107000"/>
+              </a:lnSpc>
+              <a:spcBef>
+                <a:spcPts val="0"/>
+              </a:spcBef>
+              <a:buNone/>
+            </a:pPr>
+            <a:endParaRPr lang="en-US" sz="2000" dirty="0">
+              <a:latin typeface="Calibri" panose="020F0502020204030204" pitchFamily="34" charset="0"/>
+              <a:cs typeface="Arial" panose="020B0604020202020204" pitchFamily="34" charset="0"/>
+            </a:endParaRPr>
+          </a:p>
+          <a:p>
+            <a:pPr>
+              <a:lnSpc>
+                <a:spcPct val="107000"/>
+              </a:lnSpc>
+              <a:spcBef>
+                <a:spcPts val="0"/>
+              </a:spcBef>
+            </a:pPr>
+            <a:r>
+              <a:rPr lang="en-US" sz="2400" dirty="0">
+                <a:latin typeface="Calibri" panose="020F0502020204030204" pitchFamily="34" charset="0"/>
+                <a:cs typeface="Arial" panose="020B0604020202020204" pitchFamily="34" charset="0"/>
+              </a:rPr>
+              <a:t>In this project, the </a:t>
+            </a:r>
+            <a:r>
+              <a:rPr lang="en-US" sz="2400" b="1" dirty="0">
+                <a:latin typeface="Calibri" panose="020F0502020204030204" pitchFamily="34" charset="0"/>
+                <a:cs typeface="Arial" panose="020B0604020202020204" pitchFamily="34" charset="0"/>
+              </a:rPr>
+              <a:t>chosen</a:t>
+            </a:r>
+            <a:r>
+              <a:rPr lang="en-US" sz="2400" dirty="0">
+                <a:latin typeface="Calibri" panose="020F0502020204030204" pitchFamily="34" charset="0"/>
+                <a:cs typeface="Arial" panose="020B0604020202020204" pitchFamily="34" charset="0"/>
+              </a:rPr>
+              <a:t> </a:t>
+            </a:r>
+            <a:r>
+              <a:rPr lang="en-US" sz="2400" b="1" dirty="0">
+                <a:latin typeface="Calibri" panose="020F0502020204030204" pitchFamily="34" charset="0"/>
+                <a:cs typeface="Arial" panose="020B0604020202020204" pitchFamily="34" charset="0"/>
+              </a:rPr>
+              <a:t>method</a:t>
+            </a:r>
+            <a:r>
+              <a:rPr lang="en-US" sz="2400" dirty="0">
+                <a:latin typeface="Calibri" panose="020F0502020204030204" pitchFamily="34" charset="0"/>
+                <a:cs typeface="Arial" panose="020B0604020202020204" pitchFamily="34" charset="0"/>
+              </a:rPr>
+              <a:t> for design verification is UVM.</a:t>
+            </a:r>
+          </a:p>
+        </p:txBody>
+      </p:sp>
+    </p:spTree>
+    <p:extLst>
+      <p:ext uri="{BB962C8B-B14F-4D97-AF65-F5344CB8AC3E}">
+        <p14:creationId xmlns:p14="http://schemas.microsoft.com/office/powerpoint/2010/main" val="933835396"/>
+      </p:ext>
+    </p:extLst>
+  </p:cSld>
+  <p:clrMapOvr>
+    <a:masterClrMapping/>
+  </p:clrMapOvr>
+</p:sld>
+</file>
+
+<file path=ppt/slides/slide30.xml><?xml version="1.0" encoding="utf-8"?>
 <p:sld xmlns:a="http://schemas.openxmlformats.org/drawingml/2006/main" xmlns:r="http://schemas.openxmlformats.org/officeDocument/2006/relationships" xmlns:p="http://schemas.openxmlformats.org/presentationml/2006/main">
   <p:cSld>
     <p:spTree>
@@ -16340,281 +17005,7 @@
 </p:sld>
 </file>
 
-<file path=ppt/slides/slide3.xml><?xml version="1.0" encoding="utf-8"?>
-<p:sld xmlns:a="http://schemas.openxmlformats.org/drawingml/2006/main" xmlns:r="http://schemas.openxmlformats.org/officeDocument/2006/relationships" xmlns:p="http://schemas.openxmlformats.org/presentationml/2006/main">
-  <p:cSld>
-    <p:spTree>
-      <p:nvGrpSpPr>
-        <p:cNvPr id="1" name=""/>
-        <p:cNvGrpSpPr/>
-        <p:nvPr/>
-      </p:nvGrpSpPr>
-      <p:grpSpPr>
-        <a:xfrm>
-          <a:off x="0" y="0"/>
-          <a:ext cx="0" cy="0"/>
-          <a:chOff x="0" y="0"/>
-          <a:chExt cx="0" cy="0"/>
-        </a:xfrm>
-      </p:grpSpPr>
-      <p:sp>
-        <p:nvSpPr>
-          <p:cNvPr id="2" name="Title 1">
-            <a:extLst>
-              <a:ext uri="{FF2B5EF4-FFF2-40B4-BE49-F238E27FC236}">
-                <a16:creationId xmlns:a16="http://schemas.microsoft.com/office/drawing/2014/main" id="{1DB44C86-650D-4B92-9382-D9899CAFAB80}"/>
-              </a:ext>
-            </a:extLst>
-          </p:cNvPr>
-          <p:cNvSpPr>
-            <a:spLocks noGrp="1"/>
-          </p:cNvSpPr>
-          <p:nvPr>
-            <p:ph type="title"/>
-          </p:nvPr>
-        </p:nvSpPr>
-        <p:spPr/>
-        <p:txBody>
-          <a:bodyPr/>
-          <a:lstStyle/>
-          <a:p>
-            <a:r>
-              <a:rPr lang="en-US" dirty="0"/>
-              <a:t>Hardware Verification – Motivation</a:t>
-            </a:r>
-          </a:p>
-        </p:txBody>
-      </p:sp>
-      <p:sp>
-        <p:nvSpPr>
-          <p:cNvPr id="3" name="Content Placeholder 2">
-            <a:extLst>
-              <a:ext uri="{FF2B5EF4-FFF2-40B4-BE49-F238E27FC236}">
-                <a16:creationId xmlns:a16="http://schemas.microsoft.com/office/drawing/2014/main" id="{D3B2F8A8-71D6-4CF8-859D-BA1197205431}"/>
-              </a:ext>
-            </a:extLst>
-          </p:cNvPr>
-          <p:cNvSpPr>
-            <a:spLocks noGrp="1"/>
-          </p:cNvSpPr>
-          <p:nvPr>
-            <p:ph idx="1"/>
-          </p:nvPr>
-        </p:nvSpPr>
-        <p:spPr/>
-        <p:txBody>
-          <a:bodyPr/>
-          <a:lstStyle/>
-          <a:p>
-            <a:r>
-              <a:rPr lang="en-US" sz="2400" dirty="0">
-                <a:latin typeface="Calibri" panose="020F0502020204030204" pitchFamily="34" charset="0"/>
-                <a:cs typeface="Arial" panose="020B0604020202020204" pitchFamily="34" charset="0"/>
-              </a:rPr>
-              <a:t>Ensure that the devices </a:t>
-            </a:r>
-            <a:r>
-              <a:rPr lang="en-US" sz="2400" b="1" dirty="0">
-                <a:latin typeface="Calibri" panose="020F0502020204030204" pitchFamily="34" charset="0"/>
-                <a:cs typeface="Arial" panose="020B0604020202020204" pitchFamily="34" charset="0"/>
-              </a:rPr>
-              <a:t>performs </a:t>
-            </a:r>
-            <a:r>
-              <a:rPr lang="en-US" sz="2400" dirty="0">
-                <a:latin typeface="Calibri" panose="020F0502020204030204" pitchFamily="34" charset="0"/>
-                <a:cs typeface="Arial" panose="020B0604020202020204" pitchFamily="34" charset="0"/>
-              </a:rPr>
-              <a:t>required task successfully:</a:t>
-            </a:r>
-          </a:p>
-          <a:p>
-            <a:pPr lvl="1"/>
-            <a:r>
-              <a:rPr lang="en-US" sz="2000" dirty="0">
-                <a:latin typeface="Calibri" panose="020F0502020204030204" pitchFamily="34" charset="0"/>
-                <a:cs typeface="Arial" panose="020B0604020202020204" pitchFamily="34" charset="0"/>
-              </a:rPr>
-              <a:t>Device should reflect accurately the specification.</a:t>
-            </a:r>
-          </a:p>
-          <a:p>
-            <a:pPr lvl="1"/>
-            <a:r>
-              <a:rPr lang="en-US" sz="2000" dirty="0">
-                <a:latin typeface="Calibri" panose="020F0502020204030204" pitchFamily="34" charset="0"/>
-                <a:cs typeface="Arial" panose="020B0604020202020204" pitchFamily="34" charset="0"/>
-              </a:rPr>
-              <a:t> Bugs are a result of the discrepancy between the device design and the device specification.</a:t>
-            </a:r>
-          </a:p>
-          <a:p>
-            <a:pPr marL="457200" lvl="1" indent="0">
-              <a:buNone/>
-            </a:pPr>
-            <a:endParaRPr lang="en-US" sz="2000" dirty="0">
-              <a:latin typeface="Calibri" panose="020F0502020204030204" pitchFamily="34" charset="0"/>
-              <a:cs typeface="Arial" panose="020B0604020202020204" pitchFamily="34" charset="0"/>
-            </a:endParaRPr>
-          </a:p>
-          <a:p>
-            <a:pPr>
-              <a:lnSpc>
-                <a:spcPct val="107000"/>
-              </a:lnSpc>
-              <a:spcBef>
-                <a:spcPts val="0"/>
-              </a:spcBef>
-            </a:pPr>
-            <a:r>
-              <a:rPr lang="en-US" sz="2400" dirty="0">
-                <a:latin typeface="Calibri" panose="020F0502020204030204" pitchFamily="34" charset="0"/>
-                <a:cs typeface="Arial" panose="020B0604020202020204" pitchFamily="34" charset="0"/>
-              </a:rPr>
-              <a:t>Design verification (DV) </a:t>
-            </a:r>
-            <a:r>
-              <a:rPr lang="en-US" sz="2400" b="1" dirty="0">
-                <a:latin typeface="Calibri" panose="020F0502020204030204" pitchFamily="34" charset="0"/>
-                <a:cs typeface="Arial" panose="020B0604020202020204" pitchFamily="34" charset="0"/>
-              </a:rPr>
-              <a:t>contains</a:t>
-            </a:r>
-            <a:r>
-              <a:rPr lang="en-US" sz="2400" dirty="0">
-                <a:latin typeface="Calibri" panose="020F0502020204030204" pitchFamily="34" charset="0"/>
-                <a:cs typeface="Arial" panose="020B0604020202020204" pitchFamily="34" charset="0"/>
-              </a:rPr>
-              <a:t> different technologies and methodologies:</a:t>
-            </a:r>
-          </a:p>
-          <a:p>
-            <a:pPr lvl="1">
-              <a:lnSpc>
-                <a:spcPct val="107000"/>
-              </a:lnSpc>
-              <a:spcBef>
-                <a:spcPts val="0"/>
-              </a:spcBef>
-            </a:pPr>
-            <a:r>
-              <a:rPr lang="en-US" sz="2000" dirty="0">
-                <a:latin typeface="Calibri" panose="020F0502020204030204" pitchFamily="34" charset="0"/>
-                <a:cs typeface="Arial" panose="020B0604020202020204" pitchFamily="34" charset="0"/>
-              </a:rPr>
-              <a:t>UVM (Universal Verification Methodology)</a:t>
-            </a:r>
-          </a:p>
-          <a:p>
-            <a:pPr lvl="1">
-              <a:lnSpc>
-                <a:spcPct val="107000"/>
-              </a:lnSpc>
-              <a:spcBef>
-                <a:spcPts val="0"/>
-              </a:spcBef>
-            </a:pPr>
-            <a:r>
-              <a:rPr lang="en-US" sz="2000" dirty="0">
-                <a:latin typeface="Calibri" panose="020F0502020204030204" pitchFamily="34" charset="0"/>
-                <a:cs typeface="Arial" panose="020B0604020202020204" pitchFamily="34" charset="0"/>
-              </a:rPr>
-              <a:t>UPF (Unified Power Format) low-power verification</a:t>
-            </a:r>
-          </a:p>
-          <a:p>
-            <a:pPr lvl="1">
-              <a:lnSpc>
-                <a:spcPct val="107000"/>
-              </a:lnSpc>
-              <a:spcBef>
-                <a:spcPts val="0"/>
-              </a:spcBef>
-            </a:pPr>
-            <a:r>
-              <a:rPr lang="en-US" sz="2000" dirty="0">
-                <a:latin typeface="Calibri" panose="020F0502020204030204" pitchFamily="34" charset="0"/>
-                <a:cs typeface="Arial" panose="020B0604020202020204" pitchFamily="34" charset="0"/>
-              </a:rPr>
-              <a:t>AMS (analog/mixed signal) verification</a:t>
-            </a:r>
-          </a:p>
-          <a:p>
-            <a:pPr marL="457200" lvl="1" indent="0">
-              <a:lnSpc>
-                <a:spcPct val="107000"/>
-              </a:lnSpc>
-              <a:spcBef>
-                <a:spcPts val="0"/>
-              </a:spcBef>
-              <a:buNone/>
-            </a:pPr>
-            <a:endParaRPr lang="en-US" sz="2000" dirty="0">
-              <a:latin typeface="Calibri" panose="020F0502020204030204" pitchFamily="34" charset="0"/>
-              <a:cs typeface="Arial" panose="020B0604020202020204" pitchFamily="34" charset="0"/>
-            </a:endParaRPr>
-          </a:p>
-          <a:p>
-            <a:pPr>
-              <a:lnSpc>
-                <a:spcPct val="107000"/>
-              </a:lnSpc>
-              <a:spcBef>
-                <a:spcPts val="0"/>
-              </a:spcBef>
-            </a:pPr>
-            <a:r>
-              <a:rPr lang="en-US" sz="2400" dirty="0">
-                <a:latin typeface="Calibri" panose="020F0502020204030204" pitchFamily="34" charset="0"/>
-                <a:cs typeface="Arial" panose="020B0604020202020204" pitchFamily="34" charset="0"/>
-              </a:rPr>
-              <a:t>In this project, the </a:t>
-            </a:r>
-            <a:r>
-              <a:rPr lang="en-US" sz="2400" b="1" dirty="0">
-                <a:latin typeface="Calibri" panose="020F0502020204030204" pitchFamily="34" charset="0"/>
-                <a:cs typeface="Arial" panose="020B0604020202020204" pitchFamily="34" charset="0"/>
-              </a:rPr>
-              <a:t>chosen</a:t>
-            </a:r>
-            <a:r>
-              <a:rPr lang="en-US" sz="2400" dirty="0">
-                <a:latin typeface="Calibri" panose="020F0502020204030204" pitchFamily="34" charset="0"/>
-                <a:cs typeface="Arial" panose="020B0604020202020204" pitchFamily="34" charset="0"/>
-              </a:rPr>
-              <a:t> </a:t>
-            </a:r>
-            <a:r>
-              <a:rPr lang="en-US" sz="2400" b="1" dirty="0">
-                <a:latin typeface="Calibri" panose="020F0502020204030204" pitchFamily="34" charset="0"/>
-                <a:cs typeface="Arial" panose="020B0604020202020204" pitchFamily="34" charset="0"/>
-              </a:rPr>
-              <a:t>method</a:t>
-            </a:r>
-            <a:r>
-              <a:rPr lang="en-US" sz="2400" dirty="0">
-                <a:latin typeface="Calibri" panose="020F0502020204030204" pitchFamily="34" charset="0"/>
-                <a:cs typeface="Arial" panose="020B0604020202020204" pitchFamily="34" charset="0"/>
-              </a:rPr>
-              <a:t> for design verification is UVM.</a:t>
-            </a:r>
-          </a:p>
-        </p:txBody>
-      </p:sp>
-    </p:spTree>
-    <p:extLst>
-      <p:ext uri="{BB962C8B-B14F-4D97-AF65-F5344CB8AC3E}">
-        <p14:creationId xmlns:p14="http://schemas.microsoft.com/office/powerpoint/2010/main" val="933835396"/>
-      </p:ext>
-    </p:extLst>
-  </p:cSld>
-  <p:clrMapOvr>
-    <a:masterClrMapping/>
-  </p:clrMapOvr>
-</p:sld>
-</file>
-
-<file path=ppt/slides/slide30.xml><?xml version="1.0" encoding="utf-8"?>
+<file path=ppt/slides/slide31.xml><?xml version="1.0" encoding="utf-8"?>
 <p:sld xmlns:a="http://schemas.openxmlformats.org/drawingml/2006/main" xmlns:r="http://schemas.openxmlformats.org/officeDocument/2006/relationships" xmlns:p="http://schemas.openxmlformats.org/presentationml/2006/main">
   <p:cSld>
     <p:spTree>
@@ -17504,7 +17895,7 @@
 </p:sld>
 </file>
 
-<file path=ppt/slides/slide31.xml><?xml version="1.0" encoding="utf-8"?>
+<file path=ppt/slides/slide32.xml><?xml version="1.0" encoding="utf-8"?>
 <p:sld xmlns:a="http://schemas.openxmlformats.org/drawingml/2006/main" xmlns:r="http://schemas.openxmlformats.org/officeDocument/2006/relationships" xmlns:p="http://schemas.openxmlformats.org/presentationml/2006/main">
   <p:cSld>
     <p:spTree>
@@ -17796,7 +18187,7 @@
 </p:sld>
 </file>
 
-<file path=ppt/slides/slide32.xml><?xml version="1.0" encoding="utf-8"?>
+<file path=ppt/slides/slide33.xml><?xml version="1.0" encoding="utf-8"?>
 <p:sld xmlns:a="http://schemas.openxmlformats.org/drawingml/2006/main" xmlns:r="http://schemas.openxmlformats.org/officeDocument/2006/relationships" xmlns:p="http://schemas.openxmlformats.org/presentationml/2006/main">
   <p:cSld>
     <p:spTree>
@@ -18082,7 +18473,7 @@
 </p:sld>
 </file>
 
-<file path=ppt/slides/slide33.xml><?xml version="1.0" encoding="utf-8"?>
+<file path=ppt/slides/slide34.xml><?xml version="1.0" encoding="utf-8"?>
 <p:sld xmlns:a="http://schemas.openxmlformats.org/drawingml/2006/main" xmlns:r="http://schemas.openxmlformats.org/officeDocument/2006/relationships" xmlns:p="http://schemas.openxmlformats.org/presentationml/2006/main">
   <p:cSld>
     <p:spTree>
@@ -18616,7 +19007,7 @@
 </p:sld>
 </file>
 
-<file path=ppt/slides/slide34.xml><?xml version="1.0" encoding="utf-8"?>
+<file path=ppt/slides/slide35.xml><?xml version="1.0" encoding="utf-8"?>
 <p:sld xmlns:a="http://schemas.openxmlformats.org/drawingml/2006/main" xmlns:r="http://schemas.openxmlformats.org/officeDocument/2006/relationships" xmlns:p="http://schemas.openxmlformats.org/presentationml/2006/main">
   <p:cSld>
     <p:spTree>
@@ -19033,7 +19424,7 @@
 </p:sld>
 </file>
 
-<file path=ppt/slides/slide35.xml><?xml version="1.0" encoding="utf-8"?>
+<file path=ppt/slides/slide36.xml><?xml version="1.0" encoding="utf-8"?>
 <p:sld xmlns:a="http://schemas.openxmlformats.org/drawingml/2006/main" xmlns:r="http://schemas.openxmlformats.org/officeDocument/2006/relationships" xmlns:p="http://schemas.openxmlformats.org/presentationml/2006/main">
   <p:cSld>
     <p:spTree>
@@ -19181,7 +19572,7 @@
 </p:sld>
 </file>
 
-<file path=ppt/slides/slide36.xml><?xml version="1.0" encoding="utf-8"?>
+<file path=ppt/slides/slide37.xml><?xml version="1.0" encoding="utf-8"?>
 <p:sld xmlns:a="http://schemas.openxmlformats.org/drawingml/2006/main" xmlns:r="http://schemas.openxmlformats.org/officeDocument/2006/relationships" xmlns:p="http://schemas.openxmlformats.org/presentationml/2006/main">
   <p:cSld>
     <p:spTree>
@@ -19311,7 +19702,7 @@
 </p:sld>
 </file>
 
-<file path=ppt/slides/slide37.xml><?xml version="1.0" encoding="utf-8"?>
+<file path=ppt/slides/slide38.xml><?xml version="1.0" encoding="utf-8"?>
 <p:sld xmlns:a="http://schemas.openxmlformats.org/drawingml/2006/main" xmlns:r="http://schemas.openxmlformats.org/officeDocument/2006/relationships" xmlns:p="http://schemas.openxmlformats.org/presentationml/2006/main">
   <p:cSld>
     <p:spTree>
@@ -19862,7 +20253,7 @@
 </p:sld>
 </file>
 
-<file path=ppt/slides/slide38.xml><?xml version="1.0" encoding="utf-8"?>
+<file path=ppt/slides/slide39.xml><?xml version="1.0" encoding="utf-8"?>
 <p:sld xmlns:a="http://schemas.openxmlformats.org/drawingml/2006/main" xmlns:r="http://schemas.openxmlformats.org/officeDocument/2006/relationships" xmlns:p="http://schemas.openxmlformats.org/presentationml/2006/main">
   <p:cSld>
     <p:spTree>
@@ -20055,189 +20446,6 @@
     <p:extLst>
       <p:ext uri="{BB962C8B-B14F-4D97-AF65-F5344CB8AC3E}">
         <p14:creationId xmlns:p14="http://schemas.microsoft.com/office/powerpoint/2010/main" val="3646463400"/>
-      </p:ext>
-    </p:extLst>
-  </p:cSld>
-  <p:clrMapOvr>
-    <a:masterClrMapping/>
-  </p:clrMapOvr>
-</p:sld>
-</file>
-
-<file path=ppt/slides/slide39.xml><?xml version="1.0" encoding="utf-8"?>
-<p:sld xmlns:a="http://schemas.openxmlformats.org/drawingml/2006/main" xmlns:r="http://schemas.openxmlformats.org/officeDocument/2006/relationships" xmlns:p="http://schemas.openxmlformats.org/presentationml/2006/main">
-  <p:cSld>
-    <p:spTree>
-      <p:nvGrpSpPr>
-        <p:cNvPr id="1" name=""/>
-        <p:cNvGrpSpPr/>
-        <p:nvPr/>
-      </p:nvGrpSpPr>
-      <p:grpSpPr>
-        <a:xfrm>
-          <a:off x="0" y="0"/>
-          <a:ext cx="0" cy="0"/>
-          <a:chOff x="0" y="0"/>
-          <a:chExt cx="0" cy="0"/>
-        </a:xfrm>
-      </p:grpSpPr>
-      <p:sp>
-        <p:nvSpPr>
-          <p:cNvPr id="2" name="Title 1">
-            <a:extLst>
-              <a:ext uri="{FF2B5EF4-FFF2-40B4-BE49-F238E27FC236}">
-                <a16:creationId xmlns:a16="http://schemas.microsoft.com/office/drawing/2014/main" id="{F725E260-500D-4FC8-AABF-B6FD8431A1A6}"/>
-              </a:ext>
-            </a:extLst>
-          </p:cNvPr>
-          <p:cNvSpPr>
-            <a:spLocks noGrp="1"/>
-          </p:cNvSpPr>
-          <p:nvPr>
-            <p:ph type="title"/>
-          </p:nvPr>
-        </p:nvSpPr>
-        <p:spPr/>
-        <p:txBody>
-          <a:bodyPr/>
-          <a:lstStyle/>
-          <a:p>
-            <a:r>
-              <a:rPr lang="en-US" dirty="0"/>
-              <a:t>Functional Coverage</a:t>
-            </a:r>
-            <a:br>
-              <a:rPr lang="en-US" dirty="0"/>
-            </a:br>
-            <a:r>
-              <a:rPr lang="en-US" dirty="0"/>
-              <a:t>number of points</a:t>
-            </a:r>
-          </a:p>
-        </p:txBody>
-      </p:sp>
-      <p:sp>
-        <p:nvSpPr>
-          <p:cNvPr id="3" name="Content Placeholder 2">
-            <a:extLst>
-              <a:ext uri="{FF2B5EF4-FFF2-40B4-BE49-F238E27FC236}">
-                <a16:creationId xmlns:a16="http://schemas.microsoft.com/office/drawing/2014/main" id="{56F27B78-894F-4685-83BE-70226015780B}"/>
-              </a:ext>
-            </a:extLst>
-          </p:cNvPr>
-          <p:cNvSpPr>
-            <a:spLocks noGrp="1"/>
-          </p:cNvSpPr>
-          <p:nvPr>
-            <p:ph idx="1"/>
-          </p:nvPr>
-        </p:nvSpPr>
-        <p:spPr>
-          <a:xfrm>
-            <a:off x="838200" y="2294340"/>
-            <a:ext cx="2654300" cy="3495675"/>
-          </a:xfrm>
-        </p:spPr>
-        <p:txBody>
-          <a:bodyPr>
-            <a:normAutofit/>
-          </a:bodyPr>
-          <a:lstStyle/>
-          <a:p>
-            <a:pPr marL="0" indent="0">
-              <a:buNone/>
-            </a:pPr>
-            <a:r>
-              <a:rPr lang="en-US" sz="2000" dirty="0">
-                <a:latin typeface="Calibri" panose="020F0502020204030204" pitchFamily="34" charset="0"/>
-                <a:ea typeface="Calibri" panose="020F0502020204030204" pitchFamily="34" charset="0"/>
-                <a:cs typeface="Arial" panose="020B0604020202020204" pitchFamily="34" charset="0"/>
-              </a:rPr>
-              <a:t>T</a:t>
-            </a:r>
-            <a:r>
-              <a:rPr lang="en-US" sz="2000" dirty="0">
-                <a:effectLst/>
-                <a:latin typeface="Calibri" panose="020F0502020204030204" pitchFamily="34" charset="0"/>
-                <a:ea typeface="Calibri" panose="020F0502020204030204" pitchFamily="34" charset="0"/>
-                <a:cs typeface="Arial" panose="020B0604020202020204" pitchFamily="34" charset="0"/>
-              </a:rPr>
-              <a:t>he number of points in all the tests was approximately </a:t>
-            </a:r>
-            <a:r>
-              <a:rPr lang="en-US" sz="2000" b="1" dirty="0">
-                <a:effectLst/>
-                <a:latin typeface="Calibri" panose="020F0502020204030204" pitchFamily="34" charset="0"/>
-                <a:ea typeface="Calibri" panose="020F0502020204030204" pitchFamily="34" charset="0"/>
-                <a:cs typeface="Arial" panose="020B0604020202020204" pitchFamily="34" charset="0"/>
-              </a:rPr>
-              <a:t>uniformly</a:t>
-            </a:r>
-            <a:r>
-              <a:rPr lang="en-US" sz="2000" dirty="0">
-                <a:effectLst/>
-                <a:latin typeface="Calibri" panose="020F0502020204030204" pitchFamily="34" charset="0"/>
-                <a:ea typeface="Calibri" panose="020F0502020204030204" pitchFamily="34" charset="0"/>
-                <a:cs typeface="Arial" panose="020B0604020202020204" pitchFamily="34" charset="0"/>
-              </a:rPr>
-              <a:t> </a:t>
-            </a:r>
-            <a:r>
-              <a:rPr lang="en-US" sz="2000" b="1" dirty="0">
-                <a:effectLst/>
-                <a:latin typeface="Calibri" panose="020F0502020204030204" pitchFamily="34" charset="0"/>
-                <a:ea typeface="Calibri" panose="020F0502020204030204" pitchFamily="34" charset="0"/>
-                <a:cs typeface="Arial" panose="020B0604020202020204" pitchFamily="34" charset="0"/>
-              </a:rPr>
-              <a:t>distributed</a:t>
-            </a:r>
-            <a:r>
-              <a:rPr lang="en-US" sz="2000" dirty="0">
-                <a:effectLst/>
-                <a:latin typeface="Calibri" panose="020F0502020204030204" pitchFamily="34" charset="0"/>
-                <a:ea typeface="Calibri" panose="020F0502020204030204" pitchFamily="34" charset="0"/>
-                <a:cs typeface="Arial" panose="020B0604020202020204" pitchFamily="34" charset="0"/>
-              </a:rPr>
-              <a:t> between 8 and 512.</a:t>
-            </a:r>
-          </a:p>
-          <a:p>
-            <a:endParaRPr lang="en-US" sz="3200" dirty="0"/>
-          </a:p>
-        </p:txBody>
-      </p:sp>
-      <p:pic>
-        <p:nvPicPr>
-          <p:cNvPr id="4" name="Picture 3">
-            <a:extLst>
-              <a:ext uri="{FF2B5EF4-FFF2-40B4-BE49-F238E27FC236}">
-                <a16:creationId xmlns:a16="http://schemas.microsoft.com/office/drawing/2014/main" id="{9A52836D-2C3C-49EC-81A3-771BA3F59E9F}"/>
-              </a:ext>
-            </a:extLst>
-          </p:cNvPr>
-          <p:cNvPicPr/>
-          <p:nvPr/>
-        </p:nvPicPr>
-        <p:blipFill>
-          <a:blip r:embed="rId2"/>
-          <a:stretch>
-            <a:fillRect/>
-          </a:stretch>
-        </p:blipFill>
-        <p:spPr>
-          <a:xfrm>
-            <a:off x="4723228" y="1972334"/>
-            <a:ext cx="6630572" cy="3707888"/>
-          </a:xfrm>
-          <a:prstGeom prst="rect">
-            <a:avLst/>
-          </a:prstGeom>
-        </p:spPr>
-      </p:pic>
-    </p:spTree>
-    <p:extLst>
-      <p:ext uri="{BB962C8B-B14F-4D97-AF65-F5344CB8AC3E}">
-        <p14:creationId xmlns:p14="http://schemas.microsoft.com/office/powerpoint/2010/main" val="2110487780"/>
       </p:ext>
     </p:extLst>
   </p:cSld>
@@ -20672,7 +20880,7 @@
             </a:br>
             <a:r>
               <a:rPr lang="en-US" dirty="0"/>
-              <a:t>data points</a:t>
+              <a:t>number of points</a:t>
             </a:r>
           </a:p>
         </p:txBody>
@@ -20695,8 +20903,8 @@
         </p:nvSpPr>
         <p:spPr>
           <a:xfrm>
-            <a:off x="608397" y="2506662"/>
-            <a:ext cx="3437238" cy="4351338"/>
+            <a:off x="838200" y="2294340"/>
+            <a:ext cx="2654300" cy="3495675"/>
           </a:xfrm>
         </p:spPr>
         <p:txBody>
@@ -20705,27 +20913,74 @@
           </a:bodyPr>
           <a:lstStyle/>
           <a:p>
-            <a:r>
-              <a:rPr lang="en-US" sz="2000" dirty="0"/>
-              <a:t>For all data points, the values of their coordinates were </a:t>
-            </a:r>
-            <a:r>
-              <a:rPr lang="en-US" sz="2000" b="1" dirty="0"/>
-              <a:t>uniformly distributed </a:t>
-            </a:r>
-            <a:r>
-              <a:rPr lang="en-US" sz="2000" dirty="0"/>
-              <a:t>between all the possible values in all the tests.</a:t>
-            </a:r>
+            <a:pPr marL="0" indent="0">
+              <a:buNone/>
+            </a:pPr>
+            <a:r>
+              <a:rPr lang="en-US" sz="2000" dirty="0">
+                <a:latin typeface="Calibri" panose="020F0502020204030204" pitchFamily="34" charset="0"/>
+                <a:ea typeface="Calibri" panose="020F0502020204030204" pitchFamily="34" charset="0"/>
+                <a:cs typeface="Arial" panose="020B0604020202020204" pitchFamily="34" charset="0"/>
+              </a:rPr>
+              <a:t>T</a:t>
+            </a:r>
+            <a:r>
+              <a:rPr lang="en-US" sz="2000" dirty="0">
+                <a:effectLst/>
+                <a:latin typeface="Calibri" panose="020F0502020204030204" pitchFamily="34" charset="0"/>
+                <a:ea typeface="Calibri" panose="020F0502020204030204" pitchFamily="34" charset="0"/>
+                <a:cs typeface="Arial" panose="020B0604020202020204" pitchFamily="34" charset="0"/>
+              </a:rPr>
+              <a:t>he number of points in all the tests was approximately </a:t>
+            </a:r>
+            <a:r>
+              <a:rPr lang="en-US" sz="2000" b="1" dirty="0">
+                <a:effectLst/>
+                <a:latin typeface="Calibri" panose="020F0502020204030204" pitchFamily="34" charset="0"/>
+                <a:ea typeface="Calibri" panose="020F0502020204030204" pitchFamily="34" charset="0"/>
+                <a:cs typeface="Arial" panose="020B0604020202020204" pitchFamily="34" charset="0"/>
+              </a:rPr>
+              <a:t>uniformly</a:t>
+            </a:r>
+            <a:r>
+              <a:rPr lang="en-US" sz="2000" dirty="0">
+                <a:effectLst/>
+                <a:latin typeface="Calibri" panose="020F0502020204030204" pitchFamily="34" charset="0"/>
+                <a:ea typeface="Calibri" panose="020F0502020204030204" pitchFamily="34" charset="0"/>
+                <a:cs typeface="Arial" panose="020B0604020202020204" pitchFamily="34" charset="0"/>
+              </a:rPr>
+              <a:t> </a:t>
+            </a:r>
+            <a:r>
+              <a:rPr lang="en-US" sz="2000" b="1" dirty="0">
+                <a:effectLst/>
+                <a:latin typeface="Calibri" panose="020F0502020204030204" pitchFamily="34" charset="0"/>
+                <a:ea typeface="Calibri" panose="020F0502020204030204" pitchFamily="34" charset="0"/>
+                <a:cs typeface="Arial" panose="020B0604020202020204" pitchFamily="34" charset="0"/>
+              </a:rPr>
+              <a:t>distributed</a:t>
+            </a:r>
+            <a:r>
+              <a:rPr lang="en-US" sz="2000" dirty="0">
+                <a:effectLst/>
+                <a:latin typeface="Calibri" panose="020F0502020204030204" pitchFamily="34" charset="0"/>
+                <a:ea typeface="Calibri" panose="020F0502020204030204" pitchFamily="34" charset="0"/>
+                <a:cs typeface="Arial" panose="020B0604020202020204" pitchFamily="34" charset="0"/>
+              </a:rPr>
+              <a:t> between 8 and 512.</a:t>
+            </a:r>
+          </a:p>
+          <a:p>
+            <a:endParaRPr lang="en-US" sz="3200" dirty="0"/>
           </a:p>
         </p:txBody>
       </p:sp>
       <p:pic>
         <p:nvPicPr>
-          <p:cNvPr id="5" name="Picture 4">
+          <p:cNvPr id="4" name="Picture 3">
             <a:extLst>
               <a:ext uri="{FF2B5EF4-FFF2-40B4-BE49-F238E27FC236}">
-                <a16:creationId xmlns:a16="http://schemas.microsoft.com/office/drawing/2014/main" id="{626FEBA1-B578-482A-A266-65A3AA360BC7}"/>
+                <a16:creationId xmlns:a16="http://schemas.microsoft.com/office/drawing/2014/main" id="{9A52836D-2C3C-49EC-81A3-771BA3F59E9F}"/>
               </a:ext>
             </a:extLst>
           </p:cNvPr>
@@ -20740,8 +20995,8 @@
         </p:blipFill>
         <p:spPr>
           <a:xfrm>
-            <a:off x="4765431" y="1931988"/>
-            <a:ext cx="6588369" cy="4351338"/>
+            <a:off x="4723228" y="1972334"/>
+            <a:ext cx="6630572" cy="3707888"/>
           </a:xfrm>
           <a:prstGeom prst="rect">
             <a:avLst/>
@@ -20751,7 +21006,7 @@
     </p:spTree>
     <p:extLst>
       <p:ext uri="{BB962C8B-B14F-4D97-AF65-F5344CB8AC3E}">
-        <p14:creationId xmlns:p14="http://schemas.microsoft.com/office/powerpoint/2010/main" val="2364078193"/>
+        <p14:creationId xmlns:p14="http://schemas.microsoft.com/office/powerpoint/2010/main" val="2110487780"/>
       </p:ext>
     </p:extLst>
   </p:cSld>
@@ -20808,6 +21063,142 @@
             </a:br>
             <a:r>
               <a:rPr lang="en-US" dirty="0"/>
+              <a:t>data points</a:t>
+            </a:r>
+          </a:p>
+        </p:txBody>
+      </p:sp>
+      <p:sp>
+        <p:nvSpPr>
+          <p:cNvPr id="3" name="Content Placeholder 2">
+            <a:extLst>
+              <a:ext uri="{FF2B5EF4-FFF2-40B4-BE49-F238E27FC236}">
+                <a16:creationId xmlns:a16="http://schemas.microsoft.com/office/drawing/2014/main" id="{56F27B78-894F-4685-83BE-70226015780B}"/>
+              </a:ext>
+            </a:extLst>
+          </p:cNvPr>
+          <p:cNvSpPr>
+            <a:spLocks noGrp="1"/>
+          </p:cNvSpPr>
+          <p:nvPr>
+            <p:ph idx="1"/>
+          </p:nvPr>
+        </p:nvSpPr>
+        <p:spPr>
+          <a:xfrm>
+            <a:off x="608397" y="2506662"/>
+            <a:ext cx="3437238" cy="4351338"/>
+          </a:xfrm>
+        </p:spPr>
+        <p:txBody>
+          <a:bodyPr>
+            <a:normAutofit/>
+          </a:bodyPr>
+          <a:lstStyle/>
+          <a:p>
+            <a:r>
+              <a:rPr lang="en-US" sz="2000" dirty="0"/>
+              <a:t>For all data points, the values of their coordinates were </a:t>
+            </a:r>
+            <a:r>
+              <a:rPr lang="en-US" sz="2000" b="1" dirty="0"/>
+              <a:t>uniformly distributed </a:t>
+            </a:r>
+            <a:r>
+              <a:rPr lang="en-US" sz="2000" dirty="0"/>
+              <a:t>between all the possible values in all the tests.</a:t>
+            </a:r>
+          </a:p>
+        </p:txBody>
+      </p:sp>
+      <p:pic>
+        <p:nvPicPr>
+          <p:cNvPr id="5" name="Picture 4">
+            <a:extLst>
+              <a:ext uri="{FF2B5EF4-FFF2-40B4-BE49-F238E27FC236}">
+                <a16:creationId xmlns:a16="http://schemas.microsoft.com/office/drawing/2014/main" id="{626FEBA1-B578-482A-A266-65A3AA360BC7}"/>
+              </a:ext>
+            </a:extLst>
+          </p:cNvPr>
+          <p:cNvPicPr/>
+          <p:nvPr/>
+        </p:nvPicPr>
+        <p:blipFill>
+          <a:blip r:embed="rId2"/>
+          <a:stretch>
+            <a:fillRect/>
+          </a:stretch>
+        </p:blipFill>
+        <p:spPr>
+          <a:xfrm>
+            <a:off x="4765431" y="1931988"/>
+            <a:ext cx="6588369" cy="4351338"/>
+          </a:xfrm>
+          <a:prstGeom prst="rect">
+            <a:avLst/>
+          </a:prstGeom>
+        </p:spPr>
+      </p:pic>
+    </p:spTree>
+    <p:extLst>
+      <p:ext uri="{BB962C8B-B14F-4D97-AF65-F5344CB8AC3E}">
+        <p14:creationId xmlns:p14="http://schemas.microsoft.com/office/powerpoint/2010/main" val="2364078193"/>
+      </p:ext>
+    </p:extLst>
+  </p:cSld>
+  <p:clrMapOvr>
+    <a:masterClrMapping/>
+  </p:clrMapOvr>
+</p:sld>
+</file>
+
+<file path=ppt/slides/slide42.xml><?xml version="1.0" encoding="utf-8"?>
+<p:sld xmlns:a="http://schemas.openxmlformats.org/drawingml/2006/main" xmlns:r="http://schemas.openxmlformats.org/officeDocument/2006/relationships" xmlns:p="http://schemas.openxmlformats.org/presentationml/2006/main">
+  <p:cSld>
+    <p:spTree>
+      <p:nvGrpSpPr>
+        <p:cNvPr id="1" name=""/>
+        <p:cNvGrpSpPr/>
+        <p:nvPr/>
+      </p:nvGrpSpPr>
+      <p:grpSpPr>
+        <a:xfrm>
+          <a:off x="0" y="0"/>
+          <a:ext cx="0" cy="0"/>
+          <a:chOff x="0" y="0"/>
+          <a:chExt cx="0" cy="0"/>
+        </a:xfrm>
+      </p:grpSpPr>
+      <p:sp>
+        <p:nvSpPr>
+          <p:cNvPr id="2" name="Title 1">
+            <a:extLst>
+              <a:ext uri="{FF2B5EF4-FFF2-40B4-BE49-F238E27FC236}">
+                <a16:creationId xmlns:a16="http://schemas.microsoft.com/office/drawing/2014/main" id="{F725E260-500D-4FC8-AABF-B6FD8431A1A6}"/>
+              </a:ext>
+            </a:extLst>
+          </p:cNvPr>
+          <p:cNvSpPr>
+            <a:spLocks noGrp="1"/>
+          </p:cNvSpPr>
+          <p:nvPr>
+            <p:ph type="title"/>
+          </p:nvPr>
+        </p:nvSpPr>
+        <p:spPr/>
+        <p:txBody>
+          <a:bodyPr/>
+          <a:lstStyle/>
+          <a:p>
+            <a:r>
+              <a:rPr lang="en-US" dirty="0"/>
+              <a:t>Functional Coverage</a:t>
+            </a:r>
+            <a:br>
+              <a:rPr lang="en-US" dirty="0"/>
+            </a:br>
+            <a:r>
+              <a:rPr lang="en-US" dirty="0"/>
               <a:t>centroids value</a:t>
             </a:r>
           </a:p>
@@ -20910,7 +21301,7 @@
 </p:sld>
 </file>
 
-<file path=ppt/slides/slide42.xml><?xml version="1.0" encoding="utf-8"?>
+<file path=ppt/slides/slide43.xml><?xml version="1.0" encoding="utf-8"?>
 <p:sld xmlns:a="http://schemas.openxmlformats.org/drawingml/2006/main" xmlns:r="http://schemas.openxmlformats.org/officeDocument/2006/relationships" xmlns:p="http://schemas.openxmlformats.org/presentationml/2006/main">
   <p:cSld>
     <p:spTree>
@@ -21225,7 +21616,7 @@
 </p:sld>
 </file>
 
-<file path=ppt/slides/slide43.xml><?xml version="1.0" encoding="utf-8"?>
+<file path=ppt/slides/slide44.xml><?xml version="1.0" encoding="utf-8"?>
 <p:sld xmlns:a="http://schemas.openxmlformats.org/drawingml/2006/main" xmlns:r="http://schemas.openxmlformats.org/officeDocument/2006/relationships" xmlns:p="http://schemas.openxmlformats.org/presentationml/2006/main">
   <p:cSld>
     <p:spTree>
@@ -22309,7 +22700,7 @@
 </p:sld>
 </file>
 
-<file path=ppt/slides/slide44.xml><?xml version="1.0" encoding="utf-8"?>
+<file path=ppt/slides/slide45.xml><?xml version="1.0" encoding="utf-8"?>
 <p:sld xmlns:a="http://schemas.openxmlformats.org/drawingml/2006/main" xmlns:r="http://schemas.openxmlformats.org/officeDocument/2006/relationships" xmlns:p="http://schemas.openxmlformats.org/presentationml/2006/main">
   <p:cSld>
     <p:spTree>
@@ -22488,7 +22879,7 @@
 </p:sld>
 </file>
 
-<file path=ppt/slides/slide45.xml><?xml version="1.0" encoding="utf-8"?>
+<file path=ppt/slides/slide46.xml><?xml version="1.0" encoding="utf-8"?>
 <p:sld xmlns:a="http://schemas.openxmlformats.org/drawingml/2006/main" xmlns:r="http://schemas.openxmlformats.org/officeDocument/2006/relationships" xmlns:p="http://schemas.openxmlformats.org/presentationml/2006/main">
   <p:cSld>
     <p:spTree>
@@ -23068,7 +23459,7 @@
 </p:sld>
 </file>
 
-<file path=ppt/slides/slide46.xml><?xml version="1.0" encoding="utf-8"?>
+<file path=ppt/slides/slide47.xml><?xml version="1.0" encoding="utf-8"?>
 <p:sld xmlns:a="http://schemas.openxmlformats.org/drawingml/2006/main" xmlns:r="http://schemas.openxmlformats.org/officeDocument/2006/relationships" xmlns:p="http://schemas.openxmlformats.org/presentationml/2006/main">
   <p:cSld>
     <p:spTree>
@@ -23282,7 +23673,7 @@
           <p:nvPr/>
         </p:nvPicPr>
         <p:blipFill>
-          <a:blip r:embed="rId2"/>
+          <a:blip r:embed="rId3"/>
           <a:stretch>
             <a:fillRect/>
           </a:stretch>

--- a/Final presentation 3.pptx
+++ b/Final presentation 3.pptx
@@ -255,7 +255,7 @@
           <a:p>
             <a:fld id="{B2E107C9-5FE0-4864-97C4-A8FF847E0675}" type="datetimeFigureOut">
               <a:rPr lang="en-US" smtClean="0"/>
-              <a:t>1/4/2021</a:t>
+              <a:t>1/5/2021</a:t>
             </a:fld>
             <a:endParaRPr lang="en-US"/>
           </a:p>
@@ -4346,7 +4346,7 @@
           <a:p>
             <a:fld id="{CD2AB640-041E-414A-8FDF-E33E6A90A0DD}" type="datetimeFigureOut">
               <a:rPr lang="en-US" smtClean="0"/>
-              <a:t>1/4/2021</a:t>
+              <a:t>1/5/2021</a:t>
             </a:fld>
             <a:endParaRPr lang="en-US"/>
           </a:p>
@@ -4544,7 +4544,7 @@
           <a:p>
             <a:fld id="{CD2AB640-041E-414A-8FDF-E33E6A90A0DD}" type="datetimeFigureOut">
               <a:rPr lang="en-US" smtClean="0"/>
-              <a:t>1/4/2021</a:t>
+              <a:t>1/5/2021</a:t>
             </a:fld>
             <a:endParaRPr lang="en-US"/>
           </a:p>
@@ -4752,7 +4752,7 @@
           <a:p>
             <a:fld id="{CD2AB640-041E-414A-8FDF-E33E6A90A0DD}" type="datetimeFigureOut">
               <a:rPr lang="en-US" smtClean="0"/>
-              <a:t>1/4/2021</a:t>
+              <a:t>1/5/2021</a:t>
             </a:fld>
             <a:endParaRPr lang="en-US"/>
           </a:p>
@@ -4950,7 +4950,7 @@
           <a:p>
             <a:fld id="{CD2AB640-041E-414A-8FDF-E33E6A90A0DD}" type="datetimeFigureOut">
               <a:rPr lang="en-US" smtClean="0"/>
-              <a:t>1/4/2021</a:t>
+              <a:t>1/5/2021</a:t>
             </a:fld>
             <a:endParaRPr lang="en-US"/>
           </a:p>
@@ -5225,7 +5225,7 @@
           <a:p>
             <a:fld id="{CD2AB640-041E-414A-8FDF-E33E6A90A0DD}" type="datetimeFigureOut">
               <a:rPr lang="en-US" smtClean="0"/>
-              <a:t>1/4/2021</a:t>
+              <a:t>1/5/2021</a:t>
             </a:fld>
             <a:endParaRPr lang="en-US"/>
           </a:p>
@@ -5490,7 +5490,7 @@
           <a:p>
             <a:fld id="{CD2AB640-041E-414A-8FDF-E33E6A90A0DD}" type="datetimeFigureOut">
               <a:rPr lang="en-US" smtClean="0"/>
-              <a:t>1/4/2021</a:t>
+              <a:t>1/5/2021</a:t>
             </a:fld>
             <a:endParaRPr lang="en-US"/>
           </a:p>
@@ -5902,7 +5902,7 @@
           <a:p>
             <a:fld id="{CD2AB640-041E-414A-8FDF-E33E6A90A0DD}" type="datetimeFigureOut">
               <a:rPr lang="en-US" smtClean="0"/>
-              <a:t>1/4/2021</a:t>
+              <a:t>1/5/2021</a:t>
             </a:fld>
             <a:endParaRPr lang="en-US"/>
           </a:p>
@@ -6043,7 +6043,7 @@
           <a:p>
             <a:fld id="{CD2AB640-041E-414A-8FDF-E33E6A90A0DD}" type="datetimeFigureOut">
               <a:rPr lang="en-US" smtClean="0"/>
-              <a:t>1/4/2021</a:t>
+              <a:t>1/5/2021</a:t>
             </a:fld>
             <a:endParaRPr lang="en-US"/>
           </a:p>
@@ -6156,7 +6156,7 @@
           <a:p>
             <a:fld id="{CD2AB640-041E-414A-8FDF-E33E6A90A0DD}" type="datetimeFigureOut">
               <a:rPr lang="en-US" smtClean="0"/>
-              <a:t>1/4/2021</a:t>
+              <a:t>1/5/2021</a:t>
             </a:fld>
             <a:endParaRPr lang="en-US"/>
           </a:p>
@@ -6467,7 +6467,7 @@
           <a:p>
             <a:fld id="{CD2AB640-041E-414A-8FDF-E33E6A90A0DD}" type="datetimeFigureOut">
               <a:rPr lang="en-US" smtClean="0"/>
-              <a:t>1/4/2021</a:t>
+              <a:t>1/5/2021</a:t>
             </a:fld>
             <a:endParaRPr lang="en-US"/>
           </a:p>
@@ -6755,7 +6755,7 @@
           <a:p>
             <a:fld id="{CD2AB640-041E-414A-8FDF-E33E6A90A0DD}" type="datetimeFigureOut">
               <a:rPr lang="en-US" smtClean="0"/>
-              <a:t>1/4/2021</a:t>
+              <a:t>1/5/2021</a:t>
             </a:fld>
             <a:endParaRPr lang="en-US"/>
           </a:p>
@@ -6996,7 +6996,7 @@
           <a:p>
             <a:fld id="{CD2AB640-041E-414A-8FDF-E33E6A90A0DD}" type="datetimeFigureOut">
               <a:rPr lang="en-US" smtClean="0"/>
-              <a:t>1/4/2021</a:t>
+              <a:t>1/5/2021</a:t>
             </a:fld>
             <a:endParaRPr lang="en-US"/>
           </a:p>
@@ -8000,7 +8000,7 @@
                 <a:ea typeface="Calibri" panose="020F0502020204030204" pitchFamily="34" charset="0"/>
                 <a:cs typeface="Arial" panose="020B0604020202020204" pitchFamily="34" charset="0"/>
               </a:rPr>
-              <a:t>its purpose is to </a:t>
+              <a:t>Its purpose is to </a:t>
             </a:r>
             <a:r>
               <a:rPr lang="en-US" sz="1700" b="1" dirty="0">
@@ -8118,12 +8118,20 @@
             </a:pPr>
             <a:r>
               <a:rPr lang="en-US" sz="1700" dirty="0">
-                <a:effectLst/>
-                <a:latin typeface="Calibri" panose="020F0502020204030204" pitchFamily="34" charset="0"/>
-                <a:ea typeface="Calibri" panose="020F0502020204030204" pitchFamily="34" charset="0"/>
-                <a:cs typeface="Arial" panose="020B0604020202020204" pitchFamily="34" charset="0"/>
-              </a:rPr>
-              <a:t>it can have </a:t>
+                <a:latin typeface="Calibri" panose="020F0502020204030204" pitchFamily="34" charset="0"/>
+                <a:ea typeface="Calibri" panose="020F0502020204030204" pitchFamily="34" charset="0"/>
+                <a:cs typeface="Arial" panose="020B0604020202020204" pitchFamily="34" charset="0"/>
+              </a:rPr>
+              <a:t>I</a:t>
+            </a:r>
+            <a:r>
+              <a:rPr lang="en-US" sz="1700" dirty="0">
+                <a:effectLst/>
+                <a:latin typeface="Calibri" panose="020F0502020204030204" pitchFamily="34" charset="0"/>
+                <a:ea typeface="Calibri" panose="020F0502020204030204" pitchFamily="34" charset="0"/>
+                <a:cs typeface="Arial" panose="020B0604020202020204" pitchFamily="34" charset="0"/>
+              </a:rPr>
+              <a:t>t can have </a:t>
             </a:r>
             <a:r>
               <a:rPr lang="en-US" sz="1700" b="1" dirty="0">
@@ -8981,12 +8989,20 @@
             </a:pPr>
             <a:r>
               <a:rPr lang="en-US" sz="1000" b="1" dirty="0">
-                <a:effectLst/>
-                <a:latin typeface="Calibri" panose="020F0502020204030204" pitchFamily="34" charset="0"/>
-                <a:ea typeface="Calibri" panose="020F0502020204030204" pitchFamily="34" charset="0"/>
-                <a:cs typeface="Arial" panose="020B0604020202020204" pitchFamily="34" charset="0"/>
-              </a:rPr>
-              <a:t>used to </a:t>
+                <a:latin typeface="Calibri" panose="020F0502020204030204" pitchFamily="34" charset="0"/>
+                <a:ea typeface="Calibri" panose="020F0502020204030204" pitchFamily="34" charset="0"/>
+                <a:cs typeface="Arial" panose="020B0604020202020204" pitchFamily="34" charset="0"/>
+              </a:rPr>
+              <a:t>U</a:t>
+            </a:r>
+            <a:r>
+              <a:rPr lang="en-US" sz="1000" b="1" dirty="0">
+                <a:effectLst/>
+                <a:latin typeface="Calibri" panose="020F0502020204030204" pitchFamily="34" charset="0"/>
+                <a:ea typeface="Calibri" panose="020F0502020204030204" pitchFamily="34" charset="0"/>
+                <a:cs typeface="Arial" panose="020B0604020202020204" pitchFamily="34" charset="0"/>
+              </a:rPr>
+              <a:t>sed to </a:t>
             </a:r>
             <a:r>
               <a:rPr lang="en-US" sz="1000" dirty="0">
@@ -11274,7 +11290,7 @@
           <a:p>
             <a:r>
               <a:rPr lang="en-US" sz="2000" dirty="0"/>
-              <a:t>consists the following variables and constraints:</a:t>
+              <a:t>Consists the following variables and constraints:</a:t>
             </a:r>
           </a:p>
           <a:p>
@@ -13886,7 +13902,7 @@
           <a:p>
             <a:r>
               <a:rPr lang="en-US" sz="2000" dirty="0"/>
-              <a:t>an early test was done, </a:t>
+              <a:t>An early test was done, </a:t>
             </a:r>
             <a:r>
               <a:rPr lang="en-US" sz="2000" b="1" dirty="0"/>
@@ -14164,7 +14180,7 @@
             <p:ph idx="1"/>
             <p:extLst>
               <p:ext uri="{D42A27DB-BD31-4B8C-83A1-F6EECF244321}">
-                <p14:modId xmlns:p14="http://schemas.microsoft.com/office/powerpoint/2010/main" val="3101398780"/>
+                <p14:modId xmlns:p14="http://schemas.microsoft.com/office/powerpoint/2010/main" val="14429510"/>
               </p:ext>
             </p:extLst>
           </p:nvPr>
@@ -14472,31 +14488,7 @@
                           <a:ea typeface="+mn-ea"/>
                           <a:cs typeface="+mn-cs"/>
                         </a:rPr>
-                        <a:t>First only one data point will be </a:t>
-                      </a:r>
-                      <a:r>
-                        <a:rPr lang="en-US" sz="1600" kern="1200" dirty="0" err="1">
-                          <a:solidFill>
-                            <a:schemeClr val="dk1"/>
-                          </a:solidFill>
-                          <a:effectLst/>
-                          <a:latin typeface="+mn-lt"/>
-                          <a:ea typeface="+mn-ea"/>
-                          <a:cs typeface="+mn-cs"/>
-                        </a:rPr>
-                        <a:t>random.At</a:t>
-                      </a:r>
-                      <a:r>
-                        <a:rPr lang="en-US" sz="1600" kern="1200" dirty="0">
-                          <a:solidFill>
-                            <a:schemeClr val="dk1"/>
-                          </a:solidFill>
-                          <a:effectLst/>
-                          <a:latin typeface="+mn-lt"/>
-                          <a:ea typeface="+mn-ea"/>
-                          <a:cs typeface="+mn-cs"/>
-                        </a:rPr>
-                        <a:t> each iteration, one more data point will be randomly generated. </a:t>
+                        <a:t>First only one data point will be random. At each iteration, one more data point will be randomly generated. </a:t>
                       </a:r>
                     </a:p>
                     <a:p>
@@ -18845,7 +18837,7 @@
                 <a:latin typeface="Calibri" panose="020F0502020204030204" pitchFamily="34" charset="0"/>
                 <a:cs typeface="Arial" panose="020B0604020202020204" pitchFamily="34" charset="0"/>
               </a:rPr>
-              <a:t>it was in the 2</a:t>
+              <a:t>It was in the 2</a:t>
             </a:r>
             <a:r>
               <a:rPr lang="en-US" sz="1600" baseline="30000" dirty="0">
@@ -19747,34 +19739,6 @@
           </a:p>
         </p:txBody>
       </p:sp>
-      <p:pic>
-        <p:nvPicPr>
-          <p:cNvPr id="4" name="Picture 3">
-            <a:extLst>
-              <a:ext uri="{FF2B5EF4-FFF2-40B4-BE49-F238E27FC236}">
-                <a16:creationId xmlns:a16="http://schemas.microsoft.com/office/drawing/2014/main" id="{D315DA4D-93CD-4AAB-98F7-5B5091A7F160}"/>
-              </a:ext>
-            </a:extLst>
-          </p:cNvPr>
-          <p:cNvPicPr/>
-          <p:nvPr/>
-        </p:nvPicPr>
-        <p:blipFill>
-          <a:blip r:embed="rId3"/>
-          <a:stretch>
-            <a:fillRect/>
-          </a:stretch>
-        </p:blipFill>
-        <p:spPr>
-          <a:xfrm>
-            <a:off x="7531100" y="1493256"/>
-            <a:ext cx="4000500" cy="4829810"/>
-          </a:xfrm>
-          <a:prstGeom prst="rect">
-            <a:avLst/>
-          </a:prstGeom>
-        </p:spPr>
-      </p:pic>
       <p:sp>
         <p:nvSpPr>
           <p:cNvPr id="5" name="Rectangle 1">
@@ -20210,22 +20174,7 @@
                 <a:ea typeface="Calibri" panose="020F0502020204030204" pitchFamily="34" charset="0"/>
                 <a:cs typeface="Arial" panose="020B0604020202020204" pitchFamily="34" charset="0"/>
               </a:rPr>
-              <a:t>New means calculation </a:t>
-            </a:r>
-            <a:r>
-              <a:rPr kumimoji="0" lang="en-US" altLang="en-US" sz="1800" b="0" i="0" u="none" strike="noStrike" cap="none" normalizeH="0" baseline="0" dirty="0" err="1">
-                <a:ln>
-                  <a:noFill/>
-                </a:ln>
-                <a:solidFill>
-                  <a:schemeClr val="tx1"/>
-                </a:solidFill>
-                <a:effectLst/>
-                <a:latin typeface="+mn-lt"/>
-                <a:ea typeface="Calibri" panose="020F0502020204030204" pitchFamily="34" charset="0"/>
-                <a:cs typeface="Arial" panose="020B0604020202020204" pitchFamily="34" charset="0"/>
-              </a:rPr>
-              <a:t>blockt</a:t>
+              <a:t>New means calculation block</a:t>
             </a:r>
             <a:endParaRPr kumimoji="0" lang="en-US" altLang="en-US" sz="3200" b="0" i="0" u="none" strike="noStrike" cap="none" normalizeH="0" baseline="0" dirty="0">
               <a:ln>
@@ -20240,6 +20189,34 @@
           </a:p>
         </p:txBody>
       </p:sp>
+      <p:pic>
+        <p:nvPicPr>
+          <p:cNvPr id="6" name="Picture 5">
+            <a:extLst>
+              <a:ext uri="{FF2B5EF4-FFF2-40B4-BE49-F238E27FC236}">
+                <a16:creationId xmlns:a16="http://schemas.microsoft.com/office/drawing/2014/main" id="{44DC7C7D-40A2-44A0-95B4-13F243CB0837}"/>
+              </a:ext>
+            </a:extLst>
+          </p:cNvPr>
+          <p:cNvPicPr/>
+          <p:nvPr/>
+        </p:nvPicPr>
+        <p:blipFill>
+          <a:blip r:embed="rId3"/>
+          <a:stretch>
+            <a:fillRect/>
+          </a:stretch>
+        </p:blipFill>
+        <p:spPr>
+          <a:xfrm>
+            <a:off x="6519889" y="1965551"/>
+            <a:ext cx="5486400" cy="3642360"/>
+          </a:xfrm>
+          <a:prstGeom prst="rect">
+            <a:avLst/>
+          </a:prstGeom>
+        </p:spPr>
+      </p:pic>
     </p:spTree>
     <p:extLst>
       <p:ext uri="{BB962C8B-B14F-4D97-AF65-F5344CB8AC3E}">
@@ -24561,7 +24538,7 @@
                 <a:latin typeface="Calibri" panose="020F0502020204030204" pitchFamily="34" charset="0"/>
                 <a:cs typeface="Arial" panose="020B0604020202020204" pitchFamily="34" charset="0"/>
               </a:rPr>
-              <a:t>Sequences are an ordered collection of transactions, they shape and generate them to our needs.</a:t>
+              <a:t>Sequences are an ordered collection of transactions; they shape and generate them to our needs.</a:t>
             </a:r>
           </a:p>
           <a:p>

--- a/Final presentation 3.pptx
+++ b/Final presentation 3.pptx
@@ -2144,7 +2144,7 @@
       </p:grpSpPr>
       <p:sp>
         <p:nvSpPr>
-          <p:cNvPr id="2" name="מציין מיקום של תמונת שקופית 1"/>
+          <p:cNvPr id="2" name="Slide Image Placeholder 1"/>
           <p:cNvSpPr>
             <a:spLocks noGrp="1" noRot="1" noChangeAspect="1"/>
           </p:cNvSpPr>
@@ -2156,7 +2156,7 @@
       </p:sp>
       <p:sp>
         <p:nvSpPr>
-          <p:cNvPr id="3" name="מציין מיקום של הערות 2"/>
+          <p:cNvPr id="3" name="Notes Placeholder 2"/>
           <p:cNvSpPr>
             <a:spLocks noGrp="1"/>
           </p:cNvSpPr>
@@ -2169,13 +2169,13 @@
           <a:bodyPr/>
           <a:lstStyle/>
           <a:p>
-            <a:endParaRPr lang="he-IL" dirty="0"/>
+            <a:endParaRPr lang="en-US" dirty="0"/>
           </a:p>
         </p:txBody>
       </p:sp>
       <p:sp>
         <p:nvSpPr>
-          <p:cNvPr id="4" name="מציין מיקום של מספר שקופית 3"/>
+          <p:cNvPr id="4" name="Slide Number Placeholder 3"/>
           <p:cNvSpPr>
             <a:spLocks noGrp="1"/>
           </p:cNvSpPr>
@@ -2190,7 +2190,7 @@
           <a:p>
             <a:fld id="{509FA207-E8FD-4363-95A6-907EB6A63BD8}" type="slidenum">
               <a:rPr lang="en-US" smtClean="0"/>
-              <a:t>38</a:t>
+              <a:t>37</a:t>
             </a:fld>
             <a:endParaRPr lang="en-US"/>
           </a:p>
@@ -2199,7 +2199,7 @@
     </p:spTree>
     <p:extLst>
       <p:ext uri="{BB962C8B-B14F-4D97-AF65-F5344CB8AC3E}">
-        <p14:creationId xmlns:p14="http://schemas.microsoft.com/office/powerpoint/2010/main" val="2503242467"/>
+        <p14:creationId xmlns:p14="http://schemas.microsoft.com/office/powerpoint/2010/main" val="2349559880"/>
       </p:ext>
     </p:extLst>
   </p:cSld>
@@ -2312,6 +2312,90 @@
       </p:grpSpPr>
       <p:sp>
         <p:nvSpPr>
+          <p:cNvPr id="2" name="מציין מיקום של תמונת שקופית 1"/>
+          <p:cNvSpPr>
+            <a:spLocks noGrp="1" noRot="1" noChangeAspect="1"/>
+          </p:cNvSpPr>
+          <p:nvPr>
+            <p:ph type="sldImg"/>
+          </p:nvPr>
+        </p:nvSpPr>
+        <p:spPr/>
+      </p:sp>
+      <p:sp>
+        <p:nvSpPr>
+          <p:cNvPr id="3" name="מציין מיקום של הערות 2"/>
+          <p:cNvSpPr>
+            <a:spLocks noGrp="1"/>
+          </p:cNvSpPr>
+          <p:nvPr>
+            <p:ph type="body" idx="1"/>
+          </p:nvPr>
+        </p:nvSpPr>
+        <p:spPr/>
+        <p:txBody>
+          <a:bodyPr/>
+          <a:lstStyle/>
+          <a:p>
+            <a:endParaRPr lang="he-IL" dirty="0"/>
+          </a:p>
+        </p:txBody>
+      </p:sp>
+      <p:sp>
+        <p:nvSpPr>
+          <p:cNvPr id="4" name="מציין מיקום של מספר שקופית 3"/>
+          <p:cNvSpPr>
+            <a:spLocks noGrp="1"/>
+          </p:cNvSpPr>
+          <p:nvPr>
+            <p:ph type="sldNum" sz="quarter" idx="5"/>
+          </p:nvPr>
+        </p:nvSpPr>
+        <p:spPr/>
+        <p:txBody>
+          <a:bodyPr/>
+          <a:lstStyle/>
+          <a:p>
+            <a:fld id="{509FA207-E8FD-4363-95A6-907EB6A63BD8}" type="slidenum">
+              <a:rPr lang="en-US" smtClean="0"/>
+              <a:t>38</a:t>
+            </a:fld>
+            <a:endParaRPr lang="en-US"/>
+          </a:p>
+        </p:txBody>
+      </p:sp>
+    </p:spTree>
+    <p:extLst>
+      <p:ext uri="{BB962C8B-B14F-4D97-AF65-F5344CB8AC3E}">
+        <p14:creationId xmlns:p14="http://schemas.microsoft.com/office/powerpoint/2010/main" val="2503242467"/>
+      </p:ext>
+    </p:extLst>
+  </p:cSld>
+  <p:clrMapOvr>
+    <a:masterClrMapping/>
+  </p:clrMapOvr>
+</p:notes>
+</file>
+
+<file path=ppt/notesSlides/notesSlide21.xml><?xml version="1.0" encoding="utf-8"?>
+<p:notes xmlns:a="http://schemas.openxmlformats.org/drawingml/2006/main" xmlns:r="http://schemas.openxmlformats.org/officeDocument/2006/relationships" xmlns:p="http://schemas.openxmlformats.org/presentationml/2006/main">
+  <p:cSld>
+    <p:spTree>
+      <p:nvGrpSpPr>
+        <p:cNvPr id="1" name=""/>
+        <p:cNvGrpSpPr/>
+        <p:nvPr/>
+      </p:nvGrpSpPr>
+      <p:grpSpPr>
+        <a:xfrm>
+          <a:off x="0" y="0"/>
+          <a:ext cx="0" cy="0"/>
+          <a:chOff x="0" y="0"/>
+          <a:chExt cx="0" cy="0"/>
+        </a:xfrm>
+      </p:grpSpPr>
+      <p:sp>
+        <p:nvSpPr>
           <p:cNvPr id="2" name="Slide Image Placeholder 1"/>
           <p:cNvSpPr>
             <a:spLocks noGrp="1" noRot="1" noChangeAspect="1"/>
@@ -2459,7 +2543,7 @@
 </p:notes>
 </file>
 
-<file path=ppt/notesSlides/notesSlide21.xml><?xml version="1.0" encoding="utf-8"?>
+<file path=ppt/notesSlides/notesSlide22.xml><?xml version="1.0" encoding="utf-8"?>
 <p:notes xmlns:a="http://schemas.openxmlformats.org/drawingml/2006/main" xmlns:r="http://schemas.openxmlformats.org/officeDocument/2006/relationships" xmlns:p="http://schemas.openxmlformats.org/presentationml/2006/main">
   <p:cSld>
     <p:spTree>
@@ -2543,7 +2627,7 @@
 </p:notes>
 </file>
 
-<file path=ppt/notesSlides/notesSlide22.xml><?xml version="1.0" encoding="utf-8"?>
+<file path=ppt/notesSlides/notesSlide23.xml><?xml version="1.0" encoding="utf-8"?>
 <p:notes xmlns:a="http://schemas.openxmlformats.org/drawingml/2006/main" xmlns:r="http://schemas.openxmlformats.org/officeDocument/2006/relationships" xmlns:p="http://schemas.openxmlformats.org/presentationml/2006/main">
   <p:cSld>
     <p:spTree>
@@ -9865,672 +9949,306 @@
           </a:p>
         </p:txBody>
       </p:sp>
-      <mc:AlternateContent xmlns:mc="http://schemas.openxmlformats.org/markup-compatibility/2006" xmlns:a14="http://schemas.microsoft.com/office/drawing/2010/main">
-        <mc:Choice Requires="a14">
-          <p:sp>
-            <p:nvSpPr>
-              <p:cNvPr id="3" name="Content Placeholder 2">
-                <a:extLst>
-                  <a:ext uri="{FF2B5EF4-FFF2-40B4-BE49-F238E27FC236}">
-                    <a16:creationId xmlns:a16="http://schemas.microsoft.com/office/drawing/2014/main" id="{631A9714-6A36-4BE3-84F6-BF912A79D008}"/>
-                  </a:ext>
-                </a:extLst>
-              </p:cNvPr>
-              <p:cNvSpPr>
-                <a:spLocks noGrp="1"/>
-              </p:cNvSpPr>
-              <p:nvPr>
-                <p:ph idx="1"/>
-              </p:nvPr>
-            </p:nvSpPr>
-            <p:spPr>
-              <a:xfrm>
-                <a:off x="838200" y="1825625"/>
-                <a:ext cx="10515600" cy="4667250"/>
-              </a:xfrm>
-            </p:spPr>
-            <p:txBody>
-              <a:bodyPr>
-                <a:normAutofit fontScale="85000" lnSpcReduction="20000"/>
-              </a:bodyPr>
-              <a:lstStyle/>
-              <a:p>
-                <a:pPr marL="0" marR="0">
-                  <a:lnSpc>
-                    <a:spcPct val="107000"/>
-                  </a:lnSpc>
-                  <a:spcBef>
-                    <a:spcPts val="0"/>
-                  </a:spcBef>
-                  <a:spcAft>
-                    <a:spcPts val="800"/>
-                  </a:spcAft>
-                </a:pPr>
-                <a:r>
-                  <a:rPr lang="en-US" sz="2000" dirty="0">
-                    <a:effectLst/>
-                    <a:latin typeface="Calibri" panose="020F0502020204030204" pitchFamily="34" charset="0"/>
-                    <a:ea typeface="Calibri" panose="020F0502020204030204" pitchFamily="34" charset="0"/>
-                    <a:cs typeface="Arial" panose="020B0604020202020204" pitchFamily="34" charset="0"/>
-                  </a:rPr>
-                  <a:t>Every data in the DUT is a </a:t>
-                </a:r>
-                <a:r>
-                  <a:rPr lang="en-US" sz="2000" b="1" dirty="0">
-                    <a:effectLst/>
-                    <a:latin typeface="Calibri" panose="020F0502020204030204" pitchFamily="34" charset="0"/>
-                    <a:ea typeface="Calibri" panose="020F0502020204030204" pitchFamily="34" charset="0"/>
-                    <a:cs typeface="Arial" panose="020B0604020202020204" pitchFamily="34" charset="0"/>
-                  </a:rPr>
-                  <a:t>7-dimensional</a:t>
-                </a:r>
-                <a:r>
-                  <a:rPr lang="en-US" sz="2000" dirty="0">
-                    <a:effectLst/>
-                    <a:latin typeface="Calibri" panose="020F0502020204030204" pitchFamily="34" charset="0"/>
-                    <a:ea typeface="Calibri" panose="020F0502020204030204" pitchFamily="34" charset="0"/>
-                    <a:cs typeface="Arial" panose="020B0604020202020204" pitchFamily="34" charset="0"/>
-                  </a:rPr>
-                  <a:t> point.</a:t>
-                </a:r>
-              </a:p>
-              <a:p>
-                <a:pPr marL="0" marR="0">
-                  <a:lnSpc>
-                    <a:spcPct val="107000"/>
-                  </a:lnSpc>
-                  <a:spcBef>
-                    <a:spcPts val="0"/>
-                  </a:spcBef>
-                  <a:spcAft>
-                    <a:spcPts val="800"/>
-                  </a:spcAft>
-                </a:pPr>
-                <a:r>
-                  <a:rPr lang="en-US" sz="2000" dirty="0">
-                    <a:effectLst/>
-                    <a:latin typeface="Calibri" panose="020F0502020204030204" pitchFamily="34" charset="0"/>
-                    <a:ea typeface="Calibri" panose="020F0502020204030204" pitchFamily="34" charset="0"/>
-                    <a:cs typeface="Arial" panose="020B0604020202020204" pitchFamily="34" charset="0"/>
-                  </a:rPr>
-                  <a:t> Every data point or centroid </a:t>
-                </a:r>
-                <a:r>
-                  <a:rPr lang="en-US" sz="2000" dirty="0" err="1">
-                    <a:effectLst/>
-                    <a:latin typeface="Calibri" panose="020F0502020204030204" pitchFamily="34" charset="0"/>
-                    <a:ea typeface="Calibri" panose="020F0502020204030204" pitchFamily="34" charset="0"/>
-                    <a:cs typeface="Arial" panose="020B0604020202020204" pitchFamily="34" charset="0"/>
-                  </a:rPr>
-                  <a:t>cordinate</a:t>
-                </a:r>
-                <a:r>
-                  <a:rPr lang="en-US" sz="2000" dirty="0">
-                    <a:effectLst/>
-                    <a:latin typeface="Calibri" panose="020F0502020204030204" pitchFamily="34" charset="0"/>
-                    <a:ea typeface="Calibri" panose="020F0502020204030204" pitchFamily="34" charset="0"/>
-                    <a:cs typeface="Arial" panose="020B0604020202020204" pitchFamily="34" charset="0"/>
-                  </a:rPr>
-                  <a:t> in the DUT is represented by fixed point representation with 13 bits:</a:t>
-                </a:r>
-              </a:p>
-              <a:p>
-                <a:pPr marL="457200" lvl="1">
-                  <a:lnSpc>
-                    <a:spcPct val="107000"/>
-                  </a:lnSpc>
-                  <a:spcBef>
-                    <a:spcPts val="0"/>
-                  </a:spcBef>
-                  <a:spcAft>
-                    <a:spcPts val="800"/>
-                  </a:spcAft>
-                </a:pPr>
-                <a:r>
-                  <a:rPr lang="en-US" sz="1600" dirty="0">
-                    <a:effectLst/>
-                    <a:latin typeface="Calibri" panose="020F0502020204030204" pitchFamily="34" charset="0"/>
-                    <a:ea typeface="Calibri" panose="020F0502020204030204" pitchFamily="34" charset="0"/>
-                    <a:cs typeface="Arial" panose="020B0604020202020204" pitchFamily="34" charset="0"/>
-                  </a:rPr>
-                  <a:t>1</a:t>
-                </a:r>
-                <a:r>
-                  <a:rPr lang="en-US" sz="1600" dirty="0">
-                    <a:latin typeface="Calibri" panose="020F0502020204030204" pitchFamily="34" charset="0"/>
-                    <a:ea typeface="Calibri" panose="020F0502020204030204" pitchFamily="34" charset="0"/>
-                    <a:cs typeface="Arial" panose="020B0604020202020204" pitchFamily="34" charset="0"/>
-                  </a:rPr>
-                  <a:t> – </a:t>
-                </a:r>
-                <a:r>
-                  <a:rPr lang="en-US" sz="1600" dirty="0">
-                    <a:effectLst/>
-                    <a:latin typeface="Calibri" panose="020F0502020204030204" pitchFamily="34" charset="0"/>
-                    <a:ea typeface="Calibri" panose="020F0502020204030204" pitchFamily="34" charset="0"/>
-                    <a:cs typeface="Arial" panose="020B0604020202020204" pitchFamily="34" charset="0"/>
-                  </a:rPr>
-                  <a:t>the MSB, is the sign bit.</a:t>
-                </a:r>
-              </a:p>
-              <a:p>
-                <a:pPr marL="457200" lvl="1">
-                  <a:lnSpc>
-                    <a:spcPct val="107000"/>
-                  </a:lnSpc>
-                  <a:spcBef>
-                    <a:spcPts val="0"/>
-                  </a:spcBef>
-                  <a:spcAft>
-                    <a:spcPts val="800"/>
-                  </a:spcAft>
-                </a:pPr>
-                <a:r>
-                  <a:rPr lang="en-US" sz="1600" dirty="0">
-                    <a:effectLst/>
-                    <a:latin typeface="Calibri" panose="020F0502020204030204" pitchFamily="34" charset="0"/>
-                    <a:ea typeface="Calibri" panose="020F0502020204030204" pitchFamily="34" charset="0"/>
-                    <a:cs typeface="Arial" panose="020B0604020202020204" pitchFamily="34" charset="0"/>
-                  </a:rPr>
-                  <a:t>2 for the integer part of the number.</a:t>
-                </a:r>
-              </a:p>
-              <a:p>
-                <a:pPr marL="457200" lvl="1">
-                  <a:lnSpc>
-                    <a:spcPct val="107000"/>
-                  </a:lnSpc>
-                  <a:spcBef>
-                    <a:spcPts val="0"/>
-                  </a:spcBef>
-                  <a:spcAft>
-                    <a:spcPts val="800"/>
-                  </a:spcAft>
-                </a:pPr>
-                <a:r>
-                  <a:rPr lang="en-US" sz="1600" dirty="0">
-                    <a:effectLst/>
-                    <a:latin typeface="Calibri" panose="020F0502020204030204" pitchFamily="34" charset="0"/>
-                    <a:ea typeface="Calibri" panose="020F0502020204030204" pitchFamily="34" charset="0"/>
-                    <a:cs typeface="Arial" panose="020B0604020202020204" pitchFamily="34" charset="0"/>
-                  </a:rPr>
-                  <a:t>The remaining 10 are for the fractional part of the number.</a:t>
-                </a:r>
-              </a:p>
-              <a:p>
-                <a:pPr marL="228600" lvl="1" indent="0">
-                  <a:lnSpc>
-                    <a:spcPct val="107000"/>
-                  </a:lnSpc>
-                  <a:spcBef>
-                    <a:spcPts val="0"/>
-                  </a:spcBef>
-                  <a:spcAft>
-                    <a:spcPts val="800"/>
-                  </a:spcAft>
-                  <a:buNone/>
-                </a:pPr>
-                <a:endParaRPr lang="en-US" sz="1600" dirty="0">
-                  <a:effectLst/>
-                  <a:latin typeface="Calibri" panose="020F0502020204030204" pitchFamily="34" charset="0"/>
-                  <a:ea typeface="Calibri" panose="020F0502020204030204" pitchFamily="34" charset="0"/>
-                  <a:cs typeface="Arial" panose="020B0604020202020204" pitchFamily="34" charset="0"/>
-                </a:endParaRPr>
-              </a:p>
-              <a:p>
-                <a:pPr marL="0" marR="0">
-                  <a:lnSpc>
-                    <a:spcPct val="107000"/>
-                  </a:lnSpc>
-                  <a:spcBef>
-                    <a:spcPts val="0"/>
-                  </a:spcBef>
-                  <a:spcAft>
-                    <a:spcPts val="800"/>
-                  </a:spcAft>
-                </a:pPr>
-                <a:r>
-                  <a:rPr lang="en-US" sz="2000" dirty="0">
-                    <a:effectLst/>
-                    <a:latin typeface="Calibri" panose="020F0502020204030204" pitchFamily="34" charset="0"/>
-                    <a:ea typeface="Calibri" panose="020F0502020204030204" pitchFamily="34" charset="0"/>
-                    <a:cs typeface="Arial" panose="020B0604020202020204" pitchFamily="34" charset="0"/>
-                  </a:rPr>
-                  <a:t>The </a:t>
-                </a:r>
-                <a:r>
-                  <a:rPr lang="en-US" sz="2000" b="1" dirty="0">
-                    <a:effectLst/>
-                    <a:latin typeface="Calibri" panose="020F0502020204030204" pitchFamily="34" charset="0"/>
-                    <a:ea typeface="Calibri" panose="020F0502020204030204" pitchFamily="34" charset="0"/>
-                    <a:cs typeface="Arial" panose="020B0604020202020204" pitchFamily="34" charset="0"/>
-                  </a:rPr>
-                  <a:t>dynamic range </a:t>
-                </a:r>
-                <a:r>
-                  <a:rPr lang="en-US" sz="2000" dirty="0">
-                    <a:effectLst/>
-                    <a:latin typeface="Calibri" panose="020F0502020204030204" pitchFamily="34" charset="0"/>
-                    <a:ea typeface="Calibri" panose="020F0502020204030204" pitchFamily="34" charset="0"/>
-                    <a:cs typeface="Arial" panose="020B0604020202020204" pitchFamily="34" charset="0"/>
-                  </a:rPr>
-                  <a:t>of data </a:t>
-                </a:r>
-                <a:r>
-                  <a:rPr lang="en-US" sz="2000" dirty="0" err="1">
-                    <a:effectLst/>
-                    <a:latin typeface="Calibri" panose="020F0502020204030204" pitchFamily="34" charset="0"/>
-                    <a:ea typeface="Calibri" panose="020F0502020204030204" pitchFamily="34" charset="0"/>
-                    <a:cs typeface="Arial" panose="020B0604020202020204" pitchFamily="34" charset="0"/>
-                  </a:rPr>
-                  <a:t>cordinate</a:t>
-                </a:r>
-                <a:r>
-                  <a:rPr lang="en-US" sz="2000" dirty="0">
-                    <a:effectLst/>
-                    <a:latin typeface="Calibri" panose="020F0502020204030204" pitchFamily="34" charset="0"/>
-                    <a:ea typeface="Calibri" panose="020F0502020204030204" pitchFamily="34" charset="0"/>
-                    <a:cs typeface="Arial" panose="020B0604020202020204" pitchFamily="34" charset="0"/>
-                  </a:rPr>
-                  <a:t> is [-3.999,3.999].</a:t>
-                </a:r>
-              </a:p>
-              <a:p>
-                <a:pPr marL="0" marR="0">
-                  <a:lnSpc>
-                    <a:spcPct val="107000"/>
-                  </a:lnSpc>
-                  <a:spcBef>
-                    <a:spcPts val="0"/>
-                  </a:spcBef>
-                  <a:spcAft>
-                    <a:spcPts val="800"/>
-                  </a:spcAft>
-                </a:pPr>
-                <a:r>
-                  <a:rPr lang="en-US" sz="2000" dirty="0">
-                    <a:effectLst/>
-                    <a:latin typeface="Calibri" panose="020F0502020204030204" pitchFamily="34" charset="0"/>
-                    <a:ea typeface="Calibri" panose="020F0502020204030204" pitchFamily="34" charset="0"/>
-                    <a:cs typeface="Arial" panose="020B0604020202020204" pitchFamily="34" charset="0"/>
-                  </a:rPr>
-                  <a:t>The data points are </a:t>
-                </a:r>
-                <a:r>
-                  <a:rPr lang="en-US" sz="2000" b="1" dirty="0">
-                    <a:effectLst/>
-                    <a:latin typeface="Calibri" panose="020F0502020204030204" pitchFamily="34" charset="0"/>
-                    <a:ea typeface="Calibri" panose="020F0502020204030204" pitchFamily="34" charset="0"/>
-                    <a:cs typeface="Arial" panose="020B0604020202020204" pitchFamily="34" charset="0"/>
-                  </a:rPr>
-                  <a:t>stored</a:t>
-                </a:r>
-                <a:r>
-                  <a:rPr lang="en-US" sz="2000" dirty="0">
-                    <a:effectLst/>
-                    <a:latin typeface="Calibri" panose="020F0502020204030204" pitchFamily="34" charset="0"/>
-                    <a:ea typeface="Calibri" panose="020F0502020204030204" pitchFamily="34" charset="0"/>
-                    <a:cs typeface="Arial" panose="020B0604020202020204" pitchFamily="34" charset="0"/>
-                  </a:rPr>
-                  <a:t> in the DUT as matrix of 512x7.</a:t>
-                </a:r>
-              </a:p>
-              <a:p>
-                <a:pPr marL="0" marR="0">
-                  <a:lnSpc>
-                    <a:spcPct val="107000"/>
-                  </a:lnSpc>
-                  <a:spcBef>
-                    <a:spcPts val="0"/>
-                  </a:spcBef>
-                  <a:spcAft>
-                    <a:spcPts val="800"/>
-                  </a:spcAft>
-                </a:pPr>
-                <a:r>
-                  <a:rPr lang="en-US" sz="2000" dirty="0">
-                    <a:effectLst/>
-                    <a:latin typeface="Calibri" panose="020F0502020204030204" pitchFamily="34" charset="0"/>
-                    <a:ea typeface="Calibri" panose="020F0502020204030204" pitchFamily="34" charset="0"/>
-                    <a:cs typeface="Arial" panose="020B0604020202020204" pitchFamily="34" charset="0"/>
-                  </a:rPr>
-                  <a:t>The </a:t>
-                </a:r>
-                <a:r>
-                  <a:rPr lang="en-US" sz="2000" dirty="0">
-                    <a:latin typeface="Calibri" panose="020F0502020204030204" pitchFamily="34" charset="0"/>
-                    <a:ea typeface="Calibri" panose="020F0502020204030204" pitchFamily="34" charset="0"/>
-                    <a:cs typeface="Arial" panose="020B0604020202020204" pitchFamily="34" charset="0"/>
-                  </a:rPr>
-                  <a:t>core consists </a:t>
-                </a:r>
-                <a:r>
-                  <a:rPr lang="en-US" sz="2000" dirty="0">
-                    <a:effectLst/>
-                    <a:latin typeface="Calibri" panose="020F0502020204030204" pitchFamily="34" charset="0"/>
-                    <a:ea typeface="Calibri" panose="020F0502020204030204" pitchFamily="34" charset="0"/>
-                    <a:cs typeface="Arial" panose="020B0604020202020204" pitchFamily="34" charset="0"/>
-                  </a:rPr>
-                  <a:t>accumulators for data points, the maximum value </a:t>
-                </a:r>
-                <a:r>
-                  <a:rPr lang="en-US" sz="2000" dirty="0">
-                    <a:latin typeface="Calibri" panose="020F0502020204030204" pitchFamily="34" charset="0"/>
-                    <a:ea typeface="Calibri" panose="020F0502020204030204" pitchFamily="34" charset="0"/>
-                    <a:cs typeface="Arial" panose="020B0604020202020204" pitchFamily="34" charset="0"/>
-                  </a:rPr>
-                  <a:t>of summation for point’s </a:t>
-                </a:r>
-                <a:r>
-                  <a:rPr lang="en-US" sz="2000" dirty="0" err="1">
-                    <a:effectLst/>
-                    <a:latin typeface="Calibri" panose="020F0502020204030204" pitchFamily="34" charset="0"/>
-                    <a:ea typeface="Calibri" panose="020F0502020204030204" pitchFamily="34" charset="0"/>
-                    <a:cs typeface="Arial" panose="020B0604020202020204" pitchFamily="34" charset="0"/>
-                  </a:rPr>
-                  <a:t>cordinate</a:t>
-                </a:r>
-                <a:r>
-                  <a:rPr lang="en-US" sz="2000" dirty="0">
-                    <a:latin typeface="Calibri" panose="020F0502020204030204" pitchFamily="34" charset="0"/>
-                    <a:ea typeface="Calibri" panose="020F0502020204030204" pitchFamily="34" charset="0"/>
-                    <a:cs typeface="Arial" panose="020B0604020202020204" pitchFamily="34" charset="0"/>
-                  </a:rPr>
-                  <a:t>:</a:t>
-                </a:r>
-                <a:endParaRPr lang="en-US" sz="2000" dirty="0">
-                  <a:effectLst/>
-                  <a:latin typeface="Calibri" panose="020F0502020204030204" pitchFamily="34" charset="0"/>
-                  <a:ea typeface="Calibri" panose="020F0502020204030204" pitchFamily="34" charset="0"/>
-                  <a:cs typeface="Arial" panose="020B0604020202020204" pitchFamily="34" charset="0"/>
-                </a:endParaRPr>
-              </a:p>
-              <a:p>
-                <a:pPr marL="0" marR="0" indent="0" algn="ctr">
-                  <a:lnSpc>
-                    <a:spcPct val="107000"/>
-                  </a:lnSpc>
-                  <a:spcBef>
-                    <a:spcPts val="0"/>
-                  </a:spcBef>
-                  <a:spcAft>
-                    <a:spcPts val="800"/>
-                  </a:spcAft>
-                  <a:buNone/>
-                </a:pPr>
-                <a14:m>
-                  <m:oMath xmlns:m="http://schemas.openxmlformats.org/officeDocument/2006/math">
-                    <m:r>
-                      <a:rPr lang="en-US" sz="2000" i="1">
-                        <a:effectLst/>
-                        <a:latin typeface="Cambria Math" panose="02040503050406030204" pitchFamily="18" charset="0"/>
-                        <a:ea typeface="Calibri" panose="020F0502020204030204" pitchFamily="34" charset="0"/>
-                        <a:cs typeface="Arial" panose="020B0604020202020204" pitchFamily="34" charset="0"/>
-                      </a:rPr>
-                      <m:t>3</m:t>
-                    </m:r>
-                    <m:r>
-                      <a:rPr lang="en-US" sz="2000" i="1">
-                        <a:effectLst/>
-                        <a:latin typeface="Cambria Math" panose="02040503050406030204" pitchFamily="18" charset="0"/>
-                        <a:ea typeface="Calibri" panose="020F0502020204030204" pitchFamily="34" charset="0"/>
-                        <a:cs typeface="Arial" panose="020B0604020202020204" pitchFamily="34" charset="0"/>
-                      </a:rPr>
-                      <m:t>.</m:t>
-                    </m:r>
-                    <m:r>
-                      <a:rPr lang="en-US" sz="2000" i="1">
-                        <a:effectLst/>
-                        <a:latin typeface="Cambria Math" panose="02040503050406030204" pitchFamily="18" charset="0"/>
-                        <a:ea typeface="Calibri" panose="020F0502020204030204" pitchFamily="34" charset="0"/>
-                        <a:cs typeface="Arial" panose="020B0604020202020204" pitchFamily="34" charset="0"/>
-                      </a:rPr>
-                      <m:t>999</m:t>
-                    </m:r>
-                    <m:r>
-                      <a:rPr lang="en-US" sz="2000" i="1">
-                        <a:effectLst/>
-                        <a:latin typeface="Cambria Math" panose="02040503050406030204" pitchFamily="18" charset="0"/>
-                        <a:ea typeface="Calibri" panose="020F0502020204030204" pitchFamily="34" charset="0"/>
-                        <a:cs typeface="Arial" panose="020B0604020202020204" pitchFamily="34" charset="0"/>
-                      </a:rPr>
-                      <m:t>∗</m:t>
-                    </m:r>
-                    <m:r>
-                      <a:rPr lang="en-US" sz="2000" i="1">
-                        <a:effectLst/>
-                        <a:latin typeface="Cambria Math" panose="02040503050406030204" pitchFamily="18" charset="0"/>
-                        <a:ea typeface="Calibri" panose="020F0502020204030204" pitchFamily="34" charset="0"/>
-                        <a:cs typeface="Arial" panose="020B0604020202020204" pitchFamily="34" charset="0"/>
-                      </a:rPr>
-                      <m:t>512</m:t>
-                    </m:r>
-                    <m:r>
-                      <a:rPr lang="en-US" sz="2000" i="1">
-                        <a:effectLst/>
-                        <a:latin typeface="Cambria Math" panose="02040503050406030204" pitchFamily="18" charset="0"/>
-                        <a:ea typeface="Calibri" panose="020F0502020204030204" pitchFamily="34" charset="0"/>
-                        <a:cs typeface="Arial" panose="020B0604020202020204" pitchFamily="34" charset="0"/>
-                      </a:rPr>
-                      <m:t>=</m:t>
-                    </m:r>
-                    <m:r>
-                      <a:rPr lang="en-US" sz="2000" i="1">
-                        <a:effectLst/>
-                        <a:latin typeface="Cambria Math" panose="02040503050406030204" pitchFamily="18" charset="0"/>
-                        <a:ea typeface="Calibri" panose="020F0502020204030204" pitchFamily="34" charset="0"/>
-                        <a:cs typeface="Arial" panose="020B0604020202020204" pitchFamily="34" charset="0"/>
-                      </a:rPr>
-                      <m:t>2047</m:t>
-                    </m:r>
-                    <m:r>
-                      <a:rPr lang="en-US" sz="2000" i="1">
-                        <a:effectLst/>
-                        <a:latin typeface="Cambria Math" panose="02040503050406030204" pitchFamily="18" charset="0"/>
-                        <a:ea typeface="Calibri" panose="020F0502020204030204" pitchFamily="34" charset="0"/>
-                        <a:cs typeface="Arial" panose="020B0604020202020204" pitchFamily="34" charset="0"/>
-                      </a:rPr>
-                      <m:t>.</m:t>
-                    </m:r>
-                    <m:r>
-                      <a:rPr lang="en-US" sz="2000" i="1">
-                        <a:effectLst/>
-                        <a:latin typeface="Cambria Math" panose="02040503050406030204" pitchFamily="18" charset="0"/>
-                        <a:ea typeface="Calibri" panose="020F0502020204030204" pitchFamily="34" charset="0"/>
-                        <a:cs typeface="Arial" panose="020B0604020202020204" pitchFamily="34" charset="0"/>
-                      </a:rPr>
-                      <m:t>448</m:t>
-                    </m:r>
-                  </m:oMath>
-                </a14:m>
-                <a:r>
-                  <a:rPr lang="en-US" sz="2000" dirty="0">
-                    <a:effectLst/>
-                    <a:latin typeface="Calibri" panose="020F0502020204030204" pitchFamily="34" charset="0"/>
-                    <a:ea typeface="Times New Roman" panose="02020603050405020304" pitchFamily="18" charset="0"/>
-                    <a:cs typeface="Arial" panose="020B0604020202020204" pitchFamily="34" charset="0"/>
-                  </a:rPr>
-                  <a:t> </a:t>
-                </a:r>
-                <a:r>
-                  <a:rPr lang="en-US" sz="2000" dirty="0">
-                    <a:solidFill>
-                      <a:srgbClr val="FF0000"/>
-                    </a:solidFill>
-                    <a:effectLst/>
-                    <a:latin typeface="Calibri" panose="020F0502020204030204" pitchFamily="34" charset="0"/>
-                    <a:ea typeface="Times New Roman" panose="02020603050405020304" pitchFamily="18" charset="0"/>
-                    <a:cs typeface="Arial" panose="020B0604020202020204" pitchFamily="34" charset="0"/>
-                  </a:rPr>
-                  <a:t> </a:t>
-                </a:r>
-                <a:endParaRPr lang="en-US" sz="2000" dirty="0">
-                  <a:effectLst/>
-                  <a:latin typeface="Calibri" panose="020F0502020204030204" pitchFamily="34" charset="0"/>
-                  <a:ea typeface="Calibri" panose="020F0502020204030204" pitchFamily="34" charset="0"/>
-                  <a:cs typeface="Arial" panose="020B0604020202020204" pitchFamily="34" charset="0"/>
-                </a:endParaRPr>
-              </a:p>
-              <a:p>
-                <a:pPr marL="0" marR="0">
-                  <a:lnSpc>
-                    <a:spcPct val="107000"/>
-                  </a:lnSpc>
-                  <a:spcBef>
-                    <a:spcPts val="0"/>
-                  </a:spcBef>
-                  <a:spcAft>
-                    <a:spcPts val="800"/>
-                  </a:spcAft>
-                </a:pPr>
-                <a:r>
-                  <a:rPr lang="en-US" sz="2000" dirty="0">
-                    <a:effectLst/>
-                    <a:latin typeface="Calibri" panose="020F0502020204030204" pitchFamily="34" charset="0"/>
-                    <a:ea typeface="Calibri" panose="020F0502020204030204" pitchFamily="34" charset="0"/>
-                    <a:cs typeface="Arial" panose="020B0604020202020204" pitchFamily="34" charset="0"/>
-                  </a:rPr>
-                  <a:t>In order to represent this value, 22 bits will be needed:</a:t>
-                </a:r>
-              </a:p>
-              <a:p>
-                <a:pPr marL="457200" lvl="1">
-                  <a:lnSpc>
-                    <a:spcPct val="107000"/>
-                  </a:lnSpc>
-                  <a:spcBef>
-                    <a:spcPts val="0"/>
-                  </a:spcBef>
-                  <a:spcAft>
-                    <a:spcPts val="800"/>
-                  </a:spcAft>
-                </a:pPr>
-                <a:r>
-                  <a:rPr lang="en-US" sz="1600" dirty="0">
-                    <a:effectLst/>
-                    <a:latin typeface="Calibri" panose="020F0502020204030204" pitchFamily="34" charset="0"/>
-                    <a:ea typeface="Calibri" panose="020F0502020204030204" pitchFamily="34" charset="0"/>
-                    <a:cs typeface="Arial" panose="020B0604020202020204" pitchFamily="34" charset="0"/>
-                  </a:rPr>
-                  <a:t>1(the MSB is a sign bit).</a:t>
-                </a:r>
-              </a:p>
-              <a:p>
-                <a:pPr marL="457200" lvl="1">
-                  <a:lnSpc>
-                    <a:spcPct val="107000"/>
-                  </a:lnSpc>
-                  <a:spcBef>
-                    <a:spcPts val="0"/>
-                  </a:spcBef>
-                  <a:spcAft>
-                    <a:spcPts val="800"/>
-                  </a:spcAft>
-                </a:pPr>
-                <a:r>
-                  <a:rPr lang="en-US" sz="1600" dirty="0">
-                    <a:effectLst/>
-                    <a:latin typeface="Calibri" panose="020F0502020204030204" pitchFamily="34" charset="0"/>
-                    <a:ea typeface="Calibri" panose="020F0502020204030204" pitchFamily="34" charset="0"/>
-                    <a:cs typeface="Arial" panose="020B0604020202020204" pitchFamily="34" charset="0"/>
-                  </a:rPr>
-                  <a:t>11 for integer part of the number.</a:t>
-                </a:r>
-              </a:p>
-              <a:p>
-                <a:pPr marL="457200" lvl="1">
-                  <a:lnSpc>
-                    <a:spcPct val="107000"/>
-                  </a:lnSpc>
-                  <a:spcBef>
-                    <a:spcPts val="0"/>
-                  </a:spcBef>
-                  <a:spcAft>
-                    <a:spcPts val="800"/>
-                  </a:spcAft>
-                </a:pPr>
-                <a:r>
-                  <a:rPr lang="en-US" sz="1600" dirty="0">
-                    <a:effectLst/>
-                    <a:latin typeface="Calibri" panose="020F0502020204030204" pitchFamily="34" charset="0"/>
-                    <a:ea typeface="Calibri" panose="020F0502020204030204" pitchFamily="34" charset="0"/>
-                    <a:cs typeface="Arial" panose="020B0604020202020204" pitchFamily="34" charset="0"/>
-                  </a:rPr>
-                  <a:t>The remaining 10 for the fractional part of the number.</a:t>
-                </a:r>
-              </a:p>
-              <a:p>
-                <a:pPr marL="0" marR="0">
-                  <a:lnSpc>
-                    <a:spcPct val="107000"/>
-                  </a:lnSpc>
-                  <a:spcBef>
-                    <a:spcPts val="0"/>
-                  </a:spcBef>
-                  <a:spcAft>
-                    <a:spcPts val="800"/>
-                  </a:spcAft>
-                </a:pPr>
-                <a:endParaRPr lang="en-US" sz="2000" dirty="0">
-                  <a:effectLst/>
-                  <a:latin typeface="Calibri" panose="020F0502020204030204" pitchFamily="34" charset="0"/>
-                  <a:ea typeface="Calibri" panose="020F0502020204030204" pitchFamily="34" charset="0"/>
-                  <a:cs typeface="Arial" panose="020B0604020202020204" pitchFamily="34" charset="0"/>
-                </a:endParaRPr>
-              </a:p>
-              <a:p>
-                <a:pPr marL="0" indent="0">
-                  <a:buNone/>
-                </a:pPr>
-                <a:endParaRPr lang="en-US" sz="3200" dirty="0"/>
-              </a:p>
-            </p:txBody>
-          </p:sp>
-        </mc:Choice>
-        <mc:Fallback xmlns="">
-          <p:sp>
-            <p:nvSpPr>
-              <p:cNvPr id="3" name="Content Placeholder 2">
-                <a:extLst>
-                  <a:ext uri="{FF2B5EF4-FFF2-40B4-BE49-F238E27FC236}">
-                    <a16:creationId xmlns:a16="http://schemas.microsoft.com/office/drawing/2014/main" id="{631A9714-6A36-4BE3-84F6-BF912A79D008}"/>
-                  </a:ext>
-                </a:extLst>
-              </p:cNvPr>
-              <p:cNvSpPr>
-                <a:spLocks noGrp="1" noRot="1" noChangeAspect="1" noMove="1" noResize="1" noEditPoints="1" noAdjustHandles="1" noChangeArrowheads="1" noChangeShapeType="1" noTextEdit="1"/>
-              </p:cNvSpPr>
-              <p:nvPr>
-                <p:ph idx="1"/>
-              </p:nvPr>
-            </p:nvSpPr>
-            <p:spPr>
-              <a:xfrm>
-                <a:off x="838200" y="1825625"/>
-                <a:ext cx="10515600" cy="4667250"/>
-              </a:xfrm>
-              <a:blipFill>
-                <a:blip r:embed="rId2"/>
-                <a:stretch>
-                  <a:fillRect l="-290" t="-1044"/>
-                </a:stretch>
-              </a:blipFill>
-            </p:spPr>
-            <p:txBody>
-              <a:bodyPr/>
-              <a:lstStyle/>
-              <a:p>
-                <a:r>
-                  <a:rPr lang="he-IL">
-                    <a:noFill/>
-                  </a:rPr>
-                  <a:t> </a:t>
-                </a:r>
-              </a:p>
-            </p:txBody>
-          </p:sp>
-        </mc:Fallback>
-      </mc:AlternateContent>
+      <p:sp>
+        <p:nvSpPr>
+          <p:cNvPr id="3" name="Content Placeholder 2">
+            <a:extLst>
+              <a:ext uri="{FF2B5EF4-FFF2-40B4-BE49-F238E27FC236}">
+                <a16:creationId xmlns:a16="http://schemas.microsoft.com/office/drawing/2014/main" id="{631A9714-6A36-4BE3-84F6-BF912A79D008}"/>
+              </a:ext>
+            </a:extLst>
+          </p:cNvPr>
+          <p:cNvSpPr>
+            <a:spLocks noGrp="1"/>
+          </p:cNvSpPr>
+          <p:nvPr>
+            <p:ph idx="1"/>
+          </p:nvPr>
+        </p:nvSpPr>
+        <p:spPr>
+          <a:xfrm>
+            <a:off x="838200" y="1825625"/>
+            <a:ext cx="10515600" cy="4667250"/>
+          </a:xfrm>
+        </p:spPr>
+        <p:txBody>
+          <a:bodyPr>
+            <a:normAutofit/>
+          </a:bodyPr>
+          <a:lstStyle/>
+          <a:p>
+            <a:pPr marL="0" marR="0">
+              <a:lnSpc>
+                <a:spcPct val="107000"/>
+              </a:lnSpc>
+              <a:spcBef>
+                <a:spcPts val="0"/>
+              </a:spcBef>
+              <a:spcAft>
+                <a:spcPts val="800"/>
+              </a:spcAft>
+            </a:pPr>
+            <a:r>
+              <a:rPr lang="en-US" sz="2400" dirty="0">
+                <a:effectLst/>
+                <a:latin typeface="Calibri" panose="020F0502020204030204" pitchFamily="34" charset="0"/>
+                <a:ea typeface="Calibri" panose="020F0502020204030204" pitchFamily="34" charset="0"/>
+                <a:cs typeface="Arial" panose="020B0604020202020204" pitchFamily="34" charset="0"/>
+              </a:rPr>
+              <a:t>Every data in the DUT is a </a:t>
+            </a:r>
+            <a:r>
+              <a:rPr lang="en-US" sz="2400" b="1" dirty="0">
+                <a:effectLst/>
+                <a:latin typeface="Calibri" panose="020F0502020204030204" pitchFamily="34" charset="0"/>
+                <a:ea typeface="Calibri" panose="020F0502020204030204" pitchFamily="34" charset="0"/>
+                <a:cs typeface="Arial" panose="020B0604020202020204" pitchFamily="34" charset="0"/>
+              </a:rPr>
+              <a:t>7-dimensional</a:t>
+            </a:r>
+            <a:r>
+              <a:rPr lang="en-US" sz="2400" dirty="0">
+                <a:effectLst/>
+                <a:latin typeface="Calibri" panose="020F0502020204030204" pitchFamily="34" charset="0"/>
+                <a:ea typeface="Calibri" panose="020F0502020204030204" pitchFamily="34" charset="0"/>
+                <a:cs typeface="Arial" panose="020B0604020202020204" pitchFamily="34" charset="0"/>
+              </a:rPr>
+              <a:t> point.</a:t>
+            </a:r>
+          </a:p>
+          <a:p>
+            <a:pPr marL="0" marR="0">
+              <a:lnSpc>
+                <a:spcPct val="107000"/>
+              </a:lnSpc>
+              <a:spcBef>
+                <a:spcPts val="0"/>
+              </a:spcBef>
+              <a:spcAft>
+                <a:spcPts val="800"/>
+              </a:spcAft>
+            </a:pPr>
+            <a:r>
+              <a:rPr lang="en-US" sz="2400" dirty="0">
+                <a:effectLst/>
+                <a:latin typeface="Calibri" panose="020F0502020204030204" pitchFamily="34" charset="0"/>
+                <a:ea typeface="Calibri" panose="020F0502020204030204" pitchFamily="34" charset="0"/>
+                <a:cs typeface="Arial" panose="020B0604020202020204" pitchFamily="34" charset="0"/>
+              </a:rPr>
+              <a:t> Every data point or centroid coordinate in the DUT is represented by fixed point representation with 13 bits:</a:t>
+            </a:r>
+          </a:p>
+          <a:p>
+            <a:pPr marL="457200" lvl="1">
+              <a:lnSpc>
+                <a:spcPct val="107000"/>
+              </a:lnSpc>
+              <a:spcBef>
+                <a:spcPts val="0"/>
+              </a:spcBef>
+              <a:spcAft>
+                <a:spcPts val="800"/>
+              </a:spcAft>
+            </a:pPr>
+            <a:r>
+              <a:rPr lang="en-US" sz="1800" dirty="0">
+                <a:effectLst/>
+                <a:latin typeface="Calibri" panose="020F0502020204030204" pitchFamily="34" charset="0"/>
+                <a:ea typeface="Calibri" panose="020F0502020204030204" pitchFamily="34" charset="0"/>
+                <a:cs typeface="Arial" panose="020B0604020202020204" pitchFamily="34" charset="0"/>
+              </a:rPr>
+              <a:t>1</a:t>
+            </a:r>
+            <a:r>
+              <a:rPr lang="en-US" sz="1800" dirty="0">
+                <a:latin typeface="Calibri" panose="020F0502020204030204" pitchFamily="34" charset="0"/>
+                <a:ea typeface="Calibri" panose="020F0502020204030204" pitchFamily="34" charset="0"/>
+                <a:cs typeface="Arial" panose="020B0604020202020204" pitchFamily="34" charset="0"/>
+              </a:rPr>
+              <a:t> – </a:t>
+            </a:r>
+            <a:r>
+              <a:rPr lang="en-US" sz="1800" dirty="0">
+                <a:effectLst/>
+                <a:latin typeface="Calibri" panose="020F0502020204030204" pitchFamily="34" charset="0"/>
+                <a:ea typeface="Calibri" panose="020F0502020204030204" pitchFamily="34" charset="0"/>
+                <a:cs typeface="Arial" panose="020B0604020202020204" pitchFamily="34" charset="0"/>
+              </a:rPr>
+              <a:t>the MSB, is the sign bit.</a:t>
+            </a:r>
+          </a:p>
+          <a:p>
+            <a:pPr marL="457200" lvl="1">
+              <a:lnSpc>
+                <a:spcPct val="107000"/>
+              </a:lnSpc>
+              <a:spcBef>
+                <a:spcPts val="0"/>
+              </a:spcBef>
+              <a:spcAft>
+                <a:spcPts val="800"/>
+              </a:spcAft>
+            </a:pPr>
+            <a:r>
+              <a:rPr lang="en-US" sz="1800" dirty="0">
+                <a:effectLst/>
+                <a:latin typeface="Calibri" panose="020F0502020204030204" pitchFamily="34" charset="0"/>
+                <a:ea typeface="Calibri" panose="020F0502020204030204" pitchFamily="34" charset="0"/>
+                <a:cs typeface="Arial" panose="020B0604020202020204" pitchFamily="34" charset="0"/>
+              </a:rPr>
+              <a:t>2 for the integer part of the number.</a:t>
+            </a:r>
+          </a:p>
+          <a:p>
+            <a:pPr marL="457200" lvl="1">
+              <a:lnSpc>
+                <a:spcPct val="107000"/>
+              </a:lnSpc>
+              <a:spcBef>
+                <a:spcPts val="0"/>
+              </a:spcBef>
+              <a:spcAft>
+                <a:spcPts val="800"/>
+              </a:spcAft>
+            </a:pPr>
+            <a:r>
+              <a:rPr lang="en-US" sz="1800" dirty="0">
+                <a:effectLst/>
+                <a:latin typeface="Calibri" panose="020F0502020204030204" pitchFamily="34" charset="0"/>
+                <a:ea typeface="Calibri" panose="020F0502020204030204" pitchFamily="34" charset="0"/>
+                <a:cs typeface="Arial" panose="020B0604020202020204" pitchFamily="34" charset="0"/>
+              </a:rPr>
+              <a:t>The remaining 10 are for the fractional part of the number.</a:t>
+            </a:r>
+          </a:p>
+          <a:p>
+            <a:pPr marL="228600" lvl="1" indent="0">
+              <a:lnSpc>
+                <a:spcPct val="107000"/>
+              </a:lnSpc>
+              <a:spcBef>
+                <a:spcPts val="0"/>
+              </a:spcBef>
+              <a:spcAft>
+                <a:spcPts val="800"/>
+              </a:spcAft>
+              <a:buNone/>
+            </a:pPr>
+            <a:endParaRPr lang="en-US" sz="1800" dirty="0">
+              <a:effectLst/>
+              <a:latin typeface="Calibri" panose="020F0502020204030204" pitchFamily="34" charset="0"/>
+              <a:ea typeface="Calibri" panose="020F0502020204030204" pitchFamily="34" charset="0"/>
+              <a:cs typeface="Arial" panose="020B0604020202020204" pitchFamily="34" charset="0"/>
+            </a:endParaRPr>
+          </a:p>
+          <a:p>
+            <a:pPr marL="0" marR="0">
+              <a:lnSpc>
+                <a:spcPct val="107000"/>
+              </a:lnSpc>
+              <a:spcBef>
+                <a:spcPts val="0"/>
+              </a:spcBef>
+              <a:spcAft>
+                <a:spcPts val="800"/>
+              </a:spcAft>
+            </a:pPr>
+            <a:r>
+              <a:rPr lang="en-US" sz="2400" dirty="0">
+                <a:effectLst/>
+                <a:latin typeface="Calibri" panose="020F0502020204030204" pitchFamily="34" charset="0"/>
+                <a:ea typeface="Calibri" panose="020F0502020204030204" pitchFamily="34" charset="0"/>
+                <a:cs typeface="Arial" panose="020B0604020202020204" pitchFamily="34" charset="0"/>
+              </a:rPr>
+              <a:t>The </a:t>
+            </a:r>
+            <a:r>
+              <a:rPr lang="en-US" sz="2400" b="1" dirty="0">
+                <a:effectLst/>
+                <a:latin typeface="Calibri" panose="020F0502020204030204" pitchFamily="34" charset="0"/>
+                <a:ea typeface="Calibri" panose="020F0502020204030204" pitchFamily="34" charset="0"/>
+                <a:cs typeface="Arial" panose="020B0604020202020204" pitchFamily="34" charset="0"/>
+              </a:rPr>
+              <a:t>dynamic range </a:t>
+            </a:r>
+            <a:r>
+              <a:rPr lang="en-US" sz="2400" dirty="0">
+                <a:effectLst/>
+                <a:latin typeface="Calibri" panose="020F0502020204030204" pitchFamily="34" charset="0"/>
+                <a:ea typeface="Calibri" panose="020F0502020204030204" pitchFamily="34" charset="0"/>
+                <a:cs typeface="Arial" panose="020B0604020202020204" pitchFamily="34" charset="0"/>
+              </a:rPr>
+              <a:t>of data coordinate is [-3.999,3.999].</a:t>
+            </a:r>
+          </a:p>
+          <a:p>
+            <a:pPr marL="0" marR="0">
+              <a:lnSpc>
+                <a:spcPct val="107000"/>
+              </a:lnSpc>
+              <a:spcBef>
+                <a:spcPts val="0"/>
+              </a:spcBef>
+              <a:spcAft>
+                <a:spcPts val="800"/>
+              </a:spcAft>
+            </a:pPr>
+            <a:r>
+              <a:rPr lang="en-US" sz="2400" dirty="0">
+                <a:effectLst/>
+                <a:latin typeface="Calibri" panose="020F0502020204030204" pitchFamily="34" charset="0"/>
+                <a:ea typeface="Calibri" panose="020F0502020204030204" pitchFamily="34" charset="0"/>
+                <a:cs typeface="Arial" panose="020B0604020202020204" pitchFamily="34" charset="0"/>
+              </a:rPr>
+              <a:t>The data points are </a:t>
+            </a:r>
+            <a:r>
+              <a:rPr lang="en-US" sz="2400" b="1" dirty="0">
+                <a:effectLst/>
+                <a:latin typeface="Calibri" panose="020F0502020204030204" pitchFamily="34" charset="0"/>
+                <a:ea typeface="Calibri" panose="020F0502020204030204" pitchFamily="34" charset="0"/>
+                <a:cs typeface="Arial" panose="020B0604020202020204" pitchFamily="34" charset="0"/>
+              </a:rPr>
+              <a:t>stored</a:t>
+            </a:r>
+            <a:r>
+              <a:rPr lang="en-US" sz="2400" dirty="0">
+                <a:effectLst/>
+                <a:latin typeface="Calibri" panose="020F0502020204030204" pitchFamily="34" charset="0"/>
+                <a:ea typeface="Calibri" panose="020F0502020204030204" pitchFamily="34" charset="0"/>
+                <a:cs typeface="Arial" panose="020B0604020202020204" pitchFamily="34" charset="0"/>
+              </a:rPr>
+              <a:t> in the DUT as matrix of 512x7.</a:t>
+            </a:r>
+          </a:p>
+          <a:p>
+            <a:pPr marL="0" marR="0" indent="0">
+              <a:lnSpc>
+                <a:spcPct val="107000"/>
+              </a:lnSpc>
+              <a:spcBef>
+                <a:spcPts val="0"/>
+              </a:spcBef>
+              <a:spcAft>
+                <a:spcPts val="800"/>
+              </a:spcAft>
+              <a:buNone/>
+            </a:pPr>
+            <a:endParaRPr lang="en-US" sz="2400" dirty="0">
+              <a:effectLst/>
+              <a:latin typeface="Calibri" panose="020F0502020204030204" pitchFamily="34" charset="0"/>
+              <a:ea typeface="Calibri" panose="020F0502020204030204" pitchFamily="34" charset="0"/>
+              <a:cs typeface="Arial" panose="020B0604020202020204" pitchFamily="34" charset="0"/>
+            </a:endParaRPr>
+          </a:p>
+          <a:p>
+            <a:pPr marL="0" indent="0">
+              <a:buNone/>
+            </a:pPr>
+            <a:endParaRPr lang="en-US" sz="3600" dirty="0"/>
+          </a:p>
+        </p:txBody>
+      </p:sp>
     </p:spTree>
     <p:extLst>
       <p:ext uri="{BB962C8B-B14F-4D97-AF65-F5344CB8AC3E}">
@@ -19651,6 +19369,121 @@
               <a:t>The following figure details the code coverage from the DUT modules:</a:t>
             </a:r>
           </a:p>
+          <a:p>
+            <a:pPr lvl="1">
+              <a:lnSpc>
+                <a:spcPct val="100000"/>
+              </a:lnSpc>
+            </a:pPr>
+            <a:r>
+              <a:rPr kumimoji="0" lang="en-US" altLang="en-US" sz="1600" b="0" i="0" u="none" strike="noStrike" cap="none" normalizeH="0" baseline="0" dirty="0">
+                <a:ln>
+                  <a:noFill/>
+                </a:ln>
+                <a:solidFill>
+                  <a:schemeClr val="tx1"/>
+                </a:solidFill>
+                <a:effectLst/>
+                <a:latin typeface="+mn-lt"/>
+                <a:ea typeface="Calibri" panose="020F0502020204030204" pitchFamily="34" charset="0"/>
+                <a:cs typeface="Arial" panose="020B0604020202020204" pitchFamily="34" charset="0"/>
+              </a:rPr>
+              <a:t>Reg File</a:t>
+            </a:r>
+            <a:endParaRPr kumimoji="0" lang="en-US" altLang="en-US" sz="1600" b="0" i="0" u="none" strike="noStrike" cap="none" normalizeH="0" baseline="0" dirty="0">
+              <a:ln>
+                <a:noFill/>
+              </a:ln>
+              <a:solidFill>
+                <a:schemeClr val="tx1"/>
+              </a:solidFill>
+              <a:effectLst/>
+              <a:latin typeface="+mn-lt"/>
+            </a:endParaRPr>
+          </a:p>
+          <a:p>
+            <a:pPr lvl="1">
+              <a:lnSpc>
+                <a:spcPct val="100000"/>
+              </a:lnSpc>
+            </a:pPr>
+            <a:r>
+              <a:rPr kumimoji="0" lang="en-US" altLang="en-US" sz="1600" b="0" i="0" u="none" strike="noStrike" cap="none" normalizeH="0" baseline="0" dirty="0">
+                <a:ln>
+                  <a:noFill/>
+                </a:ln>
+                <a:solidFill>
+                  <a:schemeClr val="tx1"/>
+                </a:solidFill>
+                <a:effectLst/>
+                <a:latin typeface="+mn-lt"/>
+                <a:ea typeface="Calibri" panose="020F0502020204030204" pitchFamily="34" charset="0"/>
+                <a:cs typeface="Arial" panose="020B0604020202020204" pitchFamily="34" charset="0"/>
+              </a:rPr>
+              <a:t>RAM</a:t>
+            </a:r>
+            <a:endParaRPr kumimoji="0" lang="en-US" altLang="en-US" sz="1600" b="0" i="0" u="none" strike="noStrike" cap="none" normalizeH="0" baseline="0" dirty="0">
+              <a:ln>
+                <a:noFill/>
+              </a:ln>
+              <a:solidFill>
+                <a:schemeClr val="tx1"/>
+              </a:solidFill>
+              <a:effectLst/>
+              <a:latin typeface="+mn-lt"/>
+            </a:endParaRPr>
+          </a:p>
+          <a:p>
+            <a:pPr lvl="1">
+              <a:lnSpc>
+                <a:spcPct val="100000"/>
+              </a:lnSpc>
+            </a:pPr>
+            <a:r>
+              <a:rPr kumimoji="0" lang="en-US" altLang="en-US" sz="1600" b="0" i="0" u="none" strike="noStrike" cap="none" normalizeH="0" baseline="0" dirty="0">
+                <a:ln>
+                  <a:noFill/>
+                </a:ln>
+                <a:solidFill>
+                  <a:schemeClr val="tx1"/>
+                </a:solidFill>
+                <a:effectLst/>
+                <a:latin typeface="+mn-lt"/>
+                <a:ea typeface="Calibri" panose="020F0502020204030204" pitchFamily="34" charset="0"/>
+                <a:cs typeface="Arial" panose="020B0604020202020204" pitchFamily="34" charset="0"/>
+              </a:rPr>
+              <a:t>Convergence check block</a:t>
+            </a:r>
+          </a:p>
+          <a:p>
+            <a:pPr lvl="1">
+              <a:lnSpc>
+                <a:spcPct val="100000"/>
+              </a:lnSpc>
+            </a:pPr>
+            <a:r>
+              <a:rPr lang="en-US" altLang="en-US" sz="1600" dirty="0">
+                <a:cs typeface="Arial" panose="020B0604020202020204" pitchFamily="34" charset="0"/>
+              </a:rPr>
+              <a:t>New means calculation block</a:t>
+            </a:r>
+            <a:endParaRPr kumimoji="0" lang="en-US" altLang="en-US" sz="1600" b="0" i="0" u="none" strike="noStrike" cap="none" normalizeH="0" baseline="0" dirty="0">
+              <a:ln>
+                <a:noFill/>
+              </a:ln>
+              <a:solidFill>
+                <a:schemeClr val="tx1"/>
+              </a:solidFill>
+              <a:effectLst/>
+              <a:latin typeface="+mn-lt"/>
+            </a:endParaRPr>
+          </a:p>
+          <a:p>
+            <a:pPr marL="0" indent="0">
+              <a:buNone/>
+            </a:pPr>
+            <a:endParaRPr lang="en-US" sz="2000" dirty="0"/>
+          </a:p>
         </p:txBody>
       </p:sp>
       <p:pic>
@@ -19666,7 +19499,7 @@
           <p:nvPr/>
         </p:nvPicPr>
         <p:blipFill>
-          <a:blip r:embed="rId2"/>
+          <a:blip r:embed="rId3"/>
           <a:stretch>
             <a:fillRect/>
           </a:stretch>

--- a/Final presentation 3.pptx
+++ b/Final presentation 3.pptx
@@ -255,7 +255,7 @@
           <a:p>
             <a:fld id="{B2E107C9-5FE0-4864-97C4-A8FF847E0675}" type="datetimeFigureOut">
               <a:rPr lang="en-US" smtClean="0"/>
-              <a:t>1/5/2021</a:t>
+              <a:t>1/6/2021</a:t>
             </a:fld>
             <a:endParaRPr lang="en-US"/>
           </a:p>
@@ -4430,7 +4430,7 @@
           <a:p>
             <a:fld id="{CD2AB640-041E-414A-8FDF-E33E6A90A0DD}" type="datetimeFigureOut">
               <a:rPr lang="en-US" smtClean="0"/>
-              <a:t>1/5/2021</a:t>
+              <a:t>1/6/2021</a:t>
             </a:fld>
             <a:endParaRPr lang="en-US"/>
           </a:p>
@@ -4628,7 +4628,7 @@
           <a:p>
             <a:fld id="{CD2AB640-041E-414A-8FDF-E33E6A90A0DD}" type="datetimeFigureOut">
               <a:rPr lang="en-US" smtClean="0"/>
-              <a:t>1/5/2021</a:t>
+              <a:t>1/6/2021</a:t>
             </a:fld>
             <a:endParaRPr lang="en-US"/>
           </a:p>
@@ -4836,7 +4836,7 @@
           <a:p>
             <a:fld id="{CD2AB640-041E-414A-8FDF-E33E6A90A0DD}" type="datetimeFigureOut">
               <a:rPr lang="en-US" smtClean="0"/>
-              <a:t>1/5/2021</a:t>
+              <a:t>1/6/2021</a:t>
             </a:fld>
             <a:endParaRPr lang="en-US"/>
           </a:p>
@@ -5034,7 +5034,7 @@
           <a:p>
             <a:fld id="{CD2AB640-041E-414A-8FDF-E33E6A90A0DD}" type="datetimeFigureOut">
               <a:rPr lang="en-US" smtClean="0"/>
-              <a:t>1/5/2021</a:t>
+              <a:t>1/6/2021</a:t>
             </a:fld>
             <a:endParaRPr lang="en-US"/>
           </a:p>
@@ -5309,7 +5309,7 @@
           <a:p>
             <a:fld id="{CD2AB640-041E-414A-8FDF-E33E6A90A0DD}" type="datetimeFigureOut">
               <a:rPr lang="en-US" smtClean="0"/>
-              <a:t>1/5/2021</a:t>
+              <a:t>1/6/2021</a:t>
             </a:fld>
             <a:endParaRPr lang="en-US"/>
           </a:p>
@@ -5574,7 +5574,7 @@
           <a:p>
             <a:fld id="{CD2AB640-041E-414A-8FDF-E33E6A90A0DD}" type="datetimeFigureOut">
               <a:rPr lang="en-US" smtClean="0"/>
-              <a:t>1/5/2021</a:t>
+              <a:t>1/6/2021</a:t>
             </a:fld>
             <a:endParaRPr lang="en-US"/>
           </a:p>
@@ -5986,7 +5986,7 @@
           <a:p>
             <a:fld id="{CD2AB640-041E-414A-8FDF-E33E6A90A0DD}" type="datetimeFigureOut">
               <a:rPr lang="en-US" smtClean="0"/>
-              <a:t>1/5/2021</a:t>
+              <a:t>1/6/2021</a:t>
             </a:fld>
             <a:endParaRPr lang="en-US"/>
           </a:p>
@@ -6127,7 +6127,7 @@
           <a:p>
             <a:fld id="{CD2AB640-041E-414A-8FDF-E33E6A90A0DD}" type="datetimeFigureOut">
               <a:rPr lang="en-US" smtClean="0"/>
-              <a:t>1/5/2021</a:t>
+              <a:t>1/6/2021</a:t>
             </a:fld>
             <a:endParaRPr lang="en-US"/>
           </a:p>
@@ -6240,7 +6240,7 @@
           <a:p>
             <a:fld id="{CD2AB640-041E-414A-8FDF-E33E6A90A0DD}" type="datetimeFigureOut">
               <a:rPr lang="en-US" smtClean="0"/>
-              <a:t>1/5/2021</a:t>
+              <a:t>1/6/2021</a:t>
             </a:fld>
             <a:endParaRPr lang="en-US"/>
           </a:p>
@@ -6551,7 +6551,7 @@
           <a:p>
             <a:fld id="{CD2AB640-041E-414A-8FDF-E33E6A90A0DD}" type="datetimeFigureOut">
               <a:rPr lang="en-US" smtClean="0"/>
-              <a:t>1/5/2021</a:t>
+              <a:t>1/6/2021</a:t>
             </a:fld>
             <a:endParaRPr lang="en-US"/>
           </a:p>
@@ -6839,7 +6839,7 @@
           <a:p>
             <a:fld id="{CD2AB640-041E-414A-8FDF-E33E6A90A0DD}" type="datetimeFigureOut">
               <a:rPr lang="en-US" smtClean="0"/>
-              <a:t>1/5/2021</a:t>
+              <a:t>1/6/2021</a:t>
             </a:fld>
             <a:endParaRPr lang="en-US"/>
           </a:p>
@@ -7080,7 +7080,7 @@
           <a:p>
             <a:fld id="{CD2AB640-041E-414A-8FDF-E33E6A90A0DD}" type="datetimeFigureOut">
               <a:rPr lang="en-US" smtClean="0"/>
-              <a:t>1/5/2021</a:t>
+              <a:t>1/6/2021</a:t>
             </a:fld>
             <a:endParaRPr lang="en-US"/>
           </a:p>
@@ -10493,7 +10493,21 @@
                 <a:latin typeface="Calibri" panose="020F0502020204030204" pitchFamily="34" charset="0"/>
                 <a:cs typeface="Arial" panose="020B0604020202020204" pitchFamily="34" charset="0"/>
               </a:rPr>
-              <a:t>centroids value:</a:t>
+              <a:t>C</a:t>
+            </a:r>
+            <a:r>
+              <a:rPr lang="en-US" sz="2000">
+                <a:latin typeface="Calibri" panose="020F0502020204030204" pitchFamily="34" charset="0"/>
+                <a:cs typeface="Arial" panose="020B0604020202020204" pitchFamily="34" charset="0"/>
+              </a:rPr>
+              <a:t>entroids </a:t>
+            </a:r>
+            <a:r>
+              <a:rPr lang="en-US" sz="2000" dirty="0">
+                <a:latin typeface="Calibri" panose="020F0502020204030204" pitchFamily="34" charset="0"/>
+                <a:cs typeface="Arial" panose="020B0604020202020204" pitchFamily="34" charset="0"/>
+              </a:rPr>
+              <a:t>value:</a:t>
             </a:r>
           </a:p>
           <a:p>
